--- a/presentation/Milestone_Presentation.pptx
+++ b/presentation/Milestone_Presentation.pptx
@@ -1,6 +1,6 @@
 
 <file path=ppt/presentation.xml><?xml version="1.0" encoding="utf-8"?>
-<p:presentation xmlns:a="http://schemas.openxmlformats.org/drawingml/2006/main" xmlns:r="http://schemas.openxmlformats.org/officeDocument/2006/relationships" xmlns:p="http://schemas.openxmlformats.org/presentationml/2006/main" saveSubsetFonts="1">
+<p:presentation xmlns:a="http://schemas.openxmlformats.org/drawingml/2006/main" xmlns:r="http://schemas.openxmlformats.org/officeDocument/2006/relationships" xmlns:p="http://schemas.openxmlformats.org/presentationml/2006/main" showSpecialPlsOnTitleSld="0" saveSubsetFonts="1">
   <p:sldMasterIdLst>
     <p:sldMasterId id="2147483648" r:id="rId1"/>
   </p:sldMasterIdLst>
@@ -2112,9 +2112,9 @@
           <a:bodyPr/>
           <a:lstStyle/>
           <a:p>
-            <a:fld id="{E981EAC2-BEA1-4A38-870C-492542521EC7}" type="datetimeFigureOut">
-              <a:rPr lang="de-CH" smtClean="0"/>
-              <a:t>17.05.2021</a:t>
+            <a:fld id="{BCAA0A92-DC03-4D25-A264-BFC08D4CD015}" type="datetime1">
+              <a:rPr lang="en-GB" smtClean="0"/>
+              <a:t>17/05/2021</a:t>
             </a:fld>
             <a:endParaRPr lang="de-CH"/>
           </a:p>
@@ -2141,7 +2141,10 @@
           <a:bodyPr/>
           <a:lstStyle/>
           <a:p>
-            <a:endParaRPr lang="de-CH"/>
+            <a:r>
+              <a:rPr lang="de-CH"/>
+              <a:t>Roman Studer, Alexandre Rau</a:t>
+            </a:r>
           </a:p>
         </p:txBody>
       </p:sp>
@@ -2312,9 +2315,9 @@
           <a:bodyPr/>
           <a:lstStyle/>
           <a:p>
-            <a:fld id="{E981EAC2-BEA1-4A38-870C-492542521EC7}" type="datetimeFigureOut">
-              <a:rPr lang="de-CH" smtClean="0"/>
-              <a:t>17.05.2021</a:t>
+            <a:fld id="{A25118E1-A51B-44AC-863B-0C534E181289}" type="datetime1">
+              <a:rPr lang="en-GB" smtClean="0"/>
+              <a:t>17/05/2021</a:t>
             </a:fld>
             <a:endParaRPr lang="de-CH"/>
           </a:p>
@@ -2341,7 +2344,10 @@
           <a:bodyPr/>
           <a:lstStyle/>
           <a:p>
-            <a:endParaRPr lang="de-CH"/>
+            <a:r>
+              <a:rPr lang="de-CH"/>
+              <a:t>Roman Studer, Alexandre Rau</a:t>
+            </a:r>
           </a:p>
         </p:txBody>
       </p:sp>
@@ -2522,9 +2528,9 @@
           <a:bodyPr/>
           <a:lstStyle/>
           <a:p>
-            <a:fld id="{E981EAC2-BEA1-4A38-870C-492542521EC7}" type="datetimeFigureOut">
-              <a:rPr lang="de-CH" smtClean="0"/>
-              <a:t>17.05.2021</a:t>
+            <a:fld id="{68347162-85CA-466E-AAD4-FE5966B36CF2}" type="datetime1">
+              <a:rPr lang="en-GB" smtClean="0"/>
+              <a:t>17/05/2021</a:t>
             </a:fld>
             <a:endParaRPr lang="de-CH"/>
           </a:p>
@@ -2551,7 +2557,10 @@
           <a:bodyPr/>
           <a:lstStyle/>
           <a:p>
-            <a:endParaRPr lang="de-CH"/>
+            <a:r>
+              <a:rPr lang="de-CH"/>
+              <a:t>Roman Studer, Alexandre Rau</a:t>
+            </a:r>
           </a:p>
         </p:txBody>
       </p:sp>
@@ -2722,9 +2731,9 @@
           <a:bodyPr/>
           <a:lstStyle/>
           <a:p>
-            <a:fld id="{E981EAC2-BEA1-4A38-870C-492542521EC7}" type="datetimeFigureOut">
-              <a:rPr lang="de-CH" smtClean="0"/>
-              <a:t>17.05.2021</a:t>
+            <a:fld id="{DF529DF0-518B-45BE-8F68-37D6F1CB836E}" type="datetime1">
+              <a:rPr lang="en-GB" smtClean="0"/>
+              <a:t>17/05/2021</a:t>
             </a:fld>
             <a:endParaRPr lang="de-CH"/>
           </a:p>
@@ -2751,7 +2760,10 @@
           <a:bodyPr/>
           <a:lstStyle/>
           <a:p>
-            <a:endParaRPr lang="de-CH"/>
+            <a:r>
+              <a:rPr lang="de-CH"/>
+              <a:t>Roman Studer, Alexandre Rau</a:t>
+            </a:r>
           </a:p>
         </p:txBody>
       </p:sp>
@@ -2998,9 +3010,9 @@
           <a:bodyPr/>
           <a:lstStyle/>
           <a:p>
-            <a:fld id="{E981EAC2-BEA1-4A38-870C-492542521EC7}" type="datetimeFigureOut">
-              <a:rPr lang="de-CH" smtClean="0"/>
-              <a:t>17.05.2021</a:t>
+            <a:fld id="{385457D0-B2B2-4DF2-9C27-BF6FDD3E9239}" type="datetime1">
+              <a:rPr lang="en-GB" smtClean="0"/>
+              <a:t>17/05/2021</a:t>
             </a:fld>
             <a:endParaRPr lang="de-CH"/>
           </a:p>
@@ -3027,7 +3039,10 @@
           <a:bodyPr/>
           <a:lstStyle/>
           <a:p>
-            <a:endParaRPr lang="de-CH"/>
+            <a:r>
+              <a:rPr lang="de-CH"/>
+              <a:t>Roman Studer, Alexandre Rau</a:t>
+            </a:r>
           </a:p>
         </p:txBody>
       </p:sp>
@@ -3266,9 +3281,9 @@
           <a:bodyPr/>
           <a:lstStyle/>
           <a:p>
-            <a:fld id="{E981EAC2-BEA1-4A38-870C-492542521EC7}" type="datetimeFigureOut">
-              <a:rPr lang="de-CH" smtClean="0"/>
-              <a:t>17.05.2021</a:t>
+            <a:fld id="{DC7CC2D3-FBCC-4E5A-82F8-C8310041936A}" type="datetime1">
+              <a:rPr lang="en-GB" smtClean="0"/>
+              <a:t>17/05/2021</a:t>
             </a:fld>
             <a:endParaRPr lang="de-CH"/>
           </a:p>
@@ -3295,7 +3310,10 @@
           <a:bodyPr/>
           <a:lstStyle/>
           <a:p>
-            <a:endParaRPr lang="de-CH"/>
+            <a:r>
+              <a:rPr lang="de-CH"/>
+              <a:t>Roman Studer, Alexandre Rau</a:t>
+            </a:r>
           </a:p>
         </p:txBody>
       </p:sp>
@@ -3681,9 +3699,9 @@
           <a:bodyPr/>
           <a:lstStyle/>
           <a:p>
-            <a:fld id="{E981EAC2-BEA1-4A38-870C-492542521EC7}" type="datetimeFigureOut">
-              <a:rPr lang="de-CH" smtClean="0"/>
-              <a:t>17.05.2021</a:t>
+            <a:fld id="{06C8B410-2A70-4949-8F95-CD824CBC2CF1}" type="datetime1">
+              <a:rPr lang="en-GB" smtClean="0"/>
+              <a:t>17/05/2021</a:t>
             </a:fld>
             <a:endParaRPr lang="de-CH"/>
           </a:p>
@@ -3710,7 +3728,10 @@
           <a:bodyPr/>
           <a:lstStyle/>
           <a:p>
-            <a:endParaRPr lang="de-CH"/>
+            <a:r>
+              <a:rPr lang="de-CH"/>
+              <a:t>Roman Studer, Alexandre Rau</a:t>
+            </a:r>
           </a:p>
         </p:txBody>
       </p:sp>
@@ -3823,9 +3844,9 @@
           <a:bodyPr/>
           <a:lstStyle/>
           <a:p>
-            <a:fld id="{E981EAC2-BEA1-4A38-870C-492542521EC7}" type="datetimeFigureOut">
-              <a:rPr lang="de-CH" smtClean="0"/>
-              <a:t>17.05.2021</a:t>
+            <a:fld id="{63919177-9F07-41D6-AC7C-7C4F618072F7}" type="datetime1">
+              <a:rPr lang="en-GB" smtClean="0"/>
+              <a:t>17/05/2021</a:t>
             </a:fld>
             <a:endParaRPr lang="de-CH"/>
           </a:p>
@@ -3852,7 +3873,10 @@
           <a:bodyPr/>
           <a:lstStyle/>
           <a:p>
-            <a:endParaRPr lang="de-CH"/>
+            <a:r>
+              <a:rPr lang="de-CH"/>
+              <a:t>Roman Studer, Alexandre Rau</a:t>
+            </a:r>
           </a:p>
         </p:txBody>
       </p:sp>
@@ -3936,9 +3960,9 @@
           <a:bodyPr/>
           <a:lstStyle/>
           <a:p>
-            <a:fld id="{E981EAC2-BEA1-4A38-870C-492542521EC7}" type="datetimeFigureOut">
-              <a:rPr lang="de-CH" smtClean="0"/>
-              <a:t>17.05.2021</a:t>
+            <a:fld id="{573CED0D-72C6-468E-870A-7243315FB3D4}" type="datetime1">
+              <a:rPr lang="en-GB" smtClean="0"/>
+              <a:t>17/05/2021</a:t>
             </a:fld>
             <a:endParaRPr lang="de-CH"/>
           </a:p>
@@ -3965,7 +3989,10 @@
           <a:bodyPr/>
           <a:lstStyle/>
           <a:p>
-            <a:endParaRPr lang="de-CH"/>
+            <a:r>
+              <a:rPr lang="de-CH"/>
+              <a:t>Roman Studer, Alexandre Rau</a:t>
+            </a:r>
           </a:p>
         </p:txBody>
       </p:sp>
@@ -4249,9 +4276,9 @@
           <a:bodyPr/>
           <a:lstStyle/>
           <a:p>
-            <a:fld id="{E981EAC2-BEA1-4A38-870C-492542521EC7}" type="datetimeFigureOut">
-              <a:rPr lang="de-CH" smtClean="0"/>
-              <a:t>17.05.2021</a:t>
+            <a:fld id="{BBC51648-CACD-4968-9637-D1E9E16248D7}" type="datetime1">
+              <a:rPr lang="en-GB" smtClean="0"/>
+              <a:t>17/05/2021</a:t>
             </a:fld>
             <a:endParaRPr lang="de-CH"/>
           </a:p>
@@ -4278,7 +4305,10 @@
           <a:bodyPr/>
           <a:lstStyle/>
           <a:p>
-            <a:endParaRPr lang="de-CH"/>
+            <a:r>
+              <a:rPr lang="de-CH"/>
+              <a:t>Roman Studer, Alexandre Rau</a:t>
+            </a:r>
           </a:p>
         </p:txBody>
       </p:sp>
@@ -4538,9 +4568,9 @@
           <a:bodyPr/>
           <a:lstStyle/>
           <a:p>
-            <a:fld id="{E981EAC2-BEA1-4A38-870C-492542521EC7}" type="datetimeFigureOut">
-              <a:rPr lang="de-CH" smtClean="0"/>
-              <a:t>17.05.2021</a:t>
+            <a:fld id="{A6E75902-A249-44C9-B383-67F6504C04DA}" type="datetime1">
+              <a:rPr lang="en-GB" smtClean="0"/>
+              <a:t>17/05/2021</a:t>
             </a:fld>
             <a:endParaRPr lang="de-CH"/>
           </a:p>
@@ -4567,7 +4597,10 @@
           <a:bodyPr/>
           <a:lstStyle/>
           <a:p>
-            <a:endParaRPr lang="de-CH"/>
+            <a:r>
+              <a:rPr lang="de-CH"/>
+              <a:t>Roman Studer, Alexandre Rau</a:t>
+            </a:r>
           </a:p>
         </p:txBody>
       </p:sp>
@@ -4781,9 +4814,9 @@
             </a:lvl1pPr>
           </a:lstStyle>
           <a:p>
-            <a:fld id="{E981EAC2-BEA1-4A38-870C-492542521EC7}" type="datetimeFigureOut">
-              <a:rPr lang="de-CH" smtClean="0"/>
-              <a:t>17.05.2021</a:t>
+            <a:fld id="{AE1C57E3-159D-47B7-BBBD-02B6226898C8}" type="datetime1">
+              <a:rPr lang="en-GB" smtClean="0"/>
+              <a:t>17/05/2021</a:t>
             </a:fld>
             <a:endParaRPr lang="de-CH"/>
           </a:p>
@@ -4828,7 +4861,10 @@
             </a:lvl1pPr>
           </a:lstStyle>
           <a:p>
-            <a:endParaRPr lang="de-CH"/>
+            <a:r>
+              <a:rPr lang="de-CH"/>
+              <a:t>Roman Studer, Alexandre Rau</a:t>
+            </a:r>
           </a:p>
         </p:txBody>
       </p:sp>
@@ -4900,6 +4936,7 @@
     <p:sldLayoutId id="2147483658" r:id="rId10"/>
     <p:sldLayoutId id="2147483659" r:id="rId11"/>
   </p:sldLayoutIdLst>
+  <p:hf hdr="0"/>
   <p:txStyles>
     <p:titleStyle>
       <a:lvl1pPr algn="l" defTabSz="914400" rtl="0" eaLnBrk="1" latinLnBrk="0" hangingPunct="1">
@@ -5821,8 +5858,8 @@
         </p:nvSpPr>
         <p:spPr bwMode="auto">
           <a:xfrm>
-            <a:off x="3427207" y="4123877"/>
-            <a:ext cx="2599638" cy="1877750"/>
+            <a:off x="3440303" y="4123877"/>
+            <a:ext cx="2586541" cy="1877750"/>
           </a:xfrm>
           <a:prstGeom prst="rect">
             <a:avLst/>
@@ -5994,8 +6031,8 @@
         </p:nvSpPr>
         <p:spPr bwMode="auto">
           <a:xfrm>
-            <a:off x="8858571" y="4130752"/>
-            <a:ext cx="2602260" cy="1877750"/>
+            <a:off x="8864915" y="4130752"/>
+            <a:ext cx="2595915" cy="1877750"/>
           </a:xfrm>
           <a:prstGeom prst="rect">
             <a:avLst/>
@@ -6139,8 +6176,8 @@
         </p:nvSpPr>
         <p:spPr bwMode="auto">
           <a:xfrm>
-            <a:off x="6149438" y="4122363"/>
-            <a:ext cx="2602260" cy="1877750"/>
+            <a:off x="6166216" y="4122363"/>
+            <a:ext cx="2575113" cy="1877750"/>
           </a:xfrm>
           <a:prstGeom prst="rect">
             <a:avLst/>
@@ -6307,18 +6344,7 @@
                 <a:ea typeface="Helvetica Neue" panose="02000503000000020004" pitchFamily="2" charset="0"/>
                 <a:cs typeface="Helvetica Neue" panose="02000503000000020004" pitchFamily="2" charset="0"/>
               </a:rPr>
-              <a:t>Next </a:t>
-            </a:r>
-            <a:r>
-              <a:rPr lang="de-CH" kern="0" spc="-108" dirty="0" err="1">
-                <a:solidFill>
-                  <a:srgbClr val="FFFFFF"/>
-                </a:solidFill>
-                <a:latin typeface="Helvetica Neue" panose="02000503000000020004" pitchFamily="2" charset="0"/>
-                <a:ea typeface="Helvetica Neue" panose="02000503000000020004" pitchFamily="2" charset="0"/>
-                <a:cs typeface="Helvetica Neue" panose="02000503000000020004" pitchFamily="2" charset="0"/>
-              </a:rPr>
-              <a:t>Steps</a:t>
+              <a:t>Next Steps</a:t>
             </a:r>
             <a:endParaRPr lang="en-US" kern="0" spc="-108" dirty="0">
               <a:solidFill>
@@ -6457,6 +6483,92 @@
               </a:gradFill>
               <a:latin typeface="Segoe UI Semilight"/>
             </a:endParaRPr>
+          </a:p>
+        </p:txBody>
+      </p:sp>
+      <p:sp>
+        <p:nvSpPr>
+          <p:cNvPr id="3" name="Datumsplatzhalter 2">
+            <a:extLst>
+              <a:ext uri="{FF2B5EF4-FFF2-40B4-BE49-F238E27FC236}">
+                <a16:creationId xmlns:a16="http://schemas.microsoft.com/office/drawing/2014/main" id="{276409F5-DA0E-40DE-9820-5D21E014E881}"/>
+              </a:ext>
+            </a:extLst>
+          </p:cNvPr>
+          <p:cNvSpPr>
+            <a:spLocks noGrp="1"/>
+          </p:cNvSpPr>
+          <p:nvPr>
+            <p:ph type="dt" sz="half" idx="10"/>
+          </p:nvPr>
+        </p:nvSpPr>
+        <p:spPr/>
+        <p:txBody>
+          <a:bodyPr/>
+          <a:lstStyle/>
+          <a:p>
+            <a:fld id="{969D008F-FF57-47E1-993D-60195A26C23A}" type="datetime1">
+              <a:rPr lang="en-GB" smtClean="0"/>
+              <a:t>17/05/2021</a:t>
+            </a:fld>
+            <a:endParaRPr lang="de-CH"/>
+          </a:p>
+        </p:txBody>
+      </p:sp>
+      <p:sp>
+        <p:nvSpPr>
+          <p:cNvPr id="8" name="Fußzeilenplatzhalter 7">
+            <a:extLst>
+              <a:ext uri="{FF2B5EF4-FFF2-40B4-BE49-F238E27FC236}">
+                <a16:creationId xmlns:a16="http://schemas.microsoft.com/office/drawing/2014/main" id="{802AB3D0-2EF8-4F8E-8F02-D14EEA52902D}"/>
+              </a:ext>
+            </a:extLst>
+          </p:cNvPr>
+          <p:cNvSpPr>
+            <a:spLocks noGrp="1"/>
+          </p:cNvSpPr>
+          <p:nvPr>
+            <p:ph type="ftr" sz="quarter" idx="11"/>
+          </p:nvPr>
+        </p:nvSpPr>
+        <p:spPr/>
+        <p:txBody>
+          <a:bodyPr/>
+          <a:lstStyle/>
+          <a:p>
+            <a:r>
+              <a:rPr lang="de-CH"/>
+              <a:t>Roman Studer, Alexandre Rau</a:t>
+            </a:r>
+          </a:p>
+        </p:txBody>
+      </p:sp>
+      <p:sp>
+        <p:nvSpPr>
+          <p:cNvPr id="9" name="Foliennummernplatzhalter 8">
+            <a:extLst>
+              <a:ext uri="{FF2B5EF4-FFF2-40B4-BE49-F238E27FC236}">
+                <a16:creationId xmlns:a16="http://schemas.microsoft.com/office/drawing/2014/main" id="{E1415D0A-FC30-4F68-82BD-B49573F0E925}"/>
+              </a:ext>
+            </a:extLst>
+          </p:cNvPr>
+          <p:cNvSpPr>
+            <a:spLocks noGrp="1"/>
+          </p:cNvSpPr>
+          <p:nvPr>
+            <p:ph type="sldNum" sz="quarter" idx="12"/>
+          </p:nvPr>
+        </p:nvSpPr>
+        <p:spPr/>
+        <p:txBody>
+          <a:bodyPr/>
+          <a:lstStyle/>
+          <a:p>
+            <a:fld id="{2FD792E3-E401-4E03-A367-A0CE4F17704C}" type="slidenum">
+              <a:rPr lang="de-CH" smtClean="0"/>
+              <a:t>2</a:t>
+            </a:fld>
+            <a:endParaRPr lang="de-CH"/>
           </a:p>
         </p:txBody>
       </p:sp>
@@ -9068,19 +9180,7 @@
                 <a:latin typeface="Helvetica Neue Light" panose="02000403000000020004" pitchFamily="2" charset="0"/>
                 <a:ea typeface="Helvetica Neue Light" panose="02000403000000020004" pitchFamily="2" charset="0"/>
               </a:rPr>
-              <a:t>Next </a:t>
-            </a:r>
-            <a:r>
-              <a:rPr lang="de-CH" sz="1100" dirty="0" err="1">
-                <a:solidFill>
-                  <a:schemeClr val="bg2">
-                    <a:lumMod val="75000"/>
-                  </a:schemeClr>
-                </a:solidFill>
-                <a:latin typeface="Helvetica Neue Light" panose="02000403000000020004" pitchFamily="2" charset="0"/>
-                <a:ea typeface="Helvetica Neue Light" panose="02000403000000020004" pitchFamily="2" charset="0"/>
-              </a:rPr>
-              <a:t>Steps</a:t>
+              <a:t>Next Steps</a:t>
             </a:r>
             <a:endParaRPr lang="de-CH" sz="1400" dirty="0">
               <a:solidFill>
@@ -9268,6 +9368,92 @@
           <a:lstStyle/>
           <a:p>
             <a:pPr algn="ctr"/>
+            <a:endParaRPr lang="de-CH"/>
+          </a:p>
+        </p:txBody>
+      </p:sp>
+      <p:sp>
+        <p:nvSpPr>
+          <p:cNvPr id="2" name="Datumsplatzhalter 1">
+            <a:extLst>
+              <a:ext uri="{FF2B5EF4-FFF2-40B4-BE49-F238E27FC236}">
+                <a16:creationId xmlns:a16="http://schemas.microsoft.com/office/drawing/2014/main" id="{A2240D63-1040-4365-A487-4CD5B310755C}"/>
+              </a:ext>
+            </a:extLst>
+          </p:cNvPr>
+          <p:cNvSpPr>
+            <a:spLocks noGrp="1"/>
+          </p:cNvSpPr>
+          <p:nvPr>
+            <p:ph type="dt" sz="half" idx="10"/>
+          </p:nvPr>
+        </p:nvSpPr>
+        <p:spPr/>
+        <p:txBody>
+          <a:bodyPr/>
+          <a:lstStyle/>
+          <a:p>
+            <a:fld id="{4C3F2C8B-BFDB-4DB2-8412-CD9E36C07FE0}" type="datetime1">
+              <a:rPr lang="en-GB" smtClean="0"/>
+              <a:t>17/05/2021</a:t>
+            </a:fld>
+            <a:endParaRPr lang="de-CH"/>
+          </a:p>
+        </p:txBody>
+      </p:sp>
+      <p:sp>
+        <p:nvSpPr>
+          <p:cNvPr id="3" name="Fußzeilenplatzhalter 2">
+            <a:extLst>
+              <a:ext uri="{FF2B5EF4-FFF2-40B4-BE49-F238E27FC236}">
+                <a16:creationId xmlns:a16="http://schemas.microsoft.com/office/drawing/2014/main" id="{CB826259-A1F0-44E6-92FF-BE5F7AB40ECE}"/>
+              </a:ext>
+            </a:extLst>
+          </p:cNvPr>
+          <p:cNvSpPr>
+            <a:spLocks noGrp="1"/>
+          </p:cNvSpPr>
+          <p:nvPr>
+            <p:ph type="ftr" sz="quarter" idx="11"/>
+          </p:nvPr>
+        </p:nvSpPr>
+        <p:spPr/>
+        <p:txBody>
+          <a:bodyPr/>
+          <a:lstStyle/>
+          <a:p>
+            <a:r>
+              <a:rPr lang="de-CH"/>
+              <a:t>Roman Studer, Alexandre Rau</a:t>
+            </a:r>
+          </a:p>
+        </p:txBody>
+      </p:sp>
+      <p:sp>
+        <p:nvSpPr>
+          <p:cNvPr id="4" name="Foliennummernplatzhalter 3">
+            <a:extLst>
+              <a:ext uri="{FF2B5EF4-FFF2-40B4-BE49-F238E27FC236}">
+                <a16:creationId xmlns:a16="http://schemas.microsoft.com/office/drawing/2014/main" id="{34493D4C-44E0-4D10-A1F9-C1E80DCAD65B}"/>
+              </a:ext>
+            </a:extLst>
+          </p:cNvPr>
+          <p:cNvSpPr>
+            <a:spLocks noGrp="1"/>
+          </p:cNvSpPr>
+          <p:nvPr>
+            <p:ph type="sldNum" sz="quarter" idx="12"/>
+          </p:nvPr>
+        </p:nvSpPr>
+        <p:spPr/>
+        <p:txBody>
+          <a:bodyPr/>
+          <a:lstStyle/>
+          <a:p>
+            <a:fld id="{2FD792E3-E401-4E03-A367-A0CE4F17704C}" type="slidenum">
+              <a:rPr lang="de-CH" smtClean="0"/>
+              <a:t>3</a:t>
+            </a:fld>
             <a:endParaRPr lang="de-CH"/>
           </a:p>
         </p:txBody>
@@ -11947,19 +12133,7 @@
                 <a:latin typeface="Helvetica Neue Light" panose="02000403000000020004" pitchFamily="2" charset="0"/>
                 <a:ea typeface="Helvetica Neue Light" panose="02000403000000020004" pitchFamily="2" charset="0"/>
               </a:rPr>
-              <a:t>Next </a:t>
-            </a:r>
-            <a:r>
-              <a:rPr lang="de-CH" sz="1100" dirty="0" err="1">
-                <a:solidFill>
-                  <a:schemeClr val="bg2">
-                    <a:lumMod val="75000"/>
-                  </a:schemeClr>
-                </a:solidFill>
-                <a:latin typeface="Helvetica Neue Light" panose="02000403000000020004" pitchFamily="2" charset="0"/>
-                <a:ea typeface="Helvetica Neue Light" panose="02000403000000020004" pitchFamily="2" charset="0"/>
-              </a:rPr>
-              <a:t>Steps</a:t>
+              <a:t>Next Steps</a:t>
             </a:r>
             <a:endParaRPr lang="de-CH" sz="1400" dirty="0">
               <a:solidFill>
@@ -11970,6 +12144,92 @@
               <a:latin typeface="Helvetica Neue Light" panose="02000403000000020004" pitchFamily="2" charset="0"/>
               <a:ea typeface="Helvetica Neue Light" panose="02000403000000020004" pitchFamily="2" charset="0"/>
             </a:endParaRPr>
+          </a:p>
+        </p:txBody>
+      </p:sp>
+      <p:sp>
+        <p:nvSpPr>
+          <p:cNvPr id="2" name="Datumsplatzhalter 1">
+            <a:extLst>
+              <a:ext uri="{FF2B5EF4-FFF2-40B4-BE49-F238E27FC236}">
+                <a16:creationId xmlns:a16="http://schemas.microsoft.com/office/drawing/2014/main" id="{E2F95D5B-9120-4E2F-9120-625F5ED6665C}"/>
+              </a:ext>
+            </a:extLst>
+          </p:cNvPr>
+          <p:cNvSpPr>
+            <a:spLocks noGrp="1"/>
+          </p:cNvSpPr>
+          <p:nvPr>
+            <p:ph type="dt" sz="half" idx="10"/>
+          </p:nvPr>
+        </p:nvSpPr>
+        <p:spPr/>
+        <p:txBody>
+          <a:bodyPr/>
+          <a:lstStyle/>
+          <a:p>
+            <a:fld id="{76FBC214-A102-40A2-9BF9-8892C6F5CF17}" type="datetime1">
+              <a:rPr lang="en-GB" smtClean="0"/>
+              <a:t>17/05/2021</a:t>
+            </a:fld>
+            <a:endParaRPr lang="de-CH"/>
+          </a:p>
+        </p:txBody>
+      </p:sp>
+      <p:sp>
+        <p:nvSpPr>
+          <p:cNvPr id="3" name="Fußzeilenplatzhalter 2">
+            <a:extLst>
+              <a:ext uri="{FF2B5EF4-FFF2-40B4-BE49-F238E27FC236}">
+                <a16:creationId xmlns:a16="http://schemas.microsoft.com/office/drawing/2014/main" id="{205AFF50-793C-4825-8EB6-47B36D4EBD03}"/>
+              </a:ext>
+            </a:extLst>
+          </p:cNvPr>
+          <p:cNvSpPr>
+            <a:spLocks noGrp="1"/>
+          </p:cNvSpPr>
+          <p:nvPr>
+            <p:ph type="ftr" sz="quarter" idx="11"/>
+          </p:nvPr>
+        </p:nvSpPr>
+        <p:spPr/>
+        <p:txBody>
+          <a:bodyPr/>
+          <a:lstStyle/>
+          <a:p>
+            <a:r>
+              <a:rPr lang="de-CH"/>
+              <a:t>Roman Studer, Alexandre Rau</a:t>
+            </a:r>
+          </a:p>
+        </p:txBody>
+      </p:sp>
+      <p:sp>
+        <p:nvSpPr>
+          <p:cNvPr id="14" name="Foliennummernplatzhalter 13">
+            <a:extLst>
+              <a:ext uri="{FF2B5EF4-FFF2-40B4-BE49-F238E27FC236}">
+                <a16:creationId xmlns:a16="http://schemas.microsoft.com/office/drawing/2014/main" id="{3133B71A-2623-48AE-8137-3F974FFFA04F}"/>
+              </a:ext>
+            </a:extLst>
+          </p:cNvPr>
+          <p:cNvSpPr>
+            <a:spLocks noGrp="1"/>
+          </p:cNvSpPr>
+          <p:nvPr>
+            <p:ph type="sldNum" sz="quarter" idx="12"/>
+          </p:nvPr>
+        </p:nvSpPr>
+        <p:spPr/>
+        <p:txBody>
+          <a:bodyPr/>
+          <a:lstStyle/>
+          <a:p>
+            <a:fld id="{2FD792E3-E401-4E03-A367-A0CE4F17704C}" type="slidenum">
+              <a:rPr lang="de-CH" smtClean="0"/>
+              <a:t>4</a:t>
+            </a:fld>
+            <a:endParaRPr lang="de-CH"/>
           </a:p>
         </p:txBody>
       </p:sp>
@@ -14493,19 +14753,7 @@
                 <a:latin typeface="Helvetica Neue Light" panose="02000403000000020004" pitchFamily="2" charset="0"/>
                 <a:ea typeface="Helvetica Neue Light" panose="02000403000000020004" pitchFamily="2" charset="0"/>
               </a:rPr>
-              <a:t>Next </a:t>
-            </a:r>
-            <a:r>
-              <a:rPr lang="de-CH" sz="1100" dirty="0" err="1">
-                <a:solidFill>
-                  <a:schemeClr val="bg2">
-                    <a:lumMod val="75000"/>
-                  </a:schemeClr>
-                </a:solidFill>
-                <a:latin typeface="Helvetica Neue Light" panose="02000403000000020004" pitchFamily="2" charset="0"/>
-                <a:ea typeface="Helvetica Neue Light" panose="02000403000000020004" pitchFamily="2" charset="0"/>
-              </a:rPr>
-              <a:t>Steps</a:t>
+              <a:t>Next Steps</a:t>
             </a:r>
             <a:endParaRPr lang="de-CH" sz="1400" dirty="0">
               <a:solidFill>
@@ -14516,6 +14764,92 @@
               <a:latin typeface="Helvetica Neue Light" panose="02000403000000020004" pitchFamily="2" charset="0"/>
               <a:ea typeface="Helvetica Neue Light" panose="02000403000000020004" pitchFamily="2" charset="0"/>
             </a:endParaRPr>
+          </a:p>
+        </p:txBody>
+      </p:sp>
+      <p:sp>
+        <p:nvSpPr>
+          <p:cNvPr id="2" name="Datumsplatzhalter 1">
+            <a:extLst>
+              <a:ext uri="{FF2B5EF4-FFF2-40B4-BE49-F238E27FC236}">
+                <a16:creationId xmlns:a16="http://schemas.microsoft.com/office/drawing/2014/main" id="{6E829585-B34F-4E0B-BB61-1E7F085C0A16}"/>
+              </a:ext>
+            </a:extLst>
+          </p:cNvPr>
+          <p:cNvSpPr>
+            <a:spLocks noGrp="1"/>
+          </p:cNvSpPr>
+          <p:nvPr>
+            <p:ph type="dt" sz="half" idx="10"/>
+          </p:nvPr>
+        </p:nvSpPr>
+        <p:spPr/>
+        <p:txBody>
+          <a:bodyPr/>
+          <a:lstStyle/>
+          <a:p>
+            <a:fld id="{35CE81EA-6C11-465C-867A-54D9051F31A3}" type="datetime1">
+              <a:rPr lang="en-GB" smtClean="0"/>
+              <a:t>17/05/2021</a:t>
+            </a:fld>
+            <a:endParaRPr lang="de-CH"/>
+          </a:p>
+        </p:txBody>
+      </p:sp>
+      <p:sp>
+        <p:nvSpPr>
+          <p:cNvPr id="3" name="Fußzeilenplatzhalter 2">
+            <a:extLst>
+              <a:ext uri="{FF2B5EF4-FFF2-40B4-BE49-F238E27FC236}">
+                <a16:creationId xmlns:a16="http://schemas.microsoft.com/office/drawing/2014/main" id="{15E5B280-C031-4656-A290-ABEB0D6482C0}"/>
+              </a:ext>
+            </a:extLst>
+          </p:cNvPr>
+          <p:cNvSpPr>
+            <a:spLocks noGrp="1"/>
+          </p:cNvSpPr>
+          <p:nvPr>
+            <p:ph type="ftr" sz="quarter" idx="11"/>
+          </p:nvPr>
+        </p:nvSpPr>
+        <p:spPr/>
+        <p:txBody>
+          <a:bodyPr/>
+          <a:lstStyle/>
+          <a:p>
+            <a:r>
+              <a:rPr lang="de-CH"/>
+              <a:t>Roman Studer, Alexandre Rau</a:t>
+            </a:r>
+          </a:p>
+        </p:txBody>
+      </p:sp>
+      <p:sp>
+        <p:nvSpPr>
+          <p:cNvPr id="9" name="Foliennummernplatzhalter 8">
+            <a:extLst>
+              <a:ext uri="{FF2B5EF4-FFF2-40B4-BE49-F238E27FC236}">
+                <a16:creationId xmlns:a16="http://schemas.microsoft.com/office/drawing/2014/main" id="{6A32FB5E-57A6-479D-872F-664B4ED33721}"/>
+              </a:ext>
+            </a:extLst>
+          </p:cNvPr>
+          <p:cNvSpPr>
+            <a:spLocks noGrp="1"/>
+          </p:cNvSpPr>
+          <p:nvPr>
+            <p:ph type="sldNum" sz="quarter" idx="12"/>
+          </p:nvPr>
+        </p:nvSpPr>
+        <p:spPr/>
+        <p:txBody>
+          <a:bodyPr/>
+          <a:lstStyle/>
+          <a:p>
+            <a:fld id="{2FD792E3-E401-4E03-A367-A0CE4F17704C}" type="slidenum">
+              <a:rPr lang="de-CH" smtClean="0"/>
+              <a:t>5</a:t>
+            </a:fld>
+            <a:endParaRPr lang="de-CH"/>
           </a:p>
         </p:txBody>
       </p:sp>
@@ -17039,19 +17373,7 @@
                 <a:latin typeface="Helvetica Neue Light" panose="02000403000000020004" pitchFamily="2" charset="0"/>
                 <a:ea typeface="Helvetica Neue Light" panose="02000403000000020004" pitchFamily="2" charset="0"/>
               </a:rPr>
-              <a:t>Next </a:t>
-            </a:r>
-            <a:r>
-              <a:rPr lang="de-CH" sz="1100" dirty="0" err="1">
-                <a:solidFill>
-                  <a:schemeClr val="bg2">
-                    <a:lumMod val="75000"/>
-                  </a:schemeClr>
-                </a:solidFill>
-                <a:latin typeface="Helvetica Neue Light" panose="02000403000000020004" pitchFamily="2" charset="0"/>
-                <a:ea typeface="Helvetica Neue Light" panose="02000403000000020004" pitchFamily="2" charset="0"/>
-              </a:rPr>
-              <a:t>Steps</a:t>
+              <a:t>Next Steps</a:t>
             </a:r>
             <a:endParaRPr lang="de-CH" sz="1400" dirty="0">
               <a:solidFill>
@@ -17062,6 +17384,6876 @@
               <a:latin typeface="Helvetica Neue Light" panose="02000403000000020004" pitchFamily="2" charset="0"/>
               <a:ea typeface="Helvetica Neue Light" panose="02000403000000020004" pitchFamily="2" charset="0"/>
             </a:endParaRPr>
+          </a:p>
+        </p:txBody>
+      </p:sp>
+      <p:sp>
+        <p:nvSpPr>
+          <p:cNvPr id="9" name="Datumsplatzhalter 8">
+            <a:extLst>
+              <a:ext uri="{FF2B5EF4-FFF2-40B4-BE49-F238E27FC236}">
+                <a16:creationId xmlns:a16="http://schemas.microsoft.com/office/drawing/2014/main" id="{25EFA918-2C4C-4130-8852-589972913B93}"/>
+              </a:ext>
+            </a:extLst>
+          </p:cNvPr>
+          <p:cNvSpPr>
+            <a:spLocks noGrp="1"/>
+          </p:cNvSpPr>
+          <p:nvPr>
+            <p:ph type="dt" sz="half" idx="10"/>
+          </p:nvPr>
+        </p:nvSpPr>
+        <p:spPr/>
+        <p:txBody>
+          <a:bodyPr/>
+          <a:lstStyle/>
+          <a:p>
+            <a:fld id="{3E0D62B3-D024-40DB-B196-B83DB830D8AF}" type="datetime1">
+              <a:rPr lang="en-GB" smtClean="0"/>
+              <a:t>17/05/2021</a:t>
+            </a:fld>
+            <a:endParaRPr lang="de-CH"/>
+          </a:p>
+        </p:txBody>
+      </p:sp>
+      <p:sp>
+        <p:nvSpPr>
+          <p:cNvPr id="14" name="Fußzeilenplatzhalter 13">
+            <a:extLst>
+              <a:ext uri="{FF2B5EF4-FFF2-40B4-BE49-F238E27FC236}">
+                <a16:creationId xmlns:a16="http://schemas.microsoft.com/office/drawing/2014/main" id="{A0806151-8904-482B-9BF3-FC8A443D1B44}"/>
+              </a:ext>
+            </a:extLst>
+          </p:cNvPr>
+          <p:cNvSpPr>
+            <a:spLocks noGrp="1"/>
+          </p:cNvSpPr>
+          <p:nvPr>
+            <p:ph type="ftr" sz="quarter" idx="11"/>
+          </p:nvPr>
+        </p:nvSpPr>
+        <p:spPr/>
+        <p:txBody>
+          <a:bodyPr/>
+          <a:lstStyle/>
+          <a:p>
+            <a:r>
+              <a:rPr lang="de-CH"/>
+              <a:t>Roman Studer, Alexandre Rau</a:t>
+            </a:r>
+          </a:p>
+        </p:txBody>
+      </p:sp>
+      <p:sp>
+        <p:nvSpPr>
+          <p:cNvPr id="15" name="Foliennummernplatzhalter 14">
+            <a:extLst>
+              <a:ext uri="{FF2B5EF4-FFF2-40B4-BE49-F238E27FC236}">
+                <a16:creationId xmlns:a16="http://schemas.microsoft.com/office/drawing/2014/main" id="{36797F0B-AC2C-40DB-8097-EFBF9E80B31D}"/>
+              </a:ext>
+            </a:extLst>
+          </p:cNvPr>
+          <p:cNvSpPr>
+            <a:spLocks noGrp="1"/>
+          </p:cNvSpPr>
+          <p:nvPr>
+            <p:ph type="sldNum" sz="quarter" idx="12"/>
+          </p:nvPr>
+        </p:nvSpPr>
+        <p:spPr>
+          <a:xfrm>
+            <a:off x="8755380" y="6470967"/>
+            <a:ext cx="2743200" cy="365125"/>
+          </a:xfrm>
+        </p:spPr>
+        <p:txBody>
+          <a:bodyPr/>
+          <a:lstStyle/>
+          <a:p>
+            <a:fld id="{2FD792E3-E401-4E03-A367-A0CE4F17704C}" type="slidenum">
+              <a:rPr lang="de-CH" smtClean="0"/>
+              <a:t>6</a:t>
+            </a:fld>
+            <a:endParaRPr lang="de-CH"/>
+          </a:p>
+        </p:txBody>
+      </p:sp>
+      <p:graphicFrame>
+        <p:nvGraphicFramePr>
+          <p:cNvPr id="17" name="Tabelle 16">
+            <a:extLst>
+              <a:ext uri="{FF2B5EF4-FFF2-40B4-BE49-F238E27FC236}">
+                <a16:creationId xmlns:a16="http://schemas.microsoft.com/office/drawing/2014/main" id="{8613C5F3-7AFB-4B1E-8B05-B00A9B1FD655}"/>
+              </a:ext>
+            </a:extLst>
+          </p:cNvPr>
+          <p:cNvGraphicFramePr>
+            <a:graphicFrameLocks noGrp="1"/>
+          </p:cNvGraphicFramePr>
+          <p:nvPr>
+            <p:extLst>
+              <p:ext uri="{D42A27DB-BD31-4B8C-83A1-F6EECF244321}">
+                <p14:modId xmlns:p14="http://schemas.microsoft.com/office/powerpoint/2010/main" val="2201595832"/>
+              </p:ext>
+            </p:extLst>
+          </p:nvPr>
+        </p:nvGraphicFramePr>
+        <p:xfrm>
+          <a:off x="3190327" y="1975966"/>
+          <a:ext cx="5586859" cy="2974852"/>
+        </p:xfrm>
+        <a:graphic>
+          <a:graphicData uri="http://schemas.openxmlformats.org/drawingml/2006/table">
+            <a:tbl>
+              <a:tblPr>
+                <a:tableStyleId>{69012ECD-51FC-41F1-AA8D-1B2483CD663E}</a:tableStyleId>
+              </a:tblPr>
+              <a:tblGrid>
+                <a:gridCol w="1228725">
+                  <a:extLst>
+                    <a:ext uri="{9D8B030D-6E8A-4147-A177-3AD203B41FA5}">
+                      <a16:colId xmlns:a16="http://schemas.microsoft.com/office/drawing/2014/main" val="1723738923"/>
+                    </a:ext>
+                  </a:extLst>
+                </a:gridCol>
+                <a:gridCol w="742950">
+                  <a:extLst>
+                    <a:ext uri="{9D8B030D-6E8A-4147-A177-3AD203B41FA5}">
+                      <a16:colId xmlns:a16="http://schemas.microsoft.com/office/drawing/2014/main" val="2737737873"/>
+                    </a:ext>
+                  </a:extLst>
+                </a:gridCol>
+                <a:gridCol w="828675">
+                  <a:extLst>
+                    <a:ext uri="{9D8B030D-6E8A-4147-A177-3AD203B41FA5}">
+                      <a16:colId xmlns:a16="http://schemas.microsoft.com/office/drawing/2014/main" val="4254226468"/>
+                    </a:ext>
+                  </a:extLst>
+                </a:gridCol>
+                <a:gridCol w="885825">
+                  <a:extLst>
+                    <a:ext uri="{9D8B030D-6E8A-4147-A177-3AD203B41FA5}">
+                      <a16:colId xmlns:a16="http://schemas.microsoft.com/office/drawing/2014/main" val="461530403"/>
+                    </a:ext>
+                  </a:extLst>
+                </a:gridCol>
+                <a:gridCol w="574647">
+                  <a:extLst>
+                    <a:ext uri="{9D8B030D-6E8A-4147-A177-3AD203B41FA5}">
+                      <a16:colId xmlns:a16="http://schemas.microsoft.com/office/drawing/2014/main" val="2458375099"/>
+                    </a:ext>
+                  </a:extLst>
+                </a:gridCol>
+                <a:gridCol w="608022">
+                  <a:extLst>
+                    <a:ext uri="{9D8B030D-6E8A-4147-A177-3AD203B41FA5}">
+                      <a16:colId xmlns:a16="http://schemas.microsoft.com/office/drawing/2014/main" val="397925382"/>
+                    </a:ext>
+                  </a:extLst>
+                </a:gridCol>
+                <a:gridCol w="718015">
+                  <a:extLst>
+                    <a:ext uri="{9D8B030D-6E8A-4147-A177-3AD203B41FA5}">
+                      <a16:colId xmlns:a16="http://schemas.microsoft.com/office/drawing/2014/main" val="4010150799"/>
+                    </a:ext>
+                  </a:extLst>
+                </a:gridCol>
+              </a:tblGrid>
+              <a:tr h="260150">
+                <a:tc>
+                  <a:txBody>
+                    <a:bodyPr/>
+                    <a:lstStyle/>
+                    <a:p>
+                      <a:pPr algn="l" fontAlgn="b"/>
+                      <a:r>
+                        <a:rPr lang="en-AU" sz="1100" b="1" u="none" strike="noStrike" noProof="0" dirty="0">
+                          <a:effectLst/>
+                        </a:rPr>
+                        <a:t>Multiclass Location</a:t>
+                      </a:r>
+                      <a:endParaRPr lang="en-AU" sz="1100" b="1" i="0" u="none" strike="noStrike" noProof="0" dirty="0">
+                        <a:solidFill>
+                          <a:srgbClr val="000000"/>
+                        </a:solidFill>
+                        <a:effectLst/>
+                        <a:latin typeface="Calibri" panose="020F0502020204030204" pitchFamily="34" charset="0"/>
+                      </a:endParaRPr>
+                    </a:p>
+                  </a:txBody>
+                  <a:tcPr marL="0" marR="0" marT="0" marB="0" anchor="b">
+                    <a:lnL w="12700" cap="flat" cmpd="sng" algn="ctr">
+                      <a:solidFill>
+                        <a:schemeClr val="accent1">
+                          <a:lumMod val="40000"/>
+                          <a:lumOff val="60000"/>
+                        </a:schemeClr>
+                      </a:solidFill>
+                      <a:prstDash val="solid"/>
+                      <a:round/>
+                      <a:headEnd type="none" w="med" len="med"/>
+                      <a:tailEnd type="none" w="med" len="med"/>
+                    </a:lnL>
+                    <a:lnR w="12700" cap="flat" cmpd="sng" algn="ctr">
+                      <a:solidFill>
+                        <a:schemeClr val="accent1">
+                          <a:lumMod val="40000"/>
+                          <a:lumOff val="60000"/>
+                        </a:schemeClr>
+                      </a:solidFill>
+                      <a:prstDash val="solid"/>
+                      <a:round/>
+                      <a:headEnd type="none" w="med" len="med"/>
+                      <a:tailEnd type="none" w="med" len="med"/>
+                    </a:lnR>
+                    <a:lnT w="12700" cap="flat" cmpd="sng" algn="ctr">
+                      <a:solidFill>
+                        <a:schemeClr val="accent1">
+                          <a:lumMod val="40000"/>
+                          <a:lumOff val="60000"/>
+                        </a:schemeClr>
+                      </a:solidFill>
+                      <a:prstDash val="solid"/>
+                      <a:round/>
+                      <a:headEnd type="none" w="med" len="med"/>
+                      <a:tailEnd type="none" w="med" len="med"/>
+                    </a:lnT>
+                    <a:lnB w="12700" cap="flat" cmpd="sng" algn="ctr">
+                      <a:solidFill>
+                        <a:schemeClr val="accent1">
+                          <a:lumMod val="40000"/>
+                          <a:lumOff val="60000"/>
+                        </a:schemeClr>
+                      </a:solidFill>
+                      <a:prstDash val="solid"/>
+                      <a:round/>
+                      <a:headEnd type="none" w="med" len="med"/>
+                      <a:tailEnd type="none" w="med" len="med"/>
+                    </a:lnB>
+                    <a:lnTlToBr w="12700" cmpd="sng">
+                      <a:noFill/>
+                      <a:prstDash val="solid"/>
+                    </a:lnTlToBr>
+                    <a:lnBlToTr w="12700" cmpd="sng">
+                      <a:noFill/>
+                      <a:prstDash val="solid"/>
+                    </a:lnBlToTr>
+                    <a:solidFill>
+                      <a:schemeClr val="accent1">
+                        <a:lumMod val="40000"/>
+                        <a:lumOff val="60000"/>
+                      </a:schemeClr>
+                    </a:solidFill>
+                  </a:tcPr>
+                </a:tc>
+                <a:tc>
+                  <a:txBody>
+                    <a:bodyPr/>
+                    <a:lstStyle/>
+                    <a:p>
+                      <a:pPr algn="l" fontAlgn="b"/>
+                      <a:r>
+                        <a:rPr lang="en-AU" sz="1100" b="1" u="none" strike="noStrike" noProof="0" dirty="0">
+                          <a:effectLst/>
+                        </a:rPr>
+                        <a:t>(Macro-F1)</a:t>
+                      </a:r>
+                      <a:endParaRPr lang="en-AU" sz="1100" b="1" i="0" u="none" strike="noStrike" noProof="0" dirty="0">
+                        <a:solidFill>
+                          <a:srgbClr val="000000"/>
+                        </a:solidFill>
+                        <a:effectLst/>
+                        <a:latin typeface="Calibri" panose="020F0502020204030204" pitchFamily="34" charset="0"/>
+                      </a:endParaRPr>
+                    </a:p>
+                  </a:txBody>
+                  <a:tcPr marL="0" marR="0" marT="0" marB="0" anchor="b">
+                    <a:lnL w="12700" cap="flat" cmpd="sng" algn="ctr">
+                      <a:solidFill>
+                        <a:schemeClr val="accent1">
+                          <a:lumMod val="40000"/>
+                          <a:lumOff val="60000"/>
+                        </a:schemeClr>
+                      </a:solidFill>
+                      <a:prstDash val="solid"/>
+                      <a:round/>
+                      <a:headEnd type="none" w="med" len="med"/>
+                      <a:tailEnd type="none" w="med" len="med"/>
+                    </a:lnL>
+                    <a:lnR w="12700" cap="flat" cmpd="sng" algn="ctr">
+                      <a:solidFill>
+                        <a:schemeClr val="accent1">
+                          <a:lumMod val="40000"/>
+                          <a:lumOff val="60000"/>
+                        </a:schemeClr>
+                      </a:solidFill>
+                      <a:prstDash val="solid"/>
+                      <a:round/>
+                      <a:headEnd type="none" w="med" len="med"/>
+                      <a:tailEnd type="none" w="med" len="med"/>
+                    </a:lnR>
+                    <a:lnT w="12700" cap="flat" cmpd="sng" algn="ctr">
+                      <a:solidFill>
+                        <a:schemeClr val="accent1">
+                          <a:lumMod val="40000"/>
+                          <a:lumOff val="60000"/>
+                        </a:schemeClr>
+                      </a:solidFill>
+                      <a:prstDash val="solid"/>
+                      <a:round/>
+                      <a:headEnd type="none" w="med" len="med"/>
+                      <a:tailEnd type="none" w="med" len="med"/>
+                    </a:lnT>
+                    <a:lnB w="12700" cap="flat" cmpd="sng" algn="ctr">
+                      <a:solidFill>
+                        <a:schemeClr val="accent1">
+                          <a:lumMod val="40000"/>
+                          <a:lumOff val="60000"/>
+                        </a:schemeClr>
+                      </a:solidFill>
+                      <a:prstDash val="solid"/>
+                      <a:round/>
+                      <a:headEnd type="none" w="med" len="med"/>
+                      <a:tailEnd type="none" w="med" len="med"/>
+                    </a:lnB>
+                    <a:lnTlToBr w="12700" cmpd="sng">
+                      <a:noFill/>
+                      <a:prstDash val="solid"/>
+                    </a:lnTlToBr>
+                    <a:lnBlToTr w="12700" cmpd="sng">
+                      <a:noFill/>
+                      <a:prstDash val="solid"/>
+                    </a:lnBlToTr>
+                    <a:solidFill>
+                      <a:schemeClr val="accent1">
+                        <a:lumMod val="40000"/>
+                        <a:lumOff val="60000"/>
+                      </a:schemeClr>
+                    </a:solidFill>
+                  </a:tcPr>
+                </a:tc>
+                <a:tc>
+                  <a:txBody>
+                    <a:bodyPr/>
+                    <a:lstStyle/>
+                    <a:p>
+                      <a:pPr algn="l" fontAlgn="b"/>
+                      <a:endParaRPr lang="en-AU" sz="1100" b="0" i="0" u="none" strike="noStrike" noProof="0" dirty="0">
+                        <a:solidFill>
+                          <a:srgbClr val="000000"/>
+                        </a:solidFill>
+                        <a:effectLst/>
+                        <a:latin typeface="Calibri" panose="020F0502020204030204" pitchFamily="34" charset="0"/>
+                      </a:endParaRPr>
+                    </a:p>
+                  </a:txBody>
+                  <a:tcPr marL="0" marR="0" marT="0" marB="0" anchor="b">
+                    <a:lnL w="12700" cap="flat" cmpd="sng" algn="ctr">
+                      <a:solidFill>
+                        <a:schemeClr val="accent1">
+                          <a:lumMod val="40000"/>
+                          <a:lumOff val="60000"/>
+                        </a:schemeClr>
+                      </a:solidFill>
+                      <a:prstDash val="solid"/>
+                      <a:round/>
+                      <a:headEnd type="none" w="med" len="med"/>
+                      <a:tailEnd type="none" w="med" len="med"/>
+                    </a:lnL>
+                    <a:lnR w="12700" cap="flat" cmpd="sng" algn="ctr">
+                      <a:solidFill>
+                        <a:schemeClr val="accent1">
+                          <a:lumMod val="40000"/>
+                          <a:lumOff val="60000"/>
+                        </a:schemeClr>
+                      </a:solidFill>
+                      <a:prstDash val="solid"/>
+                      <a:round/>
+                      <a:headEnd type="none" w="med" len="med"/>
+                      <a:tailEnd type="none" w="med" len="med"/>
+                    </a:lnR>
+                    <a:lnT w="12700" cap="flat" cmpd="sng" algn="ctr">
+                      <a:solidFill>
+                        <a:schemeClr val="accent1">
+                          <a:lumMod val="40000"/>
+                          <a:lumOff val="60000"/>
+                        </a:schemeClr>
+                      </a:solidFill>
+                      <a:prstDash val="solid"/>
+                      <a:round/>
+                      <a:headEnd type="none" w="med" len="med"/>
+                      <a:tailEnd type="none" w="med" len="med"/>
+                    </a:lnT>
+                    <a:lnB w="12700" cap="flat" cmpd="sng" algn="ctr">
+                      <a:solidFill>
+                        <a:schemeClr val="accent1">
+                          <a:lumMod val="40000"/>
+                          <a:lumOff val="60000"/>
+                        </a:schemeClr>
+                      </a:solidFill>
+                      <a:prstDash val="solid"/>
+                      <a:round/>
+                      <a:headEnd type="none" w="med" len="med"/>
+                      <a:tailEnd type="none" w="med" len="med"/>
+                    </a:lnB>
+                    <a:lnTlToBr w="12700" cmpd="sng">
+                      <a:noFill/>
+                      <a:prstDash val="solid"/>
+                    </a:lnTlToBr>
+                    <a:lnBlToTr w="12700" cmpd="sng">
+                      <a:noFill/>
+                      <a:prstDash val="solid"/>
+                    </a:lnBlToTr>
+                    <a:solidFill>
+                      <a:schemeClr val="accent1">
+                        <a:lumMod val="40000"/>
+                        <a:lumOff val="60000"/>
+                      </a:schemeClr>
+                    </a:solidFill>
+                  </a:tcPr>
+                </a:tc>
+                <a:tc>
+                  <a:txBody>
+                    <a:bodyPr/>
+                    <a:lstStyle/>
+                    <a:p>
+                      <a:pPr algn="l" fontAlgn="b"/>
+                      <a:endParaRPr lang="en-AU" sz="1100" b="0" i="0" u="none" strike="noStrike" noProof="0" dirty="0">
+                        <a:solidFill>
+                          <a:srgbClr val="000000"/>
+                        </a:solidFill>
+                        <a:effectLst/>
+                        <a:latin typeface="Calibri" panose="020F0502020204030204" pitchFamily="34" charset="0"/>
+                      </a:endParaRPr>
+                    </a:p>
+                  </a:txBody>
+                  <a:tcPr marL="0" marR="0" marT="0" marB="0" anchor="b">
+                    <a:lnL w="12700" cap="flat" cmpd="sng" algn="ctr">
+                      <a:solidFill>
+                        <a:schemeClr val="accent1">
+                          <a:lumMod val="40000"/>
+                          <a:lumOff val="60000"/>
+                        </a:schemeClr>
+                      </a:solidFill>
+                      <a:prstDash val="solid"/>
+                      <a:round/>
+                      <a:headEnd type="none" w="med" len="med"/>
+                      <a:tailEnd type="none" w="med" len="med"/>
+                    </a:lnL>
+                    <a:lnR w="12700" cap="flat" cmpd="sng" algn="ctr">
+                      <a:solidFill>
+                        <a:schemeClr val="accent1">
+                          <a:lumMod val="40000"/>
+                          <a:lumOff val="60000"/>
+                        </a:schemeClr>
+                      </a:solidFill>
+                      <a:prstDash val="solid"/>
+                      <a:round/>
+                      <a:headEnd type="none" w="med" len="med"/>
+                      <a:tailEnd type="none" w="med" len="med"/>
+                    </a:lnR>
+                    <a:lnT w="12700" cap="flat" cmpd="sng" algn="ctr">
+                      <a:solidFill>
+                        <a:schemeClr val="accent1">
+                          <a:lumMod val="40000"/>
+                          <a:lumOff val="60000"/>
+                        </a:schemeClr>
+                      </a:solidFill>
+                      <a:prstDash val="solid"/>
+                      <a:round/>
+                      <a:headEnd type="none" w="med" len="med"/>
+                      <a:tailEnd type="none" w="med" len="med"/>
+                    </a:lnT>
+                    <a:lnB w="12700" cap="flat" cmpd="sng" algn="ctr">
+                      <a:solidFill>
+                        <a:schemeClr val="accent1">
+                          <a:lumMod val="40000"/>
+                          <a:lumOff val="60000"/>
+                        </a:schemeClr>
+                      </a:solidFill>
+                      <a:prstDash val="solid"/>
+                      <a:round/>
+                      <a:headEnd type="none" w="med" len="med"/>
+                      <a:tailEnd type="none" w="med" len="med"/>
+                    </a:lnB>
+                    <a:lnTlToBr w="12700" cmpd="sng">
+                      <a:noFill/>
+                      <a:prstDash val="solid"/>
+                    </a:lnTlToBr>
+                    <a:lnBlToTr w="12700" cmpd="sng">
+                      <a:noFill/>
+                      <a:prstDash val="solid"/>
+                    </a:lnBlToTr>
+                    <a:solidFill>
+                      <a:schemeClr val="accent1">
+                        <a:lumMod val="40000"/>
+                        <a:lumOff val="60000"/>
+                      </a:schemeClr>
+                    </a:solidFill>
+                  </a:tcPr>
+                </a:tc>
+                <a:tc>
+                  <a:txBody>
+                    <a:bodyPr/>
+                    <a:lstStyle/>
+                    <a:p>
+                      <a:pPr algn="l" fontAlgn="b"/>
+                      <a:endParaRPr lang="en-AU" sz="1100" b="0" i="0" u="none" strike="noStrike" noProof="0" dirty="0">
+                        <a:solidFill>
+                          <a:srgbClr val="000000"/>
+                        </a:solidFill>
+                        <a:effectLst/>
+                        <a:latin typeface="Calibri" panose="020F0502020204030204" pitchFamily="34" charset="0"/>
+                      </a:endParaRPr>
+                    </a:p>
+                  </a:txBody>
+                  <a:tcPr marL="0" marR="0" marT="0" marB="0" anchor="b">
+                    <a:lnL w="12700" cap="flat" cmpd="sng" algn="ctr">
+                      <a:solidFill>
+                        <a:schemeClr val="accent1">
+                          <a:lumMod val="40000"/>
+                          <a:lumOff val="60000"/>
+                        </a:schemeClr>
+                      </a:solidFill>
+                      <a:prstDash val="solid"/>
+                      <a:round/>
+                      <a:headEnd type="none" w="med" len="med"/>
+                      <a:tailEnd type="none" w="med" len="med"/>
+                    </a:lnL>
+                    <a:lnR w="12700" cap="flat" cmpd="sng" algn="ctr">
+                      <a:solidFill>
+                        <a:schemeClr val="accent1">
+                          <a:lumMod val="40000"/>
+                          <a:lumOff val="60000"/>
+                        </a:schemeClr>
+                      </a:solidFill>
+                      <a:prstDash val="solid"/>
+                      <a:round/>
+                      <a:headEnd type="none" w="med" len="med"/>
+                      <a:tailEnd type="none" w="med" len="med"/>
+                    </a:lnR>
+                    <a:lnT w="12700" cap="flat" cmpd="sng" algn="ctr">
+                      <a:solidFill>
+                        <a:schemeClr val="accent1">
+                          <a:lumMod val="40000"/>
+                          <a:lumOff val="60000"/>
+                        </a:schemeClr>
+                      </a:solidFill>
+                      <a:prstDash val="solid"/>
+                      <a:round/>
+                      <a:headEnd type="none" w="med" len="med"/>
+                      <a:tailEnd type="none" w="med" len="med"/>
+                    </a:lnT>
+                    <a:lnB w="12700" cap="flat" cmpd="sng" algn="ctr">
+                      <a:solidFill>
+                        <a:schemeClr val="accent1">
+                          <a:lumMod val="40000"/>
+                          <a:lumOff val="60000"/>
+                        </a:schemeClr>
+                      </a:solidFill>
+                      <a:prstDash val="solid"/>
+                      <a:round/>
+                      <a:headEnd type="none" w="med" len="med"/>
+                      <a:tailEnd type="none" w="med" len="med"/>
+                    </a:lnB>
+                    <a:lnTlToBr w="12700" cmpd="sng">
+                      <a:noFill/>
+                      <a:prstDash val="solid"/>
+                    </a:lnTlToBr>
+                    <a:lnBlToTr w="12700" cmpd="sng">
+                      <a:noFill/>
+                      <a:prstDash val="solid"/>
+                    </a:lnBlToTr>
+                    <a:solidFill>
+                      <a:schemeClr val="accent1">
+                        <a:lumMod val="40000"/>
+                        <a:lumOff val="60000"/>
+                      </a:schemeClr>
+                    </a:solidFill>
+                  </a:tcPr>
+                </a:tc>
+                <a:tc>
+                  <a:txBody>
+                    <a:bodyPr/>
+                    <a:lstStyle/>
+                    <a:p>
+                      <a:pPr algn="l" fontAlgn="b"/>
+                      <a:endParaRPr lang="en-AU" sz="1100" b="0" i="0" u="none" strike="noStrike" noProof="0" dirty="0">
+                        <a:solidFill>
+                          <a:srgbClr val="000000"/>
+                        </a:solidFill>
+                        <a:effectLst/>
+                        <a:latin typeface="Calibri" panose="020F0502020204030204" pitchFamily="34" charset="0"/>
+                      </a:endParaRPr>
+                    </a:p>
+                  </a:txBody>
+                  <a:tcPr marL="0" marR="0" marT="0" marB="0" anchor="b">
+                    <a:lnL w="12700" cap="flat" cmpd="sng" algn="ctr">
+                      <a:solidFill>
+                        <a:schemeClr val="accent1">
+                          <a:lumMod val="40000"/>
+                          <a:lumOff val="60000"/>
+                        </a:schemeClr>
+                      </a:solidFill>
+                      <a:prstDash val="solid"/>
+                      <a:round/>
+                      <a:headEnd type="none" w="med" len="med"/>
+                      <a:tailEnd type="none" w="med" len="med"/>
+                    </a:lnL>
+                    <a:lnR w="12700" cap="flat" cmpd="sng" algn="ctr">
+                      <a:solidFill>
+                        <a:schemeClr val="accent1">
+                          <a:lumMod val="40000"/>
+                          <a:lumOff val="60000"/>
+                        </a:schemeClr>
+                      </a:solidFill>
+                      <a:prstDash val="solid"/>
+                      <a:round/>
+                      <a:headEnd type="none" w="med" len="med"/>
+                      <a:tailEnd type="none" w="med" len="med"/>
+                    </a:lnR>
+                    <a:lnT w="12700" cap="flat" cmpd="sng" algn="ctr">
+                      <a:solidFill>
+                        <a:schemeClr val="accent1">
+                          <a:lumMod val="40000"/>
+                          <a:lumOff val="60000"/>
+                        </a:schemeClr>
+                      </a:solidFill>
+                      <a:prstDash val="solid"/>
+                      <a:round/>
+                      <a:headEnd type="none" w="med" len="med"/>
+                      <a:tailEnd type="none" w="med" len="med"/>
+                    </a:lnT>
+                    <a:lnB w="12700" cap="flat" cmpd="sng" algn="ctr">
+                      <a:solidFill>
+                        <a:schemeClr val="accent1">
+                          <a:lumMod val="40000"/>
+                          <a:lumOff val="60000"/>
+                        </a:schemeClr>
+                      </a:solidFill>
+                      <a:prstDash val="solid"/>
+                      <a:round/>
+                      <a:headEnd type="none" w="med" len="med"/>
+                      <a:tailEnd type="none" w="med" len="med"/>
+                    </a:lnB>
+                    <a:lnTlToBr w="12700" cmpd="sng">
+                      <a:noFill/>
+                      <a:prstDash val="solid"/>
+                    </a:lnTlToBr>
+                    <a:lnBlToTr w="12700" cmpd="sng">
+                      <a:noFill/>
+                      <a:prstDash val="solid"/>
+                    </a:lnBlToTr>
+                    <a:solidFill>
+                      <a:schemeClr val="accent1">
+                        <a:lumMod val="40000"/>
+                        <a:lumOff val="60000"/>
+                      </a:schemeClr>
+                    </a:solidFill>
+                  </a:tcPr>
+                </a:tc>
+                <a:tc>
+                  <a:txBody>
+                    <a:bodyPr/>
+                    <a:lstStyle/>
+                    <a:p>
+                      <a:pPr algn="l" fontAlgn="b"/>
+                      <a:endParaRPr lang="en-AU" sz="1100" b="0" i="0" u="none" strike="noStrike" noProof="0" dirty="0">
+                        <a:solidFill>
+                          <a:srgbClr val="000000"/>
+                        </a:solidFill>
+                        <a:effectLst/>
+                        <a:latin typeface="Calibri" panose="020F0502020204030204" pitchFamily="34" charset="0"/>
+                      </a:endParaRPr>
+                    </a:p>
+                  </a:txBody>
+                  <a:tcPr marL="0" marR="0" marT="0" marB="0" anchor="b">
+                    <a:lnL w="12700" cap="flat" cmpd="sng" algn="ctr">
+                      <a:solidFill>
+                        <a:schemeClr val="accent1">
+                          <a:lumMod val="40000"/>
+                          <a:lumOff val="60000"/>
+                        </a:schemeClr>
+                      </a:solidFill>
+                      <a:prstDash val="solid"/>
+                      <a:round/>
+                      <a:headEnd type="none" w="med" len="med"/>
+                      <a:tailEnd type="none" w="med" len="med"/>
+                    </a:lnL>
+                    <a:lnR w="12700" cap="flat" cmpd="sng" algn="ctr">
+                      <a:solidFill>
+                        <a:schemeClr val="accent1">
+                          <a:lumMod val="40000"/>
+                          <a:lumOff val="60000"/>
+                        </a:schemeClr>
+                      </a:solidFill>
+                      <a:prstDash val="solid"/>
+                      <a:round/>
+                      <a:headEnd type="none" w="med" len="med"/>
+                      <a:tailEnd type="none" w="med" len="med"/>
+                    </a:lnR>
+                    <a:lnT w="12700" cap="flat" cmpd="sng" algn="ctr">
+                      <a:solidFill>
+                        <a:schemeClr val="accent1">
+                          <a:lumMod val="40000"/>
+                          <a:lumOff val="60000"/>
+                        </a:schemeClr>
+                      </a:solidFill>
+                      <a:prstDash val="solid"/>
+                      <a:round/>
+                      <a:headEnd type="none" w="med" len="med"/>
+                      <a:tailEnd type="none" w="med" len="med"/>
+                    </a:lnT>
+                    <a:lnB w="12700" cap="flat" cmpd="sng" algn="ctr">
+                      <a:solidFill>
+                        <a:schemeClr val="accent1">
+                          <a:lumMod val="40000"/>
+                          <a:lumOff val="60000"/>
+                        </a:schemeClr>
+                      </a:solidFill>
+                      <a:prstDash val="solid"/>
+                      <a:round/>
+                      <a:headEnd type="none" w="med" len="med"/>
+                      <a:tailEnd type="none" w="med" len="med"/>
+                    </a:lnB>
+                    <a:lnTlToBr w="12700" cmpd="sng">
+                      <a:noFill/>
+                      <a:prstDash val="solid"/>
+                    </a:lnTlToBr>
+                    <a:lnBlToTr w="12700" cmpd="sng">
+                      <a:noFill/>
+                      <a:prstDash val="solid"/>
+                    </a:lnBlToTr>
+                    <a:solidFill>
+                      <a:schemeClr val="accent1">
+                        <a:lumMod val="40000"/>
+                        <a:lumOff val="60000"/>
+                      </a:schemeClr>
+                    </a:solidFill>
+                  </a:tcPr>
+                </a:tc>
+                <a:extLst>
+                  <a:ext uri="{0D108BD9-81ED-4DB2-BD59-A6C34878D82A}">
+                    <a16:rowId xmlns:a16="http://schemas.microsoft.com/office/drawing/2014/main" val="2958793149"/>
+                  </a:ext>
+                </a:extLst>
+              </a:tr>
+              <a:tr h="348378">
+                <a:tc>
+                  <a:txBody>
+                    <a:bodyPr/>
+                    <a:lstStyle/>
+                    <a:p>
+                      <a:pPr algn="l" fontAlgn="b"/>
+                      <a:r>
+                        <a:rPr lang="en-AU" sz="1100" u="none" strike="noStrike" noProof="0">
+                          <a:effectLst/>
+                        </a:rPr>
+                        <a:t> </a:t>
+                      </a:r>
+                      <a:endParaRPr lang="en-AU" sz="1100" b="0" i="0" u="none" strike="noStrike" noProof="0">
+                        <a:solidFill>
+                          <a:srgbClr val="000000"/>
+                        </a:solidFill>
+                        <a:effectLst/>
+                        <a:latin typeface="Calibri" panose="020F0502020204030204" pitchFamily="34" charset="0"/>
+                      </a:endParaRPr>
+                    </a:p>
+                  </a:txBody>
+                  <a:tcPr marL="0" marR="0" marT="0" marB="0" anchor="b">
+                    <a:lnL w="12700" cap="flat" cmpd="sng" algn="ctr">
+                      <a:solidFill>
+                        <a:schemeClr val="accent1">
+                          <a:lumMod val="40000"/>
+                          <a:lumOff val="60000"/>
+                        </a:schemeClr>
+                      </a:solidFill>
+                      <a:prstDash val="solid"/>
+                      <a:round/>
+                      <a:headEnd type="none" w="med" len="med"/>
+                      <a:tailEnd type="none" w="med" len="med"/>
+                    </a:lnL>
+                    <a:lnR w="12700" cap="flat" cmpd="sng" algn="ctr">
+                      <a:solidFill>
+                        <a:schemeClr val="accent1">
+                          <a:lumMod val="40000"/>
+                          <a:lumOff val="60000"/>
+                        </a:schemeClr>
+                      </a:solidFill>
+                      <a:prstDash val="solid"/>
+                      <a:round/>
+                      <a:headEnd type="none" w="med" len="med"/>
+                      <a:tailEnd type="none" w="med" len="med"/>
+                    </a:lnR>
+                    <a:lnT w="12700" cap="flat" cmpd="sng" algn="ctr">
+                      <a:solidFill>
+                        <a:schemeClr val="accent1">
+                          <a:lumMod val="40000"/>
+                          <a:lumOff val="60000"/>
+                        </a:schemeClr>
+                      </a:solidFill>
+                      <a:prstDash val="solid"/>
+                      <a:round/>
+                      <a:headEnd type="none" w="med" len="med"/>
+                      <a:tailEnd type="none" w="med" len="med"/>
+                    </a:lnT>
+                    <a:lnB w="12700" cap="flat" cmpd="sng" algn="ctr">
+                      <a:solidFill>
+                        <a:schemeClr val="accent1">
+                          <a:lumMod val="40000"/>
+                          <a:lumOff val="60000"/>
+                        </a:schemeClr>
+                      </a:solidFill>
+                      <a:prstDash val="solid"/>
+                      <a:round/>
+                      <a:headEnd type="none" w="med" len="med"/>
+                      <a:tailEnd type="none" w="med" len="med"/>
+                    </a:lnB>
+                    <a:lnTlToBr w="12700" cmpd="sng">
+                      <a:noFill/>
+                      <a:prstDash val="solid"/>
+                    </a:lnTlToBr>
+                    <a:lnBlToTr w="12700" cmpd="sng">
+                      <a:noFill/>
+                      <a:prstDash val="solid"/>
+                    </a:lnBlToTr>
+                  </a:tcPr>
+                </a:tc>
+                <a:tc>
+                  <a:txBody>
+                    <a:bodyPr/>
+                    <a:lstStyle/>
+                    <a:p>
+                      <a:pPr algn="l" fontAlgn="b"/>
+                      <a:r>
+                        <a:rPr lang="en-AU" sz="1100" u="none" strike="noStrike" noProof="0" dirty="0">
+                          <a:effectLst/>
+                        </a:rPr>
+                        <a:t>Baseline</a:t>
+                      </a:r>
+                      <a:endParaRPr lang="en-AU" sz="1100" b="0" i="0" u="none" strike="noStrike" noProof="0" dirty="0">
+                        <a:solidFill>
+                          <a:srgbClr val="000000"/>
+                        </a:solidFill>
+                        <a:effectLst/>
+                        <a:latin typeface="Calibri" panose="020F0502020204030204" pitchFamily="34" charset="0"/>
+                      </a:endParaRPr>
+                    </a:p>
+                  </a:txBody>
+                  <a:tcPr marL="0" marR="0" marT="0" marB="0" anchor="b">
+                    <a:lnL w="12700" cap="flat" cmpd="sng" algn="ctr">
+                      <a:solidFill>
+                        <a:schemeClr val="accent1">
+                          <a:lumMod val="40000"/>
+                          <a:lumOff val="60000"/>
+                        </a:schemeClr>
+                      </a:solidFill>
+                      <a:prstDash val="solid"/>
+                      <a:round/>
+                      <a:headEnd type="none" w="med" len="med"/>
+                      <a:tailEnd type="none" w="med" len="med"/>
+                    </a:lnL>
+                    <a:lnR w="12700" cap="flat" cmpd="sng" algn="ctr">
+                      <a:solidFill>
+                        <a:schemeClr val="accent1">
+                          <a:lumMod val="40000"/>
+                          <a:lumOff val="60000"/>
+                        </a:schemeClr>
+                      </a:solidFill>
+                      <a:prstDash val="solid"/>
+                      <a:round/>
+                      <a:headEnd type="none" w="med" len="med"/>
+                      <a:tailEnd type="none" w="med" len="med"/>
+                    </a:lnR>
+                    <a:lnT w="12700" cap="flat" cmpd="sng" algn="ctr">
+                      <a:solidFill>
+                        <a:schemeClr val="accent1">
+                          <a:lumMod val="40000"/>
+                          <a:lumOff val="60000"/>
+                        </a:schemeClr>
+                      </a:solidFill>
+                      <a:prstDash val="solid"/>
+                      <a:round/>
+                      <a:headEnd type="none" w="med" len="med"/>
+                      <a:tailEnd type="none" w="med" len="med"/>
+                    </a:lnT>
+                    <a:lnB w="12700" cap="flat" cmpd="sng" algn="ctr">
+                      <a:solidFill>
+                        <a:schemeClr val="accent1">
+                          <a:lumMod val="40000"/>
+                          <a:lumOff val="60000"/>
+                        </a:schemeClr>
+                      </a:solidFill>
+                      <a:prstDash val="solid"/>
+                      <a:round/>
+                      <a:headEnd type="none" w="med" len="med"/>
+                      <a:tailEnd type="none" w="med" len="med"/>
+                    </a:lnB>
+                    <a:lnTlToBr w="12700" cmpd="sng">
+                      <a:noFill/>
+                      <a:prstDash val="solid"/>
+                    </a:lnTlToBr>
+                    <a:lnBlToTr w="12700" cmpd="sng">
+                      <a:noFill/>
+                      <a:prstDash val="solid"/>
+                    </a:lnBlToTr>
+                  </a:tcPr>
+                </a:tc>
+                <a:tc>
+                  <a:txBody>
+                    <a:bodyPr/>
+                    <a:lstStyle/>
+                    <a:p>
+                      <a:pPr algn="l" fontAlgn="b"/>
+                      <a:r>
+                        <a:rPr lang="en-AU" sz="1100" u="none" strike="noStrike" noProof="0" dirty="0">
+                          <a:effectLst/>
+                        </a:rPr>
+                        <a:t>Decision Tree</a:t>
+                      </a:r>
+                      <a:endParaRPr lang="en-AU" sz="1100" b="0" i="0" u="none" strike="noStrike" noProof="0" dirty="0">
+                        <a:solidFill>
+                          <a:srgbClr val="000000"/>
+                        </a:solidFill>
+                        <a:effectLst/>
+                        <a:latin typeface="Calibri" panose="020F0502020204030204" pitchFamily="34" charset="0"/>
+                      </a:endParaRPr>
+                    </a:p>
+                  </a:txBody>
+                  <a:tcPr marL="0" marR="0" marT="0" marB="0" anchor="b">
+                    <a:lnL w="12700" cap="flat" cmpd="sng" algn="ctr">
+                      <a:solidFill>
+                        <a:schemeClr val="accent1">
+                          <a:lumMod val="40000"/>
+                          <a:lumOff val="60000"/>
+                        </a:schemeClr>
+                      </a:solidFill>
+                      <a:prstDash val="solid"/>
+                      <a:round/>
+                      <a:headEnd type="none" w="med" len="med"/>
+                      <a:tailEnd type="none" w="med" len="med"/>
+                    </a:lnL>
+                    <a:lnR w="12700" cap="flat" cmpd="sng" algn="ctr">
+                      <a:solidFill>
+                        <a:schemeClr val="accent1">
+                          <a:lumMod val="40000"/>
+                          <a:lumOff val="60000"/>
+                        </a:schemeClr>
+                      </a:solidFill>
+                      <a:prstDash val="solid"/>
+                      <a:round/>
+                      <a:headEnd type="none" w="med" len="med"/>
+                      <a:tailEnd type="none" w="med" len="med"/>
+                    </a:lnR>
+                    <a:lnT w="12700" cap="flat" cmpd="sng" algn="ctr">
+                      <a:solidFill>
+                        <a:schemeClr val="accent1">
+                          <a:lumMod val="40000"/>
+                          <a:lumOff val="60000"/>
+                        </a:schemeClr>
+                      </a:solidFill>
+                      <a:prstDash val="solid"/>
+                      <a:round/>
+                      <a:headEnd type="none" w="med" len="med"/>
+                      <a:tailEnd type="none" w="med" len="med"/>
+                    </a:lnT>
+                    <a:lnB w="12700" cap="flat" cmpd="sng" algn="ctr">
+                      <a:solidFill>
+                        <a:schemeClr val="accent1">
+                          <a:lumMod val="40000"/>
+                          <a:lumOff val="60000"/>
+                        </a:schemeClr>
+                      </a:solidFill>
+                      <a:prstDash val="solid"/>
+                      <a:round/>
+                      <a:headEnd type="none" w="med" len="med"/>
+                      <a:tailEnd type="none" w="med" len="med"/>
+                    </a:lnB>
+                    <a:lnTlToBr w="12700" cmpd="sng">
+                      <a:noFill/>
+                      <a:prstDash val="solid"/>
+                    </a:lnTlToBr>
+                    <a:lnBlToTr w="12700" cmpd="sng">
+                      <a:noFill/>
+                      <a:prstDash val="solid"/>
+                    </a:lnBlToTr>
+                  </a:tcPr>
+                </a:tc>
+                <a:tc>
+                  <a:txBody>
+                    <a:bodyPr/>
+                    <a:lstStyle/>
+                    <a:p>
+                      <a:pPr algn="l" fontAlgn="b"/>
+                      <a:r>
+                        <a:rPr lang="en-AU" sz="1100" u="none" strike="noStrike" noProof="0">
+                          <a:effectLst/>
+                        </a:rPr>
+                        <a:t>Random Forest</a:t>
+                      </a:r>
+                      <a:endParaRPr lang="en-AU" sz="1100" b="0" i="0" u="none" strike="noStrike" noProof="0">
+                        <a:solidFill>
+                          <a:srgbClr val="000000"/>
+                        </a:solidFill>
+                        <a:effectLst/>
+                        <a:latin typeface="Calibri" panose="020F0502020204030204" pitchFamily="34" charset="0"/>
+                      </a:endParaRPr>
+                    </a:p>
+                  </a:txBody>
+                  <a:tcPr marL="0" marR="0" marT="0" marB="0" anchor="b">
+                    <a:lnL w="12700" cap="flat" cmpd="sng" algn="ctr">
+                      <a:solidFill>
+                        <a:schemeClr val="accent1">
+                          <a:lumMod val="40000"/>
+                          <a:lumOff val="60000"/>
+                        </a:schemeClr>
+                      </a:solidFill>
+                      <a:prstDash val="solid"/>
+                      <a:round/>
+                      <a:headEnd type="none" w="med" len="med"/>
+                      <a:tailEnd type="none" w="med" len="med"/>
+                    </a:lnL>
+                    <a:lnR w="12700" cap="flat" cmpd="sng" algn="ctr">
+                      <a:solidFill>
+                        <a:schemeClr val="accent1">
+                          <a:lumMod val="40000"/>
+                          <a:lumOff val="60000"/>
+                        </a:schemeClr>
+                      </a:solidFill>
+                      <a:prstDash val="solid"/>
+                      <a:round/>
+                      <a:headEnd type="none" w="med" len="med"/>
+                      <a:tailEnd type="none" w="med" len="med"/>
+                    </a:lnR>
+                    <a:lnT w="12700" cap="flat" cmpd="sng" algn="ctr">
+                      <a:solidFill>
+                        <a:schemeClr val="accent1">
+                          <a:lumMod val="40000"/>
+                          <a:lumOff val="60000"/>
+                        </a:schemeClr>
+                      </a:solidFill>
+                      <a:prstDash val="solid"/>
+                      <a:round/>
+                      <a:headEnd type="none" w="med" len="med"/>
+                      <a:tailEnd type="none" w="med" len="med"/>
+                    </a:lnT>
+                    <a:lnB w="12700" cap="flat" cmpd="sng" algn="ctr">
+                      <a:solidFill>
+                        <a:schemeClr val="accent1">
+                          <a:lumMod val="40000"/>
+                          <a:lumOff val="60000"/>
+                        </a:schemeClr>
+                      </a:solidFill>
+                      <a:prstDash val="solid"/>
+                      <a:round/>
+                      <a:headEnd type="none" w="med" len="med"/>
+                      <a:tailEnd type="none" w="med" len="med"/>
+                    </a:lnB>
+                    <a:lnTlToBr w="12700" cmpd="sng">
+                      <a:noFill/>
+                      <a:prstDash val="solid"/>
+                    </a:lnTlToBr>
+                    <a:lnBlToTr w="12700" cmpd="sng">
+                      <a:noFill/>
+                      <a:prstDash val="solid"/>
+                    </a:lnBlToTr>
+                  </a:tcPr>
+                </a:tc>
+                <a:tc>
+                  <a:txBody>
+                    <a:bodyPr/>
+                    <a:lstStyle/>
+                    <a:p>
+                      <a:pPr algn="l" fontAlgn="b"/>
+                      <a:r>
+                        <a:rPr lang="en-AU" sz="1100" u="none" strike="noStrike" noProof="0">
+                          <a:effectLst/>
+                        </a:rPr>
+                        <a:t>KNN</a:t>
+                      </a:r>
+                      <a:endParaRPr lang="en-AU" sz="1100" b="0" i="0" u="none" strike="noStrike" noProof="0">
+                        <a:solidFill>
+                          <a:srgbClr val="000000"/>
+                        </a:solidFill>
+                        <a:effectLst/>
+                        <a:latin typeface="Calibri" panose="020F0502020204030204" pitchFamily="34" charset="0"/>
+                      </a:endParaRPr>
+                    </a:p>
+                  </a:txBody>
+                  <a:tcPr marL="0" marR="0" marT="0" marB="0" anchor="b">
+                    <a:lnL w="12700" cap="flat" cmpd="sng" algn="ctr">
+                      <a:solidFill>
+                        <a:schemeClr val="accent1">
+                          <a:lumMod val="40000"/>
+                          <a:lumOff val="60000"/>
+                        </a:schemeClr>
+                      </a:solidFill>
+                      <a:prstDash val="solid"/>
+                      <a:round/>
+                      <a:headEnd type="none" w="med" len="med"/>
+                      <a:tailEnd type="none" w="med" len="med"/>
+                    </a:lnL>
+                    <a:lnR w="12700" cap="flat" cmpd="sng" algn="ctr">
+                      <a:solidFill>
+                        <a:schemeClr val="accent1">
+                          <a:lumMod val="40000"/>
+                          <a:lumOff val="60000"/>
+                        </a:schemeClr>
+                      </a:solidFill>
+                      <a:prstDash val="solid"/>
+                      <a:round/>
+                      <a:headEnd type="none" w="med" len="med"/>
+                      <a:tailEnd type="none" w="med" len="med"/>
+                    </a:lnR>
+                    <a:lnT w="12700" cap="flat" cmpd="sng" algn="ctr">
+                      <a:solidFill>
+                        <a:schemeClr val="accent1">
+                          <a:lumMod val="40000"/>
+                          <a:lumOff val="60000"/>
+                        </a:schemeClr>
+                      </a:solidFill>
+                      <a:prstDash val="solid"/>
+                      <a:round/>
+                      <a:headEnd type="none" w="med" len="med"/>
+                      <a:tailEnd type="none" w="med" len="med"/>
+                    </a:lnT>
+                    <a:lnB w="12700" cap="flat" cmpd="sng" algn="ctr">
+                      <a:solidFill>
+                        <a:schemeClr val="accent1">
+                          <a:lumMod val="40000"/>
+                          <a:lumOff val="60000"/>
+                        </a:schemeClr>
+                      </a:solidFill>
+                      <a:prstDash val="solid"/>
+                      <a:round/>
+                      <a:headEnd type="none" w="med" len="med"/>
+                      <a:tailEnd type="none" w="med" len="med"/>
+                    </a:lnB>
+                    <a:lnTlToBr w="12700" cmpd="sng">
+                      <a:noFill/>
+                      <a:prstDash val="solid"/>
+                    </a:lnTlToBr>
+                    <a:lnBlToTr w="12700" cmpd="sng">
+                      <a:noFill/>
+                      <a:prstDash val="solid"/>
+                    </a:lnBlToTr>
+                  </a:tcPr>
+                </a:tc>
+                <a:tc>
+                  <a:txBody>
+                    <a:bodyPr/>
+                    <a:lstStyle/>
+                    <a:p>
+                      <a:pPr algn="l" fontAlgn="b"/>
+                      <a:r>
+                        <a:rPr lang="en-AU" sz="1100" u="none" strike="noStrike" noProof="0">
+                          <a:effectLst/>
+                        </a:rPr>
+                        <a:t>SVM</a:t>
+                      </a:r>
+                      <a:endParaRPr lang="en-AU" sz="1100" b="0" i="0" u="none" strike="noStrike" noProof="0">
+                        <a:solidFill>
+                          <a:srgbClr val="000000"/>
+                        </a:solidFill>
+                        <a:effectLst/>
+                        <a:latin typeface="Calibri" panose="020F0502020204030204" pitchFamily="34" charset="0"/>
+                      </a:endParaRPr>
+                    </a:p>
+                  </a:txBody>
+                  <a:tcPr marL="0" marR="0" marT="0" marB="0" anchor="b">
+                    <a:lnL w="12700" cap="flat" cmpd="sng" algn="ctr">
+                      <a:solidFill>
+                        <a:schemeClr val="accent1">
+                          <a:lumMod val="40000"/>
+                          <a:lumOff val="60000"/>
+                        </a:schemeClr>
+                      </a:solidFill>
+                      <a:prstDash val="solid"/>
+                      <a:round/>
+                      <a:headEnd type="none" w="med" len="med"/>
+                      <a:tailEnd type="none" w="med" len="med"/>
+                    </a:lnL>
+                    <a:lnR w="12700" cap="flat" cmpd="sng" algn="ctr">
+                      <a:solidFill>
+                        <a:schemeClr val="accent1">
+                          <a:lumMod val="40000"/>
+                          <a:lumOff val="60000"/>
+                        </a:schemeClr>
+                      </a:solidFill>
+                      <a:prstDash val="solid"/>
+                      <a:round/>
+                      <a:headEnd type="none" w="med" len="med"/>
+                      <a:tailEnd type="none" w="med" len="med"/>
+                    </a:lnR>
+                    <a:lnT w="12700" cap="flat" cmpd="sng" algn="ctr">
+                      <a:solidFill>
+                        <a:schemeClr val="accent1">
+                          <a:lumMod val="40000"/>
+                          <a:lumOff val="60000"/>
+                        </a:schemeClr>
+                      </a:solidFill>
+                      <a:prstDash val="solid"/>
+                      <a:round/>
+                      <a:headEnd type="none" w="med" len="med"/>
+                      <a:tailEnd type="none" w="med" len="med"/>
+                    </a:lnT>
+                    <a:lnB w="12700" cap="flat" cmpd="sng" algn="ctr">
+                      <a:solidFill>
+                        <a:schemeClr val="accent1">
+                          <a:lumMod val="40000"/>
+                          <a:lumOff val="60000"/>
+                        </a:schemeClr>
+                      </a:solidFill>
+                      <a:prstDash val="solid"/>
+                      <a:round/>
+                      <a:headEnd type="none" w="med" len="med"/>
+                      <a:tailEnd type="none" w="med" len="med"/>
+                    </a:lnB>
+                    <a:lnTlToBr w="12700" cmpd="sng">
+                      <a:noFill/>
+                      <a:prstDash val="solid"/>
+                    </a:lnTlToBr>
+                    <a:lnBlToTr w="12700" cmpd="sng">
+                      <a:noFill/>
+                      <a:prstDash val="solid"/>
+                    </a:lnBlToTr>
+                  </a:tcPr>
+                </a:tc>
+                <a:tc>
+                  <a:txBody>
+                    <a:bodyPr/>
+                    <a:lstStyle/>
+                    <a:p>
+                      <a:pPr algn="l" fontAlgn="b"/>
+                      <a:r>
+                        <a:rPr lang="en-AU" sz="1100" u="none" strike="noStrike" noProof="0">
+                          <a:effectLst/>
+                        </a:rPr>
+                        <a:t>MLP</a:t>
+                      </a:r>
+                      <a:endParaRPr lang="en-AU" sz="1100" b="0" i="0" u="none" strike="noStrike" noProof="0">
+                        <a:solidFill>
+                          <a:srgbClr val="000000"/>
+                        </a:solidFill>
+                        <a:effectLst/>
+                        <a:latin typeface="Calibri" panose="020F0502020204030204" pitchFamily="34" charset="0"/>
+                      </a:endParaRPr>
+                    </a:p>
+                  </a:txBody>
+                  <a:tcPr marL="0" marR="0" marT="0" marB="0" anchor="b">
+                    <a:lnL w="12700" cap="flat" cmpd="sng" algn="ctr">
+                      <a:solidFill>
+                        <a:schemeClr val="accent1">
+                          <a:lumMod val="40000"/>
+                          <a:lumOff val="60000"/>
+                        </a:schemeClr>
+                      </a:solidFill>
+                      <a:prstDash val="solid"/>
+                      <a:round/>
+                      <a:headEnd type="none" w="med" len="med"/>
+                      <a:tailEnd type="none" w="med" len="med"/>
+                    </a:lnL>
+                    <a:lnR w="12700" cap="flat" cmpd="sng" algn="ctr">
+                      <a:solidFill>
+                        <a:schemeClr val="accent1">
+                          <a:lumMod val="40000"/>
+                          <a:lumOff val="60000"/>
+                        </a:schemeClr>
+                      </a:solidFill>
+                      <a:prstDash val="solid"/>
+                      <a:round/>
+                      <a:headEnd type="none" w="med" len="med"/>
+                      <a:tailEnd type="none" w="med" len="med"/>
+                    </a:lnR>
+                    <a:lnT w="12700" cap="flat" cmpd="sng" algn="ctr">
+                      <a:solidFill>
+                        <a:schemeClr val="accent1">
+                          <a:lumMod val="40000"/>
+                          <a:lumOff val="60000"/>
+                        </a:schemeClr>
+                      </a:solidFill>
+                      <a:prstDash val="solid"/>
+                      <a:round/>
+                      <a:headEnd type="none" w="med" len="med"/>
+                      <a:tailEnd type="none" w="med" len="med"/>
+                    </a:lnT>
+                    <a:lnB w="12700" cap="flat" cmpd="sng" algn="ctr">
+                      <a:solidFill>
+                        <a:schemeClr val="accent1">
+                          <a:lumMod val="40000"/>
+                          <a:lumOff val="60000"/>
+                        </a:schemeClr>
+                      </a:solidFill>
+                      <a:prstDash val="solid"/>
+                      <a:round/>
+                      <a:headEnd type="none" w="med" len="med"/>
+                      <a:tailEnd type="none" w="med" len="med"/>
+                    </a:lnB>
+                    <a:lnTlToBr w="12700" cmpd="sng">
+                      <a:noFill/>
+                      <a:prstDash val="solid"/>
+                    </a:lnTlToBr>
+                    <a:lnBlToTr w="12700" cmpd="sng">
+                      <a:noFill/>
+                      <a:prstDash val="solid"/>
+                    </a:lnBlToTr>
+                  </a:tcPr>
+                </a:tc>
+                <a:extLst>
+                  <a:ext uri="{0D108BD9-81ED-4DB2-BD59-A6C34878D82A}">
+                    <a16:rowId xmlns:a16="http://schemas.microsoft.com/office/drawing/2014/main" val="4050534122"/>
+                  </a:ext>
+                </a:extLst>
+              </a:tr>
+              <a:tr h="249129">
+                <a:tc>
+                  <a:txBody>
+                    <a:bodyPr/>
+                    <a:lstStyle/>
+                    <a:p>
+                      <a:pPr algn="l" fontAlgn="b"/>
+                      <a:r>
+                        <a:rPr lang="en-AU" sz="1100" u="none" strike="noStrike" noProof="0">
+                          <a:effectLst/>
+                        </a:rPr>
+                        <a:t>Complete Data</a:t>
+                      </a:r>
+                      <a:endParaRPr lang="en-AU" sz="1100" b="0" i="0" u="none" strike="noStrike" noProof="0">
+                        <a:solidFill>
+                          <a:srgbClr val="000000"/>
+                        </a:solidFill>
+                        <a:effectLst/>
+                        <a:latin typeface="Calibri" panose="020F0502020204030204" pitchFamily="34" charset="0"/>
+                      </a:endParaRPr>
+                    </a:p>
+                  </a:txBody>
+                  <a:tcPr marL="0" marR="0" marT="0" marB="0" anchor="b">
+                    <a:lnL w="12700" cap="flat" cmpd="sng" algn="ctr">
+                      <a:solidFill>
+                        <a:schemeClr val="accent1">
+                          <a:lumMod val="40000"/>
+                          <a:lumOff val="60000"/>
+                        </a:schemeClr>
+                      </a:solidFill>
+                      <a:prstDash val="solid"/>
+                      <a:round/>
+                      <a:headEnd type="none" w="med" len="med"/>
+                      <a:tailEnd type="none" w="med" len="med"/>
+                    </a:lnL>
+                    <a:lnR w="12700" cap="flat" cmpd="sng" algn="ctr">
+                      <a:solidFill>
+                        <a:schemeClr val="accent1">
+                          <a:lumMod val="40000"/>
+                          <a:lumOff val="60000"/>
+                        </a:schemeClr>
+                      </a:solidFill>
+                      <a:prstDash val="solid"/>
+                      <a:round/>
+                      <a:headEnd type="none" w="med" len="med"/>
+                      <a:tailEnd type="none" w="med" len="med"/>
+                    </a:lnR>
+                    <a:lnT w="12700" cap="flat" cmpd="sng" algn="ctr">
+                      <a:solidFill>
+                        <a:schemeClr val="accent1">
+                          <a:lumMod val="40000"/>
+                          <a:lumOff val="60000"/>
+                        </a:schemeClr>
+                      </a:solidFill>
+                      <a:prstDash val="solid"/>
+                      <a:round/>
+                      <a:headEnd type="none" w="med" len="med"/>
+                      <a:tailEnd type="none" w="med" len="med"/>
+                    </a:lnT>
+                    <a:lnB w="12700" cap="flat" cmpd="sng" algn="ctr">
+                      <a:solidFill>
+                        <a:schemeClr val="accent1">
+                          <a:lumMod val="40000"/>
+                          <a:lumOff val="60000"/>
+                        </a:schemeClr>
+                      </a:solidFill>
+                      <a:prstDash val="solid"/>
+                      <a:round/>
+                      <a:headEnd type="none" w="med" len="med"/>
+                      <a:tailEnd type="none" w="med" len="med"/>
+                    </a:lnB>
+                    <a:lnTlToBr w="12700" cmpd="sng">
+                      <a:noFill/>
+                      <a:prstDash val="solid"/>
+                    </a:lnTlToBr>
+                    <a:lnBlToTr w="12700" cmpd="sng">
+                      <a:noFill/>
+                      <a:prstDash val="solid"/>
+                    </a:lnBlToTr>
+                  </a:tcPr>
+                </a:tc>
+                <a:tc>
+                  <a:txBody>
+                    <a:bodyPr/>
+                    <a:lstStyle/>
+                    <a:p>
+                      <a:pPr algn="r" fontAlgn="b"/>
+                      <a:r>
+                        <a:rPr lang="en-AU" sz="1100" u="none" strike="noStrike" noProof="0">
+                          <a:effectLst/>
+                        </a:rPr>
+                        <a:t>0.24</a:t>
+                      </a:r>
+                      <a:endParaRPr lang="en-AU" sz="1100" b="0" i="0" u="none" strike="noStrike" noProof="0">
+                        <a:solidFill>
+                          <a:srgbClr val="000000"/>
+                        </a:solidFill>
+                        <a:effectLst/>
+                        <a:latin typeface="Calibri" panose="020F0502020204030204" pitchFamily="34" charset="0"/>
+                      </a:endParaRPr>
+                    </a:p>
+                  </a:txBody>
+                  <a:tcPr marL="0" marR="0" marT="0" marB="0" anchor="b">
+                    <a:lnL w="12700" cap="flat" cmpd="sng" algn="ctr">
+                      <a:solidFill>
+                        <a:schemeClr val="accent1">
+                          <a:lumMod val="40000"/>
+                          <a:lumOff val="60000"/>
+                        </a:schemeClr>
+                      </a:solidFill>
+                      <a:prstDash val="solid"/>
+                      <a:round/>
+                      <a:headEnd type="none" w="med" len="med"/>
+                      <a:tailEnd type="none" w="med" len="med"/>
+                    </a:lnL>
+                    <a:lnR w="12700" cap="flat" cmpd="sng" algn="ctr">
+                      <a:solidFill>
+                        <a:schemeClr val="accent1">
+                          <a:lumMod val="40000"/>
+                          <a:lumOff val="60000"/>
+                        </a:schemeClr>
+                      </a:solidFill>
+                      <a:prstDash val="solid"/>
+                      <a:round/>
+                      <a:headEnd type="none" w="med" len="med"/>
+                      <a:tailEnd type="none" w="med" len="med"/>
+                    </a:lnR>
+                    <a:lnT w="12700" cap="flat" cmpd="sng" algn="ctr">
+                      <a:solidFill>
+                        <a:schemeClr val="accent1">
+                          <a:lumMod val="40000"/>
+                          <a:lumOff val="60000"/>
+                        </a:schemeClr>
+                      </a:solidFill>
+                      <a:prstDash val="solid"/>
+                      <a:round/>
+                      <a:headEnd type="none" w="med" len="med"/>
+                      <a:tailEnd type="none" w="med" len="med"/>
+                    </a:lnT>
+                    <a:lnB w="12700" cap="flat" cmpd="sng" algn="ctr">
+                      <a:solidFill>
+                        <a:schemeClr val="accent1">
+                          <a:lumMod val="40000"/>
+                          <a:lumOff val="60000"/>
+                        </a:schemeClr>
+                      </a:solidFill>
+                      <a:prstDash val="solid"/>
+                      <a:round/>
+                      <a:headEnd type="none" w="med" len="med"/>
+                      <a:tailEnd type="none" w="med" len="med"/>
+                    </a:lnB>
+                    <a:lnTlToBr w="12700" cmpd="sng">
+                      <a:noFill/>
+                      <a:prstDash val="solid"/>
+                    </a:lnTlToBr>
+                    <a:lnBlToTr w="12700" cmpd="sng">
+                      <a:noFill/>
+                      <a:prstDash val="solid"/>
+                    </a:lnBlToTr>
+                  </a:tcPr>
+                </a:tc>
+                <a:tc>
+                  <a:txBody>
+                    <a:bodyPr/>
+                    <a:lstStyle/>
+                    <a:p>
+                      <a:pPr algn="r" fontAlgn="b"/>
+                      <a:r>
+                        <a:rPr lang="en-AU" sz="1100" u="none" strike="noStrike" noProof="0">
+                          <a:effectLst/>
+                        </a:rPr>
+                        <a:t>0.23</a:t>
+                      </a:r>
+                      <a:endParaRPr lang="en-AU" sz="1100" b="0" i="0" u="none" strike="noStrike" noProof="0">
+                        <a:solidFill>
+                          <a:srgbClr val="000000"/>
+                        </a:solidFill>
+                        <a:effectLst/>
+                        <a:latin typeface="Calibri" panose="020F0502020204030204" pitchFamily="34" charset="0"/>
+                      </a:endParaRPr>
+                    </a:p>
+                  </a:txBody>
+                  <a:tcPr marL="0" marR="0" marT="0" marB="0" anchor="b">
+                    <a:lnL w="12700" cap="flat" cmpd="sng" algn="ctr">
+                      <a:solidFill>
+                        <a:schemeClr val="accent1">
+                          <a:lumMod val="40000"/>
+                          <a:lumOff val="60000"/>
+                        </a:schemeClr>
+                      </a:solidFill>
+                      <a:prstDash val="solid"/>
+                      <a:round/>
+                      <a:headEnd type="none" w="med" len="med"/>
+                      <a:tailEnd type="none" w="med" len="med"/>
+                    </a:lnL>
+                    <a:lnR w="12700" cap="flat" cmpd="sng" algn="ctr">
+                      <a:solidFill>
+                        <a:schemeClr val="accent1">
+                          <a:lumMod val="40000"/>
+                          <a:lumOff val="60000"/>
+                        </a:schemeClr>
+                      </a:solidFill>
+                      <a:prstDash val="solid"/>
+                      <a:round/>
+                      <a:headEnd type="none" w="med" len="med"/>
+                      <a:tailEnd type="none" w="med" len="med"/>
+                    </a:lnR>
+                    <a:lnT w="12700" cap="flat" cmpd="sng" algn="ctr">
+                      <a:solidFill>
+                        <a:schemeClr val="accent1">
+                          <a:lumMod val="40000"/>
+                          <a:lumOff val="60000"/>
+                        </a:schemeClr>
+                      </a:solidFill>
+                      <a:prstDash val="solid"/>
+                      <a:round/>
+                      <a:headEnd type="none" w="med" len="med"/>
+                      <a:tailEnd type="none" w="med" len="med"/>
+                    </a:lnT>
+                    <a:lnB w="12700" cap="flat" cmpd="sng" algn="ctr">
+                      <a:solidFill>
+                        <a:schemeClr val="accent1">
+                          <a:lumMod val="40000"/>
+                          <a:lumOff val="60000"/>
+                        </a:schemeClr>
+                      </a:solidFill>
+                      <a:prstDash val="solid"/>
+                      <a:round/>
+                      <a:headEnd type="none" w="med" len="med"/>
+                      <a:tailEnd type="none" w="med" len="med"/>
+                    </a:lnB>
+                    <a:lnTlToBr w="12700" cmpd="sng">
+                      <a:noFill/>
+                      <a:prstDash val="solid"/>
+                    </a:lnTlToBr>
+                    <a:lnBlToTr w="12700" cmpd="sng">
+                      <a:noFill/>
+                      <a:prstDash val="solid"/>
+                    </a:lnBlToTr>
+                  </a:tcPr>
+                </a:tc>
+                <a:tc>
+                  <a:txBody>
+                    <a:bodyPr/>
+                    <a:lstStyle/>
+                    <a:p>
+                      <a:pPr algn="r" fontAlgn="b"/>
+                      <a:r>
+                        <a:rPr lang="en-AU" sz="1100" u="none" strike="noStrike" noProof="0" dirty="0">
+                          <a:effectLst/>
+                        </a:rPr>
+                        <a:t>0.28</a:t>
+                      </a:r>
+                      <a:endParaRPr lang="en-AU" sz="1100" b="0" i="0" u="none" strike="noStrike" noProof="0" dirty="0">
+                        <a:solidFill>
+                          <a:srgbClr val="000000"/>
+                        </a:solidFill>
+                        <a:effectLst/>
+                        <a:latin typeface="Calibri" panose="020F0502020204030204" pitchFamily="34" charset="0"/>
+                      </a:endParaRPr>
+                    </a:p>
+                  </a:txBody>
+                  <a:tcPr marL="0" marR="0" marT="0" marB="0" anchor="b">
+                    <a:lnL w="12700" cap="flat" cmpd="sng" algn="ctr">
+                      <a:solidFill>
+                        <a:schemeClr val="accent1">
+                          <a:lumMod val="40000"/>
+                          <a:lumOff val="60000"/>
+                        </a:schemeClr>
+                      </a:solidFill>
+                      <a:prstDash val="solid"/>
+                      <a:round/>
+                      <a:headEnd type="none" w="med" len="med"/>
+                      <a:tailEnd type="none" w="med" len="med"/>
+                    </a:lnL>
+                    <a:lnR w="12700" cap="flat" cmpd="sng" algn="ctr">
+                      <a:solidFill>
+                        <a:schemeClr val="accent1">
+                          <a:lumMod val="40000"/>
+                          <a:lumOff val="60000"/>
+                        </a:schemeClr>
+                      </a:solidFill>
+                      <a:prstDash val="solid"/>
+                      <a:round/>
+                      <a:headEnd type="none" w="med" len="med"/>
+                      <a:tailEnd type="none" w="med" len="med"/>
+                    </a:lnR>
+                    <a:lnT w="12700" cap="flat" cmpd="sng" algn="ctr">
+                      <a:solidFill>
+                        <a:schemeClr val="accent1">
+                          <a:lumMod val="40000"/>
+                          <a:lumOff val="60000"/>
+                        </a:schemeClr>
+                      </a:solidFill>
+                      <a:prstDash val="solid"/>
+                      <a:round/>
+                      <a:headEnd type="none" w="med" len="med"/>
+                      <a:tailEnd type="none" w="med" len="med"/>
+                    </a:lnT>
+                    <a:lnB w="12700" cap="flat" cmpd="sng" algn="ctr">
+                      <a:solidFill>
+                        <a:schemeClr val="accent1">
+                          <a:lumMod val="40000"/>
+                          <a:lumOff val="60000"/>
+                        </a:schemeClr>
+                      </a:solidFill>
+                      <a:prstDash val="solid"/>
+                      <a:round/>
+                      <a:headEnd type="none" w="med" len="med"/>
+                      <a:tailEnd type="none" w="med" len="med"/>
+                    </a:lnB>
+                    <a:lnTlToBr w="12700" cmpd="sng">
+                      <a:noFill/>
+                      <a:prstDash val="solid"/>
+                    </a:lnTlToBr>
+                    <a:lnBlToTr w="12700" cmpd="sng">
+                      <a:noFill/>
+                      <a:prstDash val="solid"/>
+                    </a:lnBlToTr>
+                  </a:tcPr>
+                </a:tc>
+                <a:tc>
+                  <a:txBody>
+                    <a:bodyPr/>
+                    <a:lstStyle/>
+                    <a:p>
+                      <a:pPr algn="r" fontAlgn="b"/>
+                      <a:r>
+                        <a:rPr lang="en-AU" sz="1100" u="none" strike="noStrike" noProof="0">
+                          <a:effectLst/>
+                        </a:rPr>
+                        <a:t>0.26</a:t>
+                      </a:r>
+                      <a:endParaRPr lang="en-AU" sz="1100" b="0" i="0" u="none" strike="noStrike" noProof="0">
+                        <a:solidFill>
+                          <a:srgbClr val="000000"/>
+                        </a:solidFill>
+                        <a:effectLst/>
+                        <a:latin typeface="Calibri" panose="020F0502020204030204" pitchFamily="34" charset="0"/>
+                      </a:endParaRPr>
+                    </a:p>
+                  </a:txBody>
+                  <a:tcPr marL="0" marR="0" marT="0" marB="0" anchor="b">
+                    <a:lnL w="12700" cap="flat" cmpd="sng" algn="ctr">
+                      <a:solidFill>
+                        <a:schemeClr val="accent1">
+                          <a:lumMod val="40000"/>
+                          <a:lumOff val="60000"/>
+                        </a:schemeClr>
+                      </a:solidFill>
+                      <a:prstDash val="solid"/>
+                      <a:round/>
+                      <a:headEnd type="none" w="med" len="med"/>
+                      <a:tailEnd type="none" w="med" len="med"/>
+                    </a:lnL>
+                    <a:lnR w="12700" cap="flat" cmpd="sng" algn="ctr">
+                      <a:solidFill>
+                        <a:schemeClr val="accent1">
+                          <a:lumMod val="40000"/>
+                          <a:lumOff val="60000"/>
+                        </a:schemeClr>
+                      </a:solidFill>
+                      <a:prstDash val="solid"/>
+                      <a:round/>
+                      <a:headEnd type="none" w="med" len="med"/>
+                      <a:tailEnd type="none" w="med" len="med"/>
+                    </a:lnR>
+                    <a:lnT w="12700" cap="flat" cmpd="sng" algn="ctr">
+                      <a:solidFill>
+                        <a:schemeClr val="accent1">
+                          <a:lumMod val="40000"/>
+                          <a:lumOff val="60000"/>
+                        </a:schemeClr>
+                      </a:solidFill>
+                      <a:prstDash val="solid"/>
+                      <a:round/>
+                      <a:headEnd type="none" w="med" len="med"/>
+                      <a:tailEnd type="none" w="med" len="med"/>
+                    </a:lnT>
+                    <a:lnB w="12700" cap="flat" cmpd="sng" algn="ctr">
+                      <a:solidFill>
+                        <a:schemeClr val="accent1">
+                          <a:lumMod val="40000"/>
+                          <a:lumOff val="60000"/>
+                        </a:schemeClr>
+                      </a:solidFill>
+                      <a:prstDash val="solid"/>
+                      <a:round/>
+                      <a:headEnd type="none" w="med" len="med"/>
+                      <a:tailEnd type="none" w="med" len="med"/>
+                    </a:lnB>
+                    <a:lnTlToBr w="12700" cmpd="sng">
+                      <a:noFill/>
+                      <a:prstDash val="solid"/>
+                    </a:lnTlToBr>
+                    <a:lnBlToTr w="12700" cmpd="sng">
+                      <a:noFill/>
+                      <a:prstDash val="solid"/>
+                    </a:lnBlToTr>
+                  </a:tcPr>
+                </a:tc>
+                <a:tc>
+                  <a:txBody>
+                    <a:bodyPr/>
+                    <a:lstStyle/>
+                    <a:p>
+                      <a:pPr algn="r" fontAlgn="b"/>
+                      <a:r>
+                        <a:rPr lang="en-AU" sz="1100" u="none" strike="noStrike" noProof="0">
+                          <a:effectLst/>
+                        </a:rPr>
+                        <a:t>0.21</a:t>
+                      </a:r>
+                      <a:endParaRPr lang="en-AU" sz="1100" b="0" i="0" u="none" strike="noStrike" noProof="0">
+                        <a:solidFill>
+                          <a:srgbClr val="000000"/>
+                        </a:solidFill>
+                        <a:effectLst/>
+                        <a:latin typeface="Calibri" panose="020F0502020204030204" pitchFamily="34" charset="0"/>
+                      </a:endParaRPr>
+                    </a:p>
+                  </a:txBody>
+                  <a:tcPr marL="0" marR="0" marT="0" marB="0" anchor="b">
+                    <a:lnL w="12700" cap="flat" cmpd="sng" algn="ctr">
+                      <a:solidFill>
+                        <a:schemeClr val="accent1">
+                          <a:lumMod val="40000"/>
+                          <a:lumOff val="60000"/>
+                        </a:schemeClr>
+                      </a:solidFill>
+                      <a:prstDash val="solid"/>
+                      <a:round/>
+                      <a:headEnd type="none" w="med" len="med"/>
+                      <a:tailEnd type="none" w="med" len="med"/>
+                    </a:lnL>
+                    <a:lnR w="12700" cap="flat" cmpd="sng" algn="ctr">
+                      <a:solidFill>
+                        <a:schemeClr val="accent1">
+                          <a:lumMod val="40000"/>
+                          <a:lumOff val="60000"/>
+                        </a:schemeClr>
+                      </a:solidFill>
+                      <a:prstDash val="solid"/>
+                      <a:round/>
+                      <a:headEnd type="none" w="med" len="med"/>
+                      <a:tailEnd type="none" w="med" len="med"/>
+                    </a:lnR>
+                    <a:lnT w="12700" cap="flat" cmpd="sng" algn="ctr">
+                      <a:solidFill>
+                        <a:schemeClr val="accent1">
+                          <a:lumMod val="40000"/>
+                          <a:lumOff val="60000"/>
+                        </a:schemeClr>
+                      </a:solidFill>
+                      <a:prstDash val="solid"/>
+                      <a:round/>
+                      <a:headEnd type="none" w="med" len="med"/>
+                      <a:tailEnd type="none" w="med" len="med"/>
+                    </a:lnT>
+                    <a:lnB w="12700" cap="flat" cmpd="sng" algn="ctr">
+                      <a:solidFill>
+                        <a:schemeClr val="accent1">
+                          <a:lumMod val="40000"/>
+                          <a:lumOff val="60000"/>
+                        </a:schemeClr>
+                      </a:solidFill>
+                      <a:prstDash val="solid"/>
+                      <a:round/>
+                      <a:headEnd type="none" w="med" len="med"/>
+                      <a:tailEnd type="none" w="med" len="med"/>
+                    </a:lnB>
+                    <a:lnTlToBr w="12700" cmpd="sng">
+                      <a:noFill/>
+                      <a:prstDash val="solid"/>
+                    </a:lnTlToBr>
+                    <a:lnBlToTr w="12700" cmpd="sng">
+                      <a:noFill/>
+                      <a:prstDash val="solid"/>
+                    </a:lnBlToTr>
+                  </a:tcPr>
+                </a:tc>
+                <a:tc>
+                  <a:txBody>
+                    <a:bodyPr/>
+                    <a:lstStyle/>
+                    <a:p>
+                      <a:pPr algn="r" fontAlgn="b"/>
+                      <a:r>
+                        <a:rPr lang="en-AU" sz="1100" u="none" strike="noStrike" noProof="0">
+                          <a:effectLst/>
+                        </a:rPr>
+                        <a:t>0.32</a:t>
+                      </a:r>
+                      <a:endParaRPr lang="en-AU" sz="1100" b="0" i="0" u="none" strike="noStrike" noProof="0">
+                        <a:solidFill>
+                          <a:srgbClr val="000000"/>
+                        </a:solidFill>
+                        <a:effectLst/>
+                        <a:latin typeface="Calibri" panose="020F0502020204030204" pitchFamily="34" charset="0"/>
+                      </a:endParaRPr>
+                    </a:p>
+                  </a:txBody>
+                  <a:tcPr marL="0" marR="0" marT="0" marB="0" anchor="b">
+                    <a:lnL w="12700" cap="flat" cmpd="sng" algn="ctr">
+                      <a:solidFill>
+                        <a:schemeClr val="accent1">
+                          <a:lumMod val="40000"/>
+                          <a:lumOff val="60000"/>
+                        </a:schemeClr>
+                      </a:solidFill>
+                      <a:prstDash val="solid"/>
+                      <a:round/>
+                      <a:headEnd type="none" w="med" len="med"/>
+                      <a:tailEnd type="none" w="med" len="med"/>
+                    </a:lnL>
+                    <a:lnR w="12700" cap="flat" cmpd="sng" algn="ctr">
+                      <a:solidFill>
+                        <a:schemeClr val="accent1">
+                          <a:lumMod val="40000"/>
+                          <a:lumOff val="60000"/>
+                        </a:schemeClr>
+                      </a:solidFill>
+                      <a:prstDash val="solid"/>
+                      <a:round/>
+                      <a:headEnd type="none" w="med" len="med"/>
+                      <a:tailEnd type="none" w="med" len="med"/>
+                    </a:lnR>
+                    <a:lnT w="12700" cap="flat" cmpd="sng" algn="ctr">
+                      <a:solidFill>
+                        <a:schemeClr val="accent1">
+                          <a:lumMod val="40000"/>
+                          <a:lumOff val="60000"/>
+                        </a:schemeClr>
+                      </a:solidFill>
+                      <a:prstDash val="solid"/>
+                      <a:round/>
+                      <a:headEnd type="none" w="med" len="med"/>
+                      <a:tailEnd type="none" w="med" len="med"/>
+                    </a:lnT>
+                    <a:lnB w="12700" cap="flat" cmpd="sng" algn="ctr">
+                      <a:solidFill>
+                        <a:schemeClr val="accent1">
+                          <a:lumMod val="40000"/>
+                          <a:lumOff val="60000"/>
+                        </a:schemeClr>
+                      </a:solidFill>
+                      <a:prstDash val="solid"/>
+                      <a:round/>
+                      <a:headEnd type="none" w="med" len="med"/>
+                      <a:tailEnd type="none" w="med" len="med"/>
+                    </a:lnB>
+                    <a:lnTlToBr w="12700" cmpd="sng">
+                      <a:noFill/>
+                      <a:prstDash val="solid"/>
+                    </a:lnTlToBr>
+                    <a:lnBlToTr w="12700" cmpd="sng">
+                      <a:noFill/>
+                      <a:prstDash val="solid"/>
+                    </a:lnBlToTr>
+                    <a:solidFill>
+                      <a:schemeClr val="accent6">
+                        <a:lumMod val="60000"/>
+                        <a:lumOff val="40000"/>
+                      </a:schemeClr>
+                    </a:solidFill>
+                  </a:tcPr>
+                </a:tc>
+                <a:extLst>
+                  <a:ext uri="{0D108BD9-81ED-4DB2-BD59-A6C34878D82A}">
+                    <a16:rowId xmlns:a16="http://schemas.microsoft.com/office/drawing/2014/main" val="2176529538"/>
+                  </a:ext>
+                </a:extLst>
+              </a:tr>
+              <a:tr h="249129">
+                <a:tc>
+                  <a:txBody>
+                    <a:bodyPr/>
+                    <a:lstStyle/>
+                    <a:p>
+                      <a:pPr algn="l" fontAlgn="b"/>
+                      <a:r>
+                        <a:rPr lang="en-AU" sz="1100" u="none" strike="noStrike" noProof="0" dirty="0">
+                          <a:effectLst/>
+                        </a:rPr>
+                        <a:t>Male Data</a:t>
+                      </a:r>
+                      <a:endParaRPr lang="en-AU" sz="1100" b="0" i="0" u="none" strike="noStrike" noProof="0" dirty="0">
+                        <a:solidFill>
+                          <a:srgbClr val="000000"/>
+                        </a:solidFill>
+                        <a:effectLst/>
+                        <a:latin typeface="Calibri" panose="020F0502020204030204" pitchFamily="34" charset="0"/>
+                      </a:endParaRPr>
+                    </a:p>
+                  </a:txBody>
+                  <a:tcPr marL="0" marR="0" marT="0" marB="0" anchor="b">
+                    <a:lnL w="12700" cap="flat" cmpd="sng" algn="ctr">
+                      <a:solidFill>
+                        <a:schemeClr val="accent1">
+                          <a:lumMod val="40000"/>
+                          <a:lumOff val="60000"/>
+                        </a:schemeClr>
+                      </a:solidFill>
+                      <a:prstDash val="solid"/>
+                      <a:round/>
+                      <a:headEnd type="none" w="med" len="med"/>
+                      <a:tailEnd type="none" w="med" len="med"/>
+                    </a:lnL>
+                    <a:lnR w="12700" cap="flat" cmpd="sng" algn="ctr">
+                      <a:solidFill>
+                        <a:schemeClr val="accent1">
+                          <a:lumMod val="40000"/>
+                          <a:lumOff val="60000"/>
+                        </a:schemeClr>
+                      </a:solidFill>
+                      <a:prstDash val="solid"/>
+                      <a:round/>
+                      <a:headEnd type="none" w="med" len="med"/>
+                      <a:tailEnd type="none" w="med" len="med"/>
+                    </a:lnR>
+                    <a:lnT w="12700" cap="flat" cmpd="sng" algn="ctr">
+                      <a:solidFill>
+                        <a:schemeClr val="accent1">
+                          <a:lumMod val="40000"/>
+                          <a:lumOff val="60000"/>
+                        </a:schemeClr>
+                      </a:solidFill>
+                      <a:prstDash val="solid"/>
+                      <a:round/>
+                      <a:headEnd type="none" w="med" len="med"/>
+                      <a:tailEnd type="none" w="med" len="med"/>
+                    </a:lnT>
+                    <a:lnB w="12700" cap="flat" cmpd="sng" algn="ctr">
+                      <a:solidFill>
+                        <a:schemeClr val="accent1">
+                          <a:lumMod val="40000"/>
+                          <a:lumOff val="60000"/>
+                        </a:schemeClr>
+                      </a:solidFill>
+                      <a:prstDash val="solid"/>
+                      <a:round/>
+                      <a:headEnd type="none" w="med" len="med"/>
+                      <a:tailEnd type="none" w="med" len="med"/>
+                    </a:lnB>
+                    <a:lnTlToBr w="12700" cmpd="sng">
+                      <a:noFill/>
+                      <a:prstDash val="solid"/>
+                    </a:lnTlToBr>
+                    <a:lnBlToTr w="12700" cmpd="sng">
+                      <a:noFill/>
+                      <a:prstDash val="solid"/>
+                    </a:lnBlToTr>
+                  </a:tcPr>
+                </a:tc>
+                <a:tc>
+                  <a:txBody>
+                    <a:bodyPr/>
+                    <a:lstStyle/>
+                    <a:p>
+                      <a:pPr algn="r" fontAlgn="b"/>
+                      <a:r>
+                        <a:rPr lang="en-AU" sz="1100" u="none" strike="noStrike" noProof="0">
+                          <a:effectLst/>
+                        </a:rPr>
+                        <a:t>0.32</a:t>
+                      </a:r>
+                      <a:endParaRPr lang="en-AU" sz="1100" b="0" i="0" u="none" strike="noStrike" noProof="0">
+                        <a:solidFill>
+                          <a:srgbClr val="000000"/>
+                        </a:solidFill>
+                        <a:effectLst/>
+                        <a:latin typeface="Calibri" panose="020F0502020204030204" pitchFamily="34" charset="0"/>
+                      </a:endParaRPr>
+                    </a:p>
+                  </a:txBody>
+                  <a:tcPr marL="0" marR="0" marT="0" marB="0" anchor="b">
+                    <a:lnL w="12700" cap="flat" cmpd="sng" algn="ctr">
+                      <a:solidFill>
+                        <a:schemeClr val="accent1">
+                          <a:lumMod val="40000"/>
+                          <a:lumOff val="60000"/>
+                        </a:schemeClr>
+                      </a:solidFill>
+                      <a:prstDash val="solid"/>
+                      <a:round/>
+                      <a:headEnd type="none" w="med" len="med"/>
+                      <a:tailEnd type="none" w="med" len="med"/>
+                    </a:lnL>
+                    <a:lnR w="12700" cap="flat" cmpd="sng" algn="ctr">
+                      <a:solidFill>
+                        <a:schemeClr val="accent1">
+                          <a:lumMod val="40000"/>
+                          <a:lumOff val="60000"/>
+                        </a:schemeClr>
+                      </a:solidFill>
+                      <a:prstDash val="solid"/>
+                      <a:round/>
+                      <a:headEnd type="none" w="med" len="med"/>
+                      <a:tailEnd type="none" w="med" len="med"/>
+                    </a:lnR>
+                    <a:lnT w="12700" cap="flat" cmpd="sng" algn="ctr">
+                      <a:solidFill>
+                        <a:schemeClr val="accent1">
+                          <a:lumMod val="40000"/>
+                          <a:lumOff val="60000"/>
+                        </a:schemeClr>
+                      </a:solidFill>
+                      <a:prstDash val="solid"/>
+                      <a:round/>
+                      <a:headEnd type="none" w="med" len="med"/>
+                      <a:tailEnd type="none" w="med" len="med"/>
+                    </a:lnT>
+                    <a:lnB w="12700" cap="flat" cmpd="sng" algn="ctr">
+                      <a:solidFill>
+                        <a:schemeClr val="accent1">
+                          <a:lumMod val="40000"/>
+                          <a:lumOff val="60000"/>
+                        </a:schemeClr>
+                      </a:solidFill>
+                      <a:prstDash val="solid"/>
+                      <a:round/>
+                      <a:headEnd type="none" w="med" len="med"/>
+                      <a:tailEnd type="none" w="med" len="med"/>
+                    </a:lnB>
+                    <a:lnTlToBr w="12700" cmpd="sng">
+                      <a:noFill/>
+                      <a:prstDash val="solid"/>
+                    </a:lnTlToBr>
+                    <a:lnBlToTr w="12700" cmpd="sng">
+                      <a:noFill/>
+                      <a:prstDash val="solid"/>
+                    </a:lnBlToTr>
+                  </a:tcPr>
+                </a:tc>
+                <a:tc>
+                  <a:txBody>
+                    <a:bodyPr/>
+                    <a:lstStyle/>
+                    <a:p>
+                      <a:pPr algn="r" fontAlgn="b"/>
+                      <a:r>
+                        <a:rPr lang="en-AU" sz="1100" u="none" strike="noStrike" noProof="0">
+                          <a:effectLst/>
+                        </a:rPr>
+                        <a:t>0.25</a:t>
+                      </a:r>
+                      <a:endParaRPr lang="en-AU" sz="1100" b="0" i="0" u="none" strike="noStrike" noProof="0">
+                        <a:solidFill>
+                          <a:srgbClr val="000000"/>
+                        </a:solidFill>
+                        <a:effectLst/>
+                        <a:latin typeface="Calibri" panose="020F0502020204030204" pitchFamily="34" charset="0"/>
+                      </a:endParaRPr>
+                    </a:p>
+                  </a:txBody>
+                  <a:tcPr marL="0" marR="0" marT="0" marB="0" anchor="b">
+                    <a:lnL w="12700" cap="flat" cmpd="sng" algn="ctr">
+                      <a:solidFill>
+                        <a:schemeClr val="accent1">
+                          <a:lumMod val="40000"/>
+                          <a:lumOff val="60000"/>
+                        </a:schemeClr>
+                      </a:solidFill>
+                      <a:prstDash val="solid"/>
+                      <a:round/>
+                      <a:headEnd type="none" w="med" len="med"/>
+                      <a:tailEnd type="none" w="med" len="med"/>
+                    </a:lnL>
+                    <a:lnR w="12700" cap="flat" cmpd="sng" algn="ctr">
+                      <a:solidFill>
+                        <a:schemeClr val="accent1">
+                          <a:lumMod val="40000"/>
+                          <a:lumOff val="60000"/>
+                        </a:schemeClr>
+                      </a:solidFill>
+                      <a:prstDash val="solid"/>
+                      <a:round/>
+                      <a:headEnd type="none" w="med" len="med"/>
+                      <a:tailEnd type="none" w="med" len="med"/>
+                    </a:lnR>
+                    <a:lnT w="12700" cap="flat" cmpd="sng" algn="ctr">
+                      <a:solidFill>
+                        <a:schemeClr val="accent1">
+                          <a:lumMod val="40000"/>
+                          <a:lumOff val="60000"/>
+                        </a:schemeClr>
+                      </a:solidFill>
+                      <a:prstDash val="solid"/>
+                      <a:round/>
+                      <a:headEnd type="none" w="med" len="med"/>
+                      <a:tailEnd type="none" w="med" len="med"/>
+                    </a:lnT>
+                    <a:lnB w="12700" cap="flat" cmpd="sng" algn="ctr">
+                      <a:solidFill>
+                        <a:schemeClr val="accent1">
+                          <a:lumMod val="40000"/>
+                          <a:lumOff val="60000"/>
+                        </a:schemeClr>
+                      </a:solidFill>
+                      <a:prstDash val="solid"/>
+                      <a:round/>
+                      <a:headEnd type="none" w="med" len="med"/>
+                      <a:tailEnd type="none" w="med" len="med"/>
+                    </a:lnB>
+                    <a:lnTlToBr w="12700" cmpd="sng">
+                      <a:noFill/>
+                      <a:prstDash val="solid"/>
+                    </a:lnTlToBr>
+                    <a:lnBlToTr w="12700" cmpd="sng">
+                      <a:noFill/>
+                      <a:prstDash val="solid"/>
+                    </a:lnBlToTr>
+                  </a:tcPr>
+                </a:tc>
+                <a:tc>
+                  <a:txBody>
+                    <a:bodyPr/>
+                    <a:lstStyle/>
+                    <a:p>
+                      <a:pPr algn="r" fontAlgn="b"/>
+                      <a:r>
+                        <a:rPr lang="en-AU" sz="1100" u="none" strike="noStrike" noProof="0" dirty="0">
+                          <a:effectLst/>
+                        </a:rPr>
+                        <a:t>0.26</a:t>
+                      </a:r>
+                      <a:endParaRPr lang="en-AU" sz="1100" b="0" i="0" u="none" strike="noStrike" noProof="0" dirty="0">
+                        <a:solidFill>
+                          <a:srgbClr val="000000"/>
+                        </a:solidFill>
+                        <a:effectLst/>
+                        <a:latin typeface="Calibri" panose="020F0502020204030204" pitchFamily="34" charset="0"/>
+                      </a:endParaRPr>
+                    </a:p>
+                  </a:txBody>
+                  <a:tcPr marL="0" marR="0" marT="0" marB="0" anchor="b">
+                    <a:lnL w="12700" cap="flat" cmpd="sng" algn="ctr">
+                      <a:solidFill>
+                        <a:schemeClr val="accent1">
+                          <a:lumMod val="40000"/>
+                          <a:lumOff val="60000"/>
+                        </a:schemeClr>
+                      </a:solidFill>
+                      <a:prstDash val="solid"/>
+                      <a:round/>
+                      <a:headEnd type="none" w="med" len="med"/>
+                      <a:tailEnd type="none" w="med" len="med"/>
+                    </a:lnL>
+                    <a:lnR w="12700" cap="flat" cmpd="sng" algn="ctr">
+                      <a:solidFill>
+                        <a:schemeClr val="accent1">
+                          <a:lumMod val="40000"/>
+                          <a:lumOff val="60000"/>
+                        </a:schemeClr>
+                      </a:solidFill>
+                      <a:prstDash val="solid"/>
+                      <a:round/>
+                      <a:headEnd type="none" w="med" len="med"/>
+                      <a:tailEnd type="none" w="med" len="med"/>
+                    </a:lnR>
+                    <a:lnT w="12700" cap="flat" cmpd="sng" algn="ctr">
+                      <a:solidFill>
+                        <a:schemeClr val="accent1">
+                          <a:lumMod val="40000"/>
+                          <a:lumOff val="60000"/>
+                        </a:schemeClr>
+                      </a:solidFill>
+                      <a:prstDash val="solid"/>
+                      <a:round/>
+                      <a:headEnd type="none" w="med" len="med"/>
+                      <a:tailEnd type="none" w="med" len="med"/>
+                    </a:lnT>
+                    <a:lnB w="12700" cap="flat" cmpd="sng" algn="ctr">
+                      <a:solidFill>
+                        <a:schemeClr val="accent1">
+                          <a:lumMod val="40000"/>
+                          <a:lumOff val="60000"/>
+                        </a:schemeClr>
+                      </a:solidFill>
+                      <a:prstDash val="solid"/>
+                      <a:round/>
+                      <a:headEnd type="none" w="med" len="med"/>
+                      <a:tailEnd type="none" w="med" len="med"/>
+                    </a:lnB>
+                    <a:lnTlToBr w="12700" cmpd="sng">
+                      <a:noFill/>
+                      <a:prstDash val="solid"/>
+                    </a:lnTlToBr>
+                    <a:lnBlToTr w="12700" cmpd="sng">
+                      <a:noFill/>
+                      <a:prstDash val="solid"/>
+                    </a:lnBlToTr>
+                  </a:tcPr>
+                </a:tc>
+                <a:tc>
+                  <a:txBody>
+                    <a:bodyPr/>
+                    <a:lstStyle/>
+                    <a:p>
+                      <a:pPr algn="r" fontAlgn="b"/>
+                      <a:r>
+                        <a:rPr lang="en-AU" sz="1100" u="none" strike="noStrike" noProof="0" dirty="0">
+                          <a:effectLst/>
+                        </a:rPr>
+                        <a:t>0.26</a:t>
+                      </a:r>
+                      <a:endParaRPr lang="en-AU" sz="1100" b="0" i="0" u="none" strike="noStrike" noProof="0" dirty="0">
+                        <a:solidFill>
+                          <a:srgbClr val="000000"/>
+                        </a:solidFill>
+                        <a:effectLst/>
+                        <a:latin typeface="Calibri" panose="020F0502020204030204" pitchFamily="34" charset="0"/>
+                      </a:endParaRPr>
+                    </a:p>
+                  </a:txBody>
+                  <a:tcPr marL="0" marR="0" marT="0" marB="0" anchor="b">
+                    <a:lnL w="12700" cap="flat" cmpd="sng" algn="ctr">
+                      <a:solidFill>
+                        <a:schemeClr val="accent1">
+                          <a:lumMod val="40000"/>
+                          <a:lumOff val="60000"/>
+                        </a:schemeClr>
+                      </a:solidFill>
+                      <a:prstDash val="solid"/>
+                      <a:round/>
+                      <a:headEnd type="none" w="med" len="med"/>
+                      <a:tailEnd type="none" w="med" len="med"/>
+                    </a:lnL>
+                    <a:lnR w="12700" cap="flat" cmpd="sng" algn="ctr">
+                      <a:solidFill>
+                        <a:schemeClr val="accent1">
+                          <a:lumMod val="40000"/>
+                          <a:lumOff val="60000"/>
+                        </a:schemeClr>
+                      </a:solidFill>
+                      <a:prstDash val="solid"/>
+                      <a:round/>
+                      <a:headEnd type="none" w="med" len="med"/>
+                      <a:tailEnd type="none" w="med" len="med"/>
+                    </a:lnR>
+                    <a:lnT w="12700" cap="flat" cmpd="sng" algn="ctr">
+                      <a:solidFill>
+                        <a:schemeClr val="accent1">
+                          <a:lumMod val="40000"/>
+                          <a:lumOff val="60000"/>
+                        </a:schemeClr>
+                      </a:solidFill>
+                      <a:prstDash val="solid"/>
+                      <a:round/>
+                      <a:headEnd type="none" w="med" len="med"/>
+                      <a:tailEnd type="none" w="med" len="med"/>
+                    </a:lnT>
+                    <a:lnB w="12700" cap="flat" cmpd="sng" algn="ctr">
+                      <a:solidFill>
+                        <a:schemeClr val="accent1">
+                          <a:lumMod val="40000"/>
+                          <a:lumOff val="60000"/>
+                        </a:schemeClr>
+                      </a:solidFill>
+                      <a:prstDash val="solid"/>
+                      <a:round/>
+                      <a:headEnd type="none" w="med" len="med"/>
+                      <a:tailEnd type="none" w="med" len="med"/>
+                    </a:lnB>
+                    <a:lnTlToBr w="12700" cmpd="sng">
+                      <a:noFill/>
+                      <a:prstDash val="solid"/>
+                    </a:lnTlToBr>
+                    <a:lnBlToTr w="12700" cmpd="sng">
+                      <a:noFill/>
+                      <a:prstDash val="solid"/>
+                    </a:lnBlToTr>
+                  </a:tcPr>
+                </a:tc>
+                <a:tc>
+                  <a:txBody>
+                    <a:bodyPr/>
+                    <a:lstStyle/>
+                    <a:p>
+                      <a:pPr algn="r" fontAlgn="b"/>
+                      <a:r>
+                        <a:rPr lang="en-AU" sz="1100" u="none" strike="noStrike" noProof="0">
+                          <a:effectLst/>
+                        </a:rPr>
+                        <a:t>0.27</a:t>
+                      </a:r>
+                      <a:endParaRPr lang="en-AU" sz="1100" b="0" i="0" u="none" strike="noStrike" noProof="0">
+                        <a:solidFill>
+                          <a:srgbClr val="000000"/>
+                        </a:solidFill>
+                        <a:effectLst/>
+                        <a:latin typeface="Calibri" panose="020F0502020204030204" pitchFamily="34" charset="0"/>
+                      </a:endParaRPr>
+                    </a:p>
+                  </a:txBody>
+                  <a:tcPr marL="0" marR="0" marT="0" marB="0" anchor="b">
+                    <a:lnL w="12700" cap="flat" cmpd="sng" algn="ctr">
+                      <a:solidFill>
+                        <a:schemeClr val="accent1">
+                          <a:lumMod val="40000"/>
+                          <a:lumOff val="60000"/>
+                        </a:schemeClr>
+                      </a:solidFill>
+                      <a:prstDash val="solid"/>
+                      <a:round/>
+                      <a:headEnd type="none" w="med" len="med"/>
+                      <a:tailEnd type="none" w="med" len="med"/>
+                    </a:lnL>
+                    <a:lnR w="12700" cap="flat" cmpd="sng" algn="ctr">
+                      <a:solidFill>
+                        <a:schemeClr val="accent1">
+                          <a:lumMod val="40000"/>
+                          <a:lumOff val="60000"/>
+                        </a:schemeClr>
+                      </a:solidFill>
+                      <a:prstDash val="solid"/>
+                      <a:round/>
+                      <a:headEnd type="none" w="med" len="med"/>
+                      <a:tailEnd type="none" w="med" len="med"/>
+                    </a:lnR>
+                    <a:lnT w="12700" cap="flat" cmpd="sng" algn="ctr">
+                      <a:solidFill>
+                        <a:schemeClr val="accent1">
+                          <a:lumMod val="40000"/>
+                          <a:lumOff val="60000"/>
+                        </a:schemeClr>
+                      </a:solidFill>
+                      <a:prstDash val="solid"/>
+                      <a:round/>
+                      <a:headEnd type="none" w="med" len="med"/>
+                      <a:tailEnd type="none" w="med" len="med"/>
+                    </a:lnT>
+                    <a:lnB w="12700" cap="flat" cmpd="sng" algn="ctr">
+                      <a:solidFill>
+                        <a:schemeClr val="accent1">
+                          <a:lumMod val="40000"/>
+                          <a:lumOff val="60000"/>
+                        </a:schemeClr>
+                      </a:solidFill>
+                      <a:prstDash val="solid"/>
+                      <a:round/>
+                      <a:headEnd type="none" w="med" len="med"/>
+                      <a:tailEnd type="none" w="med" len="med"/>
+                    </a:lnB>
+                    <a:lnTlToBr w="12700" cmpd="sng">
+                      <a:noFill/>
+                      <a:prstDash val="solid"/>
+                    </a:lnTlToBr>
+                    <a:lnBlToTr w="12700" cmpd="sng">
+                      <a:noFill/>
+                      <a:prstDash val="solid"/>
+                    </a:lnBlToTr>
+                  </a:tcPr>
+                </a:tc>
+                <a:tc>
+                  <a:txBody>
+                    <a:bodyPr/>
+                    <a:lstStyle/>
+                    <a:p>
+                      <a:pPr algn="r" fontAlgn="b"/>
+                      <a:r>
+                        <a:rPr lang="en-AU" sz="1100" u="none" strike="noStrike" noProof="0">
+                          <a:effectLst/>
+                        </a:rPr>
+                        <a:t>0.3</a:t>
+                      </a:r>
+                      <a:endParaRPr lang="en-AU" sz="1100" b="0" i="0" u="none" strike="noStrike" noProof="0">
+                        <a:solidFill>
+                          <a:srgbClr val="000000"/>
+                        </a:solidFill>
+                        <a:effectLst/>
+                        <a:latin typeface="Calibri" panose="020F0502020204030204" pitchFamily="34" charset="0"/>
+                      </a:endParaRPr>
+                    </a:p>
+                  </a:txBody>
+                  <a:tcPr marL="0" marR="0" marT="0" marB="0" anchor="b">
+                    <a:lnL w="12700" cap="flat" cmpd="sng" algn="ctr">
+                      <a:solidFill>
+                        <a:schemeClr val="accent1">
+                          <a:lumMod val="40000"/>
+                          <a:lumOff val="60000"/>
+                        </a:schemeClr>
+                      </a:solidFill>
+                      <a:prstDash val="solid"/>
+                      <a:round/>
+                      <a:headEnd type="none" w="med" len="med"/>
+                      <a:tailEnd type="none" w="med" len="med"/>
+                    </a:lnL>
+                    <a:lnR w="12700" cap="flat" cmpd="sng" algn="ctr">
+                      <a:solidFill>
+                        <a:schemeClr val="accent1">
+                          <a:lumMod val="40000"/>
+                          <a:lumOff val="60000"/>
+                        </a:schemeClr>
+                      </a:solidFill>
+                      <a:prstDash val="solid"/>
+                      <a:round/>
+                      <a:headEnd type="none" w="med" len="med"/>
+                      <a:tailEnd type="none" w="med" len="med"/>
+                    </a:lnR>
+                    <a:lnT w="12700" cap="flat" cmpd="sng" algn="ctr">
+                      <a:solidFill>
+                        <a:schemeClr val="accent1">
+                          <a:lumMod val="40000"/>
+                          <a:lumOff val="60000"/>
+                        </a:schemeClr>
+                      </a:solidFill>
+                      <a:prstDash val="solid"/>
+                      <a:round/>
+                      <a:headEnd type="none" w="med" len="med"/>
+                      <a:tailEnd type="none" w="med" len="med"/>
+                    </a:lnT>
+                    <a:lnB w="12700" cap="flat" cmpd="sng" algn="ctr">
+                      <a:solidFill>
+                        <a:schemeClr val="accent1">
+                          <a:lumMod val="40000"/>
+                          <a:lumOff val="60000"/>
+                        </a:schemeClr>
+                      </a:solidFill>
+                      <a:prstDash val="solid"/>
+                      <a:round/>
+                      <a:headEnd type="none" w="med" len="med"/>
+                      <a:tailEnd type="none" w="med" len="med"/>
+                    </a:lnB>
+                    <a:lnTlToBr w="12700" cmpd="sng">
+                      <a:noFill/>
+                      <a:prstDash val="solid"/>
+                    </a:lnTlToBr>
+                    <a:lnBlToTr w="12700" cmpd="sng">
+                      <a:noFill/>
+                      <a:prstDash val="solid"/>
+                    </a:lnBlToTr>
+                    <a:solidFill>
+                      <a:schemeClr val="accent4">
+                        <a:lumMod val="40000"/>
+                        <a:lumOff val="60000"/>
+                      </a:schemeClr>
+                    </a:solidFill>
+                  </a:tcPr>
+                </a:tc>
+                <a:extLst>
+                  <a:ext uri="{0D108BD9-81ED-4DB2-BD59-A6C34878D82A}">
+                    <a16:rowId xmlns:a16="http://schemas.microsoft.com/office/drawing/2014/main" val="4029619377"/>
+                  </a:ext>
+                </a:extLst>
+              </a:tr>
+              <a:tr h="261586">
+                <a:tc>
+                  <a:txBody>
+                    <a:bodyPr/>
+                    <a:lstStyle/>
+                    <a:p>
+                      <a:pPr algn="l" fontAlgn="b"/>
+                      <a:r>
+                        <a:rPr lang="en-AU" sz="1100" u="none" strike="noStrike" noProof="0">
+                          <a:effectLst/>
+                        </a:rPr>
+                        <a:t>Female Data</a:t>
+                      </a:r>
+                      <a:endParaRPr lang="en-AU" sz="1100" b="0" i="0" u="none" strike="noStrike" noProof="0">
+                        <a:solidFill>
+                          <a:srgbClr val="000000"/>
+                        </a:solidFill>
+                        <a:effectLst/>
+                        <a:latin typeface="Calibri" panose="020F0502020204030204" pitchFamily="34" charset="0"/>
+                      </a:endParaRPr>
+                    </a:p>
+                  </a:txBody>
+                  <a:tcPr marL="0" marR="0" marT="0" marB="0" anchor="b">
+                    <a:lnL w="12700" cap="flat" cmpd="sng" algn="ctr">
+                      <a:solidFill>
+                        <a:schemeClr val="accent1">
+                          <a:lumMod val="40000"/>
+                          <a:lumOff val="60000"/>
+                        </a:schemeClr>
+                      </a:solidFill>
+                      <a:prstDash val="solid"/>
+                      <a:round/>
+                      <a:headEnd type="none" w="med" len="med"/>
+                      <a:tailEnd type="none" w="med" len="med"/>
+                    </a:lnL>
+                    <a:lnR w="12700" cap="flat" cmpd="sng" algn="ctr">
+                      <a:solidFill>
+                        <a:schemeClr val="accent1">
+                          <a:lumMod val="40000"/>
+                          <a:lumOff val="60000"/>
+                        </a:schemeClr>
+                      </a:solidFill>
+                      <a:prstDash val="solid"/>
+                      <a:round/>
+                      <a:headEnd type="none" w="med" len="med"/>
+                      <a:tailEnd type="none" w="med" len="med"/>
+                    </a:lnR>
+                    <a:lnT w="12700" cap="flat" cmpd="sng" algn="ctr">
+                      <a:solidFill>
+                        <a:schemeClr val="accent1">
+                          <a:lumMod val="40000"/>
+                          <a:lumOff val="60000"/>
+                        </a:schemeClr>
+                      </a:solidFill>
+                      <a:prstDash val="solid"/>
+                      <a:round/>
+                      <a:headEnd type="none" w="med" len="med"/>
+                      <a:tailEnd type="none" w="med" len="med"/>
+                    </a:lnT>
+                    <a:lnB w="12700" cap="flat" cmpd="sng" algn="ctr">
+                      <a:solidFill>
+                        <a:schemeClr val="accent1">
+                          <a:lumMod val="40000"/>
+                          <a:lumOff val="60000"/>
+                        </a:schemeClr>
+                      </a:solidFill>
+                      <a:prstDash val="solid"/>
+                      <a:round/>
+                      <a:headEnd type="none" w="med" len="med"/>
+                      <a:tailEnd type="none" w="med" len="med"/>
+                    </a:lnB>
+                    <a:lnTlToBr w="12700" cmpd="sng">
+                      <a:noFill/>
+                      <a:prstDash val="solid"/>
+                    </a:lnTlToBr>
+                    <a:lnBlToTr w="12700" cmpd="sng">
+                      <a:noFill/>
+                      <a:prstDash val="solid"/>
+                    </a:lnBlToTr>
+                  </a:tcPr>
+                </a:tc>
+                <a:tc>
+                  <a:txBody>
+                    <a:bodyPr/>
+                    <a:lstStyle/>
+                    <a:p>
+                      <a:pPr algn="r" fontAlgn="b"/>
+                      <a:r>
+                        <a:rPr lang="en-AU" sz="1100" u="none" strike="noStrike" noProof="0">
+                          <a:effectLst/>
+                        </a:rPr>
+                        <a:t>0.25</a:t>
+                      </a:r>
+                      <a:endParaRPr lang="en-AU" sz="1100" b="0" i="0" u="none" strike="noStrike" noProof="0">
+                        <a:solidFill>
+                          <a:srgbClr val="000000"/>
+                        </a:solidFill>
+                        <a:effectLst/>
+                        <a:latin typeface="Calibri" panose="020F0502020204030204" pitchFamily="34" charset="0"/>
+                      </a:endParaRPr>
+                    </a:p>
+                  </a:txBody>
+                  <a:tcPr marL="0" marR="0" marT="0" marB="0" anchor="b">
+                    <a:lnL w="12700" cap="flat" cmpd="sng" algn="ctr">
+                      <a:solidFill>
+                        <a:schemeClr val="accent1">
+                          <a:lumMod val="40000"/>
+                          <a:lumOff val="60000"/>
+                        </a:schemeClr>
+                      </a:solidFill>
+                      <a:prstDash val="solid"/>
+                      <a:round/>
+                      <a:headEnd type="none" w="med" len="med"/>
+                      <a:tailEnd type="none" w="med" len="med"/>
+                    </a:lnL>
+                    <a:lnR w="12700" cap="flat" cmpd="sng" algn="ctr">
+                      <a:solidFill>
+                        <a:schemeClr val="accent1">
+                          <a:lumMod val="40000"/>
+                          <a:lumOff val="60000"/>
+                        </a:schemeClr>
+                      </a:solidFill>
+                      <a:prstDash val="solid"/>
+                      <a:round/>
+                      <a:headEnd type="none" w="med" len="med"/>
+                      <a:tailEnd type="none" w="med" len="med"/>
+                    </a:lnR>
+                    <a:lnT w="12700" cap="flat" cmpd="sng" algn="ctr">
+                      <a:solidFill>
+                        <a:schemeClr val="accent1">
+                          <a:lumMod val="40000"/>
+                          <a:lumOff val="60000"/>
+                        </a:schemeClr>
+                      </a:solidFill>
+                      <a:prstDash val="solid"/>
+                      <a:round/>
+                      <a:headEnd type="none" w="med" len="med"/>
+                      <a:tailEnd type="none" w="med" len="med"/>
+                    </a:lnT>
+                    <a:lnB w="12700" cap="flat" cmpd="sng" algn="ctr">
+                      <a:solidFill>
+                        <a:schemeClr val="accent1">
+                          <a:lumMod val="40000"/>
+                          <a:lumOff val="60000"/>
+                        </a:schemeClr>
+                      </a:solidFill>
+                      <a:prstDash val="solid"/>
+                      <a:round/>
+                      <a:headEnd type="none" w="med" len="med"/>
+                      <a:tailEnd type="none" w="med" len="med"/>
+                    </a:lnB>
+                    <a:lnTlToBr w="12700" cmpd="sng">
+                      <a:noFill/>
+                      <a:prstDash val="solid"/>
+                    </a:lnTlToBr>
+                    <a:lnBlToTr w="12700" cmpd="sng">
+                      <a:noFill/>
+                      <a:prstDash val="solid"/>
+                    </a:lnBlToTr>
+                  </a:tcPr>
+                </a:tc>
+                <a:tc>
+                  <a:txBody>
+                    <a:bodyPr/>
+                    <a:lstStyle/>
+                    <a:p>
+                      <a:pPr algn="r" fontAlgn="b"/>
+                      <a:r>
+                        <a:rPr lang="en-AU" sz="1100" u="none" strike="noStrike" noProof="0">
+                          <a:effectLst/>
+                        </a:rPr>
+                        <a:t>0.23</a:t>
+                      </a:r>
+                      <a:endParaRPr lang="en-AU" sz="1100" b="0" i="0" u="none" strike="noStrike" noProof="0">
+                        <a:solidFill>
+                          <a:srgbClr val="000000"/>
+                        </a:solidFill>
+                        <a:effectLst/>
+                        <a:latin typeface="Calibri" panose="020F0502020204030204" pitchFamily="34" charset="0"/>
+                      </a:endParaRPr>
+                    </a:p>
+                  </a:txBody>
+                  <a:tcPr marL="0" marR="0" marT="0" marB="0" anchor="b">
+                    <a:lnL w="12700" cap="flat" cmpd="sng" algn="ctr">
+                      <a:solidFill>
+                        <a:schemeClr val="accent1">
+                          <a:lumMod val="40000"/>
+                          <a:lumOff val="60000"/>
+                        </a:schemeClr>
+                      </a:solidFill>
+                      <a:prstDash val="solid"/>
+                      <a:round/>
+                      <a:headEnd type="none" w="med" len="med"/>
+                      <a:tailEnd type="none" w="med" len="med"/>
+                    </a:lnL>
+                    <a:lnR w="12700" cap="flat" cmpd="sng" algn="ctr">
+                      <a:solidFill>
+                        <a:schemeClr val="accent1">
+                          <a:lumMod val="40000"/>
+                          <a:lumOff val="60000"/>
+                        </a:schemeClr>
+                      </a:solidFill>
+                      <a:prstDash val="solid"/>
+                      <a:round/>
+                      <a:headEnd type="none" w="med" len="med"/>
+                      <a:tailEnd type="none" w="med" len="med"/>
+                    </a:lnR>
+                    <a:lnT w="12700" cap="flat" cmpd="sng" algn="ctr">
+                      <a:solidFill>
+                        <a:schemeClr val="accent1">
+                          <a:lumMod val="40000"/>
+                          <a:lumOff val="60000"/>
+                        </a:schemeClr>
+                      </a:solidFill>
+                      <a:prstDash val="solid"/>
+                      <a:round/>
+                      <a:headEnd type="none" w="med" len="med"/>
+                      <a:tailEnd type="none" w="med" len="med"/>
+                    </a:lnT>
+                    <a:lnB w="12700" cap="flat" cmpd="sng" algn="ctr">
+                      <a:solidFill>
+                        <a:schemeClr val="accent1">
+                          <a:lumMod val="40000"/>
+                          <a:lumOff val="60000"/>
+                        </a:schemeClr>
+                      </a:solidFill>
+                      <a:prstDash val="solid"/>
+                      <a:round/>
+                      <a:headEnd type="none" w="med" len="med"/>
+                      <a:tailEnd type="none" w="med" len="med"/>
+                    </a:lnB>
+                    <a:lnTlToBr w="12700" cmpd="sng">
+                      <a:noFill/>
+                      <a:prstDash val="solid"/>
+                    </a:lnTlToBr>
+                    <a:lnBlToTr w="12700" cmpd="sng">
+                      <a:noFill/>
+                      <a:prstDash val="solid"/>
+                    </a:lnBlToTr>
+                  </a:tcPr>
+                </a:tc>
+                <a:tc>
+                  <a:txBody>
+                    <a:bodyPr/>
+                    <a:lstStyle/>
+                    <a:p>
+                      <a:pPr algn="r" fontAlgn="b"/>
+                      <a:r>
+                        <a:rPr lang="en-AU" sz="1100" u="none" strike="noStrike" noProof="0">
+                          <a:effectLst/>
+                        </a:rPr>
+                        <a:t>0.27</a:t>
+                      </a:r>
+                      <a:endParaRPr lang="en-AU" sz="1100" b="0" i="0" u="none" strike="noStrike" noProof="0">
+                        <a:solidFill>
+                          <a:srgbClr val="000000"/>
+                        </a:solidFill>
+                        <a:effectLst/>
+                        <a:latin typeface="Calibri" panose="020F0502020204030204" pitchFamily="34" charset="0"/>
+                      </a:endParaRPr>
+                    </a:p>
+                  </a:txBody>
+                  <a:tcPr marL="0" marR="0" marT="0" marB="0" anchor="b">
+                    <a:lnL w="12700" cap="flat" cmpd="sng" algn="ctr">
+                      <a:solidFill>
+                        <a:schemeClr val="accent1">
+                          <a:lumMod val="40000"/>
+                          <a:lumOff val="60000"/>
+                        </a:schemeClr>
+                      </a:solidFill>
+                      <a:prstDash val="solid"/>
+                      <a:round/>
+                      <a:headEnd type="none" w="med" len="med"/>
+                      <a:tailEnd type="none" w="med" len="med"/>
+                    </a:lnL>
+                    <a:lnR w="12700" cap="flat" cmpd="sng" algn="ctr">
+                      <a:solidFill>
+                        <a:schemeClr val="accent1">
+                          <a:lumMod val="40000"/>
+                          <a:lumOff val="60000"/>
+                        </a:schemeClr>
+                      </a:solidFill>
+                      <a:prstDash val="solid"/>
+                      <a:round/>
+                      <a:headEnd type="none" w="med" len="med"/>
+                      <a:tailEnd type="none" w="med" len="med"/>
+                    </a:lnR>
+                    <a:lnT w="12700" cap="flat" cmpd="sng" algn="ctr">
+                      <a:solidFill>
+                        <a:schemeClr val="accent1">
+                          <a:lumMod val="40000"/>
+                          <a:lumOff val="60000"/>
+                        </a:schemeClr>
+                      </a:solidFill>
+                      <a:prstDash val="solid"/>
+                      <a:round/>
+                      <a:headEnd type="none" w="med" len="med"/>
+                      <a:tailEnd type="none" w="med" len="med"/>
+                    </a:lnT>
+                    <a:lnB w="12700" cap="flat" cmpd="sng" algn="ctr">
+                      <a:solidFill>
+                        <a:schemeClr val="accent1">
+                          <a:lumMod val="40000"/>
+                          <a:lumOff val="60000"/>
+                        </a:schemeClr>
+                      </a:solidFill>
+                      <a:prstDash val="solid"/>
+                      <a:round/>
+                      <a:headEnd type="none" w="med" len="med"/>
+                      <a:tailEnd type="none" w="med" len="med"/>
+                    </a:lnB>
+                    <a:lnTlToBr w="12700" cmpd="sng">
+                      <a:noFill/>
+                      <a:prstDash val="solid"/>
+                    </a:lnTlToBr>
+                    <a:lnBlToTr w="12700" cmpd="sng">
+                      <a:noFill/>
+                      <a:prstDash val="solid"/>
+                    </a:lnBlToTr>
+                  </a:tcPr>
+                </a:tc>
+                <a:tc>
+                  <a:txBody>
+                    <a:bodyPr/>
+                    <a:lstStyle/>
+                    <a:p>
+                      <a:pPr algn="r" fontAlgn="b"/>
+                      <a:r>
+                        <a:rPr lang="en-AU" sz="1100" u="none" strike="noStrike" noProof="0" dirty="0">
+                          <a:effectLst/>
+                        </a:rPr>
+                        <a:t>0.31</a:t>
+                      </a:r>
+                      <a:endParaRPr lang="en-AU" sz="1100" b="0" i="0" u="none" strike="noStrike" noProof="0" dirty="0">
+                        <a:solidFill>
+                          <a:srgbClr val="000000"/>
+                        </a:solidFill>
+                        <a:effectLst/>
+                        <a:latin typeface="Calibri" panose="020F0502020204030204" pitchFamily="34" charset="0"/>
+                      </a:endParaRPr>
+                    </a:p>
+                  </a:txBody>
+                  <a:tcPr marL="0" marR="0" marT="0" marB="0" anchor="b">
+                    <a:lnL w="12700" cap="flat" cmpd="sng" algn="ctr">
+                      <a:solidFill>
+                        <a:schemeClr val="accent1">
+                          <a:lumMod val="40000"/>
+                          <a:lumOff val="60000"/>
+                        </a:schemeClr>
+                      </a:solidFill>
+                      <a:prstDash val="solid"/>
+                      <a:round/>
+                      <a:headEnd type="none" w="med" len="med"/>
+                      <a:tailEnd type="none" w="med" len="med"/>
+                    </a:lnL>
+                    <a:lnR w="12700" cap="flat" cmpd="sng" algn="ctr">
+                      <a:solidFill>
+                        <a:schemeClr val="accent1">
+                          <a:lumMod val="40000"/>
+                          <a:lumOff val="60000"/>
+                        </a:schemeClr>
+                      </a:solidFill>
+                      <a:prstDash val="solid"/>
+                      <a:round/>
+                      <a:headEnd type="none" w="med" len="med"/>
+                      <a:tailEnd type="none" w="med" len="med"/>
+                    </a:lnR>
+                    <a:lnT w="12700" cap="flat" cmpd="sng" algn="ctr">
+                      <a:solidFill>
+                        <a:schemeClr val="accent1">
+                          <a:lumMod val="40000"/>
+                          <a:lumOff val="60000"/>
+                        </a:schemeClr>
+                      </a:solidFill>
+                      <a:prstDash val="solid"/>
+                      <a:round/>
+                      <a:headEnd type="none" w="med" len="med"/>
+                      <a:tailEnd type="none" w="med" len="med"/>
+                    </a:lnT>
+                    <a:lnB w="12700" cap="flat" cmpd="sng" algn="ctr">
+                      <a:solidFill>
+                        <a:schemeClr val="accent1">
+                          <a:lumMod val="40000"/>
+                          <a:lumOff val="60000"/>
+                        </a:schemeClr>
+                      </a:solidFill>
+                      <a:prstDash val="solid"/>
+                      <a:round/>
+                      <a:headEnd type="none" w="med" len="med"/>
+                      <a:tailEnd type="none" w="med" len="med"/>
+                    </a:lnB>
+                    <a:lnTlToBr w="12700" cmpd="sng">
+                      <a:noFill/>
+                      <a:prstDash val="solid"/>
+                    </a:lnTlToBr>
+                    <a:lnBlToTr w="12700" cmpd="sng">
+                      <a:noFill/>
+                      <a:prstDash val="solid"/>
+                    </a:lnBlToTr>
+                    <a:solidFill>
+                      <a:schemeClr val="accent6">
+                        <a:lumMod val="60000"/>
+                        <a:lumOff val="40000"/>
+                      </a:schemeClr>
+                    </a:solidFill>
+                  </a:tcPr>
+                </a:tc>
+                <a:tc>
+                  <a:txBody>
+                    <a:bodyPr/>
+                    <a:lstStyle/>
+                    <a:p>
+                      <a:pPr algn="r" fontAlgn="b"/>
+                      <a:r>
+                        <a:rPr lang="en-AU" sz="1100" u="none" strike="noStrike" noProof="0" dirty="0">
+                          <a:effectLst/>
+                        </a:rPr>
+                        <a:t>0.28</a:t>
+                      </a:r>
+                      <a:endParaRPr lang="en-AU" sz="1100" b="0" i="0" u="none" strike="noStrike" noProof="0" dirty="0">
+                        <a:solidFill>
+                          <a:srgbClr val="000000"/>
+                        </a:solidFill>
+                        <a:effectLst/>
+                        <a:latin typeface="Calibri" panose="020F0502020204030204" pitchFamily="34" charset="0"/>
+                      </a:endParaRPr>
+                    </a:p>
+                  </a:txBody>
+                  <a:tcPr marL="0" marR="0" marT="0" marB="0" anchor="b">
+                    <a:lnL w="12700" cap="flat" cmpd="sng" algn="ctr">
+                      <a:solidFill>
+                        <a:schemeClr val="accent1">
+                          <a:lumMod val="40000"/>
+                          <a:lumOff val="60000"/>
+                        </a:schemeClr>
+                      </a:solidFill>
+                      <a:prstDash val="solid"/>
+                      <a:round/>
+                      <a:headEnd type="none" w="med" len="med"/>
+                      <a:tailEnd type="none" w="med" len="med"/>
+                    </a:lnL>
+                    <a:lnR w="12700" cap="flat" cmpd="sng" algn="ctr">
+                      <a:solidFill>
+                        <a:schemeClr val="accent1">
+                          <a:lumMod val="40000"/>
+                          <a:lumOff val="60000"/>
+                        </a:schemeClr>
+                      </a:solidFill>
+                      <a:prstDash val="solid"/>
+                      <a:round/>
+                      <a:headEnd type="none" w="med" len="med"/>
+                      <a:tailEnd type="none" w="med" len="med"/>
+                    </a:lnR>
+                    <a:lnT w="12700" cap="flat" cmpd="sng" algn="ctr">
+                      <a:solidFill>
+                        <a:schemeClr val="accent1">
+                          <a:lumMod val="40000"/>
+                          <a:lumOff val="60000"/>
+                        </a:schemeClr>
+                      </a:solidFill>
+                      <a:prstDash val="solid"/>
+                      <a:round/>
+                      <a:headEnd type="none" w="med" len="med"/>
+                      <a:tailEnd type="none" w="med" len="med"/>
+                    </a:lnT>
+                    <a:lnB w="12700" cap="flat" cmpd="sng" algn="ctr">
+                      <a:solidFill>
+                        <a:schemeClr val="accent1">
+                          <a:lumMod val="40000"/>
+                          <a:lumOff val="60000"/>
+                        </a:schemeClr>
+                      </a:solidFill>
+                      <a:prstDash val="solid"/>
+                      <a:round/>
+                      <a:headEnd type="none" w="med" len="med"/>
+                      <a:tailEnd type="none" w="med" len="med"/>
+                    </a:lnB>
+                    <a:lnTlToBr w="12700" cmpd="sng">
+                      <a:noFill/>
+                      <a:prstDash val="solid"/>
+                    </a:lnTlToBr>
+                    <a:lnBlToTr w="12700" cmpd="sng">
+                      <a:noFill/>
+                      <a:prstDash val="solid"/>
+                    </a:lnBlToTr>
+                  </a:tcPr>
+                </a:tc>
+                <a:tc>
+                  <a:txBody>
+                    <a:bodyPr/>
+                    <a:lstStyle/>
+                    <a:p>
+                      <a:pPr algn="r" fontAlgn="b"/>
+                      <a:r>
+                        <a:rPr lang="en-AU" sz="1100" u="none" strike="noStrike" noProof="0" dirty="0">
+                          <a:effectLst/>
+                        </a:rPr>
+                        <a:t>0.27</a:t>
+                      </a:r>
+                      <a:endParaRPr lang="en-AU" sz="1100" b="0" i="0" u="none" strike="noStrike" noProof="0" dirty="0">
+                        <a:solidFill>
+                          <a:srgbClr val="000000"/>
+                        </a:solidFill>
+                        <a:effectLst/>
+                        <a:latin typeface="Calibri" panose="020F0502020204030204" pitchFamily="34" charset="0"/>
+                      </a:endParaRPr>
+                    </a:p>
+                  </a:txBody>
+                  <a:tcPr marL="0" marR="0" marT="0" marB="0" anchor="b">
+                    <a:lnL w="12700" cap="flat" cmpd="sng" algn="ctr">
+                      <a:solidFill>
+                        <a:schemeClr val="accent1">
+                          <a:lumMod val="40000"/>
+                          <a:lumOff val="60000"/>
+                        </a:schemeClr>
+                      </a:solidFill>
+                      <a:prstDash val="solid"/>
+                      <a:round/>
+                      <a:headEnd type="none" w="med" len="med"/>
+                      <a:tailEnd type="none" w="med" len="med"/>
+                    </a:lnL>
+                    <a:lnR w="12700" cap="flat" cmpd="sng" algn="ctr">
+                      <a:solidFill>
+                        <a:schemeClr val="accent1">
+                          <a:lumMod val="40000"/>
+                          <a:lumOff val="60000"/>
+                        </a:schemeClr>
+                      </a:solidFill>
+                      <a:prstDash val="solid"/>
+                      <a:round/>
+                      <a:headEnd type="none" w="med" len="med"/>
+                      <a:tailEnd type="none" w="med" len="med"/>
+                    </a:lnR>
+                    <a:lnT w="12700" cap="flat" cmpd="sng" algn="ctr">
+                      <a:solidFill>
+                        <a:schemeClr val="accent1">
+                          <a:lumMod val="40000"/>
+                          <a:lumOff val="60000"/>
+                        </a:schemeClr>
+                      </a:solidFill>
+                      <a:prstDash val="solid"/>
+                      <a:round/>
+                      <a:headEnd type="none" w="med" len="med"/>
+                      <a:tailEnd type="none" w="med" len="med"/>
+                    </a:lnT>
+                    <a:lnB w="12700" cap="flat" cmpd="sng" algn="ctr">
+                      <a:solidFill>
+                        <a:schemeClr val="accent1">
+                          <a:lumMod val="40000"/>
+                          <a:lumOff val="60000"/>
+                        </a:schemeClr>
+                      </a:solidFill>
+                      <a:prstDash val="solid"/>
+                      <a:round/>
+                      <a:headEnd type="none" w="med" len="med"/>
+                      <a:tailEnd type="none" w="med" len="med"/>
+                    </a:lnB>
+                    <a:lnTlToBr w="12700" cmpd="sng">
+                      <a:noFill/>
+                      <a:prstDash val="solid"/>
+                    </a:lnTlToBr>
+                    <a:lnBlToTr w="12700" cmpd="sng">
+                      <a:noFill/>
+                      <a:prstDash val="solid"/>
+                    </a:lnBlToTr>
+                  </a:tcPr>
+                </a:tc>
+                <a:extLst>
+                  <a:ext uri="{0D108BD9-81ED-4DB2-BD59-A6C34878D82A}">
+                    <a16:rowId xmlns:a16="http://schemas.microsoft.com/office/drawing/2014/main" val="472041734"/>
+                  </a:ext>
+                </a:extLst>
+              </a:tr>
+              <a:tr h="249129">
+                <a:tc>
+                  <a:txBody>
+                    <a:bodyPr/>
+                    <a:lstStyle/>
+                    <a:p>
+                      <a:pPr algn="l" fontAlgn="b"/>
+                      <a:endParaRPr lang="en-AU" sz="1100" b="0" i="0" u="none" strike="noStrike" noProof="0">
+                        <a:solidFill>
+                          <a:srgbClr val="000000"/>
+                        </a:solidFill>
+                        <a:effectLst/>
+                        <a:latin typeface="Calibri" panose="020F0502020204030204" pitchFamily="34" charset="0"/>
+                      </a:endParaRPr>
+                    </a:p>
+                  </a:txBody>
+                  <a:tcPr marL="0" marR="0" marT="0" marB="0" anchor="b">
+                    <a:lnL w="6350" cap="flat" cmpd="sng" algn="ctr">
+                      <a:noFill/>
+                      <a:prstDash val="solid"/>
+                      <a:miter lim="800000"/>
+                    </a:lnL>
+                    <a:lnR>
+                      <a:noFill/>
+                    </a:lnR>
+                    <a:lnT w="12700" cap="flat" cmpd="sng" algn="ctr">
+                      <a:solidFill>
+                        <a:schemeClr val="accent1">
+                          <a:lumMod val="40000"/>
+                          <a:lumOff val="60000"/>
+                        </a:schemeClr>
+                      </a:solidFill>
+                      <a:prstDash val="solid"/>
+                      <a:round/>
+                      <a:headEnd type="none" w="med" len="med"/>
+                      <a:tailEnd type="none" w="med" len="med"/>
+                    </a:lnT>
+                    <a:lnB w="12700" cap="flat" cmpd="sng" algn="ctr">
+                      <a:solidFill>
+                        <a:schemeClr val="accent1">
+                          <a:lumMod val="40000"/>
+                          <a:lumOff val="60000"/>
+                        </a:schemeClr>
+                      </a:solidFill>
+                      <a:prstDash val="solid"/>
+                      <a:round/>
+                      <a:headEnd type="none" w="med" len="med"/>
+                      <a:tailEnd type="none" w="med" len="med"/>
+                    </a:lnB>
+                    <a:lnTlToBr w="12700" cmpd="sng">
+                      <a:noFill/>
+                      <a:prstDash val="solid"/>
+                    </a:lnTlToBr>
+                    <a:lnBlToTr w="12700" cmpd="sng">
+                      <a:noFill/>
+                      <a:prstDash val="solid"/>
+                    </a:lnBlToTr>
+                  </a:tcPr>
+                </a:tc>
+                <a:tc>
+                  <a:txBody>
+                    <a:bodyPr/>
+                    <a:lstStyle/>
+                    <a:p>
+                      <a:pPr algn="l" fontAlgn="b"/>
+                      <a:endParaRPr lang="en-AU" sz="1100" b="0" i="0" u="none" strike="noStrike" noProof="0">
+                        <a:solidFill>
+                          <a:srgbClr val="000000"/>
+                        </a:solidFill>
+                        <a:effectLst/>
+                        <a:latin typeface="Calibri" panose="020F0502020204030204" pitchFamily="34" charset="0"/>
+                      </a:endParaRPr>
+                    </a:p>
+                  </a:txBody>
+                  <a:tcPr marL="0" marR="0" marT="0" marB="0" anchor="b">
+                    <a:lnL>
+                      <a:noFill/>
+                    </a:lnL>
+                    <a:lnR>
+                      <a:noFill/>
+                    </a:lnR>
+                    <a:lnT w="12700" cap="flat" cmpd="sng" algn="ctr">
+                      <a:solidFill>
+                        <a:schemeClr val="accent1">
+                          <a:lumMod val="40000"/>
+                          <a:lumOff val="60000"/>
+                        </a:schemeClr>
+                      </a:solidFill>
+                      <a:prstDash val="solid"/>
+                      <a:round/>
+                      <a:headEnd type="none" w="med" len="med"/>
+                      <a:tailEnd type="none" w="med" len="med"/>
+                    </a:lnT>
+                    <a:lnB w="12700" cap="flat" cmpd="sng" algn="ctr">
+                      <a:solidFill>
+                        <a:schemeClr val="accent1">
+                          <a:lumMod val="40000"/>
+                          <a:lumOff val="60000"/>
+                        </a:schemeClr>
+                      </a:solidFill>
+                      <a:prstDash val="solid"/>
+                      <a:round/>
+                      <a:headEnd type="none" w="med" len="med"/>
+                      <a:tailEnd type="none" w="med" len="med"/>
+                    </a:lnB>
+                    <a:lnTlToBr w="12700" cmpd="sng">
+                      <a:noFill/>
+                      <a:prstDash val="solid"/>
+                    </a:lnTlToBr>
+                    <a:lnBlToTr w="12700" cmpd="sng">
+                      <a:noFill/>
+                      <a:prstDash val="solid"/>
+                    </a:lnBlToTr>
+                  </a:tcPr>
+                </a:tc>
+                <a:tc>
+                  <a:txBody>
+                    <a:bodyPr/>
+                    <a:lstStyle/>
+                    <a:p>
+                      <a:pPr algn="l" fontAlgn="b"/>
+                      <a:endParaRPr lang="en-AU" sz="1100" b="0" i="0" u="none" strike="noStrike" noProof="0">
+                        <a:solidFill>
+                          <a:srgbClr val="000000"/>
+                        </a:solidFill>
+                        <a:effectLst/>
+                        <a:latin typeface="Calibri" panose="020F0502020204030204" pitchFamily="34" charset="0"/>
+                      </a:endParaRPr>
+                    </a:p>
+                  </a:txBody>
+                  <a:tcPr marL="0" marR="0" marT="0" marB="0" anchor="b">
+                    <a:lnL>
+                      <a:noFill/>
+                    </a:lnL>
+                    <a:lnR>
+                      <a:noFill/>
+                    </a:lnR>
+                    <a:lnT w="12700" cap="flat" cmpd="sng" algn="ctr">
+                      <a:solidFill>
+                        <a:schemeClr val="accent1">
+                          <a:lumMod val="40000"/>
+                          <a:lumOff val="60000"/>
+                        </a:schemeClr>
+                      </a:solidFill>
+                      <a:prstDash val="solid"/>
+                      <a:round/>
+                      <a:headEnd type="none" w="med" len="med"/>
+                      <a:tailEnd type="none" w="med" len="med"/>
+                    </a:lnT>
+                    <a:lnB w="12700" cap="flat" cmpd="sng" algn="ctr">
+                      <a:solidFill>
+                        <a:schemeClr val="accent1">
+                          <a:lumMod val="40000"/>
+                          <a:lumOff val="60000"/>
+                        </a:schemeClr>
+                      </a:solidFill>
+                      <a:prstDash val="solid"/>
+                      <a:round/>
+                      <a:headEnd type="none" w="med" len="med"/>
+                      <a:tailEnd type="none" w="med" len="med"/>
+                    </a:lnB>
+                    <a:lnTlToBr w="12700" cmpd="sng">
+                      <a:noFill/>
+                      <a:prstDash val="solid"/>
+                    </a:lnTlToBr>
+                    <a:lnBlToTr w="12700" cmpd="sng">
+                      <a:noFill/>
+                      <a:prstDash val="solid"/>
+                    </a:lnBlToTr>
+                  </a:tcPr>
+                </a:tc>
+                <a:tc>
+                  <a:txBody>
+                    <a:bodyPr/>
+                    <a:lstStyle/>
+                    <a:p>
+                      <a:pPr algn="l" fontAlgn="b"/>
+                      <a:endParaRPr lang="en-AU" sz="1100" b="0" i="0" u="none" strike="noStrike" noProof="0">
+                        <a:solidFill>
+                          <a:srgbClr val="000000"/>
+                        </a:solidFill>
+                        <a:effectLst/>
+                        <a:latin typeface="Calibri" panose="020F0502020204030204" pitchFamily="34" charset="0"/>
+                      </a:endParaRPr>
+                    </a:p>
+                  </a:txBody>
+                  <a:tcPr marL="0" marR="0" marT="0" marB="0" anchor="b">
+                    <a:lnL>
+                      <a:noFill/>
+                    </a:lnL>
+                    <a:lnR>
+                      <a:noFill/>
+                    </a:lnR>
+                    <a:lnT w="12700" cap="flat" cmpd="sng" algn="ctr">
+                      <a:solidFill>
+                        <a:schemeClr val="accent1">
+                          <a:lumMod val="40000"/>
+                          <a:lumOff val="60000"/>
+                        </a:schemeClr>
+                      </a:solidFill>
+                      <a:prstDash val="solid"/>
+                      <a:round/>
+                      <a:headEnd type="none" w="med" len="med"/>
+                      <a:tailEnd type="none" w="med" len="med"/>
+                    </a:lnT>
+                    <a:lnB w="12700" cap="flat" cmpd="sng" algn="ctr">
+                      <a:solidFill>
+                        <a:schemeClr val="accent1">
+                          <a:lumMod val="40000"/>
+                          <a:lumOff val="60000"/>
+                        </a:schemeClr>
+                      </a:solidFill>
+                      <a:prstDash val="solid"/>
+                      <a:round/>
+                      <a:headEnd type="none" w="med" len="med"/>
+                      <a:tailEnd type="none" w="med" len="med"/>
+                    </a:lnB>
+                    <a:lnTlToBr w="12700" cmpd="sng">
+                      <a:noFill/>
+                      <a:prstDash val="solid"/>
+                    </a:lnTlToBr>
+                    <a:lnBlToTr w="12700" cmpd="sng">
+                      <a:noFill/>
+                      <a:prstDash val="solid"/>
+                    </a:lnBlToTr>
+                  </a:tcPr>
+                </a:tc>
+                <a:tc>
+                  <a:txBody>
+                    <a:bodyPr/>
+                    <a:lstStyle/>
+                    <a:p>
+                      <a:pPr algn="l" fontAlgn="b"/>
+                      <a:endParaRPr lang="en-AU" sz="1100" b="0" i="0" u="none" strike="noStrike" noProof="0" dirty="0">
+                        <a:solidFill>
+                          <a:srgbClr val="000000"/>
+                        </a:solidFill>
+                        <a:effectLst/>
+                        <a:latin typeface="Calibri" panose="020F0502020204030204" pitchFamily="34" charset="0"/>
+                      </a:endParaRPr>
+                    </a:p>
+                  </a:txBody>
+                  <a:tcPr marL="0" marR="0" marT="0" marB="0" anchor="b">
+                    <a:lnL>
+                      <a:noFill/>
+                    </a:lnL>
+                    <a:lnR>
+                      <a:noFill/>
+                    </a:lnR>
+                    <a:lnT w="12700" cap="flat" cmpd="sng" algn="ctr">
+                      <a:solidFill>
+                        <a:schemeClr val="accent1">
+                          <a:lumMod val="40000"/>
+                          <a:lumOff val="60000"/>
+                        </a:schemeClr>
+                      </a:solidFill>
+                      <a:prstDash val="solid"/>
+                      <a:round/>
+                      <a:headEnd type="none" w="med" len="med"/>
+                      <a:tailEnd type="none" w="med" len="med"/>
+                    </a:lnT>
+                    <a:lnB w="12700" cap="flat" cmpd="sng" algn="ctr">
+                      <a:solidFill>
+                        <a:schemeClr val="accent1">
+                          <a:lumMod val="40000"/>
+                          <a:lumOff val="60000"/>
+                        </a:schemeClr>
+                      </a:solidFill>
+                      <a:prstDash val="solid"/>
+                      <a:round/>
+                      <a:headEnd type="none" w="med" len="med"/>
+                      <a:tailEnd type="none" w="med" len="med"/>
+                    </a:lnB>
+                    <a:lnTlToBr w="12700" cmpd="sng">
+                      <a:noFill/>
+                      <a:prstDash val="solid"/>
+                    </a:lnTlToBr>
+                    <a:lnBlToTr w="12700" cmpd="sng">
+                      <a:noFill/>
+                      <a:prstDash val="solid"/>
+                    </a:lnBlToTr>
+                  </a:tcPr>
+                </a:tc>
+                <a:tc>
+                  <a:txBody>
+                    <a:bodyPr/>
+                    <a:lstStyle/>
+                    <a:p>
+                      <a:pPr algn="l" fontAlgn="b"/>
+                      <a:endParaRPr lang="en-AU" sz="1100" b="0" i="0" u="none" strike="noStrike" noProof="0">
+                        <a:solidFill>
+                          <a:srgbClr val="000000"/>
+                        </a:solidFill>
+                        <a:effectLst/>
+                        <a:latin typeface="Calibri" panose="020F0502020204030204" pitchFamily="34" charset="0"/>
+                      </a:endParaRPr>
+                    </a:p>
+                  </a:txBody>
+                  <a:tcPr marL="0" marR="0" marT="0" marB="0" anchor="b">
+                    <a:lnL>
+                      <a:noFill/>
+                    </a:lnL>
+                    <a:lnR>
+                      <a:noFill/>
+                    </a:lnR>
+                    <a:lnT w="12700" cap="flat" cmpd="sng" algn="ctr">
+                      <a:solidFill>
+                        <a:schemeClr val="accent1">
+                          <a:lumMod val="40000"/>
+                          <a:lumOff val="60000"/>
+                        </a:schemeClr>
+                      </a:solidFill>
+                      <a:prstDash val="solid"/>
+                      <a:round/>
+                      <a:headEnd type="none" w="med" len="med"/>
+                      <a:tailEnd type="none" w="med" len="med"/>
+                    </a:lnT>
+                    <a:lnB w="12700" cap="flat" cmpd="sng" algn="ctr">
+                      <a:solidFill>
+                        <a:schemeClr val="accent1">
+                          <a:lumMod val="40000"/>
+                          <a:lumOff val="60000"/>
+                        </a:schemeClr>
+                      </a:solidFill>
+                      <a:prstDash val="solid"/>
+                      <a:round/>
+                      <a:headEnd type="none" w="med" len="med"/>
+                      <a:tailEnd type="none" w="med" len="med"/>
+                    </a:lnB>
+                    <a:lnTlToBr w="12700" cmpd="sng">
+                      <a:noFill/>
+                      <a:prstDash val="solid"/>
+                    </a:lnTlToBr>
+                    <a:lnBlToTr w="12700" cmpd="sng">
+                      <a:noFill/>
+                      <a:prstDash val="solid"/>
+                    </a:lnBlToTr>
+                  </a:tcPr>
+                </a:tc>
+                <a:tc>
+                  <a:txBody>
+                    <a:bodyPr/>
+                    <a:lstStyle/>
+                    <a:p>
+                      <a:pPr algn="l" fontAlgn="b"/>
+                      <a:endParaRPr lang="en-AU" sz="1100" b="0" i="0" u="none" strike="noStrike" noProof="0" dirty="0">
+                        <a:solidFill>
+                          <a:srgbClr val="000000"/>
+                        </a:solidFill>
+                        <a:effectLst/>
+                        <a:latin typeface="Calibri" panose="020F0502020204030204" pitchFamily="34" charset="0"/>
+                      </a:endParaRPr>
+                    </a:p>
+                  </a:txBody>
+                  <a:tcPr marL="0" marR="0" marT="0" marB="0" anchor="b">
+                    <a:lnL>
+                      <a:noFill/>
+                    </a:lnL>
+                    <a:lnR w="6350" cap="flat" cmpd="sng" algn="ctr">
+                      <a:noFill/>
+                      <a:prstDash val="solid"/>
+                      <a:miter lim="800000"/>
+                    </a:lnR>
+                    <a:lnT w="12700" cap="flat" cmpd="sng" algn="ctr">
+                      <a:solidFill>
+                        <a:schemeClr val="accent1">
+                          <a:lumMod val="40000"/>
+                          <a:lumOff val="60000"/>
+                        </a:schemeClr>
+                      </a:solidFill>
+                      <a:prstDash val="solid"/>
+                      <a:round/>
+                      <a:headEnd type="none" w="med" len="med"/>
+                      <a:tailEnd type="none" w="med" len="med"/>
+                    </a:lnT>
+                    <a:lnB w="12700" cap="flat" cmpd="sng" algn="ctr">
+                      <a:solidFill>
+                        <a:schemeClr val="accent1">
+                          <a:lumMod val="40000"/>
+                          <a:lumOff val="60000"/>
+                        </a:schemeClr>
+                      </a:solidFill>
+                      <a:prstDash val="solid"/>
+                      <a:round/>
+                      <a:headEnd type="none" w="med" len="med"/>
+                      <a:tailEnd type="none" w="med" len="med"/>
+                    </a:lnB>
+                    <a:lnTlToBr w="12700" cmpd="sng">
+                      <a:noFill/>
+                      <a:prstDash val="solid"/>
+                    </a:lnTlToBr>
+                    <a:lnBlToTr w="12700" cmpd="sng">
+                      <a:noFill/>
+                      <a:prstDash val="solid"/>
+                    </a:lnBlToTr>
+                  </a:tcPr>
+                </a:tc>
+                <a:extLst>
+                  <a:ext uri="{0D108BD9-81ED-4DB2-BD59-A6C34878D82A}">
+                    <a16:rowId xmlns:a16="http://schemas.microsoft.com/office/drawing/2014/main" val="3700721275"/>
+                  </a:ext>
+                </a:extLst>
+              </a:tr>
+              <a:tr h="249129">
+                <a:tc>
+                  <a:txBody>
+                    <a:bodyPr/>
+                    <a:lstStyle/>
+                    <a:p>
+                      <a:pPr algn="l" fontAlgn="b"/>
+                      <a:r>
+                        <a:rPr lang="en-AU" sz="1100" b="1" u="none" strike="noStrike" noProof="0" dirty="0">
+                          <a:effectLst/>
+                        </a:rPr>
+                        <a:t>Binary Location</a:t>
+                      </a:r>
+                      <a:endParaRPr lang="en-AU" sz="1100" b="1" i="0" u="none" strike="noStrike" noProof="0" dirty="0">
+                        <a:solidFill>
+                          <a:srgbClr val="000000"/>
+                        </a:solidFill>
+                        <a:effectLst/>
+                        <a:latin typeface="Calibri" panose="020F0502020204030204" pitchFamily="34" charset="0"/>
+                      </a:endParaRPr>
+                    </a:p>
+                  </a:txBody>
+                  <a:tcPr marL="0" marR="0" marT="0" marB="0" anchor="b">
+                    <a:lnL w="12700" cap="flat" cmpd="sng" algn="ctr">
+                      <a:solidFill>
+                        <a:schemeClr val="accent1">
+                          <a:lumMod val="40000"/>
+                          <a:lumOff val="60000"/>
+                        </a:schemeClr>
+                      </a:solidFill>
+                      <a:prstDash val="solid"/>
+                      <a:round/>
+                      <a:headEnd type="none" w="med" len="med"/>
+                      <a:tailEnd type="none" w="med" len="med"/>
+                    </a:lnL>
+                    <a:lnR w="12700" cap="flat" cmpd="sng" algn="ctr">
+                      <a:solidFill>
+                        <a:schemeClr val="accent1">
+                          <a:lumMod val="40000"/>
+                          <a:lumOff val="60000"/>
+                        </a:schemeClr>
+                      </a:solidFill>
+                      <a:prstDash val="solid"/>
+                      <a:round/>
+                      <a:headEnd type="none" w="med" len="med"/>
+                      <a:tailEnd type="none" w="med" len="med"/>
+                    </a:lnR>
+                    <a:lnT w="12700" cap="flat" cmpd="sng" algn="ctr">
+                      <a:solidFill>
+                        <a:schemeClr val="accent1">
+                          <a:lumMod val="40000"/>
+                          <a:lumOff val="60000"/>
+                        </a:schemeClr>
+                      </a:solidFill>
+                      <a:prstDash val="solid"/>
+                      <a:round/>
+                      <a:headEnd type="none" w="med" len="med"/>
+                      <a:tailEnd type="none" w="med" len="med"/>
+                    </a:lnT>
+                    <a:lnB w="12700" cap="flat" cmpd="sng" algn="ctr">
+                      <a:solidFill>
+                        <a:schemeClr val="accent1">
+                          <a:lumMod val="40000"/>
+                          <a:lumOff val="60000"/>
+                        </a:schemeClr>
+                      </a:solidFill>
+                      <a:prstDash val="solid"/>
+                      <a:round/>
+                      <a:headEnd type="none" w="med" len="med"/>
+                      <a:tailEnd type="none" w="med" len="med"/>
+                    </a:lnB>
+                    <a:lnTlToBr w="12700" cmpd="sng">
+                      <a:noFill/>
+                      <a:prstDash val="solid"/>
+                    </a:lnTlToBr>
+                    <a:lnBlToTr w="12700" cmpd="sng">
+                      <a:noFill/>
+                      <a:prstDash val="solid"/>
+                    </a:lnBlToTr>
+                    <a:solidFill>
+                      <a:schemeClr val="accent1">
+                        <a:lumMod val="40000"/>
+                        <a:lumOff val="60000"/>
+                      </a:schemeClr>
+                    </a:solidFill>
+                  </a:tcPr>
+                </a:tc>
+                <a:tc>
+                  <a:txBody>
+                    <a:bodyPr/>
+                    <a:lstStyle/>
+                    <a:p>
+                      <a:pPr algn="l" fontAlgn="b"/>
+                      <a:r>
+                        <a:rPr lang="en-AU" sz="1100" b="1" u="none" strike="noStrike" noProof="0" dirty="0">
+                          <a:effectLst/>
+                        </a:rPr>
+                        <a:t>(Macro-F1)</a:t>
+                      </a:r>
+                      <a:endParaRPr lang="en-AU" sz="1100" b="1" i="0" u="none" strike="noStrike" noProof="0" dirty="0">
+                        <a:solidFill>
+                          <a:srgbClr val="000000"/>
+                        </a:solidFill>
+                        <a:effectLst/>
+                        <a:latin typeface="Calibri" panose="020F0502020204030204" pitchFamily="34" charset="0"/>
+                      </a:endParaRPr>
+                    </a:p>
+                  </a:txBody>
+                  <a:tcPr marL="0" marR="0" marT="0" marB="0" anchor="b">
+                    <a:lnL w="12700" cap="flat" cmpd="sng" algn="ctr">
+                      <a:solidFill>
+                        <a:schemeClr val="accent1">
+                          <a:lumMod val="40000"/>
+                          <a:lumOff val="60000"/>
+                        </a:schemeClr>
+                      </a:solidFill>
+                      <a:prstDash val="solid"/>
+                      <a:round/>
+                      <a:headEnd type="none" w="med" len="med"/>
+                      <a:tailEnd type="none" w="med" len="med"/>
+                    </a:lnL>
+                    <a:lnR w="12700" cap="flat" cmpd="sng" algn="ctr">
+                      <a:solidFill>
+                        <a:schemeClr val="accent1">
+                          <a:lumMod val="40000"/>
+                          <a:lumOff val="60000"/>
+                        </a:schemeClr>
+                      </a:solidFill>
+                      <a:prstDash val="solid"/>
+                      <a:round/>
+                      <a:headEnd type="none" w="med" len="med"/>
+                      <a:tailEnd type="none" w="med" len="med"/>
+                    </a:lnR>
+                    <a:lnT w="12700" cap="flat" cmpd="sng" algn="ctr">
+                      <a:solidFill>
+                        <a:schemeClr val="accent1">
+                          <a:lumMod val="40000"/>
+                          <a:lumOff val="60000"/>
+                        </a:schemeClr>
+                      </a:solidFill>
+                      <a:prstDash val="solid"/>
+                      <a:round/>
+                      <a:headEnd type="none" w="med" len="med"/>
+                      <a:tailEnd type="none" w="med" len="med"/>
+                    </a:lnT>
+                    <a:lnB w="12700" cap="flat" cmpd="sng" algn="ctr">
+                      <a:solidFill>
+                        <a:schemeClr val="accent1">
+                          <a:lumMod val="40000"/>
+                          <a:lumOff val="60000"/>
+                        </a:schemeClr>
+                      </a:solidFill>
+                      <a:prstDash val="solid"/>
+                      <a:round/>
+                      <a:headEnd type="none" w="med" len="med"/>
+                      <a:tailEnd type="none" w="med" len="med"/>
+                    </a:lnB>
+                    <a:lnTlToBr w="12700" cmpd="sng">
+                      <a:noFill/>
+                      <a:prstDash val="solid"/>
+                    </a:lnTlToBr>
+                    <a:lnBlToTr w="12700" cmpd="sng">
+                      <a:noFill/>
+                      <a:prstDash val="solid"/>
+                    </a:lnBlToTr>
+                    <a:solidFill>
+                      <a:schemeClr val="accent1">
+                        <a:lumMod val="40000"/>
+                        <a:lumOff val="60000"/>
+                      </a:schemeClr>
+                    </a:solidFill>
+                  </a:tcPr>
+                </a:tc>
+                <a:tc>
+                  <a:txBody>
+                    <a:bodyPr/>
+                    <a:lstStyle/>
+                    <a:p>
+                      <a:pPr algn="l" fontAlgn="b"/>
+                      <a:endParaRPr lang="en-AU" sz="1100" b="0" i="0" u="none" strike="noStrike" noProof="0" dirty="0">
+                        <a:solidFill>
+                          <a:srgbClr val="000000"/>
+                        </a:solidFill>
+                        <a:effectLst/>
+                        <a:latin typeface="Calibri" panose="020F0502020204030204" pitchFamily="34" charset="0"/>
+                      </a:endParaRPr>
+                    </a:p>
+                  </a:txBody>
+                  <a:tcPr marL="0" marR="0" marT="0" marB="0" anchor="b">
+                    <a:lnL w="12700" cap="flat" cmpd="sng" algn="ctr">
+                      <a:solidFill>
+                        <a:schemeClr val="accent1">
+                          <a:lumMod val="40000"/>
+                          <a:lumOff val="60000"/>
+                        </a:schemeClr>
+                      </a:solidFill>
+                      <a:prstDash val="solid"/>
+                      <a:round/>
+                      <a:headEnd type="none" w="med" len="med"/>
+                      <a:tailEnd type="none" w="med" len="med"/>
+                    </a:lnL>
+                    <a:lnR w="12700" cap="flat" cmpd="sng" algn="ctr">
+                      <a:solidFill>
+                        <a:schemeClr val="accent1">
+                          <a:lumMod val="40000"/>
+                          <a:lumOff val="60000"/>
+                        </a:schemeClr>
+                      </a:solidFill>
+                      <a:prstDash val="solid"/>
+                      <a:round/>
+                      <a:headEnd type="none" w="med" len="med"/>
+                      <a:tailEnd type="none" w="med" len="med"/>
+                    </a:lnR>
+                    <a:lnT w="12700" cap="flat" cmpd="sng" algn="ctr">
+                      <a:solidFill>
+                        <a:schemeClr val="accent1">
+                          <a:lumMod val="40000"/>
+                          <a:lumOff val="60000"/>
+                        </a:schemeClr>
+                      </a:solidFill>
+                      <a:prstDash val="solid"/>
+                      <a:round/>
+                      <a:headEnd type="none" w="med" len="med"/>
+                      <a:tailEnd type="none" w="med" len="med"/>
+                    </a:lnT>
+                    <a:lnB w="12700" cap="flat" cmpd="sng" algn="ctr">
+                      <a:solidFill>
+                        <a:schemeClr val="accent1">
+                          <a:lumMod val="40000"/>
+                          <a:lumOff val="60000"/>
+                        </a:schemeClr>
+                      </a:solidFill>
+                      <a:prstDash val="solid"/>
+                      <a:round/>
+                      <a:headEnd type="none" w="med" len="med"/>
+                      <a:tailEnd type="none" w="med" len="med"/>
+                    </a:lnB>
+                    <a:lnTlToBr w="12700" cmpd="sng">
+                      <a:noFill/>
+                      <a:prstDash val="solid"/>
+                    </a:lnTlToBr>
+                    <a:lnBlToTr w="12700" cmpd="sng">
+                      <a:noFill/>
+                      <a:prstDash val="solid"/>
+                    </a:lnBlToTr>
+                    <a:solidFill>
+                      <a:schemeClr val="accent1">
+                        <a:lumMod val="40000"/>
+                        <a:lumOff val="60000"/>
+                      </a:schemeClr>
+                    </a:solidFill>
+                  </a:tcPr>
+                </a:tc>
+                <a:tc>
+                  <a:txBody>
+                    <a:bodyPr/>
+                    <a:lstStyle/>
+                    <a:p>
+                      <a:pPr algn="l" fontAlgn="b"/>
+                      <a:endParaRPr lang="en-AU" sz="1100" b="0" i="0" u="none" strike="noStrike" noProof="0" dirty="0">
+                        <a:solidFill>
+                          <a:srgbClr val="000000"/>
+                        </a:solidFill>
+                        <a:effectLst/>
+                        <a:latin typeface="Calibri" panose="020F0502020204030204" pitchFamily="34" charset="0"/>
+                      </a:endParaRPr>
+                    </a:p>
+                  </a:txBody>
+                  <a:tcPr marL="0" marR="0" marT="0" marB="0" anchor="b">
+                    <a:lnL w="12700" cap="flat" cmpd="sng" algn="ctr">
+                      <a:solidFill>
+                        <a:schemeClr val="accent1">
+                          <a:lumMod val="40000"/>
+                          <a:lumOff val="60000"/>
+                        </a:schemeClr>
+                      </a:solidFill>
+                      <a:prstDash val="solid"/>
+                      <a:round/>
+                      <a:headEnd type="none" w="med" len="med"/>
+                      <a:tailEnd type="none" w="med" len="med"/>
+                    </a:lnL>
+                    <a:lnR w="12700" cap="flat" cmpd="sng" algn="ctr">
+                      <a:solidFill>
+                        <a:schemeClr val="accent1">
+                          <a:lumMod val="40000"/>
+                          <a:lumOff val="60000"/>
+                        </a:schemeClr>
+                      </a:solidFill>
+                      <a:prstDash val="solid"/>
+                      <a:round/>
+                      <a:headEnd type="none" w="med" len="med"/>
+                      <a:tailEnd type="none" w="med" len="med"/>
+                    </a:lnR>
+                    <a:lnT w="12700" cap="flat" cmpd="sng" algn="ctr">
+                      <a:solidFill>
+                        <a:schemeClr val="accent1">
+                          <a:lumMod val="40000"/>
+                          <a:lumOff val="60000"/>
+                        </a:schemeClr>
+                      </a:solidFill>
+                      <a:prstDash val="solid"/>
+                      <a:round/>
+                      <a:headEnd type="none" w="med" len="med"/>
+                      <a:tailEnd type="none" w="med" len="med"/>
+                    </a:lnT>
+                    <a:lnB w="12700" cap="flat" cmpd="sng" algn="ctr">
+                      <a:solidFill>
+                        <a:schemeClr val="accent1">
+                          <a:lumMod val="40000"/>
+                          <a:lumOff val="60000"/>
+                        </a:schemeClr>
+                      </a:solidFill>
+                      <a:prstDash val="solid"/>
+                      <a:round/>
+                      <a:headEnd type="none" w="med" len="med"/>
+                      <a:tailEnd type="none" w="med" len="med"/>
+                    </a:lnB>
+                    <a:lnTlToBr w="12700" cmpd="sng">
+                      <a:noFill/>
+                      <a:prstDash val="solid"/>
+                    </a:lnTlToBr>
+                    <a:lnBlToTr w="12700" cmpd="sng">
+                      <a:noFill/>
+                      <a:prstDash val="solid"/>
+                    </a:lnBlToTr>
+                    <a:solidFill>
+                      <a:schemeClr val="accent1">
+                        <a:lumMod val="40000"/>
+                        <a:lumOff val="60000"/>
+                      </a:schemeClr>
+                    </a:solidFill>
+                  </a:tcPr>
+                </a:tc>
+                <a:tc>
+                  <a:txBody>
+                    <a:bodyPr/>
+                    <a:lstStyle/>
+                    <a:p>
+                      <a:pPr algn="l" fontAlgn="b"/>
+                      <a:endParaRPr lang="en-AU" sz="1100" b="0" i="0" u="none" strike="noStrike" noProof="0" dirty="0">
+                        <a:solidFill>
+                          <a:srgbClr val="000000"/>
+                        </a:solidFill>
+                        <a:effectLst/>
+                        <a:latin typeface="Calibri" panose="020F0502020204030204" pitchFamily="34" charset="0"/>
+                      </a:endParaRPr>
+                    </a:p>
+                  </a:txBody>
+                  <a:tcPr marL="0" marR="0" marT="0" marB="0" anchor="b">
+                    <a:lnL w="12700" cap="flat" cmpd="sng" algn="ctr">
+                      <a:solidFill>
+                        <a:schemeClr val="accent1">
+                          <a:lumMod val="40000"/>
+                          <a:lumOff val="60000"/>
+                        </a:schemeClr>
+                      </a:solidFill>
+                      <a:prstDash val="solid"/>
+                      <a:round/>
+                      <a:headEnd type="none" w="med" len="med"/>
+                      <a:tailEnd type="none" w="med" len="med"/>
+                    </a:lnL>
+                    <a:lnR w="12700" cap="flat" cmpd="sng" algn="ctr">
+                      <a:solidFill>
+                        <a:schemeClr val="accent1">
+                          <a:lumMod val="40000"/>
+                          <a:lumOff val="60000"/>
+                        </a:schemeClr>
+                      </a:solidFill>
+                      <a:prstDash val="solid"/>
+                      <a:round/>
+                      <a:headEnd type="none" w="med" len="med"/>
+                      <a:tailEnd type="none" w="med" len="med"/>
+                    </a:lnR>
+                    <a:lnT w="12700" cap="flat" cmpd="sng" algn="ctr">
+                      <a:solidFill>
+                        <a:schemeClr val="accent1">
+                          <a:lumMod val="40000"/>
+                          <a:lumOff val="60000"/>
+                        </a:schemeClr>
+                      </a:solidFill>
+                      <a:prstDash val="solid"/>
+                      <a:round/>
+                      <a:headEnd type="none" w="med" len="med"/>
+                      <a:tailEnd type="none" w="med" len="med"/>
+                    </a:lnT>
+                    <a:lnB w="12700" cap="flat" cmpd="sng" algn="ctr">
+                      <a:solidFill>
+                        <a:schemeClr val="accent1">
+                          <a:lumMod val="40000"/>
+                          <a:lumOff val="60000"/>
+                        </a:schemeClr>
+                      </a:solidFill>
+                      <a:prstDash val="solid"/>
+                      <a:round/>
+                      <a:headEnd type="none" w="med" len="med"/>
+                      <a:tailEnd type="none" w="med" len="med"/>
+                    </a:lnB>
+                    <a:lnTlToBr w="12700" cmpd="sng">
+                      <a:noFill/>
+                      <a:prstDash val="solid"/>
+                    </a:lnTlToBr>
+                    <a:lnBlToTr w="12700" cmpd="sng">
+                      <a:noFill/>
+                      <a:prstDash val="solid"/>
+                    </a:lnBlToTr>
+                    <a:solidFill>
+                      <a:schemeClr val="accent1">
+                        <a:lumMod val="40000"/>
+                        <a:lumOff val="60000"/>
+                      </a:schemeClr>
+                    </a:solidFill>
+                  </a:tcPr>
+                </a:tc>
+                <a:tc>
+                  <a:txBody>
+                    <a:bodyPr/>
+                    <a:lstStyle/>
+                    <a:p>
+                      <a:pPr algn="l" fontAlgn="b"/>
+                      <a:endParaRPr lang="en-AU" sz="1100" b="0" i="0" u="none" strike="noStrike" noProof="0" dirty="0">
+                        <a:solidFill>
+                          <a:srgbClr val="000000"/>
+                        </a:solidFill>
+                        <a:effectLst/>
+                        <a:latin typeface="Calibri" panose="020F0502020204030204" pitchFamily="34" charset="0"/>
+                      </a:endParaRPr>
+                    </a:p>
+                  </a:txBody>
+                  <a:tcPr marL="0" marR="0" marT="0" marB="0" anchor="b">
+                    <a:lnL w="12700" cap="flat" cmpd="sng" algn="ctr">
+                      <a:solidFill>
+                        <a:schemeClr val="accent1">
+                          <a:lumMod val="40000"/>
+                          <a:lumOff val="60000"/>
+                        </a:schemeClr>
+                      </a:solidFill>
+                      <a:prstDash val="solid"/>
+                      <a:round/>
+                      <a:headEnd type="none" w="med" len="med"/>
+                      <a:tailEnd type="none" w="med" len="med"/>
+                    </a:lnL>
+                    <a:lnR w="12700" cap="flat" cmpd="sng" algn="ctr">
+                      <a:solidFill>
+                        <a:schemeClr val="accent1">
+                          <a:lumMod val="40000"/>
+                          <a:lumOff val="60000"/>
+                        </a:schemeClr>
+                      </a:solidFill>
+                      <a:prstDash val="solid"/>
+                      <a:round/>
+                      <a:headEnd type="none" w="med" len="med"/>
+                      <a:tailEnd type="none" w="med" len="med"/>
+                    </a:lnR>
+                    <a:lnT w="12700" cap="flat" cmpd="sng" algn="ctr">
+                      <a:solidFill>
+                        <a:schemeClr val="accent1">
+                          <a:lumMod val="40000"/>
+                          <a:lumOff val="60000"/>
+                        </a:schemeClr>
+                      </a:solidFill>
+                      <a:prstDash val="solid"/>
+                      <a:round/>
+                      <a:headEnd type="none" w="med" len="med"/>
+                      <a:tailEnd type="none" w="med" len="med"/>
+                    </a:lnT>
+                    <a:lnB w="12700" cap="flat" cmpd="sng" algn="ctr">
+                      <a:solidFill>
+                        <a:schemeClr val="accent1">
+                          <a:lumMod val="40000"/>
+                          <a:lumOff val="60000"/>
+                        </a:schemeClr>
+                      </a:solidFill>
+                      <a:prstDash val="solid"/>
+                      <a:round/>
+                      <a:headEnd type="none" w="med" len="med"/>
+                      <a:tailEnd type="none" w="med" len="med"/>
+                    </a:lnB>
+                    <a:lnTlToBr w="12700" cmpd="sng">
+                      <a:noFill/>
+                      <a:prstDash val="solid"/>
+                    </a:lnTlToBr>
+                    <a:lnBlToTr w="12700" cmpd="sng">
+                      <a:noFill/>
+                      <a:prstDash val="solid"/>
+                    </a:lnBlToTr>
+                    <a:solidFill>
+                      <a:schemeClr val="accent1">
+                        <a:lumMod val="40000"/>
+                        <a:lumOff val="60000"/>
+                      </a:schemeClr>
+                    </a:solidFill>
+                  </a:tcPr>
+                </a:tc>
+                <a:tc>
+                  <a:txBody>
+                    <a:bodyPr/>
+                    <a:lstStyle/>
+                    <a:p>
+                      <a:pPr algn="l" fontAlgn="b"/>
+                      <a:endParaRPr lang="en-AU" sz="1100" b="0" i="0" u="none" strike="noStrike" noProof="0" dirty="0">
+                        <a:solidFill>
+                          <a:srgbClr val="000000"/>
+                        </a:solidFill>
+                        <a:effectLst/>
+                        <a:latin typeface="Calibri" panose="020F0502020204030204" pitchFamily="34" charset="0"/>
+                      </a:endParaRPr>
+                    </a:p>
+                  </a:txBody>
+                  <a:tcPr marL="0" marR="0" marT="0" marB="0" anchor="b">
+                    <a:lnL w="12700" cap="flat" cmpd="sng" algn="ctr">
+                      <a:solidFill>
+                        <a:schemeClr val="accent1">
+                          <a:lumMod val="40000"/>
+                          <a:lumOff val="60000"/>
+                        </a:schemeClr>
+                      </a:solidFill>
+                      <a:prstDash val="solid"/>
+                      <a:round/>
+                      <a:headEnd type="none" w="med" len="med"/>
+                      <a:tailEnd type="none" w="med" len="med"/>
+                    </a:lnL>
+                    <a:lnR w="12700" cap="flat" cmpd="sng" algn="ctr">
+                      <a:solidFill>
+                        <a:schemeClr val="accent1">
+                          <a:lumMod val="40000"/>
+                          <a:lumOff val="60000"/>
+                        </a:schemeClr>
+                      </a:solidFill>
+                      <a:prstDash val="solid"/>
+                      <a:round/>
+                      <a:headEnd type="none" w="med" len="med"/>
+                      <a:tailEnd type="none" w="med" len="med"/>
+                    </a:lnR>
+                    <a:lnT w="12700" cap="flat" cmpd="sng" algn="ctr">
+                      <a:solidFill>
+                        <a:schemeClr val="accent1">
+                          <a:lumMod val="40000"/>
+                          <a:lumOff val="60000"/>
+                        </a:schemeClr>
+                      </a:solidFill>
+                      <a:prstDash val="solid"/>
+                      <a:round/>
+                      <a:headEnd type="none" w="med" len="med"/>
+                      <a:tailEnd type="none" w="med" len="med"/>
+                    </a:lnT>
+                    <a:lnB w="12700" cap="flat" cmpd="sng" algn="ctr">
+                      <a:solidFill>
+                        <a:schemeClr val="accent1">
+                          <a:lumMod val="40000"/>
+                          <a:lumOff val="60000"/>
+                        </a:schemeClr>
+                      </a:solidFill>
+                      <a:prstDash val="solid"/>
+                      <a:round/>
+                      <a:headEnd type="none" w="med" len="med"/>
+                      <a:tailEnd type="none" w="med" len="med"/>
+                    </a:lnB>
+                    <a:lnTlToBr w="12700" cmpd="sng">
+                      <a:noFill/>
+                      <a:prstDash val="solid"/>
+                    </a:lnTlToBr>
+                    <a:lnBlToTr w="12700" cmpd="sng">
+                      <a:noFill/>
+                      <a:prstDash val="solid"/>
+                    </a:lnBlToTr>
+                    <a:solidFill>
+                      <a:schemeClr val="accent1">
+                        <a:lumMod val="40000"/>
+                        <a:lumOff val="60000"/>
+                      </a:schemeClr>
+                    </a:solidFill>
+                  </a:tcPr>
+                </a:tc>
+                <a:extLst>
+                  <a:ext uri="{0D108BD9-81ED-4DB2-BD59-A6C34878D82A}">
+                    <a16:rowId xmlns:a16="http://schemas.microsoft.com/office/drawing/2014/main" val="1649321936"/>
+                  </a:ext>
+                </a:extLst>
+              </a:tr>
+              <a:tr h="348378">
+                <a:tc>
+                  <a:txBody>
+                    <a:bodyPr/>
+                    <a:lstStyle/>
+                    <a:p>
+                      <a:pPr algn="l" fontAlgn="b"/>
+                      <a:r>
+                        <a:rPr lang="en-AU" sz="1100" u="none" strike="noStrike" noProof="0" dirty="0">
+                          <a:effectLst/>
+                        </a:rPr>
+                        <a:t> </a:t>
+                      </a:r>
+                      <a:endParaRPr lang="en-AU" sz="1100" b="0" i="0" u="none" strike="noStrike" noProof="0" dirty="0">
+                        <a:solidFill>
+                          <a:srgbClr val="000000"/>
+                        </a:solidFill>
+                        <a:effectLst/>
+                        <a:latin typeface="Calibri" panose="020F0502020204030204" pitchFamily="34" charset="0"/>
+                      </a:endParaRPr>
+                    </a:p>
+                  </a:txBody>
+                  <a:tcPr marL="0" marR="0" marT="0" marB="0" anchor="b">
+                    <a:lnL w="12700" cap="flat" cmpd="sng" algn="ctr">
+                      <a:solidFill>
+                        <a:schemeClr val="accent1">
+                          <a:lumMod val="40000"/>
+                          <a:lumOff val="60000"/>
+                        </a:schemeClr>
+                      </a:solidFill>
+                      <a:prstDash val="solid"/>
+                      <a:round/>
+                      <a:headEnd type="none" w="med" len="med"/>
+                      <a:tailEnd type="none" w="med" len="med"/>
+                    </a:lnL>
+                    <a:lnR w="12700" cap="flat" cmpd="sng" algn="ctr">
+                      <a:solidFill>
+                        <a:schemeClr val="accent1">
+                          <a:lumMod val="40000"/>
+                          <a:lumOff val="60000"/>
+                        </a:schemeClr>
+                      </a:solidFill>
+                      <a:prstDash val="solid"/>
+                      <a:round/>
+                      <a:headEnd type="none" w="med" len="med"/>
+                      <a:tailEnd type="none" w="med" len="med"/>
+                    </a:lnR>
+                    <a:lnT w="12700" cap="flat" cmpd="sng" algn="ctr">
+                      <a:solidFill>
+                        <a:schemeClr val="accent1">
+                          <a:lumMod val="40000"/>
+                          <a:lumOff val="60000"/>
+                        </a:schemeClr>
+                      </a:solidFill>
+                      <a:prstDash val="solid"/>
+                      <a:round/>
+                      <a:headEnd type="none" w="med" len="med"/>
+                      <a:tailEnd type="none" w="med" len="med"/>
+                    </a:lnT>
+                    <a:lnB w="12700" cap="flat" cmpd="sng" algn="ctr">
+                      <a:solidFill>
+                        <a:schemeClr val="accent1">
+                          <a:lumMod val="40000"/>
+                          <a:lumOff val="60000"/>
+                        </a:schemeClr>
+                      </a:solidFill>
+                      <a:prstDash val="solid"/>
+                      <a:round/>
+                      <a:headEnd type="none" w="med" len="med"/>
+                      <a:tailEnd type="none" w="med" len="med"/>
+                    </a:lnB>
+                    <a:lnTlToBr w="12700" cmpd="sng">
+                      <a:noFill/>
+                      <a:prstDash val="solid"/>
+                    </a:lnTlToBr>
+                    <a:lnBlToTr w="12700" cmpd="sng">
+                      <a:noFill/>
+                      <a:prstDash val="solid"/>
+                    </a:lnBlToTr>
+                  </a:tcPr>
+                </a:tc>
+                <a:tc>
+                  <a:txBody>
+                    <a:bodyPr/>
+                    <a:lstStyle/>
+                    <a:p>
+                      <a:pPr algn="l" fontAlgn="b"/>
+                      <a:r>
+                        <a:rPr lang="en-AU" sz="1100" u="none" strike="noStrike" noProof="0">
+                          <a:effectLst/>
+                        </a:rPr>
+                        <a:t>Baseline</a:t>
+                      </a:r>
+                      <a:endParaRPr lang="en-AU" sz="1100" b="0" i="0" u="none" strike="noStrike" noProof="0">
+                        <a:solidFill>
+                          <a:srgbClr val="000000"/>
+                        </a:solidFill>
+                        <a:effectLst/>
+                        <a:latin typeface="Calibri" panose="020F0502020204030204" pitchFamily="34" charset="0"/>
+                      </a:endParaRPr>
+                    </a:p>
+                  </a:txBody>
+                  <a:tcPr marL="0" marR="0" marT="0" marB="0" anchor="b">
+                    <a:lnL w="12700" cap="flat" cmpd="sng" algn="ctr">
+                      <a:solidFill>
+                        <a:schemeClr val="accent1">
+                          <a:lumMod val="40000"/>
+                          <a:lumOff val="60000"/>
+                        </a:schemeClr>
+                      </a:solidFill>
+                      <a:prstDash val="solid"/>
+                      <a:round/>
+                      <a:headEnd type="none" w="med" len="med"/>
+                      <a:tailEnd type="none" w="med" len="med"/>
+                    </a:lnL>
+                    <a:lnR w="12700" cap="flat" cmpd="sng" algn="ctr">
+                      <a:solidFill>
+                        <a:schemeClr val="accent1">
+                          <a:lumMod val="40000"/>
+                          <a:lumOff val="60000"/>
+                        </a:schemeClr>
+                      </a:solidFill>
+                      <a:prstDash val="solid"/>
+                      <a:round/>
+                      <a:headEnd type="none" w="med" len="med"/>
+                      <a:tailEnd type="none" w="med" len="med"/>
+                    </a:lnR>
+                    <a:lnT w="12700" cap="flat" cmpd="sng" algn="ctr">
+                      <a:solidFill>
+                        <a:schemeClr val="accent1">
+                          <a:lumMod val="40000"/>
+                          <a:lumOff val="60000"/>
+                        </a:schemeClr>
+                      </a:solidFill>
+                      <a:prstDash val="solid"/>
+                      <a:round/>
+                      <a:headEnd type="none" w="med" len="med"/>
+                      <a:tailEnd type="none" w="med" len="med"/>
+                    </a:lnT>
+                    <a:lnB w="12700" cap="flat" cmpd="sng" algn="ctr">
+                      <a:solidFill>
+                        <a:schemeClr val="accent1">
+                          <a:lumMod val="40000"/>
+                          <a:lumOff val="60000"/>
+                        </a:schemeClr>
+                      </a:solidFill>
+                      <a:prstDash val="solid"/>
+                      <a:round/>
+                      <a:headEnd type="none" w="med" len="med"/>
+                      <a:tailEnd type="none" w="med" len="med"/>
+                    </a:lnB>
+                    <a:lnTlToBr w="12700" cmpd="sng">
+                      <a:noFill/>
+                      <a:prstDash val="solid"/>
+                    </a:lnTlToBr>
+                    <a:lnBlToTr w="12700" cmpd="sng">
+                      <a:noFill/>
+                      <a:prstDash val="solid"/>
+                    </a:lnBlToTr>
+                  </a:tcPr>
+                </a:tc>
+                <a:tc>
+                  <a:txBody>
+                    <a:bodyPr/>
+                    <a:lstStyle/>
+                    <a:p>
+                      <a:pPr algn="l" fontAlgn="b"/>
+                      <a:r>
+                        <a:rPr lang="en-AU" sz="1100" u="none" strike="noStrike" noProof="0" dirty="0">
+                          <a:effectLst/>
+                        </a:rPr>
+                        <a:t>Decision Tree</a:t>
+                      </a:r>
+                      <a:endParaRPr lang="en-AU" sz="1100" b="0" i="0" u="none" strike="noStrike" noProof="0" dirty="0">
+                        <a:solidFill>
+                          <a:srgbClr val="000000"/>
+                        </a:solidFill>
+                        <a:effectLst/>
+                        <a:latin typeface="Calibri" panose="020F0502020204030204" pitchFamily="34" charset="0"/>
+                      </a:endParaRPr>
+                    </a:p>
+                  </a:txBody>
+                  <a:tcPr marL="0" marR="0" marT="0" marB="0" anchor="b">
+                    <a:lnL w="12700" cap="flat" cmpd="sng" algn="ctr">
+                      <a:solidFill>
+                        <a:schemeClr val="accent1">
+                          <a:lumMod val="40000"/>
+                          <a:lumOff val="60000"/>
+                        </a:schemeClr>
+                      </a:solidFill>
+                      <a:prstDash val="solid"/>
+                      <a:round/>
+                      <a:headEnd type="none" w="med" len="med"/>
+                      <a:tailEnd type="none" w="med" len="med"/>
+                    </a:lnL>
+                    <a:lnR w="12700" cap="flat" cmpd="sng" algn="ctr">
+                      <a:solidFill>
+                        <a:schemeClr val="accent1">
+                          <a:lumMod val="40000"/>
+                          <a:lumOff val="60000"/>
+                        </a:schemeClr>
+                      </a:solidFill>
+                      <a:prstDash val="solid"/>
+                      <a:round/>
+                      <a:headEnd type="none" w="med" len="med"/>
+                      <a:tailEnd type="none" w="med" len="med"/>
+                    </a:lnR>
+                    <a:lnT w="12700" cap="flat" cmpd="sng" algn="ctr">
+                      <a:solidFill>
+                        <a:schemeClr val="accent1">
+                          <a:lumMod val="40000"/>
+                          <a:lumOff val="60000"/>
+                        </a:schemeClr>
+                      </a:solidFill>
+                      <a:prstDash val="solid"/>
+                      <a:round/>
+                      <a:headEnd type="none" w="med" len="med"/>
+                      <a:tailEnd type="none" w="med" len="med"/>
+                    </a:lnT>
+                    <a:lnB w="12700" cap="flat" cmpd="sng" algn="ctr">
+                      <a:solidFill>
+                        <a:schemeClr val="accent1">
+                          <a:lumMod val="40000"/>
+                          <a:lumOff val="60000"/>
+                        </a:schemeClr>
+                      </a:solidFill>
+                      <a:prstDash val="solid"/>
+                      <a:round/>
+                      <a:headEnd type="none" w="med" len="med"/>
+                      <a:tailEnd type="none" w="med" len="med"/>
+                    </a:lnB>
+                    <a:lnTlToBr w="12700" cmpd="sng">
+                      <a:noFill/>
+                      <a:prstDash val="solid"/>
+                    </a:lnTlToBr>
+                    <a:lnBlToTr w="12700" cmpd="sng">
+                      <a:noFill/>
+                      <a:prstDash val="solid"/>
+                    </a:lnBlToTr>
+                  </a:tcPr>
+                </a:tc>
+                <a:tc>
+                  <a:txBody>
+                    <a:bodyPr/>
+                    <a:lstStyle/>
+                    <a:p>
+                      <a:pPr algn="l" fontAlgn="b"/>
+                      <a:r>
+                        <a:rPr lang="en-AU" sz="1100" u="none" strike="noStrike" noProof="0">
+                          <a:effectLst/>
+                        </a:rPr>
+                        <a:t>Random Forest</a:t>
+                      </a:r>
+                      <a:endParaRPr lang="en-AU" sz="1100" b="0" i="0" u="none" strike="noStrike" noProof="0">
+                        <a:solidFill>
+                          <a:srgbClr val="000000"/>
+                        </a:solidFill>
+                        <a:effectLst/>
+                        <a:latin typeface="Calibri" panose="020F0502020204030204" pitchFamily="34" charset="0"/>
+                      </a:endParaRPr>
+                    </a:p>
+                  </a:txBody>
+                  <a:tcPr marL="0" marR="0" marT="0" marB="0" anchor="b">
+                    <a:lnL w="12700" cap="flat" cmpd="sng" algn="ctr">
+                      <a:solidFill>
+                        <a:schemeClr val="accent1">
+                          <a:lumMod val="40000"/>
+                          <a:lumOff val="60000"/>
+                        </a:schemeClr>
+                      </a:solidFill>
+                      <a:prstDash val="solid"/>
+                      <a:round/>
+                      <a:headEnd type="none" w="med" len="med"/>
+                      <a:tailEnd type="none" w="med" len="med"/>
+                    </a:lnL>
+                    <a:lnR w="12700" cap="flat" cmpd="sng" algn="ctr">
+                      <a:solidFill>
+                        <a:schemeClr val="accent1">
+                          <a:lumMod val="40000"/>
+                          <a:lumOff val="60000"/>
+                        </a:schemeClr>
+                      </a:solidFill>
+                      <a:prstDash val="solid"/>
+                      <a:round/>
+                      <a:headEnd type="none" w="med" len="med"/>
+                      <a:tailEnd type="none" w="med" len="med"/>
+                    </a:lnR>
+                    <a:lnT w="12700" cap="flat" cmpd="sng" algn="ctr">
+                      <a:solidFill>
+                        <a:schemeClr val="accent1">
+                          <a:lumMod val="40000"/>
+                          <a:lumOff val="60000"/>
+                        </a:schemeClr>
+                      </a:solidFill>
+                      <a:prstDash val="solid"/>
+                      <a:round/>
+                      <a:headEnd type="none" w="med" len="med"/>
+                      <a:tailEnd type="none" w="med" len="med"/>
+                    </a:lnT>
+                    <a:lnB w="12700" cap="flat" cmpd="sng" algn="ctr">
+                      <a:solidFill>
+                        <a:schemeClr val="accent1">
+                          <a:lumMod val="40000"/>
+                          <a:lumOff val="60000"/>
+                        </a:schemeClr>
+                      </a:solidFill>
+                      <a:prstDash val="solid"/>
+                      <a:round/>
+                      <a:headEnd type="none" w="med" len="med"/>
+                      <a:tailEnd type="none" w="med" len="med"/>
+                    </a:lnB>
+                    <a:lnTlToBr w="12700" cmpd="sng">
+                      <a:noFill/>
+                      <a:prstDash val="solid"/>
+                    </a:lnTlToBr>
+                    <a:lnBlToTr w="12700" cmpd="sng">
+                      <a:noFill/>
+                      <a:prstDash val="solid"/>
+                    </a:lnBlToTr>
+                  </a:tcPr>
+                </a:tc>
+                <a:tc>
+                  <a:txBody>
+                    <a:bodyPr/>
+                    <a:lstStyle/>
+                    <a:p>
+                      <a:pPr algn="l" fontAlgn="b"/>
+                      <a:r>
+                        <a:rPr lang="en-AU" sz="1100" u="none" strike="noStrike" noProof="0">
+                          <a:effectLst/>
+                        </a:rPr>
+                        <a:t>KNN</a:t>
+                      </a:r>
+                      <a:endParaRPr lang="en-AU" sz="1100" b="0" i="0" u="none" strike="noStrike" noProof="0">
+                        <a:solidFill>
+                          <a:srgbClr val="000000"/>
+                        </a:solidFill>
+                        <a:effectLst/>
+                        <a:latin typeface="Calibri" panose="020F0502020204030204" pitchFamily="34" charset="0"/>
+                      </a:endParaRPr>
+                    </a:p>
+                  </a:txBody>
+                  <a:tcPr marL="0" marR="0" marT="0" marB="0" anchor="b">
+                    <a:lnL w="12700" cap="flat" cmpd="sng" algn="ctr">
+                      <a:solidFill>
+                        <a:schemeClr val="accent1">
+                          <a:lumMod val="40000"/>
+                          <a:lumOff val="60000"/>
+                        </a:schemeClr>
+                      </a:solidFill>
+                      <a:prstDash val="solid"/>
+                      <a:round/>
+                      <a:headEnd type="none" w="med" len="med"/>
+                      <a:tailEnd type="none" w="med" len="med"/>
+                    </a:lnL>
+                    <a:lnR w="12700" cap="flat" cmpd="sng" algn="ctr">
+                      <a:solidFill>
+                        <a:schemeClr val="accent1">
+                          <a:lumMod val="40000"/>
+                          <a:lumOff val="60000"/>
+                        </a:schemeClr>
+                      </a:solidFill>
+                      <a:prstDash val="solid"/>
+                      <a:round/>
+                      <a:headEnd type="none" w="med" len="med"/>
+                      <a:tailEnd type="none" w="med" len="med"/>
+                    </a:lnR>
+                    <a:lnT w="12700" cap="flat" cmpd="sng" algn="ctr">
+                      <a:solidFill>
+                        <a:schemeClr val="accent1">
+                          <a:lumMod val="40000"/>
+                          <a:lumOff val="60000"/>
+                        </a:schemeClr>
+                      </a:solidFill>
+                      <a:prstDash val="solid"/>
+                      <a:round/>
+                      <a:headEnd type="none" w="med" len="med"/>
+                      <a:tailEnd type="none" w="med" len="med"/>
+                    </a:lnT>
+                    <a:lnB w="12700" cap="flat" cmpd="sng" algn="ctr">
+                      <a:solidFill>
+                        <a:schemeClr val="accent1">
+                          <a:lumMod val="40000"/>
+                          <a:lumOff val="60000"/>
+                        </a:schemeClr>
+                      </a:solidFill>
+                      <a:prstDash val="solid"/>
+                      <a:round/>
+                      <a:headEnd type="none" w="med" len="med"/>
+                      <a:tailEnd type="none" w="med" len="med"/>
+                    </a:lnB>
+                    <a:lnTlToBr w="12700" cmpd="sng">
+                      <a:noFill/>
+                      <a:prstDash val="solid"/>
+                    </a:lnTlToBr>
+                    <a:lnBlToTr w="12700" cmpd="sng">
+                      <a:noFill/>
+                      <a:prstDash val="solid"/>
+                    </a:lnBlToTr>
+                  </a:tcPr>
+                </a:tc>
+                <a:tc>
+                  <a:txBody>
+                    <a:bodyPr/>
+                    <a:lstStyle/>
+                    <a:p>
+                      <a:pPr algn="l" fontAlgn="b"/>
+                      <a:r>
+                        <a:rPr lang="en-AU" sz="1100" u="none" strike="noStrike" noProof="0">
+                          <a:effectLst/>
+                        </a:rPr>
+                        <a:t>SVM</a:t>
+                      </a:r>
+                      <a:endParaRPr lang="en-AU" sz="1100" b="0" i="0" u="none" strike="noStrike" noProof="0">
+                        <a:solidFill>
+                          <a:srgbClr val="000000"/>
+                        </a:solidFill>
+                        <a:effectLst/>
+                        <a:latin typeface="Calibri" panose="020F0502020204030204" pitchFamily="34" charset="0"/>
+                      </a:endParaRPr>
+                    </a:p>
+                  </a:txBody>
+                  <a:tcPr marL="0" marR="0" marT="0" marB="0" anchor="b">
+                    <a:lnL w="12700" cap="flat" cmpd="sng" algn="ctr">
+                      <a:solidFill>
+                        <a:schemeClr val="accent1">
+                          <a:lumMod val="40000"/>
+                          <a:lumOff val="60000"/>
+                        </a:schemeClr>
+                      </a:solidFill>
+                      <a:prstDash val="solid"/>
+                      <a:round/>
+                      <a:headEnd type="none" w="med" len="med"/>
+                      <a:tailEnd type="none" w="med" len="med"/>
+                    </a:lnL>
+                    <a:lnR w="12700" cap="flat" cmpd="sng" algn="ctr">
+                      <a:solidFill>
+                        <a:schemeClr val="accent1">
+                          <a:lumMod val="40000"/>
+                          <a:lumOff val="60000"/>
+                        </a:schemeClr>
+                      </a:solidFill>
+                      <a:prstDash val="solid"/>
+                      <a:round/>
+                      <a:headEnd type="none" w="med" len="med"/>
+                      <a:tailEnd type="none" w="med" len="med"/>
+                    </a:lnR>
+                    <a:lnT w="12700" cap="flat" cmpd="sng" algn="ctr">
+                      <a:solidFill>
+                        <a:schemeClr val="accent1">
+                          <a:lumMod val="40000"/>
+                          <a:lumOff val="60000"/>
+                        </a:schemeClr>
+                      </a:solidFill>
+                      <a:prstDash val="solid"/>
+                      <a:round/>
+                      <a:headEnd type="none" w="med" len="med"/>
+                      <a:tailEnd type="none" w="med" len="med"/>
+                    </a:lnT>
+                    <a:lnB w="12700" cap="flat" cmpd="sng" algn="ctr">
+                      <a:solidFill>
+                        <a:schemeClr val="accent1">
+                          <a:lumMod val="40000"/>
+                          <a:lumOff val="60000"/>
+                        </a:schemeClr>
+                      </a:solidFill>
+                      <a:prstDash val="solid"/>
+                      <a:round/>
+                      <a:headEnd type="none" w="med" len="med"/>
+                      <a:tailEnd type="none" w="med" len="med"/>
+                    </a:lnB>
+                    <a:lnTlToBr w="12700" cmpd="sng">
+                      <a:noFill/>
+                      <a:prstDash val="solid"/>
+                    </a:lnTlToBr>
+                    <a:lnBlToTr w="12700" cmpd="sng">
+                      <a:noFill/>
+                      <a:prstDash val="solid"/>
+                    </a:lnBlToTr>
+                  </a:tcPr>
+                </a:tc>
+                <a:tc>
+                  <a:txBody>
+                    <a:bodyPr/>
+                    <a:lstStyle/>
+                    <a:p>
+                      <a:pPr algn="l" fontAlgn="b"/>
+                      <a:r>
+                        <a:rPr lang="en-AU" sz="1100" u="none" strike="noStrike" noProof="0">
+                          <a:effectLst/>
+                        </a:rPr>
+                        <a:t>MLP</a:t>
+                      </a:r>
+                      <a:endParaRPr lang="en-AU" sz="1100" b="0" i="0" u="none" strike="noStrike" noProof="0">
+                        <a:solidFill>
+                          <a:srgbClr val="000000"/>
+                        </a:solidFill>
+                        <a:effectLst/>
+                        <a:latin typeface="Calibri" panose="020F0502020204030204" pitchFamily="34" charset="0"/>
+                      </a:endParaRPr>
+                    </a:p>
+                  </a:txBody>
+                  <a:tcPr marL="0" marR="0" marT="0" marB="0" anchor="b">
+                    <a:lnL w="12700" cap="flat" cmpd="sng" algn="ctr">
+                      <a:solidFill>
+                        <a:schemeClr val="accent1">
+                          <a:lumMod val="40000"/>
+                          <a:lumOff val="60000"/>
+                        </a:schemeClr>
+                      </a:solidFill>
+                      <a:prstDash val="solid"/>
+                      <a:round/>
+                      <a:headEnd type="none" w="med" len="med"/>
+                      <a:tailEnd type="none" w="med" len="med"/>
+                    </a:lnL>
+                    <a:lnR w="12700" cap="flat" cmpd="sng" algn="ctr">
+                      <a:solidFill>
+                        <a:schemeClr val="accent1">
+                          <a:lumMod val="40000"/>
+                          <a:lumOff val="60000"/>
+                        </a:schemeClr>
+                      </a:solidFill>
+                      <a:prstDash val="solid"/>
+                      <a:round/>
+                      <a:headEnd type="none" w="med" len="med"/>
+                      <a:tailEnd type="none" w="med" len="med"/>
+                    </a:lnR>
+                    <a:lnT w="12700" cap="flat" cmpd="sng" algn="ctr">
+                      <a:solidFill>
+                        <a:schemeClr val="accent1">
+                          <a:lumMod val="40000"/>
+                          <a:lumOff val="60000"/>
+                        </a:schemeClr>
+                      </a:solidFill>
+                      <a:prstDash val="solid"/>
+                      <a:round/>
+                      <a:headEnd type="none" w="med" len="med"/>
+                      <a:tailEnd type="none" w="med" len="med"/>
+                    </a:lnT>
+                    <a:lnB w="12700" cap="flat" cmpd="sng" algn="ctr">
+                      <a:solidFill>
+                        <a:schemeClr val="accent1">
+                          <a:lumMod val="40000"/>
+                          <a:lumOff val="60000"/>
+                        </a:schemeClr>
+                      </a:solidFill>
+                      <a:prstDash val="solid"/>
+                      <a:round/>
+                      <a:headEnd type="none" w="med" len="med"/>
+                      <a:tailEnd type="none" w="med" len="med"/>
+                    </a:lnB>
+                    <a:lnTlToBr w="12700" cmpd="sng">
+                      <a:noFill/>
+                      <a:prstDash val="solid"/>
+                    </a:lnTlToBr>
+                    <a:lnBlToTr w="12700" cmpd="sng">
+                      <a:noFill/>
+                      <a:prstDash val="solid"/>
+                    </a:lnBlToTr>
+                  </a:tcPr>
+                </a:tc>
+                <a:extLst>
+                  <a:ext uri="{0D108BD9-81ED-4DB2-BD59-A6C34878D82A}">
+                    <a16:rowId xmlns:a16="http://schemas.microsoft.com/office/drawing/2014/main" val="1920224520"/>
+                  </a:ext>
+                </a:extLst>
+              </a:tr>
+              <a:tr h="249129">
+                <a:tc>
+                  <a:txBody>
+                    <a:bodyPr/>
+                    <a:lstStyle/>
+                    <a:p>
+                      <a:pPr algn="l" fontAlgn="b"/>
+                      <a:r>
+                        <a:rPr lang="en-AU" sz="1100" u="none" strike="noStrike" noProof="0">
+                          <a:effectLst/>
+                        </a:rPr>
+                        <a:t>Complete Data</a:t>
+                      </a:r>
+                      <a:endParaRPr lang="en-AU" sz="1100" b="0" i="0" u="none" strike="noStrike" noProof="0">
+                        <a:solidFill>
+                          <a:srgbClr val="000000"/>
+                        </a:solidFill>
+                        <a:effectLst/>
+                        <a:latin typeface="Calibri" panose="020F0502020204030204" pitchFamily="34" charset="0"/>
+                      </a:endParaRPr>
+                    </a:p>
+                  </a:txBody>
+                  <a:tcPr marL="0" marR="0" marT="0" marB="0" anchor="b">
+                    <a:lnL w="12700" cap="flat" cmpd="sng" algn="ctr">
+                      <a:solidFill>
+                        <a:schemeClr val="accent1">
+                          <a:lumMod val="40000"/>
+                          <a:lumOff val="60000"/>
+                        </a:schemeClr>
+                      </a:solidFill>
+                      <a:prstDash val="solid"/>
+                      <a:round/>
+                      <a:headEnd type="none" w="med" len="med"/>
+                      <a:tailEnd type="none" w="med" len="med"/>
+                    </a:lnL>
+                    <a:lnR w="12700" cap="flat" cmpd="sng" algn="ctr">
+                      <a:solidFill>
+                        <a:schemeClr val="accent1">
+                          <a:lumMod val="40000"/>
+                          <a:lumOff val="60000"/>
+                        </a:schemeClr>
+                      </a:solidFill>
+                      <a:prstDash val="solid"/>
+                      <a:round/>
+                      <a:headEnd type="none" w="med" len="med"/>
+                      <a:tailEnd type="none" w="med" len="med"/>
+                    </a:lnR>
+                    <a:lnT w="12700" cap="flat" cmpd="sng" algn="ctr">
+                      <a:solidFill>
+                        <a:schemeClr val="accent1">
+                          <a:lumMod val="40000"/>
+                          <a:lumOff val="60000"/>
+                        </a:schemeClr>
+                      </a:solidFill>
+                      <a:prstDash val="solid"/>
+                      <a:round/>
+                      <a:headEnd type="none" w="med" len="med"/>
+                      <a:tailEnd type="none" w="med" len="med"/>
+                    </a:lnT>
+                    <a:lnB w="12700" cap="flat" cmpd="sng" algn="ctr">
+                      <a:solidFill>
+                        <a:schemeClr val="accent1">
+                          <a:lumMod val="40000"/>
+                          <a:lumOff val="60000"/>
+                        </a:schemeClr>
+                      </a:solidFill>
+                      <a:prstDash val="solid"/>
+                      <a:round/>
+                      <a:headEnd type="none" w="med" len="med"/>
+                      <a:tailEnd type="none" w="med" len="med"/>
+                    </a:lnB>
+                    <a:lnTlToBr w="12700" cmpd="sng">
+                      <a:noFill/>
+                      <a:prstDash val="solid"/>
+                    </a:lnTlToBr>
+                    <a:lnBlToTr w="12700" cmpd="sng">
+                      <a:noFill/>
+                      <a:prstDash val="solid"/>
+                    </a:lnBlToTr>
+                  </a:tcPr>
+                </a:tc>
+                <a:tc>
+                  <a:txBody>
+                    <a:bodyPr/>
+                    <a:lstStyle/>
+                    <a:p>
+                      <a:pPr algn="r" fontAlgn="b"/>
+                      <a:r>
+                        <a:rPr lang="en-AU" sz="1100" u="none" strike="noStrike" noProof="0">
+                          <a:effectLst/>
+                        </a:rPr>
+                        <a:t>0.49</a:t>
+                      </a:r>
+                      <a:endParaRPr lang="en-AU" sz="1100" b="0" i="0" u="none" strike="noStrike" noProof="0">
+                        <a:solidFill>
+                          <a:srgbClr val="000000"/>
+                        </a:solidFill>
+                        <a:effectLst/>
+                        <a:latin typeface="Calibri" panose="020F0502020204030204" pitchFamily="34" charset="0"/>
+                      </a:endParaRPr>
+                    </a:p>
+                  </a:txBody>
+                  <a:tcPr marL="0" marR="0" marT="0" marB="0" anchor="b">
+                    <a:lnL w="12700" cap="flat" cmpd="sng" algn="ctr">
+                      <a:solidFill>
+                        <a:schemeClr val="accent1">
+                          <a:lumMod val="40000"/>
+                          <a:lumOff val="60000"/>
+                        </a:schemeClr>
+                      </a:solidFill>
+                      <a:prstDash val="solid"/>
+                      <a:round/>
+                      <a:headEnd type="none" w="med" len="med"/>
+                      <a:tailEnd type="none" w="med" len="med"/>
+                    </a:lnL>
+                    <a:lnR w="12700" cap="flat" cmpd="sng" algn="ctr">
+                      <a:solidFill>
+                        <a:schemeClr val="accent1">
+                          <a:lumMod val="40000"/>
+                          <a:lumOff val="60000"/>
+                        </a:schemeClr>
+                      </a:solidFill>
+                      <a:prstDash val="solid"/>
+                      <a:round/>
+                      <a:headEnd type="none" w="med" len="med"/>
+                      <a:tailEnd type="none" w="med" len="med"/>
+                    </a:lnR>
+                    <a:lnT w="12700" cap="flat" cmpd="sng" algn="ctr">
+                      <a:solidFill>
+                        <a:schemeClr val="accent1">
+                          <a:lumMod val="40000"/>
+                          <a:lumOff val="60000"/>
+                        </a:schemeClr>
+                      </a:solidFill>
+                      <a:prstDash val="solid"/>
+                      <a:round/>
+                      <a:headEnd type="none" w="med" len="med"/>
+                      <a:tailEnd type="none" w="med" len="med"/>
+                    </a:lnT>
+                    <a:lnB w="12700" cap="flat" cmpd="sng" algn="ctr">
+                      <a:solidFill>
+                        <a:schemeClr val="accent1">
+                          <a:lumMod val="40000"/>
+                          <a:lumOff val="60000"/>
+                        </a:schemeClr>
+                      </a:solidFill>
+                      <a:prstDash val="solid"/>
+                      <a:round/>
+                      <a:headEnd type="none" w="med" len="med"/>
+                      <a:tailEnd type="none" w="med" len="med"/>
+                    </a:lnB>
+                    <a:lnTlToBr w="12700" cmpd="sng">
+                      <a:noFill/>
+                      <a:prstDash val="solid"/>
+                    </a:lnTlToBr>
+                    <a:lnBlToTr w="12700" cmpd="sng">
+                      <a:noFill/>
+                      <a:prstDash val="solid"/>
+                    </a:lnBlToTr>
+                  </a:tcPr>
+                </a:tc>
+                <a:tc>
+                  <a:txBody>
+                    <a:bodyPr/>
+                    <a:lstStyle/>
+                    <a:p>
+                      <a:pPr algn="r" fontAlgn="b"/>
+                      <a:r>
+                        <a:rPr lang="en-AU" sz="1100" u="none" strike="noStrike" noProof="0" dirty="0">
+                          <a:effectLst/>
+                        </a:rPr>
+                        <a:t>0.57</a:t>
+                      </a:r>
+                      <a:endParaRPr lang="en-AU" sz="1100" b="0" i="0" u="none" strike="noStrike" noProof="0" dirty="0">
+                        <a:solidFill>
+                          <a:srgbClr val="000000"/>
+                        </a:solidFill>
+                        <a:effectLst/>
+                        <a:latin typeface="Calibri" panose="020F0502020204030204" pitchFamily="34" charset="0"/>
+                      </a:endParaRPr>
+                    </a:p>
+                  </a:txBody>
+                  <a:tcPr marL="0" marR="0" marT="0" marB="0" anchor="b">
+                    <a:lnL w="12700" cap="flat" cmpd="sng" algn="ctr">
+                      <a:solidFill>
+                        <a:schemeClr val="accent1">
+                          <a:lumMod val="40000"/>
+                          <a:lumOff val="60000"/>
+                        </a:schemeClr>
+                      </a:solidFill>
+                      <a:prstDash val="solid"/>
+                      <a:round/>
+                      <a:headEnd type="none" w="med" len="med"/>
+                      <a:tailEnd type="none" w="med" len="med"/>
+                    </a:lnL>
+                    <a:lnR w="12700" cap="flat" cmpd="sng" algn="ctr">
+                      <a:solidFill>
+                        <a:schemeClr val="accent1">
+                          <a:lumMod val="40000"/>
+                          <a:lumOff val="60000"/>
+                        </a:schemeClr>
+                      </a:solidFill>
+                      <a:prstDash val="solid"/>
+                      <a:round/>
+                      <a:headEnd type="none" w="med" len="med"/>
+                      <a:tailEnd type="none" w="med" len="med"/>
+                    </a:lnR>
+                    <a:lnT w="12700" cap="flat" cmpd="sng" algn="ctr">
+                      <a:solidFill>
+                        <a:schemeClr val="accent1">
+                          <a:lumMod val="40000"/>
+                          <a:lumOff val="60000"/>
+                        </a:schemeClr>
+                      </a:solidFill>
+                      <a:prstDash val="solid"/>
+                      <a:round/>
+                      <a:headEnd type="none" w="med" len="med"/>
+                      <a:tailEnd type="none" w="med" len="med"/>
+                    </a:lnT>
+                    <a:lnB w="12700" cap="flat" cmpd="sng" algn="ctr">
+                      <a:solidFill>
+                        <a:schemeClr val="accent1">
+                          <a:lumMod val="40000"/>
+                          <a:lumOff val="60000"/>
+                        </a:schemeClr>
+                      </a:solidFill>
+                      <a:prstDash val="solid"/>
+                      <a:round/>
+                      <a:headEnd type="none" w="med" len="med"/>
+                      <a:tailEnd type="none" w="med" len="med"/>
+                    </a:lnB>
+                    <a:lnTlToBr w="12700" cmpd="sng">
+                      <a:noFill/>
+                      <a:prstDash val="solid"/>
+                    </a:lnTlToBr>
+                    <a:lnBlToTr w="12700" cmpd="sng">
+                      <a:noFill/>
+                      <a:prstDash val="solid"/>
+                    </a:lnBlToTr>
+                  </a:tcPr>
+                </a:tc>
+                <a:tc>
+                  <a:txBody>
+                    <a:bodyPr/>
+                    <a:lstStyle/>
+                    <a:p>
+                      <a:pPr algn="r" fontAlgn="b"/>
+                      <a:r>
+                        <a:rPr lang="en-AU" sz="1100" u="none" strike="noStrike" noProof="0" dirty="0">
+                          <a:effectLst/>
+                        </a:rPr>
+                        <a:t>0.47</a:t>
+                      </a:r>
+                      <a:endParaRPr lang="en-AU" sz="1100" b="0" i="0" u="none" strike="noStrike" noProof="0" dirty="0">
+                        <a:solidFill>
+                          <a:srgbClr val="000000"/>
+                        </a:solidFill>
+                        <a:effectLst/>
+                        <a:latin typeface="Calibri" panose="020F0502020204030204" pitchFamily="34" charset="0"/>
+                      </a:endParaRPr>
+                    </a:p>
+                  </a:txBody>
+                  <a:tcPr marL="0" marR="0" marT="0" marB="0" anchor="b">
+                    <a:lnL w="12700" cap="flat" cmpd="sng" algn="ctr">
+                      <a:solidFill>
+                        <a:schemeClr val="accent1">
+                          <a:lumMod val="40000"/>
+                          <a:lumOff val="60000"/>
+                        </a:schemeClr>
+                      </a:solidFill>
+                      <a:prstDash val="solid"/>
+                      <a:round/>
+                      <a:headEnd type="none" w="med" len="med"/>
+                      <a:tailEnd type="none" w="med" len="med"/>
+                    </a:lnL>
+                    <a:lnR w="12700" cap="flat" cmpd="sng" algn="ctr">
+                      <a:solidFill>
+                        <a:schemeClr val="accent1">
+                          <a:lumMod val="40000"/>
+                          <a:lumOff val="60000"/>
+                        </a:schemeClr>
+                      </a:solidFill>
+                      <a:prstDash val="solid"/>
+                      <a:round/>
+                      <a:headEnd type="none" w="med" len="med"/>
+                      <a:tailEnd type="none" w="med" len="med"/>
+                    </a:lnR>
+                    <a:lnT w="12700" cap="flat" cmpd="sng" algn="ctr">
+                      <a:solidFill>
+                        <a:schemeClr val="accent1">
+                          <a:lumMod val="40000"/>
+                          <a:lumOff val="60000"/>
+                        </a:schemeClr>
+                      </a:solidFill>
+                      <a:prstDash val="solid"/>
+                      <a:round/>
+                      <a:headEnd type="none" w="med" len="med"/>
+                      <a:tailEnd type="none" w="med" len="med"/>
+                    </a:lnT>
+                    <a:lnB w="12700" cap="flat" cmpd="sng" algn="ctr">
+                      <a:solidFill>
+                        <a:schemeClr val="accent1">
+                          <a:lumMod val="40000"/>
+                          <a:lumOff val="60000"/>
+                        </a:schemeClr>
+                      </a:solidFill>
+                      <a:prstDash val="solid"/>
+                      <a:round/>
+                      <a:headEnd type="none" w="med" len="med"/>
+                      <a:tailEnd type="none" w="med" len="med"/>
+                    </a:lnB>
+                    <a:lnTlToBr w="12700" cmpd="sng">
+                      <a:noFill/>
+                      <a:prstDash val="solid"/>
+                    </a:lnTlToBr>
+                    <a:lnBlToTr w="12700" cmpd="sng">
+                      <a:noFill/>
+                      <a:prstDash val="solid"/>
+                    </a:lnBlToTr>
+                  </a:tcPr>
+                </a:tc>
+                <a:tc>
+                  <a:txBody>
+                    <a:bodyPr/>
+                    <a:lstStyle/>
+                    <a:p>
+                      <a:pPr algn="r" fontAlgn="b"/>
+                      <a:r>
+                        <a:rPr lang="en-AU" sz="1100" u="none" strike="noStrike" noProof="0">
+                          <a:effectLst/>
+                        </a:rPr>
+                        <a:t>0.52</a:t>
+                      </a:r>
+                      <a:endParaRPr lang="en-AU" sz="1100" b="0" i="0" u="none" strike="noStrike" noProof="0">
+                        <a:solidFill>
+                          <a:srgbClr val="000000"/>
+                        </a:solidFill>
+                        <a:effectLst/>
+                        <a:latin typeface="Calibri" panose="020F0502020204030204" pitchFamily="34" charset="0"/>
+                      </a:endParaRPr>
+                    </a:p>
+                  </a:txBody>
+                  <a:tcPr marL="0" marR="0" marT="0" marB="0" anchor="b">
+                    <a:lnL w="12700" cap="flat" cmpd="sng" algn="ctr">
+                      <a:solidFill>
+                        <a:schemeClr val="accent1">
+                          <a:lumMod val="40000"/>
+                          <a:lumOff val="60000"/>
+                        </a:schemeClr>
+                      </a:solidFill>
+                      <a:prstDash val="solid"/>
+                      <a:round/>
+                      <a:headEnd type="none" w="med" len="med"/>
+                      <a:tailEnd type="none" w="med" len="med"/>
+                    </a:lnL>
+                    <a:lnR w="12700" cap="flat" cmpd="sng" algn="ctr">
+                      <a:solidFill>
+                        <a:schemeClr val="accent1">
+                          <a:lumMod val="40000"/>
+                          <a:lumOff val="60000"/>
+                        </a:schemeClr>
+                      </a:solidFill>
+                      <a:prstDash val="solid"/>
+                      <a:round/>
+                      <a:headEnd type="none" w="med" len="med"/>
+                      <a:tailEnd type="none" w="med" len="med"/>
+                    </a:lnR>
+                    <a:lnT w="12700" cap="flat" cmpd="sng" algn="ctr">
+                      <a:solidFill>
+                        <a:schemeClr val="accent1">
+                          <a:lumMod val="40000"/>
+                          <a:lumOff val="60000"/>
+                        </a:schemeClr>
+                      </a:solidFill>
+                      <a:prstDash val="solid"/>
+                      <a:round/>
+                      <a:headEnd type="none" w="med" len="med"/>
+                      <a:tailEnd type="none" w="med" len="med"/>
+                    </a:lnT>
+                    <a:lnB w="12700" cap="flat" cmpd="sng" algn="ctr">
+                      <a:solidFill>
+                        <a:schemeClr val="accent1">
+                          <a:lumMod val="40000"/>
+                          <a:lumOff val="60000"/>
+                        </a:schemeClr>
+                      </a:solidFill>
+                      <a:prstDash val="solid"/>
+                      <a:round/>
+                      <a:headEnd type="none" w="med" len="med"/>
+                      <a:tailEnd type="none" w="med" len="med"/>
+                    </a:lnB>
+                    <a:lnTlToBr w="12700" cmpd="sng">
+                      <a:noFill/>
+                      <a:prstDash val="solid"/>
+                    </a:lnTlToBr>
+                    <a:lnBlToTr w="12700" cmpd="sng">
+                      <a:noFill/>
+                      <a:prstDash val="solid"/>
+                    </a:lnBlToTr>
+                    <a:solidFill>
+                      <a:schemeClr val="accent6">
+                        <a:lumMod val="60000"/>
+                        <a:lumOff val="40000"/>
+                      </a:schemeClr>
+                    </a:solidFill>
+                  </a:tcPr>
+                </a:tc>
+                <a:tc>
+                  <a:txBody>
+                    <a:bodyPr/>
+                    <a:lstStyle/>
+                    <a:p>
+                      <a:pPr algn="r" fontAlgn="b"/>
+                      <a:r>
+                        <a:rPr lang="en-AU" sz="1100" u="none" strike="noStrike" noProof="0">
+                          <a:effectLst/>
+                        </a:rPr>
+                        <a:t>0.49</a:t>
+                      </a:r>
+                      <a:endParaRPr lang="en-AU" sz="1100" b="0" i="0" u="none" strike="noStrike" noProof="0">
+                        <a:solidFill>
+                          <a:srgbClr val="000000"/>
+                        </a:solidFill>
+                        <a:effectLst/>
+                        <a:latin typeface="Calibri" panose="020F0502020204030204" pitchFamily="34" charset="0"/>
+                      </a:endParaRPr>
+                    </a:p>
+                  </a:txBody>
+                  <a:tcPr marL="0" marR="0" marT="0" marB="0" anchor="b">
+                    <a:lnL w="12700" cap="flat" cmpd="sng" algn="ctr">
+                      <a:solidFill>
+                        <a:schemeClr val="accent1">
+                          <a:lumMod val="40000"/>
+                          <a:lumOff val="60000"/>
+                        </a:schemeClr>
+                      </a:solidFill>
+                      <a:prstDash val="solid"/>
+                      <a:round/>
+                      <a:headEnd type="none" w="med" len="med"/>
+                      <a:tailEnd type="none" w="med" len="med"/>
+                    </a:lnL>
+                    <a:lnR w="12700" cap="flat" cmpd="sng" algn="ctr">
+                      <a:solidFill>
+                        <a:schemeClr val="accent1">
+                          <a:lumMod val="40000"/>
+                          <a:lumOff val="60000"/>
+                        </a:schemeClr>
+                      </a:solidFill>
+                      <a:prstDash val="solid"/>
+                      <a:round/>
+                      <a:headEnd type="none" w="med" len="med"/>
+                      <a:tailEnd type="none" w="med" len="med"/>
+                    </a:lnR>
+                    <a:lnT w="12700" cap="flat" cmpd="sng" algn="ctr">
+                      <a:solidFill>
+                        <a:schemeClr val="accent1">
+                          <a:lumMod val="40000"/>
+                          <a:lumOff val="60000"/>
+                        </a:schemeClr>
+                      </a:solidFill>
+                      <a:prstDash val="solid"/>
+                      <a:round/>
+                      <a:headEnd type="none" w="med" len="med"/>
+                      <a:tailEnd type="none" w="med" len="med"/>
+                    </a:lnT>
+                    <a:lnB w="12700" cap="flat" cmpd="sng" algn="ctr">
+                      <a:solidFill>
+                        <a:schemeClr val="accent1">
+                          <a:lumMod val="40000"/>
+                          <a:lumOff val="60000"/>
+                        </a:schemeClr>
+                      </a:solidFill>
+                      <a:prstDash val="solid"/>
+                      <a:round/>
+                      <a:headEnd type="none" w="med" len="med"/>
+                      <a:tailEnd type="none" w="med" len="med"/>
+                    </a:lnB>
+                    <a:lnTlToBr w="12700" cmpd="sng">
+                      <a:noFill/>
+                      <a:prstDash val="solid"/>
+                    </a:lnTlToBr>
+                    <a:lnBlToTr w="12700" cmpd="sng">
+                      <a:noFill/>
+                      <a:prstDash val="solid"/>
+                    </a:lnBlToTr>
+                  </a:tcPr>
+                </a:tc>
+                <a:tc>
+                  <a:txBody>
+                    <a:bodyPr/>
+                    <a:lstStyle/>
+                    <a:p>
+                      <a:pPr algn="r" fontAlgn="b"/>
+                      <a:r>
+                        <a:rPr lang="en-AU" sz="1100" u="none" strike="noStrike" noProof="0">
+                          <a:effectLst/>
+                        </a:rPr>
+                        <a:t>0.49</a:t>
+                      </a:r>
+                      <a:endParaRPr lang="en-AU" sz="1100" b="0" i="0" u="none" strike="noStrike" noProof="0">
+                        <a:solidFill>
+                          <a:srgbClr val="000000"/>
+                        </a:solidFill>
+                        <a:effectLst/>
+                        <a:latin typeface="Calibri" panose="020F0502020204030204" pitchFamily="34" charset="0"/>
+                      </a:endParaRPr>
+                    </a:p>
+                  </a:txBody>
+                  <a:tcPr marL="0" marR="0" marT="0" marB="0" anchor="b">
+                    <a:lnL w="12700" cap="flat" cmpd="sng" algn="ctr">
+                      <a:solidFill>
+                        <a:schemeClr val="accent1">
+                          <a:lumMod val="40000"/>
+                          <a:lumOff val="60000"/>
+                        </a:schemeClr>
+                      </a:solidFill>
+                      <a:prstDash val="solid"/>
+                      <a:round/>
+                      <a:headEnd type="none" w="med" len="med"/>
+                      <a:tailEnd type="none" w="med" len="med"/>
+                    </a:lnL>
+                    <a:lnR w="12700" cap="flat" cmpd="sng" algn="ctr">
+                      <a:solidFill>
+                        <a:schemeClr val="accent1">
+                          <a:lumMod val="40000"/>
+                          <a:lumOff val="60000"/>
+                        </a:schemeClr>
+                      </a:solidFill>
+                      <a:prstDash val="solid"/>
+                      <a:round/>
+                      <a:headEnd type="none" w="med" len="med"/>
+                      <a:tailEnd type="none" w="med" len="med"/>
+                    </a:lnR>
+                    <a:lnT w="12700" cap="flat" cmpd="sng" algn="ctr">
+                      <a:solidFill>
+                        <a:schemeClr val="accent1">
+                          <a:lumMod val="40000"/>
+                          <a:lumOff val="60000"/>
+                        </a:schemeClr>
+                      </a:solidFill>
+                      <a:prstDash val="solid"/>
+                      <a:round/>
+                      <a:headEnd type="none" w="med" len="med"/>
+                      <a:tailEnd type="none" w="med" len="med"/>
+                    </a:lnT>
+                    <a:lnB w="12700" cap="flat" cmpd="sng" algn="ctr">
+                      <a:solidFill>
+                        <a:schemeClr val="accent1">
+                          <a:lumMod val="40000"/>
+                          <a:lumOff val="60000"/>
+                        </a:schemeClr>
+                      </a:solidFill>
+                      <a:prstDash val="solid"/>
+                      <a:round/>
+                      <a:headEnd type="none" w="med" len="med"/>
+                      <a:tailEnd type="none" w="med" len="med"/>
+                    </a:lnB>
+                    <a:lnTlToBr w="12700" cmpd="sng">
+                      <a:noFill/>
+                      <a:prstDash val="solid"/>
+                    </a:lnTlToBr>
+                    <a:lnBlToTr w="12700" cmpd="sng">
+                      <a:noFill/>
+                      <a:prstDash val="solid"/>
+                    </a:lnBlToTr>
+                  </a:tcPr>
+                </a:tc>
+                <a:extLst>
+                  <a:ext uri="{0D108BD9-81ED-4DB2-BD59-A6C34878D82A}">
+                    <a16:rowId xmlns:a16="http://schemas.microsoft.com/office/drawing/2014/main" val="3096983820"/>
+                  </a:ext>
+                </a:extLst>
+              </a:tr>
+              <a:tr h="249129">
+                <a:tc>
+                  <a:txBody>
+                    <a:bodyPr/>
+                    <a:lstStyle/>
+                    <a:p>
+                      <a:pPr algn="l" fontAlgn="b"/>
+                      <a:r>
+                        <a:rPr lang="en-AU" sz="1100" u="none" strike="noStrike" noProof="0">
+                          <a:effectLst/>
+                        </a:rPr>
+                        <a:t>Male Data</a:t>
+                      </a:r>
+                      <a:endParaRPr lang="en-AU" sz="1100" b="0" i="0" u="none" strike="noStrike" noProof="0">
+                        <a:solidFill>
+                          <a:srgbClr val="000000"/>
+                        </a:solidFill>
+                        <a:effectLst/>
+                        <a:latin typeface="Calibri" panose="020F0502020204030204" pitchFamily="34" charset="0"/>
+                      </a:endParaRPr>
+                    </a:p>
+                  </a:txBody>
+                  <a:tcPr marL="0" marR="0" marT="0" marB="0" anchor="b">
+                    <a:lnL w="12700" cap="flat" cmpd="sng" algn="ctr">
+                      <a:solidFill>
+                        <a:schemeClr val="accent1">
+                          <a:lumMod val="40000"/>
+                          <a:lumOff val="60000"/>
+                        </a:schemeClr>
+                      </a:solidFill>
+                      <a:prstDash val="solid"/>
+                      <a:round/>
+                      <a:headEnd type="none" w="med" len="med"/>
+                      <a:tailEnd type="none" w="med" len="med"/>
+                    </a:lnL>
+                    <a:lnR w="12700" cap="flat" cmpd="sng" algn="ctr">
+                      <a:solidFill>
+                        <a:schemeClr val="accent1">
+                          <a:lumMod val="40000"/>
+                          <a:lumOff val="60000"/>
+                        </a:schemeClr>
+                      </a:solidFill>
+                      <a:prstDash val="solid"/>
+                      <a:round/>
+                      <a:headEnd type="none" w="med" len="med"/>
+                      <a:tailEnd type="none" w="med" len="med"/>
+                    </a:lnR>
+                    <a:lnT w="12700" cap="flat" cmpd="sng" algn="ctr">
+                      <a:solidFill>
+                        <a:schemeClr val="accent1">
+                          <a:lumMod val="40000"/>
+                          <a:lumOff val="60000"/>
+                        </a:schemeClr>
+                      </a:solidFill>
+                      <a:prstDash val="solid"/>
+                      <a:round/>
+                      <a:headEnd type="none" w="med" len="med"/>
+                      <a:tailEnd type="none" w="med" len="med"/>
+                    </a:lnT>
+                    <a:lnB w="12700" cap="flat" cmpd="sng" algn="ctr">
+                      <a:solidFill>
+                        <a:schemeClr val="accent1">
+                          <a:lumMod val="40000"/>
+                          <a:lumOff val="60000"/>
+                        </a:schemeClr>
+                      </a:solidFill>
+                      <a:prstDash val="solid"/>
+                      <a:round/>
+                      <a:headEnd type="none" w="med" len="med"/>
+                      <a:tailEnd type="none" w="med" len="med"/>
+                    </a:lnB>
+                    <a:lnTlToBr w="12700" cmpd="sng">
+                      <a:noFill/>
+                      <a:prstDash val="solid"/>
+                    </a:lnTlToBr>
+                    <a:lnBlToTr w="12700" cmpd="sng">
+                      <a:noFill/>
+                      <a:prstDash val="solid"/>
+                    </a:lnBlToTr>
+                  </a:tcPr>
+                </a:tc>
+                <a:tc>
+                  <a:txBody>
+                    <a:bodyPr/>
+                    <a:lstStyle/>
+                    <a:p>
+                      <a:pPr algn="r" fontAlgn="b"/>
+                      <a:r>
+                        <a:rPr lang="en-AU" sz="1100" u="none" strike="noStrike" noProof="0">
+                          <a:effectLst/>
+                        </a:rPr>
+                        <a:t>0.52</a:t>
+                      </a:r>
+                      <a:endParaRPr lang="en-AU" sz="1100" b="0" i="0" u="none" strike="noStrike" noProof="0">
+                        <a:solidFill>
+                          <a:srgbClr val="000000"/>
+                        </a:solidFill>
+                        <a:effectLst/>
+                        <a:latin typeface="Calibri" panose="020F0502020204030204" pitchFamily="34" charset="0"/>
+                      </a:endParaRPr>
+                    </a:p>
+                  </a:txBody>
+                  <a:tcPr marL="0" marR="0" marT="0" marB="0" anchor="b">
+                    <a:lnL w="12700" cap="flat" cmpd="sng" algn="ctr">
+                      <a:solidFill>
+                        <a:schemeClr val="accent1">
+                          <a:lumMod val="40000"/>
+                          <a:lumOff val="60000"/>
+                        </a:schemeClr>
+                      </a:solidFill>
+                      <a:prstDash val="solid"/>
+                      <a:round/>
+                      <a:headEnd type="none" w="med" len="med"/>
+                      <a:tailEnd type="none" w="med" len="med"/>
+                    </a:lnL>
+                    <a:lnR w="12700" cap="flat" cmpd="sng" algn="ctr">
+                      <a:solidFill>
+                        <a:schemeClr val="accent1">
+                          <a:lumMod val="40000"/>
+                          <a:lumOff val="60000"/>
+                        </a:schemeClr>
+                      </a:solidFill>
+                      <a:prstDash val="solid"/>
+                      <a:round/>
+                      <a:headEnd type="none" w="med" len="med"/>
+                      <a:tailEnd type="none" w="med" len="med"/>
+                    </a:lnR>
+                    <a:lnT w="12700" cap="flat" cmpd="sng" algn="ctr">
+                      <a:solidFill>
+                        <a:schemeClr val="accent1">
+                          <a:lumMod val="40000"/>
+                          <a:lumOff val="60000"/>
+                        </a:schemeClr>
+                      </a:solidFill>
+                      <a:prstDash val="solid"/>
+                      <a:round/>
+                      <a:headEnd type="none" w="med" len="med"/>
+                      <a:tailEnd type="none" w="med" len="med"/>
+                    </a:lnT>
+                    <a:lnB w="12700" cap="flat" cmpd="sng" algn="ctr">
+                      <a:solidFill>
+                        <a:schemeClr val="accent1">
+                          <a:lumMod val="40000"/>
+                          <a:lumOff val="60000"/>
+                        </a:schemeClr>
+                      </a:solidFill>
+                      <a:prstDash val="solid"/>
+                      <a:round/>
+                      <a:headEnd type="none" w="med" len="med"/>
+                      <a:tailEnd type="none" w="med" len="med"/>
+                    </a:lnB>
+                    <a:lnTlToBr w="12700" cmpd="sng">
+                      <a:noFill/>
+                      <a:prstDash val="solid"/>
+                    </a:lnTlToBr>
+                    <a:lnBlToTr w="12700" cmpd="sng">
+                      <a:noFill/>
+                      <a:prstDash val="solid"/>
+                    </a:lnBlToTr>
+                  </a:tcPr>
+                </a:tc>
+                <a:tc>
+                  <a:txBody>
+                    <a:bodyPr/>
+                    <a:lstStyle/>
+                    <a:p>
+                      <a:pPr algn="r" fontAlgn="b"/>
+                      <a:r>
+                        <a:rPr lang="en-AU" sz="1100" u="none" strike="noStrike" noProof="0">
+                          <a:effectLst/>
+                        </a:rPr>
+                        <a:t>0.64</a:t>
+                      </a:r>
+                      <a:endParaRPr lang="en-AU" sz="1100" b="0" i="0" u="none" strike="noStrike" noProof="0">
+                        <a:solidFill>
+                          <a:srgbClr val="000000"/>
+                        </a:solidFill>
+                        <a:effectLst/>
+                        <a:latin typeface="Calibri" panose="020F0502020204030204" pitchFamily="34" charset="0"/>
+                      </a:endParaRPr>
+                    </a:p>
+                  </a:txBody>
+                  <a:tcPr marL="0" marR="0" marT="0" marB="0" anchor="b">
+                    <a:lnL w="12700" cap="flat" cmpd="sng" algn="ctr">
+                      <a:solidFill>
+                        <a:schemeClr val="accent1">
+                          <a:lumMod val="40000"/>
+                          <a:lumOff val="60000"/>
+                        </a:schemeClr>
+                      </a:solidFill>
+                      <a:prstDash val="solid"/>
+                      <a:round/>
+                      <a:headEnd type="none" w="med" len="med"/>
+                      <a:tailEnd type="none" w="med" len="med"/>
+                    </a:lnL>
+                    <a:lnR w="12700" cap="flat" cmpd="sng" algn="ctr">
+                      <a:solidFill>
+                        <a:schemeClr val="accent1">
+                          <a:lumMod val="40000"/>
+                          <a:lumOff val="60000"/>
+                        </a:schemeClr>
+                      </a:solidFill>
+                      <a:prstDash val="solid"/>
+                      <a:round/>
+                      <a:headEnd type="none" w="med" len="med"/>
+                      <a:tailEnd type="none" w="med" len="med"/>
+                    </a:lnR>
+                    <a:lnT w="12700" cap="flat" cmpd="sng" algn="ctr">
+                      <a:solidFill>
+                        <a:schemeClr val="accent1">
+                          <a:lumMod val="40000"/>
+                          <a:lumOff val="60000"/>
+                        </a:schemeClr>
+                      </a:solidFill>
+                      <a:prstDash val="solid"/>
+                      <a:round/>
+                      <a:headEnd type="none" w="med" len="med"/>
+                      <a:tailEnd type="none" w="med" len="med"/>
+                    </a:lnT>
+                    <a:lnB w="12700" cap="flat" cmpd="sng" algn="ctr">
+                      <a:solidFill>
+                        <a:schemeClr val="accent1">
+                          <a:lumMod val="40000"/>
+                          <a:lumOff val="60000"/>
+                        </a:schemeClr>
+                      </a:solidFill>
+                      <a:prstDash val="solid"/>
+                      <a:round/>
+                      <a:headEnd type="none" w="med" len="med"/>
+                      <a:tailEnd type="none" w="med" len="med"/>
+                    </a:lnB>
+                    <a:lnTlToBr w="12700" cmpd="sng">
+                      <a:noFill/>
+                      <a:prstDash val="solid"/>
+                    </a:lnTlToBr>
+                    <a:lnBlToTr w="12700" cmpd="sng">
+                      <a:noFill/>
+                      <a:prstDash val="solid"/>
+                    </a:lnBlToTr>
+                  </a:tcPr>
+                </a:tc>
+                <a:tc>
+                  <a:txBody>
+                    <a:bodyPr/>
+                    <a:lstStyle/>
+                    <a:p>
+                      <a:pPr algn="r" fontAlgn="b"/>
+                      <a:r>
+                        <a:rPr lang="en-AU" sz="1100" u="none" strike="noStrike" noProof="0" dirty="0">
+                          <a:effectLst/>
+                        </a:rPr>
+                        <a:t>0.46</a:t>
+                      </a:r>
+                      <a:endParaRPr lang="en-AU" sz="1100" b="0" i="0" u="none" strike="noStrike" noProof="0" dirty="0">
+                        <a:solidFill>
+                          <a:srgbClr val="000000"/>
+                        </a:solidFill>
+                        <a:effectLst/>
+                        <a:latin typeface="Calibri" panose="020F0502020204030204" pitchFamily="34" charset="0"/>
+                      </a:endParaRPr>
+                    </a:p>
+                  </a:txBody>
+                  <a:tcPr marL="0" marR="0" marT="0" marB="0" anchor="b">
+                    <a:lnL w="12700" cap="flat" cmpd="sng" algn="ctr">
+                      <a:solidFill>
+                        <a:schemeClr val="accent1">
+                          <a:lumMod val="40000"/>
+                          <a:lumOff val="60000"/>
+                        </a:schemeClr>
+                      </a:solidFill>
+                      <a:prstDash val="solid"/>
+                      <a:round/>
+                      <a:headEnd type="none" w="med" len="med"/>
+                      <a:tailEnd type="none" w="med" len="med"/>
+                    </a:lnL>
+                    <a:lnR w="12700" cap="flat" cmpd="sng" algn="ctr">
+                      <a:solidFill>
+                        <a:schemeClr val="accent1">
+                          <a:lumMod val="40000"/>
+                          <a:lumOff val="60000"/>
+                        </a:schemeClr>
+                      </a:solidFill>
+                      <a:prstDash val="solid"/>
+                      <a:round/>
+                      <a:headEnd type="none" w="med" len="med"/>
+                      <a:tailEnd type="none" w="med" len="med"/>
+                    </a:lnR>
+                    <a:lnT w="12700" cap="flat" cmpd="sng" algn="ctr">
+                      <a:solidFill>
+                        <a:schemeClr val="accent1">
+                          <a:lumMod val="40000"/>
+                          <a:lumOff val="60000"/>
+                        </a:schemeClr>
+                      </a:solidFill>
+                      <a:prstDash val="solid"/>
+                      <a:round/>
+                      <a:headEnd type="none" w="med" len="med"/>
+                      <a:tailEnd type="none" w="med" len="med"/>
+                    </a:lnT>
+                    <a:lnB w="12700" cap="flat" cmpd="sng" algn="ctr">
+                      <a:solidFill>
+                        <a:schemeClr val="accent1">
+                          <a:lumMod val="40000"/>
+                          <a:lumOff val="60000"/>
+                        </a:schemeClr>
+                      </a:solidFill>
+                      <a:prstDash val="solid"/>
+                      <a:round/>
+                      <a:headEnd type="none" w="med" len="med"/>
+                      <a:tailEnd type="none" w="med" len="med"/>
+                    </a:lnB>
+                    <a:lnTlToBr w="12700" cmpd="sng">
+                      <a:noFill/>
+                      <a:prstDash val="solid"/>
+                    </a:lnTlToBr>
+                    <a:lnBlToTr w="12700" cmpd="sng">
+                      <a:noFill/>
+                      <a:prstDash val="solid"/>
+                    </a:lnBlToTr>
+                  </a:tcPr>
+                </a:tc>
+                <a:tc>
+                  <a:txBody>
+                    <a:bodyPr/>
+                    <a:lstStyle/>
+                    <a:p>
+                      <a:pPr algn="r" fontAlgn="b"/>
+                      <a:r>
+                        <a:rPr lang="en-AU" sz="1100" u="none" strike="noStrike" noProof="0" dirty="0">
+                          <a:effectLst/>
+                        </a:rPr>
+                        <a:t>0.52</a:t>
+                      </a:r>
+                      <a:endParaRPr lang="en-AU" sz="1100" b="0" i="0" u="none" strike="noStrike" noProof="0" dirty="0">
+                        <a:solidFill>
+                          <a:srgbClr val="000000"/>
+                        </a:solidFill>
+                        <a:effectLst/>
+                        <a:latin typeface="Calibri" panose="020F0502020204030204" pitchFamily="34" charset="0"/>
+                      </a:endParaRPr>
+                    </a:p>
+                  </a:txBody>
+                  <a:tcPr marL="0" marR="0" marT="0" marB="0" anchor="b">
+                    <a:lnL w="12700" cap="flat" cmpd="sng" algn="ctr">
+                      <a:solidFill>
+                        <a:schemeClr val="accent1">
+                          <a:lumMod val="40000"/>
+                          <a:lumOff val="60000"/>
+                        </a:schemeClr>
+                      </a:solidFill>
+                      <a:prstDash val="solid"/>
+                      <a:round/>
+                      <a:headEnd type="none" w="med" len="med"/>
+                      <a:tailEnd type="none" w="med" len="med"/>
+                    </a:lnL>
+                    <a:lnR w="12700" cap="flat" cmpd="sng" algn="ctr">
+                      <a:solidFill>
+                        <a:schemeClr val="accent1">
+                          <a:lumMod val="40000"/>
+                          <a:lumOff val="60000"/>
+                        </a:schemeClr>
+                      </a:solidFill>
+                      <a:prstDash val="solid"/>
+                      <a:round/>
+                      <a:headEnd type="none" w="med" len="med"/>
+                      <a:tailEnd type="none" w="med" len="med"/>
+                    </a:lnR>
+                    <a:lnT w="12700" cap="flat" cmpd="sng" algn="ctr">
+                      <a:solidFill>
+                        <a:schemeClr val="accent1">
+                          <a:lumMod val="40000"/>
+                          <a:lumOff val="60000"/>
+                        </a:schemeClr>
+                      </a:solidFill>
+                      <a:prstDash val="solid"/>
+                      <a:round/>
+                      <a:headEnd type="none" w="med" len="med"/>
+                      <a:tailEnd type="none" w="med" len="med"/>
+                    </a:lnT>
+                    <a:lnB w="12700" cap="flat" cmpd="sng" algn="ctr">
+                      <a:solidFill>
+                        <a:schemeClr val="accent1">
+                          <a:lumMod val="40000"/>
+                          <a:lumOff val="60000"/>
+                        </a:schemeClr>
+                      </a:solidFill>
+                      <a:prstDash val="solid"/>
+                      <a:round/>
+                      <a:headEnd type="none" w="med" len="med"/>
+                      <a:tailEnd type="none" w="med" len="med"/>
+                    </a:lnB>
+                    <a:lnTlToBr w="12700" cmpd="sng">
+                      <a:noFill/>
+                      <a:prstDash val="solid"/>
+                    </a:lnTlToBr>
+                    <a:lnBlToTr w="12700" cmpd="sng">
+                      <a:noFill/>
+                      <a:prstDash val="solid"/>
+                    </a:lnBlToTr>
+                  </a:tcPr>
+                </a:tc>
+                <a:tc>
+                  <a:txBody>
+                    <a:bodyPr/>
+                    <a:lstStyle/>
+                    <a:p>
+                      <a:pPr algn="r" fontAlgn="b"/>
+                      <a:r>
+                        <a:rPr lang="en-AU" sz="1100" u="none" strike="noStrike" noProof="0" dirty="0">
+                          <a:effectLst/>
+                        </a:rPr>
+                        <a:t>0.52</a:t>
+                      </a:r>
+                      <a:endParaRPr lang="en-AU" sz="1100" b="0" i="0" u="none" strike="noStrike" noProof="0" dirty="0">
+                        <a:solidFill>
+                          <a:srgbClr val="000000"/>
+                        </a:solidFill>
+                        <a:effectLst/>
+                        <a:latin typeface="Calibri" panose="020F0502020204030204" pitchFamily="34" charset="0"/>
+                      </a:endParaRPr>
+                    </a:p>
+                  </a:txBody>
+                  <a:tcPr marL="0" marR="0" marT="0" marB="0" anchor="b">
+                    <a:lnL w="12700" cap="flat" cmpd="sng" algn="ctr">
+                      <a:solidFill>
+                        <a:schemeClr val="accent1">
+                          <a:lumMod val="40000"/>
+                          <a:lumOff val="60000"/>
+                        </a:schemeClr>
+                      </a:solidFill>
+                      <a:prstDash val="solid"/>
+                      <a:round/>
+                      <a:headEnd type="none" w="med" len="med"/>
+                      <a:tailEnd type="none" w="med" len="med"/>
+                    </a:lnL>
+                    <a:lnR w="12700" cap="flat" cmpd="sng" algn="ctr">
+                      <a:solidFill>
+                        <a:schemeClr val="accent1">
+                          <a:lumMod val="40000"/>
+                          <a:lumOff val="60000"/>
+                        </a:schemeClr>
+                      </a:solidFill>
+                      <a:prstDash val="solid"/>
+                      <a:round/>
+                      <a:headEnd type="none" w="med" len="med"/>
+                      <a:tailEnd type="none" w="med" len="med"/>
+                    </a:lnR>
+                    <a:lnT w="12700" cap="flat" cmpd="sng" algn="ctr">
+                      <a:solidFill>
+                        <a:schemeClr val="accent1">
+                          <a:lumMod val="40000"/>
+                          <a:lumOff val="60000"/>
+                        </a:schemeClr>
+                      </a:solidFill>
+                      <a:prstDash val="solid"/>
+                      <a:round/>
+                      <a:headEnd type="none" w="med" len="med"/>
+                      <a:tailEnd type="none" w="med" len="med"/>
+                    </a:lnT>
+                    <a:lnB w="12700" cap="flat" cmpd="sng" algn="ctr">
+                      <a:solidFill>
+                        <a:schemeClr val="accent1">
+                          <a:lumMod val="40000"/>
+                          <a:lumOff val="60000"/>
+                        </a:schemeClr>
+                      </a:solidFill>
+                      <a:prstDash val="solid"/>
+                      <a:round/>
+                      <a:headEnd type="none" w="med" len="med"/>
+                      <a:tailEnd type="none" w="med" len="med"/>
+                    </a:lnB>
+                    <a:lnTlToBr w="12700" cmpd="sng">
+                      <a:noFill/>
+                      <a:prstDash val="solid"/>
+                    </a:lnTlToBr>
+                    <a:lnBlToTr w="12700" cmpd="sng">
+                      <a:noFill/>
+                      <a:prstDash val="solid"/>
+                    </a:lnBlToTr>
+                  </a:tcPr>
+                </a:tc>
+                <a:tc>
+                  <a:txBody>
+                    <a:bodyPr/>
+                    <a:lstStyle/>
+                    <a:p>
+                      <a:pPr algn="r" fontAlgn="b"/>
+                      <a:r>
+                        <a:rPr lang="en-AU" sz="1100" u="none" strike="noStrike" noProof="0" dirty="0">
+                          <a:effectLst/>
+                        </a:rPr>
+                        <a:t>0.61</a:t>
+                      </a:r>
+                      <a:endParaRPr lang="en-AU" sz="1100" b="0" i="0" u="none" strike="noStrike" noProof="0" dirty="0">
+                        <a:solidFill>
+                          <a:srgbClr val="000000"/>
+                        </a:solidFill>
+                        <a:effectLst/>
+                        <a:latin typeface="Calibri" panose="020F0502020204030204" pitchFamily="34" charset="0"/>
+                      </a:endParaRPr>
+                    </a:p>
+                  </a:txBody>
+                  <a:tcPr marL="0" marR="0" marT="0" marB="0" anchor="b">
+                    <a:lnL w="12700" cap="flat" cmpd="sng" algn="ctr">
+                      <a:solidFill>
+                        <a:schemeClr val="accent1">
+                          <a:lumMod val="40000"/>
+                          <a:lumOff val="60000"/>
+                        </a:schemeClr>
+                      </a:solidFill>
+                      <a:prstDash val="solid"/>
+                      <a:round/>
+                      <a:headEnd type="none" w="med" len="med"/>
+                      <a:tailEnd type="none" w="med" len="med"/>
+                    </a:lnL>
+                    <a:lnR w="12700" cap="flat" cmpd="sng" algn="ctr">
+                      <a:solidFill>
+                        <a:schemeClr val="accent1">
+                          <a:lumMod val="40000"/>
+                          <a:lumOff val="60000"/>
+                        </a:schemeClr>
+                      </a:solidFill>
+                      <a:prstDash val="solid"/>
+                      <a:round/>
+                      <a:headEnd type="none" w="med" len="med"/>
+                      <a:tailEnd type="none" w="med" len="med"/>
+                    </a:lnR>
+                    <a:lnT w="12700" cap="flat" cmpd="sng" algn="ctr">
+                      <a:solidFill>
+                        <a:schemeClr val="accent1">
+                          <a:lumMod val="40000"/>
+                          <a:lumOff val="60000"/>
+                        </a:schemeClr>
+                      </a:solidFill>
+                      <a:prstDash val="solid"/>
+                      <a:round/>
+                      <a:headEnd type="none" w="med" len="med"/>
+                      <a:tailEnd type="none" w="med" len="med"/>
+                    </a:lnT>
+                    <a:lnB w="12700" cap="flat" cmpd="sng" algn="ctr">
+                      <a:solidFill>
+                        <a:schemeClr val="accent1">
+                          <a:lumMod val="40000"/>
+                          <a:lumOff val="60000"/>
+                        </a:schemeClr>
+                      </a:solidFill>
+                      <a:prstDash val="solid"/>
+                      <a:round/>
+                      <a:headEnd type="none" w="med" len="med"/>
+                      <a:tailEnd type="none" w="med" len="med"/>
+                    </a:lnB>
+                    <a:lnTlToBr w="12700" cmpd="sng">
+                      <a:noFill/>
+                      <a:prstDash val="solid"/>
+                    </a:lnTlToBr>
+                    <a:lnBlToTr w="12700" cmpd="sng">
+                      <a:noFill/>
+                      <a:prstDash val="solid"/>
+                    </a:lnBlToTr>
+                    <a:solidFill>
+                      <a:schemeClr val="accent6">
+                        <a:lumMod val="60000"/>
+                        <a:lumOff val="40000"/>
+                      </a:schemeClr>
+                    </a:solidFill>
+                  </a:tcPr>
+                </a:tc>
+                <a:extLst>
+                  <a:ext uri="{0D108BD9-81ED-4DB2-BD59-A6C34878D82A}">
+                    <a16:rowId xmlns:a16="http://schemas.microsoft.com/office/drawing/2014/main" val="3109524626"/>
+                  </a:ext>
+                </a:extLst>
+              </a:tr>
+              <a:tr h="261586">
+                <a:tc>
+                  <a:txBody>
+                    <a:bodyPr/>
+                    <a:lstStyle/>
+                    <a:p>
+                      <a:pPr algn="l" fontAlgn="b"/>
+                      <a:r>
+                        <a:rPr lang="en-AU" sz="1100" u="none" strike="noStrike" noProof="0">
+                          <a:effectLst/>
+                        </a:rPr>
+                        <a:t>Female Data</a:t>
+                      </a:r>
+                      <a:endParaRPr lang="en-AU" sz="1100" b="0" i="0" u="none" strike="noStrike" noProof="0">
+                        <a:solidFill>
+                          <a:srgbClr val="000000"/>
+                        </a:solidFill>
+                        <a:effectLst/>
+                        <a:latin typeface="Calibri" panose="020F0502020204030204" pitchFamily="34" charset="0"/>
+                      </a:endParaRPr>
+                    </a:p>
+                  </a:txBody>
+                  <a:tcPr marL="0" marR="0" marT="0" marB="0" anchor="b">
+                    <a:lnL w="12700" cap="flat" cmpd="sng" algn="ctr">
+                      <a:solidFill>
+                        <a:schemeClr val="accent1">
+                          <a:lumMod val="40000"/>
+                          <a:lumOff val="60000"/>
+                        </a:schemeClr>
+                      </a:solidFill>
+                      <a:prstDash val="solid"/>
+                      <a:round/>
+                      <a:headEnd type="none" w="med" len="med"/>
+                      <a:tailEnd type="none" w="med" len="med"/>
+                    </a:lnL>
+                    <a:lnR w="12700" cap="flat" cmpd="sng" algn="ctr">
+                      <a:solidFill>
+                        <a:schemeClr val="accent1">
+                          <a:lumMod val="40000"/>
+                          <a:lumOff val="60000"/>
+                        </a:schemeClr>
+                      </a:solidFill>
+                      <a:prstDash val="solid"/>
+                      <a:round/>
+                      <a:headEnd type="none" w="med" len="med"/>
+                      <a:tailEnd type="none" w="med" len="med"/>
+                    </a:lnR>
+                    <a:lnT w="12700" cap="flat" cmpd="sng" algn="ctr">
+                      <a:solidFill>
+                        <a:schemeClr val="accent1">
+                          <a:lumMod val="40000"/>
+                          <a:lumOff val="60000"/>
+                        </a:schemeClr>
+                      </a:solidFill>
+                      <a:prstDash val="solid"/>
+                      <a:round/>
+                      <a:headEnd type="none" w="med" len="med"/>
+                      <a:tailEnd type="none" w="med" len="med"/>
+                    </a:lnT>
+                    <a:lnB w="12700" cap="flat" cmpd="sng" algn="ctr">
+                      <a:solidFill>
+                        <a:schemeClr val="accent1">
+                          <a:lumMod val="40000"/>
+                          <a:lumOff val="60000"/>
+                        </a:schemeClr>
+                      </a:solidFill>
+                      <a:prstDash val="solid"/>
+                      <a:round/>
+                      <a:headEnd type="none" w="med" len="med"/>
+                      <a:tailEnd type="none" w="med" len="med"/>
+                    </a:lnB>
+                    <a:lnTlToBr w="12700" cmpd="sng">
+                      <a:noFill/>
+                      <a:prstDash val="solid"/>
+                    </a:lnTlToBr>
+                    <a:lnBlToTr w="12700" cmpd="sng">
+                      <a:noFill/>
+                      <a:prstDash val="solid"/>
+                    </a:lnBlToTr>
+                  </a:tcPr>
+                </a:tc>
+                <a:tc>
+                  <a:txBody>
+                    <a:bodyPr/>
+                    <a:lstStyle/>
+                    <a:p>
+                      <a:pPr algn="r" fontAlgn="b"/>
+                      <a:r>
+                        <a:rPr lang="en-AU" sz="1100" u="none" strike="noStrike" noProof="0" dirty="0">
+                          <a:effectLst/>
+                        </a:rPr>
+                        <a:t>0.57</a:t>
+                      </a:r>
+                      <a:endParaRPr lang="en-AU" sz="1100" b="0" i="0" u="none" strike="noStrike" noProof="0" dirty="0">
+                        <a:solidFill>
+                          <a:srgbClr val="000000"/>
+                        </a:solidFill>
+                        <a:effectLst/>
+                        <a:latin typeface="Calibri" panose="020F0502020204030204" pitchFamily="34" charset="0"/>
+                      </a:endParaRPr>
+                    </a:p>
+                  </a:txBody>
+                  <a:tcPr marL="0" marR="0" marT="0" marB="0" anchor="b">
+                    <a:lnL w="12700" cap="flat" cmpd="sng" algn="ctr">
+                      <a:solidFill>
+                        <a:schemeClr val="accent1">
+                          <a:lumMod val="40000"/>
+                          <a:lumOff val="60000"/>
+                        </a:schemeClr>
+                      </a:solidFill>
+                      <a:prstDash val="solid"/>
+                      <a:round/>
+                      <a:headEnd type="none" w="med" len="med"/>
+                      <a:tailEnd type="none" w="med" len="med"/>
+                    </a:lnL>
+                    <a:lnR w="12700" cap="flat" cmpd="sng" algn="ctr">
+                      <a:solidFill>
+                        <a:schemeClr val="accent1">
+                          <a:lumMod val="40000"/>
+                          <a:lumOff val="60000"/>
+                        </a:schemeClr>
+                      </a:solidFill>
+                      <a:prstDash val="solid"/>
+                      <a:round/>
+                      <a:headEnd type="none" w="med" len="med"/>
+                      <a:tailEnd type="none" w="med" len="med"/>
+                    </a:lnR>
+                    <a:lnT w="12700" cap="flat" cmpd="sng" algn="ctr">
+                      <a:solidFill>
+                        <a:schemeClr val="accent1">
+                          <a:lumMod val="40000"/>
+                          <a:lumOff val="60000"/>
+                        </a:schemeClr>
+                      </a:solidFill>
+                      <a:prstDash val="solid"/>
+                      <a:round/>
+                      <a:headEnd type="none" w="med" len="med"/>
+                      <a:tailEnd type="none" w="med" len="med"/>
+                    </a:lnT>
+                    <a:lnB w="12700" cap="flat" cmpd="sng" algn="ctr">
+                      <a:solidFill>
+                        <a:schemeClr val="accent1">
+                          <a:lumMod val="40000"/>
+                          <a:lumOff val="60000"/>
+                        </a:schemeClr>
+                      </a:solidFill>
+                      <a:prstDash val="solid"/>
+                      <a:round/>
+                      <a:headEnd type="none" w="med" len="med"/>
+                      <a:tailEnd type="none" w="med" len="med"/>
+                    </a:lnB>
+                    <a:lnTlToBr w="12700" cmpd="sng">
+                      <a:noFill/>
+                      <a:prstDash val="solid"/>
+                    </a:lnTlToBr>
+                    <a:lnBlToTr w="12700" cmpd="sng">
+                      <a:noFill/>
+                      <a:prstDash val="solid"/>
+                    </a:lnBlToTr>
+                  </a:tcPr>
+                </a:tc>
+                <a:tc>
+                  <a:txBody>
+                    <a:bodyPr/>
+                    <a:lstStyle/>
+                    <a:p>
+                      <a:pPr algn="r" fontAlgn="b"/>
+                      <a:r>
+                        <a:rPr lang="en-AU" sz="1100" u="none" strike="noStrike" noProof="0">
+                          <a:effectLst/>
+                        </a:rPr>
+                        <a:t>0.56</a:t>
+                      </a:r>
+                      <a:endParaRPr lang="en-AU" sz="1100" b="0" i="0" u="none" strike="noStrike" noProof="0">
+                        <a:solidFill>
+                          <a:srgbClr val="000000"/>
+                        </a:solidFill>
+                        <a:effectLst/>
+                        <a:latin typeface="Calibri" panose="020F0502020204030204" pitchFamily="34" charset="0"/>
+                      </a:endParaRPr>
+                    </a:p>
+                  </a:txBody>
+                  <a:tcPr marL="0" marR="0" marT="0" marB="0" anchor="b">
+                    <a:lnL w="12700" cap="flat" cmpd="sng" algn="ctr">
+                      <a:solidFill>
+                        <a:schemeClr val="accent1">
+                          <a:lumMod val="40000"/>
+                          <a:lumOff val="60000"/>
+                        </a:schemeClr>
+                      </a:solidFill>
+                      <a:prstDash val="solid"/>
+                      <a:round/>
+                      <a:headEnd type="none" w="med" len="med"/>
+                      <a:tailEnd type="none" w="med" len="med"/>
+                    </a:lnL>
+                    <a:lnR w="12700" cap="flat" cmpd="sng" algn="ctr">
+                      <a:solidFill>
+                        <a:schemeClr val="accent1">
+                          <a:lumMod val="40000"/>
+                          <a:lumOff val="60000"/>
+                        </a:schemeClr>
+                      </a:solidFill>
+                      <a:prstDash val="solid"/>
+                      <a:round/>
+                      <a:headEnd type="none" w="med" len="med"/>
+                      <a:tailEnd type="none" w="med" len="med"/>
+                    </a:lnR>
+                    <a:lnT w="12700" cap="flat" cmpd="sng" algn="ctr">
+                      <a:solidFill>
+                        <a:schemeClr val="accent1">
+                          <a:lumMod val="40000"/>
+                          <a:lumOff val="60000"/>
+                        </a:schemeClr>
+                      </a:solidFill>
+                      <a:prstDash val="solid"/>
+                      <a:round/>
+                      <a:headEnd type="none" w="med" len="med"/>
+                      <a:tailEnd type="none" w="med" len="med"/>
+                    </a:lnT>
+                    <a:lnB w="12700" cap="flat" cmpd="sng" algn="ctr">
+                      <a:solidFill>
+                        <a:schemeClr val="accent1">
+                          <a:lumMod val="40000"/>
+                          <a:lumOff val="60000"/>
+                        </a:schemeClr>
+                      </a:solidFill>
+                      <a:prstDash val="solid"/>
+                      <a:round/>
+                      <a:headEnd type="none" w="med" len="med"/>
+                      <a:tailEnd type="none" w="med" len="med"/>
+                    </a:lnB>
+                    <a:lnTlToBr w="12700" cmpd="sng">
+                      <a:noFill/>
+                      <a:prstDash val="solid"/>
+                    </a:lnTlToBr>
+                    <a:lnBlToTr w="12700" cmpd="sng">
+                      <a:noFill/>
+                      <a:prstDash val="solid"/>
+                    </a:lnBlToTr>
+                  </a:tcPr>
+                </a:tc>
+                <a:tc>
+                  <a:txBody>
+                    <a:bodyPr/>
+                    <a:lstStyle/>
+                    <a:p>
+                      <a:pPr algn="r" fontAlgn="b"/>
+                      <a:r>
+                        <a:rPr lang="en-AU" sz="1100" u="none" strike="noStrike" noProof="0">
+                          <a:effectLst/>
+                        </a:rPr>
+                        <a:t>0.48</a:t>
+                      </a:r>
+                      <a:endParaRPr lang="en-AU" sz="1100" b="0" i="0" u="none" strike="noStrike" noProof="0">
+                        <a:solidFill>
+                          <a:srgbClr val="000000"/>
+                        </a:solidFill>
+                        <a:effectLst/>
+                        <a:latin typeface="Calibri" panose="020F0502020204030204" pitchFamily="34" charset="0"/>
+                      </a:endParaRPr>
+                    </a:p>
+                  </a:txBody>
+                  <a:tcPr marL="0" marR="0" marT="0" marB="0" anchor="b">
+                    <a:lnL w="12700" cap="flat" cmpd="sng" algn="ctr">
+                      <a:solidFill>
+                        <a:schemeClr val="accent1">
+                          <a:lumMod val="40000"/>
+                          <a:lumOff val="60000"/>
+                        </a:schemeClr>
+                      </a:solidFill>
+                      <a:prstDash val="solid"/>
+                      <a:round/>
+                      <a:headEnd type="none" w="med" len="med"/>
+                      <a:tailEnd type="none" w="med" len="med"/>
+                    </a:lnL>
+                    <a:lnR w="12700" cap="flat" cmpd="sng" algn="ctr">
+                      <a:solidFill>
+                        <a:schemeClr val="accent1">
+                          <a:lumMod val="40000"/>
+                          <a:lumOff val="60000"/>
+                        </a:schemeClr>
+                      </a:solidFill>
+                      <a:prstDash val="solid"/>
+                      <a:round/>
+                      <a:headEnd type="none" w="med" len="med"/>
+                      <a:tailEnd type="none" w="med" len="med"/>
+                    </a:lnR>
+                    <a:lnT w="12700" cap="flat" cmpd="sng" algn="ctr">
+                      <a:solidFill>
+                        <a:schemeClr val="accent1">
+                          <a:lumMod val="40000"/>
+                          <a:lumOff val="60000"/>
+                        </a:schemeClr>
+                      </a:solidFill>
+                      <a:prstDash val="solid"/>
+                      <a:round/>
+                      <a:headEnd type="none" w="med" len="med"/>
+                      <a:tailEnd type="none" w="med" len="med"/>
+                    </a:lnT>
+                    <a:lnB w="12700" cap="flat" cmpd="sng" algn="ctr">
+                      <a:solidFill>
+                        <a:schemeClr val="accent1">
+                          <a:lumMod val="40000"/>
+                          <a:lumOff val="60000"/>
+                        </a:schemeClr>
+                      </a:solidFill>
+                      <a:prstDash val="solid"/>
+                      <a:round/>
+                      <a:headEnd type="none" w="med" len="med"/>
+                      <a:tailEnd type="none" w="med" len="med"/>
+                    </a:lnB>
+                    <a:lnTlToBr w="12700" cmpd="sng">
+                      <a:noFill/>
+                      <a:prstDash val="solid"/>
+                    </a:lnTlToBr>
+                    <a:lnBlToTr w="12700" cmpd="sng">
+                      <a:noFill/>
+                      <a:prstDash val="solid"/>
+                    </a:lnBlToTr>
+                  </a:tcPr>
+                </a:tc>
+                <a:tc>
+                  <a:txBody>
+                    <a:bodyPr/>
+                    <a:lstStyle/>
+                    <a:p>
+                      <a:pPr algn="r" fontAlgn="b"/>
+                      <a:r>
+                        <a:rPr lang="en-AU" sz="1100" u="none" strike="noStrike" noProof="0">
+                          <a:effectLst/>
+                        </a:rPr>
+                        <a:t>0.53</a:t>
+                      </a:r>
+                      <a:endParaRPr lang="en-AU" sz="1100" b="0" i="0" u="none" strike="noStrike" noProof="0">
+                        <a:solidFill>
+                          <a:srgbClr val="000000"/>
+                        </a:solidFill>
+                        <a:effectLst/>
+                        <a:latin typeface="Calibri" panose="020F0502020204030204" pitchFamily="34" charset="0"/>
+                      </a:endParaRPr>
+                    </a:p>
+                  </a:txBody>
+                  <a:tcPr marL="0" marR="0" marT="0" marB="0" anchor="b">
+                    <a:lnL w="12700" cap="flat" cmpd="sng" algn="ctr">
+                      <a:solidFill>
+                        <a:schemeClr val="accent1">
+                          <a:lumMod val="40000"/>
+                          <a:lumOff val="60000"/>
+                        </a:schemeClr>
+                      </a:solidFill>
+                      <a:prstDash val="solid"/>
+                      <a:round/>
+                      <a:headEnd type="none" w="med" len="med"/>
+                      <a:tailEnd type="none" w="med" len="med"/>
+                    </a:lnL>
+                    <a:lnR w="12700" cap="flat" cmpd="sng" algn="ctr">
+                      <a:solidFill>
+                        <a:schemeClr val="accent1">
+                          <a:lumMod val="40000"/>
+                          <a:lumOff val="60000"/>
+                        </a:schemeClr>
+                      </a:solidFill>
+                      <a:prstDash val="solid"/>
+                      <a:round/>
+                      <a:headEnd type="none" w="med" len="med"/>
+                      <a:tailEnd type="none" w="med" len="med"/>
+                    </a:lnR>
+                    <a:lnT w="12700" cap="flat" cmpd="sng" algn="ctr">
+                      <a:solidFill>
+                        <a:schemeClr val="accent1">
+                          <a:lumMod val="40000"/>
+                          <a:lumOff val="60000"/>
+                        </a:schemeClr>
+                      </a:solidFill>
+                      <a:prstDash val="solid"/>
+                      <a:round/>
+                      <a:headEnd type="none" w="med" len="med"/>
+                      <a:tailEnd type="none" w="med" len="med"/>
+                    </a:lnT>
+                    <a:lnB w="12700" cap="flat" cmpd="sng" algn="ctr">
+                      <a:solidFill>
+                        <a:schemeClr val="accent1">
+                          <a:lumMod val="40000"/>
+                          <a:lumOff val="60000"/>
+                        </a:schemeClr>
+                      </a:solidFill>
+                      <a:prstDash val="solid"/>
+                      <a:round/>
+                      <a:headEnd type="none" w="med" len="med"/>
+                      <a:tailEnd type="none" w="med" len="med"/>
+                    </a:lnB>
+                    <a:lnTlToBr w="12700" cmpd="sng">
+                      <a:noFill/>
+                      <a:prstDash val="solid"/>
+                    </a:lnTlToBr>
+                    <a:lnBlToTr w="12700" cmpd="sng">
+                      <a:noFill/>
+                      <a:prstDash val="solid"/>
+                    </a:lnBlToTr>
+                  </a:tcPr>
+                </a:tc>
+                <a:tc>
+                  <a:txBody>
+                    <a:bodyPr/>
+                    <a:lstStyle/>
+                    <a:p>
+                      <a:pPr algn="r" fontAlgn="b"/>
+                      <a:r>
+                        <a:rPr lang="en-AU" sz="1100" u="none" strike="noStrike" noProof="0" dirty="0">
+                          <a:effectLst/>
+                        </a:rPr>
+                        <a:t>0.52</a:t>
+                      </a:r>
+                      <a:endParaRPr lang="en-AU" sz="1100" b="0" i="0" u="none" strike="noStrike" noProof="0" dirty="0">
+                        <a:solidFill>
+                          <a:srgbClr val="000000"/>
+                        </a:solidFill>
+                        <a:effectLst/>
+                        <a:latin typeface="Calibri" panose="020F0502020204030204" pitchFamily="34" charset="0"/>
+                      </a:endParaRPr>
+                    </a:p>
+                  </a:txBody>
+                  <a:tcPr marL="0" marR="0" marT="0" marB="0" anchor="b">
+                    <a:lnL w="12700" cap="flat" cmpd="sng" algn="ctr">
+                      <a:solidFill>
+                        <a:schemeClr val="accent1">
+                          <a:lumMod val="40000"/>
+                          <a:lumOff val="60000"/>
+                        </a:schemeClr>
+                      </a:solidFill>
+                      <a:prstDash val="solid"/>
+                      <a:round/>
+                      <a:headEnd type="none" w="med" len="med"/>
+                      <a:tailEnd type="none" w="med" len="med"/>
+                    </a:lnL>
+                    <a:lnR w="12700" cap="flat" cmpd="sng" algn="ctr">
+                      <a:solidFill>
+                        <a:schemeClr val="accent1">
+                          <a:lumMod val="40000"/>
+                          <a:lumOff val="60000"/>
+                        </a:schemeClr>
+                      </a:solidFill>
+                      <a:prstDash val="solid"/>
+                      <a:round/>
+                      <a:headEnd type="none" w="med" len="med"/>
+                      <a:tailEnd type="none" w="med" len="med"/>
+                    </a:lnR>
+                    <a:lnT w="12700" cap="flat" cmpd="sng" algn="ctr">
+                      <a:solidFill>
+                        <a:schemeClr val="accent1">
+                          <a:lumMod val="40000"/>
+                          <a:lumOff val="60000"/>
+                        </a:schemeClr>
+                      </a:solidFill>
+                      <a:prstDash val="solid"/>
+                      <a:round/>
+                      <a:headEnd type="none" w="med" len="med"/>
+                      <a:tailEnd type="none" w="med" len="med"/>
+                    </a:lnT>
+                    <a:lnB w="12700" cap="flat" cmpd="sng" algn="ctr">
+                      <a:solidFill>
+                        <a:schemeClr val="accent1">
+                          <a:lumMod val="40000"/>
+                          <a:lumOff val="60000"/>
+                        </a:schemeClr>
+                      </a:solidFill>
+                      <a:prstDash val="solid"/>
+                      <a:round/>
+                      <a:headEnd type="none" w="med" len="med"/>
+                      <a:tailEnd type="none" w="med" len="med"/>
+                    </a:lnB>
+                    <a:lnTlToBr w="12700" cmpd="sng">
+                      <a:noFill/>
+                      <a:prstDash val="solid"/>
+                    </a:lnTlToBr>
+                    <a:lnBlToTr w="12700" cmpd="sng">
+                      <a:noFill/>
+                      <a:prstDash val="solid"/>
+                    </a:lnBlToTr>
+                  </a:tcPr>
+                </a:tc>
+                <a:tc>
+                  <a:txBody>
+                    <a:bodyPr/>
+                    <a:lstStyle/>
+                    <a:p>
+                      <a:pPr algn="r" fontAlgn="b"/>
+                      <a:r>
+                        <a:rPr lang="en-AU" sz="1100" u="none" strike="noStrike" noProof="0" dirty="0">
+                          <a:effectLst/>
+                        </a:rPr>
+                        <a:t>0.54</a:t>
+                      </a:r>
+                      <a:endParaRPr lang="en-AU" sz="1100" b="0" i="0" u="none" strike="noStrike" noProof="0" dirty="0">
+                        <a:solidFill>
+                          <a:srgbClr val="000000"/>
+                        </a:solidFill>
+                        <a:effectLst/>
+                        <a:latin typeface="Calibri" panose="020F0502020204030204" pitchFamily="34" charset="0"/>
+                      </a:endParaRPr>
+                    </a:p>
+                  </a:txBody>
+                  <a:tcPr marL="0" marR="0" marT="0" marB="0" anchor="b">
+                    <a:lnL w="12700" cap="flat" cmpd="sng" algn="ctr">
+                      <a:solidFill>
+                        <a:schemeClr val="accent1">
+                          <a:lumMod val="40000"/>
+                          <a:lumOff val="60000"/>
+                        </a:schemeClr>
+                      </a:solidFill>
+                      <a:prstDash val="solid"/>
+                      <a:round/>
+                      <a:headEnd type="none" w="med" len="med"/>
+                      <a:tailEnd type="none" w="med" len="med"/>
+                    </a:lnL>
+                    <a:lnR w="12700" cap="flat" cmpd="sng" algn="ctr">
+                      <a:solidFill>
+                        <a:schemeClr val="accent1">
+                          <a:lumMod val="40000"/>
+                          <a:lumOff val="60000"/>
+                        </a:schemeClr>
+                      </a:solidFill>
+                      <a:prstDash val="solid"/>
+                      <a:round/>
+                      <a:headEnd type="none" w="med" len="med"/>
+                      <a:tailEnd type="none" w="med" len="med"/>
+                    </a:lnR>
+                    <a:lnT w="12700" cap="flat" cmpd="sng" algn="ctr">
+                      <a:solidFill>
+                        <a:schemeClr val="accent1">
+                          <a:lumMod val="40000"/>
+                          <a:lumOff val="60000"/>
+                        </a:schemeClr>
+                      </a:solidFill>
+                      <a:prstDash val="solid"/>
+                      <a:round/>
+                      <a:headEnd type="none" w="med" len="med"/>
+                      <a:tailEnd type="none" w="med" len="med"/>
+                    </a:lnT>
+                    <a:lnB w="12700" cap="flat" cmpd="sng" algn="ctr">
+                      <a:solidFill>
+                        <a:schemeClr val="accent1">
+                          <a:lumMod val="40000"/>
+                          <a:lumOff val="60000"/>
+                        </a:schemeClr>
+                      </a:solidFill>
+                      <a:prstDash val="solid"/>
+                      <a:round/>
+                      <a:headEnd type="none" w="med" len="med"/>
+                      <a:tailEnd type="none" w="med" len="med"/>
+                    </a:lnB>
+                    <a:lnTlToBr w="12700" cmpd="sng">
+                      <a:noFill/>
+                      <a:prstDash val="solid"/>
+                    </a:lnTlToBr>
+                    <a:lnBlToTr w="12700" cmpd="sng">
+                      <a:noFill/>
+                      <a:prstDash val="solid"/>
+                    </a:lnBlToTr>
+                    <a:solidFill>
+                      <a:schemeClr val="accent6">
+                        <a:lumMod val="60000"/>
+                        <a:lumOff val="40000"/>
+                      </a:schemeClr>
+                    </a:solidFill>
+                  </a:tcPr>
+                </a:tc>
+                <a:extLst>
+                  <a:ext uri="{0D108BD9-81ED-4DB2-BD59-A6C34878D82A}">
+                    <a16:rowId xmlns:a16="http://schemas.microsoft.com/office/drawing/2014/main" val="2638940378"/>
+                  </a:ext>
+                </a:extLst>
+              </a:tr>
+            </a:tbl>
+          </a:graphicData>
+        </a:graphic>
+      </p:graphicFrame>
+      <p:pic>
+        <p:nvPicPr>
+          <p:cNvPr id="29" name="Grafik 28">
+            <a:extLst>
+              <a:ext uri="{FF2B5EF4-FFF2-40B4-BE49-F238E27FC236}">
+                <a16:creationId xmlns:a16="http://schemas.microsoft.com/office/drawing/2014/main" id="{8A3A75C8-7E8E-4EF5-9B5E-6F057551ACE9}"/>
+              </a:ext>
+            </a:extLst>
+          </p:cNvPr>
+          <p:cNvPicPr>
+            <a:picLocks noChangeAspect="1"/>
+          </p:cNvPicPr>
+          <p:nvPr/>
+        </p:nvPicPr>
+        <p:blipFill>
+          <a:blip r:embed="rId3"/>
+          <a:stretch>
+            <a:fillRect/>
+          </a:stretch>
+        </p:blipFill>
+        <p:spPr>
+          <a:xfrm>
+            <a:off x="636315" y="1393848"/>
+            <a:ext cx="2482332" cy="1759626"/>
+          </a:xfrm>
+          <a:prstGeom prst="rect">
+            <a:avLst/>
+          </a:prstGeom>
+        </p:spPr>
+      </p:pic>
+      <p:pic>
+        <p:nvPicPr>
+          <p:cNvPr id="31" name="Grafik 30">
+            <a:extLst>
+              <a:ext uri="{FF2B5EF4-FFF2-40B4-BE49-F238E27FC236}">
+                <a16:creationId xmlns:a16="http://schemas.microsoft.com/office/drawing/2014/main" id="{2F4A7FA8-1AD9-4CBB-B381-5CC45859ADC0}"/>
+              </a:ext>
+            </a:extLst>
+          </p:cNvPr>
+          <p:cNvPicPr>
+            <a:picLocks noChangeAspect="1"/>
+          </p:cNvPicPr>
+          <p:nvPr/>
+        </p:nvPicPr>
+        <p:blipFill>
+          <a:blip r:embed="rId4"/>
+          <a:stretch>
+            <a:fillRect/>
+          </a:stretch>
+        </p:blipFill>
+        <p:spPr>
+          <a:xfrm>
+            <a:off x="686114" y="4100432"/>
+            <a:ext cx="2437608" cy="1754820"/>
+          </a:xfrm>
+          <a:prstGeom prst="rect">
+            <a:avLst/>
+          </a:prstGeom>
+        </p:spPr>
+      </p:pic>
+      <p:pic>
+        <p:nvPicPr>
+          <p:cNvPr id="33" name="Grafik 32">
+            <a:extLst>
+              <a:ext uri="{FF2B5EF4-FFF2-40B4-BE49-F238E27FC236}">
+                <a16:creationId xmlns:a16="http://schemas.microsoft.com/office/drawing/2014/main" id="{91E43A8D-D43C-4B16-8DBE-1B093C2334F4}"/>
+              </a:ext>
+            </a:extLst>
+          </p:cNvPr>
+          <p:cNvPicPr>
+            <a:picLocks noChangeAspect="1"/>
+          </p:cNvPicPr>
+          <p:nvPr/>
+        </p:nvPicPr>
+        <p:blipFill>
+          <a:blip r:embed="rId5"/>
+          <a:stretch>
+            <a:fillRect/>
+          </a:stretch>
+        </p:blipFill>
+        <p:spPr>
+          <a:xfrm>
+            <a:off x="9522472" y="3846777"/>
+            <a:ext cx="1191274" cy="1070912"/>
+          </a:xfrm>
+          <a:prstGeom prst="rect">
+            <a:avLst/>
+          </a:prstGeom>
+        </p:spPr>
+      </p:pic>
+      <p:pic>
+        <p:nvPicPr>
+          <p:cNvPr id="35" name="Grafik 34">
+            <a:extLst>
+              <a:ext uri="{FF2B5EF4-FFF2-40B4-BE49-F238E27FC236}">
+                <a16:creationId xmlns:a16="http://schemas.microsoft.com/office/drawing/2014/main" id="{EFD86894-D3EF-4DA6-B76B-5F847CC3B1CD}"/>
+              </a:ext>
+            </a:extLst>
+          </p:cNvPr>
+          <p:cNvPicPr>
+            <a:picLocks noChangeAspect="1"/>
+          </p:cNvPicPr>
+          <p:nvPr/>
+        </p:nvPicPr>
+        <p:blipFill>
+          <a:blip r:embed="rId6"/>
+          <a:stretch>
+            <a:fillRect/>
+          </a:stretch>
+        </p:blipFill>
+        <p:spPr>
+          <a:xfrm>
+            <a:off x="10197690" y="5112961"/>
+            <a:ext cx="1191273" cy="1042364"/>
+          </a:xfrm>
+          <a:prstGeom prst="rect">
+            <a:avLst/>
+          </a:prstGeom>
+        </p:spPr>
+      </p:pic>
+      <p:pic>
+        <p:nvPicPr>
+          <p:cNvPr id="37" name="Grafik 36">
+            <a:extLst>
+              <a:ext uri="{FF2B5EF4-FFF2-40B4-BE49-F238E27FC236}">
+                <a16:creationId xmlns:a16="http://schemas.microsoft.com/office/drawing/2014/main" id="{109C1517-8B1B-40D9-B967-4A986BE9D808}"/>
+              </a:ext>
+            </a:extLst>
+          </p:cNvPr>
+          <p:cNvPicPr>
+            <a:picLocks noChangeAspect="1"/>
+          </p:cNvPicPr>
+          <p:nvPr/>
+        </p:nvPicPr>
+        <p:blipFill>
+          <a:blip r:embed="rId7"/>
+          <a:stretch>
+            <a:fillRect/>
+          </a:stretch>
+        </p:blipFill>
+        <p:spPr>
+          <a:xfrm>
+            <a:off x="8602584" y="5544209"/>
+            <a:ext cx="1191273" cy="1059905"/>
+          </a:xfrm>
+          <a:prstGeom prst="rect">
+            <a:avLst/>
+          </a:prstGeom>
+        </p:spPr>
+      </p:pic>
+      <p:cxnSp>
+        <p:nvCxnSpPr>
+          <p:cNvPr id="39" name="Gerade Verbindung mit Pfeil 38">
+            <a:extLst>
+              <a:ext uri="{FF2B5EF4-FFF2-40B4-BE49-F238E27FC236}">
+                <a16:creationId xmlns:a16="http://schemas.microsoft.com/office/drawing/2014/main" id="{7C784D4D-C7FE-403E-A207-260A09E09010}"/>
+              </a:ext>
+            </a:extLst>
+          </p:cNvPr>
+          <p:cNvCxnSpPr>
+            <a:cxnSpLocks/>
+          </p:cNvCxnSpPr>
+          <p:nvPr/>
+        </p:nvCxnSpPr>
+        <p:spPr>
+          <a:xfrm flipV="1">
+            <a:off x="7510942" y="4214100"/>
+            <a:ext cx="1988318" cy="1"/>
+          </a:xfrm>
+          <a:prstGeom prst="straightConnector1">
+            <a:avLst/>
+          </a:prstGeom>
+          <a:ln w="28575">
+            <a:tailEnd type="triangle"/>
+          </a:ln>
+        </p:spPr>
+        <p:style>
+          <a:lnRef idx="1">
+            <a:schemeClr val="dk1"/>
+          </a:lnRef>
+          <a:fillRef idx="0">
+            <a:schemeClr val="dk1"/>
+          </a:fillRef>
+          <a:effectRef idx="0">
+            <a:schemeClr val="dk1"/>
+          </a:effectRef>
+          <a:fontRef idx="minor">
+            <a:schemeClr val="tx1"/>
+          </a:fontRef>
+        </p:style>
+      </p:cxnSp>
+      <p:cxnSp>
+        <p:nvCxnSpPr>
+          <p:cNvPr id="43" name="Gerade Verbindung mit Pfeil 42">
+            <a:extLst>
+              <a:ext uri="{FF2B5EF4-FFF2-40B4-BE49-F238E27FC236}">
+                <a16:creationId xmlns:a16="http://schemas.microsoft.com/office/drawing/2014/main" id="{7220D0D8-E156-47E9-A4E4-7745DF0FD62D}"/>
+              </a:ext>
+            </a:extLst>
+          </p:cNvPr>
+          <p:cNvCxnSpPr>
+            <a:cxnSpLocks/>
+            <a:endCxn id="35" idx="1"/>
+          </p:cNvCxnSpPr>
+          <p:nvPr/>
+        </p:nvCxnSpPr>
+        <p:spPr>
+          <a:xfrm>
+            <a:off x="8800831" y="4520043"/>
+            <a:ext cx="1396859" cy="1114100"/>
+          </a:xfrm>
+          <a:prstGeom prst="straightConnector1">
+            <a:avLst/>
+          </a:prstGeom>
+          <a:ln w="28575">
+            <a:tailEnd type="triangle"/>
+          </a:ln>
+        </p:spPr>
+        <p:style>
+          <a:lnRef idx="1">
+            <a:schemeClr val="dk1"/>
+          </a:lnRef>
+          <a:fillRef idx="0">
+            <a:schemeClr val="dk1"/>
+          </a:fillRef>
+          <a:effectRef idx="0">
+            <a:schemeClr val="dk1"/>
+          </a:effectRef>
+          <a:fontRef idx="minor">
+            <a:schemeClr val="tx1"/>
+          </a:fontRef>
+        </p:style>
+      </p:cxnSp>
+      <p:cxnSp>
+        <p:nvCxnSpPr>
+          <p:cNvPr id="47" name="Gerade Verbindung mit Pfeil 46">
+            <a:extLst>
+              <a:ext uri="{FF2B5EF4-FFF2-40B4-BE49-F238E27FC236}">
+                <a16:creationId xmlns:a16="http://schemas.microsoft.com/office/drawing/2014/main" id="{83854D5F-C9E8-45C6-8F89-D4E39CCFAF95}"/>
+              </a:ext>
+            </a:extLst>
+          </p:cNvPr>
+          <p:cNvCxnSpPr>
+            <a:cxnSpLocks/>
+            <a:endCxn id="37" idx="0"/>
+          </p:cNvCxnSpPr>
+          <p:nvPr/>
+        </p:nvCxnSpPr>
+        <p:spPr>
+          <a:xfrm>
+            <a:off x="8796435" y="4812296"/>
+            <a:ext cx="401786" cy="731913"/>
+          </a:xfrm>
+          <a:prstGeom prst="straightConnector1">
+            <a:avLst/>
+          </a:prstGeom>
+          <a:ln w="28575">
+            <a:tailEnd type="triangle"/>
+          </a:ln>
+        </p:spPr>
+        <p:style>
+          <a:lnRef idx="1">
+            <a:schemeClr val="dk1"/>
+          </a:lnRef>
+          <a:fillRef idx="0">
+            <a:schemeClr val="dk1"/>
+          </a:fillRef>
+          <a:effectRef idx="0">
+            <a:schemeClr val="dk1"/>
+          </a:effectRef>
+          <a:fontRef idx="minor">
+            <a:schemeClr val="tx1"/>
+          </a:fontRef>
+        </p:style>
+      </p:cxnSp>
+      <p:pic>
+        <p:nvPicPr>
+          <p:cNvPr id="50" name="Grafik 49">
+            <a:extLst>
+              <a:ext uri="{FF2B5EF4-FFF2-40B4-BE49-F238E27FC236}">
+                <a16:creationId xmlns:a16="http://schemas.microsoft.com/office/drawing/2014/main" id="{835EA851-729E-4B4A-B5E0-5469BC12FD1D}"/>
+              </a:ext>
+            </a:extLst>
+          </p:cNvPr>
+          <p:cNvPicPr>
+            <a:picLocks noChangeAspect="1"/>
+          </p:cNvPicPr>
+          <p:nvPr/>
+        </p:nvPicPr>
+        <p:blipFill>
+          <a:blip r:embed="rId8"/>
+          <a:stretch>
+            <a:fillRect/>
+          </a:stretch>
+        </p:blipFill>
+        <p:spPr>
+          <a:xfrm>
+            <a:off x="9101462" y="1059833"/>
+            <a:ext cx="1197505" cy="1042028"/>
+          </a:xfrm>
+          <a:prstGeom prst="rect">
+            <a:avLst/>
+          </a:prstGeom>
+        </p:spPr>
+      </p:pic>
+      <p:pic>
+        <p:nvPicPr>
+          <p:cNvPr id="52" name="Grafik 51">
+            <a:extLst>
+              <a:ext uri="{FF2B5EF4-FFF2-40B4-BE49-F238E27FC236}">
+                <a16:creationId xmlns:a16="http://schemas.microsoft.com/office/drawing/2014/main" id="{8C52AEE5-6C31-4D5C-8EE5-03C33CF244C6}"/>
+              </a:ext>
+            </a:extLst>
+          </p:cNvPr>
+          <p:cNvPicPr>
+            <a:picLocks noChangeAspect="1"/>
+          </p:cNvPicPr>
+          <p:nvPr/>
+        </p:nvPicPr>
+        <p:blipFill>
+          <a:blip r:embed="rId9"/>
+          <a:stretch>
+            <a:fillRect/>
+          </a:stretch>
+        </p:blipFill>
+        <p:spPr>
+          <a:xfrm>
+            <a:off x="10512170" y="1453187"/>
+            <a:ext cx="1217348" cy="1042024"/>
+          </a:xfrm>
+          <a:prstGeom prst="rect">
+            <a:avLst/>
+          </a:prstGeom>
+        </p:spPr>
+      </p:pic>
+      <p:pic>
+        <p:nvPicPr>
+          <p:cNvPr id="54" name="Grafik 53">
+            <a:extLst>
+              <a:ext uri="{FF2B5EF4-FFF2-40B4-BE49-F238E27FC236}">
+                <a16:creationId xmlns:a16="http://schemas.microsoft.com/office/drawing/2014/main" id="{B5F3CD3E-881B-4783-95AE-88675DB1DFFC}"/>
+              </a:ext>
+            </a:extLst>
+          </p:cNvPr>
+          <p:cNvPicPr>
+            <a:picLocks noChangeAspect="1"/>
+          </p:cNvPicPr>
+          <p:nvPr/>
+        </p:nvPicPr>
+        <p:blipFill>
+          <a:blip r:embed="rId10"/>
+          <a:stretch>
+            <a:fillRect/>
+          </a:stretch>
+        </p:blipFill>
+        <p:spPr>
+          <a:xfrm>
+            <a:off x="9377376" y="2566186"/>
+            <a:ext cx="1217349" cy="1087771"/>
+          </a:xfrm>
+          <a:prstGeom prst="rect">
+            <a:avLst/>
+          </a:prstGeom>
+        </p:spPr>
+      </p:pic>
+      <p:cxnSp>
+        <p:nvCxnSpPr>
+          <p:cNvPr id="59" name="Gerade Verbindung mit Pfeil 58">
+            <a:extLst>
+              <a:ext uri="{FF2B5EF4-FFF2-40B4-BE49-F238E27FC236}">
+                <a16:creationId xmlns:a16="http://schemas.microsoft.com/office/drawing/2014/main" id="{B4CDB802-DBBC-472C-B473-30D2C65A4751}"/>
+              </a:ext>
+            </a:extLst>
+          </p:cNvPr>
+          <p:cNvCxnSpPr>
+            <a:cxnSpLocks/>
+          </p:cNvCxnSpPr>
+          <p:nvPr/>
+        </p:nvCxnSpPr>
+        <p:spPr>
+          <a:xfrm flipV="1">
+            <a:off x="7510942" y="3084570"/>
+            <a:ext cx="1687278" cy="138486"/>
+          </a:xfrm>
+          <a:prstGeom prst="straightConnector1">
+            <a:avLst/>
+          </a:prstGeom>
+          <a:ln w="28575">
+            <a:tailEnd type="triangle"/>
+          </a:ln>
+        </p:spPr>
+        <p:style>
+          <a:lnRef idx="1">
+            <a:schemeClr val="dk1"/>
+          </a:lnRef>
+          <a:fillRef idx="0">
+            <a:schemeClr val="dk1"/>
+          </a:fillRef>
+          <a:effectRef idx="0">
+            <a:schemeClr val="dk1"/>
+          </a:effectRef>
+          <a:fontRef idx="minor">
+            <a:schemeClr val="tx1"/>
+          </a:fontRef>
+        </p:style>
+      </p:cxnSp>
+      <p:cxnSp>
+        <p:nvCxnSpPr>
+          <p:cNvPr id="61" name="Gerade Verbindung mit Pfeil 60">
+            <a:extLst>
+              <a:ext uri="{FF2B5EF4-FFF2-40B4-BE49-F238E27FC236}">
+                <a16:creationId xmlns:a16="http://schemas.microsoft.com/office/drawing/2014/main" id="{0E71C210-D194-45DA-8F82-499881362317}"/>
+              </a:ext>
+            </a:extLst>
+          </p:cNvPr>
+          <p:cNvCxnSpPr>
+            <a:cxnSpLocks/>
+            <a:endCxn id="52" idx="1"/>
+          </p:cNvCxnSpPr>
+          <p:nvPr/>
+        </p:nvCxnSpPr>
+        <p:spPr>
+          <a:xfrm flipV="1">
+            <a:off x="8805008" y="1974199"/>
+            <a:ext cx="1707162" cy="1012508"/>
+          </a:xfrm>
+          <a:prstGeom prst="straightConnector1">
+            <a:avLst/>
+          </a:prstGeom>
+          <a:ln w="28575">
+            <a:tailEnd type="triangle"/>
+          </a:ln>
+        </p:spPr>
+        <p:style>
+          <a:lnRef idx="1">
+            <a:schemeClr val="dk1"/>
+          </a:lnRef>
+          <a:fillRef idx="0">
+            <a:schemeClr val="dk1"/>
+          </a:fillRef>
+          <a:effectRef idx="0">
+            <a:schemeClr val="dk1"/>
+          </a:effectRef>
+          <a:fontRef idx="minor">
+            <a:schemeClr val="tx1"/>
+          </a:fontRef>
+        </p:style>
+      </p:cxnSp>
+      <p:cxnSp>
+        <p:nvCxnSpPr>
+          <p:cNvPr id="63" name="Gerade Verbindung mit Pfeil 62">
+            <a:extLst>
+              <a:ext uri="{FF2B5EF4-FFF2-40B4-BE49-F238E27FC236}">
+                <a16:creationId xmlns:a16="http://schemas.microsoft.com/office/drawing/2014/main" id="{27435A7E-8453-4908-A4DE-C0E0CD67B66F}"/>
+              </a:ext>
+            </a:extLst>
+          </p:cNvPr>
+          <p:cNvCxnSpPr>
+            <a:cxnSpLocks/>
+          </p:cNvCxnSpPr>
+          <p:nvPr/>
+        </p:nvCxnSpPr>
+        <p:spPr>
+          <a:xfrm flipV="1">
+            <a:off x="8805008" y="1995845"/>
+            <a:ext cx="481867" cy="743258"/>
+          </a:xfrm>
+          <a:prstGeom prst="straightConnector1">
+            <a:avLst/>
+          </a:prstGeom>
+          <a:ln w="28575">
+            <a:tailEnd type="triangle"/>
+          </a:ln>
+        </p:spPr>
+        <p:style>
+          <a:lnRef idx="1">
+            <a:schemeClr val="dk1"/>
+          </a:lnRef>
+          <a:fillRef idx="0">
+            <a:schemeClr val="dk1"/>
+          </a:fillRef>
+          <a:effectRef idx="0">
+            <a:schemeClr val="dk1"/>
+          </a:effectRef>
+          <a:fontRef idx="minor">
+            <a:schemeClr val="tx1"/>
+          </a:fontRef>
+        </p:style>
+      </p:cxnSp>
+      <p:sp>
+        <p:nvSpPr>
+          <p:cNvPr id="65" name="Textfeld 64">
+            <a:extLst>
+              <a:ext uri="{FF2B5EF4-FFF2-40B4-BE49-F238E27FC236}">
+                <a16:creationId xmlns:a16="http://schemas.microsoft.com/office/drawing/2014/main" id="{6C656D8B-6AFC-42A2-B895-E6A1DAD47346}"/>
+              </a:ext>
+            </a:extLst>
+          </p:cNvPr>
+          <p:cNvSpPr txBox="1"/>
+          <p:nvPr/>
+        </p:nvSpPr>
+        <p:spPr>
+          <a:xfrm>
+            <a:off x="4008902" y="1103586"/>
+            <a:ext cx="3952875" cy="523220"/>
+          </a:xfrm>
+          <a:prstGeom prst="rect">
+            <a:avLst/>
+          </a:prstGeom>
+          <a:noFill/>
+        </p:spPr>
+        <p:txBody>
+          <a:bodyPr wrap="square" rtlCol="0">
+            <a:spAutoFit/>
+          </a:bodyPr>
+          <a:lstStyle/>
+          <a:p>
+            <a:pPr algn="ctr"/>
+            <a:r>
+              <a:rPr lang="de-CH" sz="2800" dirty="0">
+                <a:gradFill>
+                  <a:gsLst>
+                    <a:gs pos="2917">
+                      <a:srgbClr val="353535"/>
+                    </a:gs>
+                    <a:gs pos="30000">
+                      <a:srgbClr val="353535"/>
+                    </a:gs>
+                  </a:gsLst>
+                  <a:lin ang="5400000" scaled="0"/>
+                </a:gradFill>
+                <a:latin typeface="Roboto Medium" panose="02000000000000000000" pitchFamily="2" charset="0"/>
+                <a:ea typeface="Roboto Medium" panose="02000000000000000000" pitchFamily="2" charset="0"/>
+              </a:rPr>
+              <a:t>Predicting</a:t>
+            </a:r>
+            <a:r>
+              <a:rPr lang="de-CH" sz="1100" dirty="0"/>
+              <a:t> </a:t>
+            </a:r>
+            <a:r>
+              <a:rPr lang="de-CH" sz="2800" dirty="0">
+                <a:gradFill>
+                  <a:gsLst>
+                    <a:gs pos="2917">
+                      <a:srgbClr val="353535"/>
+                    </a:gs>
+                    <a:gs pos="30000">
+                      <a:srgbClr val="353535"/>
+                    </a:gs>
+                  </a:gsLst>
+                  <a:lin ang="5400000" scaled="0"/>
+                </a:gradFill>
+                <a:latin typeface="Roboto Medium" panose="02000000000000000000" pitchFamily="2" charset="0"/>
+                <a:ea typeface="Roboto Medium" panose="02000000000000000000" pitchFamily="2" charset="0"/>
+              </a:rPr>
+              <a:t>Location</a:t>
+            </a:r>
           </a:p>
         </p:txBody>
       </p:sp>
@@ -19917,19 +27109,7 @@
                 <a:latin typeface="Helvetica Neue Light" panose="02000403000000020004" pitchFamily="2" charset="0"/>
                 <a:ea typeface="Helvetica Neue Light" panose="02000403000000020004" pitchFamily="2" charset="0"/>
               </a:rPr>
-              <a:t>Next </a:t>
-            </a:r>
-            <a:r>
-              <a:rPr lang="de-CH" sz="1100" dirty="0" err="1">
-                <a:solidFill>
-                  <a:schemeClr val="bg2">
-                    <a:lumMod val="75000"/>
-                  </a:schemeClr>
-                </a:solidFill>
-                <a:latin typeface="Helvetica Neue Light" panose="02000403000000020004" pitchFamily="2" charset="0"/>
-                <a:ea typeface="Helvetica Neue Light" panose="02000403000000020004" pitchFamily="2" charset="0"/>
-              </a:rPr>
-              <a:t>Steps</a:t>
+              <a:t>Next Steps</a:t>
             </a:r>
             <a:endParaRPr lang="de-CH" sz="1400" dirty="0">
               <a:solidFill>
@@ -19973,13 +27153,8 @@
           <a:p>
             <a:r>
               <a:rPr lang="de-CH" dirty="0"/>
-              <a:t>Next </a:t>
+              <a:t>Next Steps</a:t>
             </a:r>
-            <a:r>
-              <a:rPr lang="de-CH" dirty="0" err="1"/>
-              <a:t>Steps</a:t>
-            </a:r>
-            <a:endParaRPr lang="de-CH" dirty="0"/>
           </a:p>
         </p:txBody>
       </p:sp>
@@ -20103,6 +27278,92 @@
               <a:rPr lang="en-AU" dirty="0"/>
               <a:t>Document and discuss processes and results</a:t>
             </a:r>
+          </a:p>
+        </p:txBody>
+      </p:sp>
+      <p:sp>
+        <p:nvSpPr>
+          <p:cNvPr id="2" name="Datumsplatzhalter 1">
+            <a:extLst>
+              <a:ext uri="{FF2B5EF4-FFF2-40B4-BE49-F238E27FC236}">
+                <a16:creationId xmlns:a16="http://schemas.microsoft.com/office/drawing/2014/main" id="{2114F524-20AA-4BEC-9266-593EC83EA821}"/>
+              </a:ext>
+            </a:extLst>
+          </p:cNvPr>
+          <p:cNvSpPr>
+            <a:spLocks noGrp="1"/>
+          </p:cNvSpPr>
+          <p:nvPr>
+            <p:ph type="dt" sz="half" idx="10"/>
+          </p:nvPr>
+        </p:nvSpPr>
+        <p:spPr/>
+        <p:txBody>
+          <a:bodyPr/>
+          <a:lstStyle/>
+          <a:p>
+            <a:fld id="{EA2410D9-03F3-46A5-B16F-C95B865057EB}" type="datetime1">
+              <a:rPr lang="en-GB" smtClean="0"/>
+              <a:t>17/05/2021</a:t>
+            </a:fld>
+            <a:endParaRPr lang="de-CH"/>
+          </a:p>
+        </p:txBody>
+      </p:sp>
+      <p:sp>
+        <p:nvSpPr>
+          <p:cNvPr id="3" name="Fußzeilenplatzhalter 2">
+            <a:extLst>
+              <a:ext uri="{FF2B5EF4-FFF2-40B4-BE49-F238E27FC236}">
+                <a16:creationId xmlns:a16="http://schemas.microsoft.com/office/drawing/2014/main" id="{74C86B16-F543-4A7C-8F64-5EF1C838ED60}"/>
+              </a:ext>
+            </a:extLst>
+          </p:cNvPr>
+          <p:cNvSpPr>
+            <a:spLocks noGrp="1"/>
+          </p:cNvSpPr>
+          <p:nvPr>
+            <p:ph type="ftr" sz="quarter" idx="11"/>
+          </p:nvPr>
+        </p:nvSpPr>
+        <p:spPr/>
+        <p:txBody>
+          <a:bodyPr/>
+          <a:lstStyle/>
+          <a:p>
+            <a:r>
+              <a:rPr lang="de-CH"/>
+              <a:t>Roman Studer, Alexandre Rau</a:t>
+            </a:r>
+          </a:p>
+        </p:txBody>
+      </p:sp>
+      <p:sp>
+        <p:nvSpPr>
+          <p:cNvPr id="14" name="Foliennummernplatzhalter 13">
+            <a:extLst>
+              <a:ext uri="{FF2B5EF4-FFF2-40B4-BE49-F238E27FC236}">
+                <a16:creationId xmlns:a16="http://schemas.microsoft.com/office/drawing/2014/main" id="{0B0B3496-33EB-42E4-9973-0AB4A774111D}"/>
+              </a:ext>
+            </a:extLst>
+          </p:cNvPr>
+          <p:cNvSpPr>
+            <a:spLocks noGrp="1"/>
+          </p:cNvSpPr>
+          <p:nvPr>
+            <p:ph type="sldNum" sz="quarter" idx="12"/>
+          </p:nvPr>
+        </p:nvSpPr>
+        <p:spPr/>
+        <p:txBody>
+          <a:bodyPr/>
+          <a:lstStyle/>
+          <a:p>
+            <a:fld id="{2FD792E3-E401-4E03-A367-A0CE4F17704C}" type="slidenum">
+              <a:rPr lang="de-CH" smtClean="0"/>
+              <a:t>7</a:t>
+            </a:fld>
+            <a:endParaRPr lang="de-CH"/>
           </a:p>
         </p:txBody>
       </p:sp>

--- a/presentation/Milestone_Presentation.pptx
+++ b/presentation/Milestone_Presentation.pptx
@@ -5,8 +5,11 @@
     <p:sldMasterId id="2147483648" r:id="rId1"/>
   </p:sldMasterIdLst>
   <p:notesMasterIdLst>
-    <p:notesMasterId r:id="rId10"/>
+    <p:notesMasterId r:id="rId9"/>
   </p:notesMasterIdLst>
+  <p:handoutMasterIdLst>
+    <p:handoutMasterId r:id="rId10"/>
+  </p:handoutMasterIdLst>
   <p:sldIdLst>
     <p:sldId id="256" r:id="rId2"/>
     <p:sldId id="257" r:id="rId3"/>
@@ -15,7 +18,6 @@
     <p:sldId id="262" r:id="rId6"/>
     <p:sldId id="268" r:id="rId7"/>
     <p:sldId id="263" r:id="rId8"/>
-    <p:sldId id="267" r:id="rId9"/>
   </p:sldIdLst>
   <p:sldSz cx="12192000" cy="6858000"/>
   <p:notesSz cx="6797675" cy="9926638"/>
@@ -122,6 +124,196 @@
 </p:presentation>
 </file>
 
+<file path=ppt/handoutMasters/handoutMaster1.xml><?xml version="1.0" encoding="utf-8"?>
+<p:handoutMaster xmlns:a="http://schemas.openxmlformats.org/drawingml/2006/main" xmlns:r="http://schemas.openxmlformats.org/officeDocument/2006/relationships" xmlns:p="http://schemas.openxmlformats.org/presentationml/2006/main">
+  <p:cSld>
+    <p:bg>
+      <p:bgRef idx="1001">
+        <a:schemeClr val="bg1"/>
+      </p:bgRef>
+    </p:bg>
+    <p:spTree>
+      <p:nvGrpSpPr>
+        <p:cNvPr id="1" name=""/>
+        <p:cNvGrpSpPr/>
+        <p:nvPr/>
+      </p:nvGrpSpPr>
+      <p:grpSpPr>
+        <a:xfrm>
+          <a:off x="0" y="0"/>
+          <a:ext cx="0" cy="0"/>
+          <a:chOff x="0" y="0"/>
+          <a:chExt cx="0" cy="0"/>
+        </a:xfrm>
+      </p:grpSpPr>
+      <p:sp>
+        <p:nvSpPr>
+          <p:cNvPr id="2" name="Kopfzeilenplatzhalter 1">
+            <a:extLst>
+              <a:ext uri="{FF2B5EF4-FFF2-40B4-BE49-F238E27FC236}">
+                <a16:creationId xmlns:a16="http://schemas.microsoft.com/office/drawing/2014/main" id="{8E25E99B-AA65-4639-A878-4D2964E5FE0D}"/>
+              </a:ext>
+            </a:extLst>
+          </p:cNvPr>
+          <p:cNvSpPr>
+            <a:spLocks noGrp="1"/>
+          </p:cNvSpPr>
+          <p:nvPr>
+            <p:ph type="hdr" sz="quarter"/>
+          </p:nvPr>
+        </p:nvSpPr>
+        <p:spPr>
+          <a:xfrm>
+            <a:off x="0" y="0"/>
+            <a:ext cx="2946400" cy="496888"/>
+          </a:xfrm>
+          <a:prstGeom prst="rect">
+            <a:avLst/>
+          </a:prstGeom>
+        </p:spPr>
+        <p:txBody>
+          <a:bodyPr vert="horz" lIns="91440" tIns="45720" rIns="91440" bIns="45720" rtlCol="0"/>
+          <a:lstStyle>
+            <a:lvl1pPr algn="l">
+              <a:defRPr sz="1200"/>
+            </a:lvl1pPr>
+          </a:lstStyle>
+          <a:p>
+            <a:endParaRPr lang="de-CH"/>
+          </a:p>
+        </p:txBody>
+      </p:sp>
+      <p:sp>
+        <p:nvSpPr>
+          <p:cNvPr id="3" name="Datumsplatzhalter 2">
+            <a:extLst>
+              <a:ext uri="{FF2B5EF4-FFF2-40B4-BE49-F238E27FC236}">
+                <a16:creationId xmlns:a16="http://schemas.microsoft.com/office/drawing/2014/main" id="{1AD9AAF6-2FEE-41FF-9AC1-551D0B9B29C2}"/>
+              </a:ext>
+            </a:extLst>
+          </p:cNvPr>
+          <p:cNvSpPr>
+            <a:spLocks noGrp="1"/>
+          </p:cNvSpPr>
+          <p:nvPr>
+            <p:ph type="dt" sz="quarter" idx="1"/>
+          </p:nvPr>
+        </p:nvSpPr>
+        <p:spPr>
+          <a:xfrm>
+            <a:off x="3849688" y="0"/>
+            <a:ext cx="2946400" cy="496888"/>
+          </a:xfrm>
+          <a:prstGeom prst="rect">
+            <a:avLst/>
+          </a:prstGeom>
+        </p:spPr>
+        <p:txBody>
+          <a:bodyPr vert="horz" lIns="91440" tIns="45720" rIns="91440" bIns="45720" rtlCol="0"/>
+          <a:lstStyle>
+            <a:lvl1pPr algn="r">
+              <a:defRPr sz="1200"/>
+            </a:lvl1pPr>
+          </a:lstStyle>
+          <a:p>
+            <a:fld id="{5233E4E4-8B62-4356-A202-E54336A2C808}" type="datetimeFigureOut">
+              <a:rPr lang="de-CH" smtClean="0"/>
+              <a:t>02.06.2021</a:t>
+            </a:fld>
+            <a:endParaRPr lang="de-CH"/>
+          </a:p>
+        </p:txBody>
+      </p:sp>
+      <p:sp>
+        <p:nvSpPr>
+          <p:cNvPr id="4" name="Fußzeilenplatzhalter 3">
+            <a:extLst>
+              <a:ext uri="{FF2B5EF4-FFF2-40B4-BE49-F238E27FC236}">
+                <a16:creationId xmlns:a16="http://schemas.microsoft.com/office/drawing/2014/main" id="{8EE258E8-40A2-4381-B93F-33436CDC14E5}"/>
+              </a:ext>
+            </a:extLst>
+          </p:cNvPr>
+          <p:cNvSpPr>
+            <a:spLocks noGrp="1"/>
+          </p:cNvSpPr>
+          <p:nvPr>
+            <p:ph type="ftr" sz="quarter" idx="2"/>
+          </p:nvPr>
+        </p:nvSpPr>
+        <p:spPr>
+          <a:xfrm>
+            <a:off x="0" y="9429750"/>
+            <a:ext cx="2946400" cy="496888"/>
+          </a:xfrm>
+          <a:prstGeom prst="rect">
+            <a:avLst/>
+          </a:prstGeom>
+        </p:spPr>
+        <p:txBody>
+          <a:bodyPr vert="horz" lIns="91440" tIns="45720" rIns="91440" bIns="45720" rtlCol="0" anchor="b"/>
+          <a:lstStyle>
+            <a:lvl1pPr algn="l">
+              <a:defRPr sz="1200"/>
+            </a:lvl1pPr>
+          </a:lstStyle>
+          <a:p>
+            <a:endParaRPr lang="de-CH"/>
+          </a:p>
+        </p:txBody>
+      </p:sp>
+      <p:sp>
+        <p:nvSpPr>
+          <p:cNvPr id="5" name="Foliennummernplatzhalter 4">
+            <a:extLst>
+              <a:ext uri="{FF2B5EF4-FFF2-40B4-BE49-F238E27FC236}">
+                <a16:creationId xmlns:a16="http://schemas.microsoft.com/office/drawing/2014/main" id="{5A3095D8-7559-477E-8797-F985987A1C94}"/>
+              </a:ext>
+            </a:extLst>
+          </p:cNvPr>
+          <p:cNvSpPr>
+            <a:spLocks noGrp="1"/>
+          </p:cNvSpPr>
+          <p:nvPr>
+            <p:ph type="sldNum" sz="quarter" idx="3"/>
+          </p:nvPr>
+        </p:nvSpPr>
+        <p:spPr>
+          <a:xfrm>
+            <a:off x="3849688" y="9429750"/>
+            <a:ext cx="2946400" cy="496888"/>
+          </a:xfrm>
+          <a:prstGeom prst="rect">
+            <a:avLst/>
+          </a:prstGeom>
+        </p:spPr>
+        <p:txBody>
+          <a:bodyPr vert="horz" lIns="91440" tIns="45720" rIns="91440" bIns="45720" rtlCol="0" anchor="b"/>
+          <a:lstStyle>
+            <a:lvl1pPr algn="r">
+              <a:defRPr sz="1200"/>
+            </a:lvl1pPr>
+          </a:lstStyle>
+          <a:p>
+            <a:fld id="{78F261B1-FCA4-4A7D-A3FD-17D05513D3D0}" type="slidenum">
+              <a:rPr lang="de-CH" smtClean="0"/>
+              <a:t>‹Nr.›</a:t>
+            </a:fld>
+            <a:endParaRPr lang="de-CH"/>
+          </a:p>
+        </p:txBody>
+      </p:sp>
+    </p:spTree>
+    <p:extLst>
+      <p:ext uri="{BB962C8B-B14F-4D97-AF65-F5344CB8AC3E}">
+        <p14:creationId xmlns:p14="http://schemas.microsoft.com/office/powerpoint/2010/main" val="3557607236"/>
+      </p:ext>
+    </p:extLst>
+  </p:cSld>
+  <p:clrMap bg1="lt1" tx1="dk1" bg2="lt2" tx2="dk2" accent1="accent1" accent2="accent2" accent3="accent3" accent4="accent4" accent5="accent5" accent6="accent6" hlink="hlink" folHlink="folHlink"/>
+  <p:hf hdr="0" dt="0"/>
+</p:handoutMaster>
+</file>
+
 <file path=ppt/notesMasters/notesMaster1.xml><?xml version="1.0" encoding="utf-8"?>
 <p:notesMaster xmlns:a="http://schemas.openxmlformats.org/drawingml/2006/main" xmlns:r="http://schemas.openxmlformats.org/officeDocument/2006/relationships" xmlns:p="http://schemas.openxmlformats.org/presentationml/2006/main">
   <p:cSld>
@@ -204,7 +396,7 @@
           <a:p>
             <a:fld id="{771077F2-B8AE-4D44-9AB2-A014164F0B23}" type="datetimeFigureOut">
               <a:rPr lang="de-CH" smtClean="0"/>
-              <a:t>17.05.2021</a:t>
+              <a:t>02.06.2021</a:t>
             </a:fld>
             <a:endParaRPr lang="de-CH"/>
           </a:p>
@@ -377,6 +569,7 @@
     </p:extLst>
   </p:cSld>
   <p:clrMap bg1="lt1" tx1="dk1" bg2="lt2" tx2="dk2" accent1="accent1" accent2="accent2" accent3="accent3" accent4="accent4" accent5="accent5" accent6="accent6" hlink="hlink" folHlink="folHlink"/>
+  <p:hf hdr="0" dt="0"/>
   <p:notesStyle>
     <a:lvl1pPr marL="0" algn="l" defTabSz="914400" rtl="0" eaLnBrk="1" latinLnBrk="0" hangingPunct="1">
       <a:defRPr sz="1200" kern="1200">
@@ -574,6 +767,31 @@
           </a:p>
         </p:txBody>
       </p:sp>
+      <p:sp>
+        <p:nvSpPr>
+          <p:cNvPr id="5" name="Fußzeilenplatzhalter 4">
+            <a:extLst>
+              <a:ext uri="{FF2B5EF4-FFF2-40B4-BE49-F238E27FC236}">
+                <a16:creationId xmlns:a16="http://schemas.microsoft.com/office/drawing/2014/main" id="{B660388A-C2B8-4E0B-8562-811147B67F44}"/>
+              </a:ext>
+            </a:extLst>
+          </p:cNvPr>
+          <p:cNvSpPr>
+            <a:spLocks noGrp="1"/>
+          </p:cNvSpPr>
+          <p:nvPr>
+            <p:ph type="ftr" sz="quarter" idx="4"/>
+          </p:nvPr>
+        </p:nvSpPr>
+        <p:spPr/>
+        <p:txBody>
+          <a:bodyPr/>
+          <a:lstStyle/>
+          <a:p>
+            <a:endParaRPr lang="de-CH"/>
+          </a:p>
+        </p:txBody>
+      </p:sp>
     </p:spTree>
     <p:extLst>
       <p:ext uri="{BB962C8B-B14F-4D97-AF65-F5344CB8AC3E}">
@@ -685,6 +903,31 @@
               <a:rPr lang="de-CH" smtClean="0"/>
               <a:t>2</a:t>
             </a:fld>
+            <a:endParaRPr lang="de-CH"/>
+          </a:p>
+        </p:txBody>
+      </p:sp>
+      <p:sp>
+        <p:nvSpPr>
+          <p:cNvPr id="5" name="Fußzeilenplatzhalter 4">
+            <a:extLst>
+              <a:ext uri="{FF2B5EF4-FFF2-40B4-BE49-F238E27FC236}">
+                <a16:creationId xmlns:a16="http://schemas.microsoft.com/office/drawing/2014/main" id="{9D69CDB6-F01F-45C2-B71E-837B668801CD}"/>
+              </a:ext>
+            </a:extLst>
+          </p:cNvPr>
+          <p:cNvSpPr>
+            <a:spLocks noGrp="1"/>
+          </p:cNvSpPr>
+          <p:nvPr>
+            <p:ph type="ftr" sz="quarter" idx="4"/>
+          </p:nvPr>
+        </p:nvSpPr>
+        <p:spPr/>
+        <p:txBody>
+          <a:bodyPr/>
+          <a:lstStyle/>
+          <a:p>
             <a:endParaRPr lang="de-CH"/>
           </a:p>
         </p:txBody>
@@ -853,6 +1096,31 @@
               <a:rPr lang="de-CH" smtClean="0"/>
               <a:t>3</a:t>
             </a:fld>
+            <a:endParaRPr lang="de-CH"/>
+          </a:p>
+        </p:txBody>
+      </p:sp>
+      <p:sp>
+        <p:nvSpPr>
+          <p:cNvPr id="5" name="Fußzeilenplatzhalter 4">
+            <a:extLst>
+              <a:ext uri="{FF2B5EF4-FFF2-40B4-BE49-F238E27FC236}">
+                <a16:creationId xmlns:a16="http://schemas.microsoft.com/office/drawing/2014/main" id="{76E90142-A07D-4B9A-9483-CC558BE40699}"/>
+              </a:ext>
+            </a:extLst>
+          </p:cNvPr>
+          <p:cNvSpPr>
+            <a:spLocks noGrp="1"/>
+          </p:cNvSpPr>
+          <p:nvPr>
+            <p:ph type="ftr" sz="quarter" idx="4"/>
+          </p:nvPr>
+        </p:nvSpPr>
+        <p:spPr/>
+        <p:txBody>
+          <a:bodyPr/>
+          <a:lstStyle/>
+          <a:p>
             <a:endParaRPr lang="de-CH"/>
           </a:p>
         </p:txBody>
@@ -1281,6 +1549,31 @@
           </a:p>
         </p:txBody>
       </p:sp>
+      <p:sp>
+        <p:nvSpPr>
+          <p:cNvPr id="5" name="Fußzeilenplatzhalter 4">
+            <a:extLst>
+              <a:ext uri="{FF2B5EF4-FFF2-40B4-BE49-F238E27FC236}">
+                <a16:creationId xmlns:a16="http://schemas.microsoft.com/office/drawing/2014/main" id="{76DE8AF7-40CA-45E8-AB41-4D79DEAF0CAB}"/>
+              </a:ext>
+            </a:extLst>
+          </p:cNvPr>
+          <p:cNvSpPr>
+            <a:spLocks noGrp="1"/>
+          </p:cNvSpPr>
+          <p:nvPr>
+            <p:ph type="ftr" sz="quarter" idx="4"/>
+          </p:nvPr>
+        </p:nvSpPr>
+        <p:spPr/>
+        <p:txBody>
+          <a:bodyPr/>
+          <a:lstStyle/>
+          <a:p>
+            <a:endParaRPr lang="de-CH"/>
+          </a:p>
+        </p:txBody>
+      </p:sp>
     </p:spTree>
     <p:extLst>
       <p:ext uri="{BB962C8B-B14F-4D97-AF65-F5344CB8AC3E}">
@@ -1513,6 +1806,31 @@
               <a:rPr lang="de-CH" smtClean="0"/>
               <a:t>5</a:t>
             </a:fld>
+            <a:endParaRPr lang="de-CH"/>
+          </a:p>
+        </p:txBody>
+      </p:sp>
+      <p:sp>
+        <p:nvSpPr>
+          <p:cNvPr id="5" name="Fußzeilenplatzhalter 4">
+            <a:extLst>
+              <a:ext uri="{FF2B5EF4-FFF2-40B4-BE49-F238E27FC236}">
+                <a16:creationId xmlns:a16="http://schemas.microsoft.com/office/drawing/2014/main" id="{F5A580F9-B7DD-4841-AF18-97B9CB08F7B1}"/>
+              </a:ext>
+            </a:extLst>
+          </p:cNvPr>
+          <p:cNvSpPr>
+            <a:spLocks noGrp="1"/>
+          </p:cNvSpPr>
+          <p:nvPr>
+            <p:ph type="ftr" sz="quarter" idx="4"/>
+          </p:nvPr>
+        </p:nvSpPr>
+        <p:spPr/>
+        <p:txBody>
+          <a:bodyPr/>
+          <a:lstStyle/>
+          <a:p>
             <a:endParaRPr lang="de-CH"/>
           </a:p>
         </p:txBody>
@@ -1753,6 +2071,31 @@
           </a:p>
         </p:txBody>
       </p:sp>
+      <p:sp>
+        <p:nvSpPr>
+          <p:cNvPr id="5" name="Fußzeilenplatzhalter 4">
+            <a:extLst>
+              <a:ext uri="{FF2B5EF4-FFF2-40B4-BE49-F238E27FC236}">
+                <a16:creationId xmlns:a16="http://schemas.microsoft.com/office/drawing/2014/main" id="{5F3F6A70-2E35-44F5-8AA8-66EE5C2AB59A}"/>
+              </a:ext>
+            </a:extLst>
+          </p:cNvPr>
+          <p:cNvSpPr>
+            <a:spLocks noGrp="1"/>
+          </p:cNvSpPr>
+          <p:nvPr>
+            <p:ph type="ftr" sz="quarter" idx="4"/>
+          </p:nvPr>
+        </p:nvSpPr>
+        <p:spPr/>
+        <p:txBody>
+          <a:bodyPr/>
+          <a:lstStyle/>
+          <a:p>
+            <a:endParaRPr lang="de-CH"/>
+          </a:p>
+        </p:txBody>
+      </p:sp>
     </p:spTree>
     <p:extLst>
       <p:ext uri="{BB962C8B-B14F-4D97-AF65-F5344CB8AC3E}">
@@ -1837,56 +2180,20 @@
           </a:p>
         </p:txBody>
       </p:sp>
-    </p:spTree>
-    <p:extLst>
-      <p:ext uri="{BB962C8B-B14F-4D97-AF65-F5344CB8AC3E}">
-        <p14:creationId xmlns:p14="http://schemas.microsoft.com/office/powerpoint/2010/main" val="1491306289"/>
-      </p:ext>
-    </p:extLst>
-  </p:cSld>
-  <p:clrMapOvr>
-    <a:masterClrMapping/>
-  </p:clrMapOvr>
-</p:notes>
-</file>
-
-<file path=ppt/notesSlides/notesSlide8.xml><?xml version="1.0" encoding="utf-8"?>
-<p:notes xmlns:a="http://schemas.openxmlformats.org/drawingml/2006/main" xmlns:r="http://schemas.openxmlformats.org/officeDocument/2006/relationships" xmlns:p="http://schemas.openxmlformats.org/presentationml/2006/main">
-  <p:cSld>
-    <p:spTree>
-      <p:nvGrpSpPr>
-        <p:cNvPr id="1" name=""/>
-        <p:cNvGrpSpPr/>
-        <p:nvPr/>
-      </p:nvGrpSpPr>
-      <p:grpSpPr>
-        <a:xfrm>
-          <a:off x="0" y="0"/>
-          <a:ext cx="0" cy="0"/>
-          <a:chOff x="0" y="0"/>
-          <a:chExt cx="0" cy="0"/>
-        </a:xfrm>
-      </p:grpSpPr>
       <p:sp>
         <p:nvSpPr>
-          <p:cNvPr id="2" name="Folienbildplatzhalter 1"/>
-          <p:cNvSpPr>
-            <a:spLocks noGrp="1" noRot="1" noChangeAspect="1"/>
-          </p:cNvSpPr>
-          <p:nvPr>
-            <p:ph type="sldImg"/>
-          </p:nvPr>
-        </p:nvSpPr>
-        <p:spPr/>
-      </p:sp>
-      <p:sp>
-        <p:nvSpPr>
-          <p:cNvPr id="3" name="Notizenplatzhalter 2"/>
+          <p:cNvPr id="5" name="Fußzeilenplatzhalter 4">
+            <a:extLst>
+              <a:ext uri="{FF2B5EF4-FFF2-40B4-BE49-F238E27FC236}">
+                <a16:creationId xmlns:a16="http://schemas.microsoft.com/office/drawing/2014/main" id="{EA567B5F-DD09-4F65-BAB0-9723E58E9C02}"/>
+              </a:ext>
+            </a:extLst>
+          </p:cNvPr>
           <p:cNvSpPr>
             <a:spLocks noGrp="1"/>
           </p:cNvSpPr>
           <p:nvPr>
-            <p:ph type="body" idx="1"/>
+            <p:ph type="ftr" sz="quarter" idx="4"/>
           </p:nvPr>
         </p:nvSpPr>
         <p:spPr/>
@@ -1894,60 +2201,6 @@
           <a:bodyPr/>
           <a:lstStyle/>
           <a:p>
-            <a:pPr marL="0" marR="0" lvl="0" indent="0" algn="l" defTabSz="914400" rtl="0" eaLnBrk="1" fontAlgn="auto" latinLnBrk="0" hangingPunct="1">
-              <a:lnSpc>
-                <a:spcPct val="100000"/>
-              </a:lnSpc>
-              <a:spcBef>
-                <a:spcPts val="0"/>
-              </a:spcBef>
-              <a:spcAft>
-                <a:spcPts val="0"/>
-              </a:spcAft>
-              <a:buClrTx/>
-              <a:buSzTx/>
-              <a:buFontTx/>
-              <a:buNone/>
-              <a:tabLst/>
-              <a:defRPr/>
-            </a:pPr>
-            <a:r>
-              <a:rPr lang="de-CH" sz="1200" kern="1200" dirty="0">
-                <a:solidFill>
-                  <a:schemeClr val="tx1"/>
-                </a:solidFill>
-                <a:effectLst/>
-                <a:latin typeface="+mn-lt"/>
-                <a:ea typeface="+mn-ea"/>
-                <a:cs typeface="+mn-cs"/>
-              </a:rPr>
-              <a:t>Sehr geehrtes Experten Team, lieber Heinz. Ich begrüsse sie zu meiner Präsentation zu meiner IPA mit dem Titel «KMU Netzwerk mit virtuellen Servern und Arbeitsstationen»</a:t>
-            </a:r>
-          </a:p>
-          <a:p>
-            <a:endParaRPr lang="de-CH" dirty="0"/>
-          </a:p>
-        </p:txBody>
-      </p:sp>
-      <p:sp>
-        <p:nvSpPr>
-          <p:cNvPr id="4" name="Foliennummernplatzhalter 3"/>
-          <p:cNvSpPr>
-            <a:spLocks noGrp="1"/>
-          </p:cNvSpPr>
-          <p:nvPr>
-            <p:ph type="sldNum" sz="quarter" idx="10"/>
-          </p:nvPr>
-        </p:nvSpPr>
-        <p:spPr/>
-        <p:txBody>
-          <a:bodyPr/>
-          <a:lstStyle/>
-          <a:p>
-            <a:fld id="{CF8F3001-8820-440F-AE2B-9E23CEB8CE24}" type="slidenum">
-              <a:rPr lang="de-CH" smtClean="0"/>
-              <a:t>8</a:t>
-            </a:fld>
             <a:endParaRPr lang="de-CH"/>
           </a:p>
         </p:txBody>
@@ -1955,7 +2208,7 @@
     </p:spTree>
     <p:extLst>
       <p:ext uri="{BB962C8B-B14F-4D97-AF65-F5344CB8AC3E}">
-        <p14:creationId xmlns:p14="http://schemas.microsoft.com/office/powerpoint/2010/main" val="3881534959"/>
+        <p14:creationId xmlns:p14="http://schemas.microsoft.com/office/powerpoint/2010/main" val="1491306289"/>
       </p:ext>
     </p:extLst>
   </p:cSld>
@@ -2112,9 +2365,9 @@
           <a:bodyPr/>
           <a:lstStyle/>
           <a:p>
-            <a:fld id="{BCAA0A92-DC03-4D25-A264-BFC08D4CD015}" type="datetime1">
+            <a:fld id="{2122A0B2-C68B-4CFC-AF3E-92977241CFF8}" type="datetime1">
               <a:rPr lang="en-GB" smtClean="0"/>
-              <a:t>17/05/2021</a:t>
+              <a:t>02/06/2021</a:t>
             </a:fld>
             <a:endParaRPr lang="de-CH"/>
           </a:p>
@@ -2315,9 +2568,9 @@
           <a:bodyPr/>
           <a:lstStyle/>
           <a:p>
-            <a:fld id="{A25118E1-A51B-44AC-863B-0C534E181289}" type="datetime1">
+            <a:fld id="{95D010D2-9FCB-4F37-A210-3A311315C6D6}" type="datetime1">
               <a:rPr lang="en-GB" smtClean="0"/>
-              <a:t>17/05/2021</a:t>
+              <a:t>02/06/2021</a:t>
             </a:fld>
             <a:endParaRPr lang="de-CH"/>
           </a:p>
@@ -2528,9 +2781,9 @@
           <a:bodyPr/>
           <a:lstStyle/>
           <a:p>
-            <a:fld id="{68347162-85CA-466E-AAD4-FE5966B36CF2}" type="datetime1">
+            <a:fld id="{DA1A7200-B217-44B0-B993-314DC6EBCCD6}" type="datetime1">
               <a:rPr lang="en-GB" smtClean="0"/>
-              <a:t>17/05/2021</a:t>
+              <a:t>02/06/2021</a:t>
             </a:fld>
             <a:endParaRPr lang="de-CH"/>
           </a:p>
@@ -2731,9 +2984,9 @@
           <a:bodyPr/>
           <a:lstStyle/>
           <a:p>
-            <a:fld id="{DF529DF0-518B-45BE-8F68-37D6F1CB836E}" type="datetime1">
+            <a:fld id="{D34BE53F-357E-42E6-AE8E-DFACCE00A26D}" type="datetime1">
               <a:rPr lang="en-GB" smtClean="0"/>
-              <a:t>17/05/2021</a:t>
+              <a:t>02/06/2021</a:t>
             </a:fld>
             <a:endParaRPr lang="de-CH"/>
           </a:p>
@@ -3010,9 +3263,9 @@
           <a:bodyPr/>
           <a:lstStyle/>
           <a:p>
-            <a:fld id="{385457D0-B2B2-4DF2-9C27-BF6FDD3E9239}" type="datetime1">
+            <a:fld id="{60F14748-6DFA-4414-8FE2-328A61FE0787}" type="datetime1">
               <a:rPr lang="en-GB" smtClean="0"/>
-              <a:t>17/05/2021</a:t>
+              <a:t>02/06/2021</a:t>
             </a:fld>
             <a:endParaRPr lang="de-CH"/>
           </a:p>
@@ -3281,9 +3534,9 @@
           <a:bodyPr/>
           <a:lstStyle/>
           <a:p>
-            <a:fld id="{DC7CC2D3-FBCC-4E5A-82F8-C8310041936A}" type="datetime1">
+            <a:fld id="{3A6C4DAA-5200-4E49-97EF-AFAA3787933C}" type="datetime1">
               <a:rPr lang="en-GB" smtClean="0"/>
-              <a:t>17/05/2021</a:t>
+              <a:t>02/06/2021</a:t>
             </a:fld>
             <a:endParaRPr lang="de-CH"/>
           </a:p>
@@ -3699,9 +3952,9 @@
           <a:bodyPr/>
           <a:lstStyle/>
           <a:p>
-            <a:fld id="{06C8B410-2A70-4949-8F95-CD824CBC2CF1}" type="datetime1">
+            <a:fld id="{97412C70-6D58-48C3-AB5B-51B9A5F7A762}" type="datetime1">
               <a:rPr lang="en-GB" smtClean="0"/>
-              <a:t>17/05/2021</a:t>
+              <a:t>02/06/2021</a:t>
             </a:fld>
             <a:endParaRPr lang="de-CH"/>
           </a:p>
@@ -3844,9 +4097,9 @@
           <a:bodyPr/>
           <a:lstStyle/>
           <a:p>
-            <a:fld id="{63919177-9F07-41D6-AC7C-7C4F618072F7}" type="datetime1">
+            <a:fld id="{38A65BCC-E555-4E25-90B7-781FDC447933}" type="datetime1">
               <a:rPr lang="en-GB" smtClean="0"/>
-              <a:t>17/05/2021</a:t>
+              <a:t>02/06/2021</a:t>
             </a:fld>
             <a:endParaRPr lang="de-CH"/>
           </a:p>
@@ -3960,9 +4213,9 @@
           <a:bodyPr/>
           <a:lstStyle/>
           <a:p>
-            <a:fld id="{573CED0D-72C6-468E-870A-7243315FB3D4}" type="datetime1">
+            <a:fld id="{9CDE39CB-DD2D-403A-9BCB-482E19A32A92}" type="datetime1">
               <a:rPr lang="en-GB" smtClean="0"/>
-              <a:t>17/05/2021</a:t>
+              <a:t>02/06/2021</a:t>
             </a:fld>
             <a:endParaRPr lang="de-CH"/>
           </a:p>
@@ -4276,9 +4529,9 @@
           <a:bodyPr/>
           <a:lstStyle/>
           <a:p>
-            <a:fld id="{BBC51648-CACD-4968-9637-D1E9E16248D7}" type="datetime1">
+            <a:fld id="{30F67639-CCF9-41B9-B413-9F124362649E}" type="datetime1">
               <a:rPr lang="en-GB" smtClean="0"/>
-              <a:t>17/05/2021</a:t>
+              <a:t>02/06/2021</a:t>
             </a:fld>
             <a:endParaRPr lang="de-CH"/>
           </a:p>
@@ -4568,9 +4821,9 @@
           <a:bodyPr/>
           <a:lstStyle/>
           <a:p>
-            <a:fld id="{A6E75902-A249-44C9-B383-67F6504C04DA}" type="datetime1">
+            <a:fld id="{65C79ECD-86AF-436D-9778-5222C52DEF1C}" type="datetime1">
               <a:rPr lang="en-GB" smtClean="0"/>
-              <a:t>17/05/2021</a:t>
+              <a:t>02/06/2021</a:t>
             </a:fld>
             <a:endParaRPr lang="de-CH"/>
           </a:p>
@@ -4814,9 +5067,9 @@
             </a:lvl1pPr>
           </a:lstStyle>
           <a:p>
-            <a:fld id="{AE1C57E3-159D-47B7-BBBD-02B6226898C8}" type="datetime1">
+            <a:fld id="{86D0E6A5-2101-4529-A593-35971253E0E4}" type="datetime1">
               <a:rPr lang="en-GB" smtClean="0"/>
-              <a:t>17/05/2021</a:t>
+              <a:t>02/06/2021</a:t>
             </a:fld>
             <a:endParaRPr lang="de-CH"/>
           </a:p>
@@ -5499,9 +5752,6 @@
   <p:clrMapOvr>
     <a:masterClrMapping/>
   </p:clrMapOvr>
-  <p:transition spd="slow">
-    <p:push dir="u"/>
-  </p:transition>
 </p:sld>
 </file>
 
@@ -6141,7 +6391,7 @@
               <a:defRPr/>
             </a:pPr>
             <a:r>
-              <a:rPr lang="de-CH" kern="0" spc="-108" dirty="0" err="1">
+              <a:rPr lang="de-CH" kern="0" spc="-108" dirty="0">
                 <a:solidFill>
                   <a:srgbClr val="FFFFFF"/>
                 </a:solidFill>
@@ -6151,14 +6401,6 @@
               </a:rPr>
               <a:t>Preprocessing</a:t>
             </a:r>
-            <a:endParaRPr lang="de-CH" kern="0" spc="-108" dirty="0">
-              <a:solidFill>
-                <a:srgbClr val="FFFFFF"/>
-              </a:solidFill>
-              <a:latin typeface="Helvetica Neue" panose="02000503000000020004" pitchFamily="2" charset="0"/>
-              <a:ea typeface="Helvetica Neue" panose="02000503000000020004" pitchFamily="2" charset="0"/>
-              <a:cs typeface="Helvetica Neue" panose="02000503000000020004" pitchFamily="2" charset="0"/>
-            </a:endParaRPr>
           </a:p>
         </p:txBody>
       </p:sp>
@@ -6507,9 +6749,9 @@
           <a:bodyPr/>
           <a:lstStyle/>
           <a:p>
-            <a:fld id="{969D008F-FF57-47E1-993D-60195A26C23A}" type="datetime1">
+            <a:fld id="{93DF1834-CED1-46D6-BB7B-6C52CF0E4649}" type="datetime1">
               <a:rPr lang="en-GB" smtClean="0"/>
-              <a:t>17/05/2021</a:t>
+              <a:t>02/06/2021</a:t>
             </a:fld>
             <a:endParaRPr lang="de-CH"/>
           </a:p>
@@ -9065,7 +9307,7 @@
           <a:p>
             <a:pPr algn="ctr"/>
             <a:r>
-              <a:rPr lang="de-CH" sz="1100" dirty="0" err="1">
+              <a:rPr lang="de-CH" sz="1100" dirty="0">
                 <a:solidFill>
                   <a:schemeClr val="bg2">
                     <a:lumMod val="75000"/>
@@ -9076,15 +9318,6 @@
               </a:rPr>
               <a:t>Preprocessing</a:t>
             </a:r>
-            <a:endParaRPr lang="de-CH" sz="1100" dirty="0">
-              <a:solidFill>
-                <a:schemeClr val="bg2">
-                  <a:lumMod val="75000"/>
-                </a:schemeClr>
-              </a:solidFill>
-              <a:latin typeface="Helvetica Neue Light" panose="02000403000000020004" pitchFamily="2" charset="0"/>
-              <a:ea typeface="Helvetica Neue Light" panose="02000403000000020004" pitchFamily="2" charset="0"/>
-            </a:endParaRPr>
           </a:p>
         </p:txBody>
       </p:sp>
@@ -9393,9 +9626,9 @@
           <a:bodyPr/>
           <a:lstStyle/>
           <a:p>
-            <a:fld id="{4C3F2C8B-BFDB-4DB2-8412-CD9E36C07FE0}" type="datetime1">
+            <a:fld id="{BC6173DB-529E-410B-A9D9-8F62A5B4D157}" type="datetime1">
               <a:rPr lang="en-GB" smtClean="0"/>
-              <a:t>17/05/2021</a:t>
+              <a:t>02/06/2021</a:t>
             </a:fld>
             <a:endParaRPr lang="de-CH"/>
           </a:p>
@@ -11965,7 +12198,7 @@
           <a:p>
             <a:pPr algn="ctr"/>
             <a:r>
-              <a:rPr lang="de-CH" sz="1100" dirty="0" err="1">
+              <a:rPr lang="de-CH" sz="1100" dirty="0">
                 <a:solidFill>
                   <a:schemeClr val="bg2">
                     <a:lumMod val="75000"/>
@@ -11976,15 +12209,6 @@
               </a:rPr>
               <a:t>Preprocessing</a:t>
             </a:r>
-            <a:endParaRPr lang="de-CH" sz="1100" dirty="0">
-              <a:solidFill>
-                <a:schemeClr val="bg2">
-                  <a:lumMod val="75000"/>
-                </a:schemeClr>
-              </a:solidFill>
-              <a:latin typeface="Helvetica Neue Light" panose="02000403000000020004" pitchFamily="2" charset="0"/>
-              <a:ea typeface="Helvetica Neue Light" panose="02000403000000020004" pitchFamily="2" charset="0"/>
-            </a:endParaRPr>
           </a:p>
         </p:txBody>
       </p:sp>
@@ -12168,9 +12392,9 @@
           <a:bodyPr/>
           <a:lstStyle/>
           <a:p>
-            <a:fld id="{76FBC214-A102-40A2-9BF9-8892C6F5CF17}" type="datetime1">
+            <a:fld id="{64B41D13-DA12-4D1C-8B7D-9F1A6E98DBE0}" type="datetime1">
               <a:rPr lang="en-GB" smtClean="0"/>
-              <a:t>17/05/2021</a:t>
+              <a:t>02/06/2021</a:t>
             </a:fld>
             <a:endParaRPr lang="de-CH"/>
           </a:p>
@@ -12388,6 +12612,36 @@
           <a:chExt cx="0" cy="0"/>
         </a:xfrm>
       </p:grpSpPr>
+      <p:pic>
+        <p:nvPicPr>
+          <p:cNvPr id="15" name="Grafik 14">
+            <a:extLst>
+              <a:ext uri="{FF2B5EF4-FFF2-40B4-BE49-F238E27FC236}">
+                <a16:creationId xmlns:a16="http://schemas.microsoft.com/office/drawing/2014/main" id="{1583B350-AAE6-4E4A-B86F-CE805C630C14}"/>
+              </a:ext>
+            </a:extLst>
+          </p:cNvPr>
+          <p:cNvPicPr>
+            <a:picLocks noChangeAspect="1"/>
+          </p:cNvPicPr>
+          <p:nvPr/>
+        </p:nvPicPr>
+        <p:blipFill>
+          <a:blip r:embed="rId3"/>
+          <a:stretch>
+            <a:fillRect/>
+          </a:stretch>
+        </p:blipFill>
+        <p:spPr>
+          <a:xfrm>
+            <a:off x="7128247" y="969974"/>
+            <a:ext cx="4009734" cy="2582822"/>
+          </a:xfrm>
+          <a:prstGeom prst="rect">
+            <a:avLst/>
+          </a:prstGeom>
+        </p:spPr>
+      </p:pic>
       <p:cxnSp>
         <p:nvCxnSpPr>
           <p:cNvPr id="23" name="Gerader Verbinder 22">
@@ -14585,7 +14839,7 @@
           <a:p>
             <a:pPr algn="ctr"/>
             <a:r>
-              <a:rPr lang="de-CH" sz="1100" dirty="0" err="1">
+              <a:rPr lang="de-CH" sz="1100" dirty="0">
                 <a:solidFill>
                   <a:schemeClr val="bg2">
                     <a:lumMod val="75000"/>
@@ -14596,15 +14850,6 @@
               </a:rPr>
               <a:t>Preprocessing</a:t>
             </a:r>
-            <a:endParaRPr lang="de-CH" sz="1100" dirty="0">
-              <a:solidFill>
-                <a:schemeClr val="bg2">
-                  <a:lumMod val="75000"/>
-                </a:schemeClr>
-              </a:solidFill>
-              <a:latin typeface="Helvetica Neue Light" panose="02000403000000020004" pitchFamily="2" charset="0"/>
-              <a:ea typeface="Helvetica Neue Light" panose="02000403000000020004" pitchFamily="2" charset="0"/>
-            </a:endParaRPr>
           </a:p>
         </p:txBody>
       </p:sp>
@@ -14788,9 +15033,9 @@
           <a:bodyPr/>
           <a:lstStyle/>
           <a:p>
-            <a:fld id="{35CE81EA-6C11-465C-867A-54D9051F31A3}" type="datetime1">
+            <a:fld id="{603E4F4D-713A-47CD-8511-7FDACD1445BE}" type="datetime1">
               <a:rPr lang="en-GB" smtClean="0"/>
-              <a:t>17/05/2021</a:t>
+              <a:t>02/06/2021</a:t>
             </a:fld>
             <a:endParaRPr lang="de-CH"/>
           </a:p>
@@ -14849,6 +15094,265 @@
               <a:rPr lang="de-CH" smtClean="0"/>
               <a:t>5</a:t>
             </a:fld>
+            <a:endParaRPr lang="de-CH"/>
+          </a:p>
+        </p:txBody>
+      </p:sp>
+      <p:sp>
+        <p:nvSpPr>
+          <p:cNvPr id="29" name="Titel 1">
+            <a:extLst>
+              <a:ext uri="{FF2B5EF4-FFF2-40B4-BE49-F238E27FC236}">
+                <a16:creationId xmlns:a16="http://schemas.microsoft.com/office/drawing/2014/main" id="{44FCE176-0339-460E-8DCA-558C6F536E1F}"/>
+              </a:ext>
+            </a:extLst>
+          </p:cNvPr>
+          <p:cNvSpPr>
+            <a:spLocks noGrp="1"/>
+          </p:cNvSpPr>
+          <p:nvPr>
+            <p:ph type="title"/>
+          </p:nvPr>
+        </p:nvSpPr>
+        <p:spPr>
+          <a:xfrm>
+            <a:off x="838200" y="1093042"/>
+            <a:ext cx="10515600" cy="623045"/>
+          </a:xfrm>
+        </p:spPr>
+        <p:txBody>
+          <a:bodyPr>
+            <a:normAutofit fontScale="90000"/>
+          </a:bodyPr>
+          <a:lstStyle/>
+          <a:p>
+            <a:r>
+              <a:rPr lang="de-CH" dirty="0"/>
+              <a:t>Modelling</a:t>
+            </a:r>
+          </a:p>
+        </p:txBody>
+      </p:sp>
+      <p:sp>
+        <p:nvSpPr>
+          <p:cNvPr id="30" name="Inhaltsplatzhalter 2">
+            <a:extLst>
+              <a:ext uri="{FF2B5EF4-FFF2-40B4-BE49-F238E27FC236}">
+                <a16:creationId xmlns:a16="http://schemas.microsoft.com/office/drawing/2014/main" id="{DE13F08A-53C6-4F74-9508-A7475BAE9104}"/>
+              </a:ext>
+            </a:extLst>
+          </p:cNvPr>
+          <p:cNvSpPr>
+            <a:spLocks noGrp="1"/>
+          </p:cNvSpPr>
+          <p:nvPr>
+            <p:ph idx="1"/>
+          </p:nvPr>
+        </p:nvSpPr>
+        <p:spPr>
+          <a:xfrm>
+            <a:off x="838200" y="1902007"/>
+            <a:ext cx="10515600" cy="4300355"/>
+          </a:xfrm>
+        </p:spPr>
+        <p:txBody>
+          <a:bodyPr>
+            <a:normAutofit/>
+          </a:bodyPr>
+          <a:lstStyle/>
+          <a:p>
+            <a:pPr marL="0" indent="0">
+              <a:buNone/>
+            </a:pPr>
+            <a:r>
+              <a:rPr lang="en-AU" sz="2400" dirty="0">
+                <a:solidFill>
+                  <a:schemeClr val="accent1">
+                    <a:lumMod val="75000"/>
+                  </a:schemeClr>
+                </a:solidFill>
+              </a:rPr>
+              <a:t>Defining Evaluation Metrics</a:t>
+            </a:r>
+          </a:p>
+          <a:p>
+            <a:pPr marL="457200" lvl="1" indent="0">
+              <a:buNone/>
+            </a:pPr>
+            <a:r>
+              <a:rPr lang="en-AU" sz="2000" dirty="0"/>
+              <a:t>F1-Score, Balanced Accuracy (Multiclass Metrics)</a:t>
+            </a:r>
+            <a:endParaRPr lang="en-AU" dirty="0">
+              <a:solidFill>
+                <a:schemeClr val="accent1">
+                  <a:lumMod val="75000"/>
+                </a:schemeClr>
+              </a:solidFill>
+            </a:endParaRPr>
+          </a:p>
+          <a:p>
+            <a:pPr marL="0" indent="0">
+              <a:buNone/>
+            </a:pPr>
+            <a:r>
+              <a:rPr lang="en-AU" sz="2400" dirty="0">
+                <a:solidFill>
+                  <a:schemeClr val="accent1">
+                    <a:lumMod val="75000"/>
+                  </a:schemeClr>
+                </a:solidFill>
+              </a:rPr>
+              <a:t>Defining Imputation Strategies</a:t>
+            </a:r>
+          </a:p>
+          <a:p>
+            <a:pPr marL="457200" lvl="1" indent="0">
+              <a:buNone/>
+            </a:pPr>
+            <a:r>
+              <a:rPr lang="en-AU" sz="2000" dirty="0"/>
+              <a:t>KNN/Most Frequent/Mean Imputation</a:t>
+            </a:r>
+          </a:p>
+          <a:p>
+            <a:pPr marL="0" indent="0">
+              <a:buNone/>
+            </a:pPr>
+            <a:r>
+              <a:rPr lang="en-AU" sz="2400" dirty="0">
+                <a:solidFill>
+                  <a:schemeClr val="accent1">
+                    <a:lumMod val="75000"/>
+                  </a:schemeClr>
+                </a:solidFill>
+              </a:rPr>
+              <a:t>Define a set of suitable ML-Algorithms</a:t>
+            </a:r>
+          </a:p>
+          <a:p>
+            <a:pPr marL="457200" lvl="1" indent="0">
+              <a:buNone/>
+            </a:pPr>
+            <a:r>
+              <a:rPr lang="en-AU" sz="2000" dirty="0"/>
+              <a:t>Mostly Tree Based Algorithms, KNN, SVM, Boosted Models (</a:t>
+            </a:r>
+            <a:r>
+              <a:rPr lang="en-AU" sz="2000" dirty="0" err="1"/>
+              <a:t>XGBoost</a:t>
+            </a:r>
+            <a:r>
+              <a:rPr lang="en-AU" sz="2000" dirty="0"/>
+              <a:t>, AdaBoost), MLP</a:t>
+            </a:r>
+          </a:p>
+          <a:p>
+            <a:pPr marL="0" indent="0">
+              <a:buNone/>
+            </a:pPr>
+            <a:r>
+              <a:rPr lang="en-AU" sz="2400" dirty="0">
+                <a:solidFill>
+                  <a:schemeClr val="accent1">
+                    <a:lumMod val="75000"/>
+                  </a:schemeClr>
+                </a:solidFill>
+              </a:rPr>
+              <a:t>Train Baseline Models</a:t>
+            </a:r>
+          </a:p>
+          <a:p>
+            <a:pPr marL="457200" lvl="1" indent="0">
+              <a:buNone/>
+            </a:pPr>
+            <a:r>
+              <a:rPr lang="en-AU" sz="2000" dirty="0"/>
+              <a:t>Dummy classifier, predict based on underlying distribution or random guessing (assumes a uniform distribution)</a:t>
+            </a:r>
+          </a:p>
+          <a:p>
+            <a:pPr marL="0" indent="0">
+              <a:buNone/>
+            </a:pPr>
+            <a:r>
+              <a:rPr lang="en-AU" sz="2400" dirty="0">
+                <a:solidFill>
+                  <a:schemeClr val="accent1">
+                    <a:lumMod val="75000"/>
+                  </a:schemeClr>
+                </a:solidFill>
+              </a:rPr>
+              <a:t>Train ML-Algorithms</a:t>
+            </a:r>
+          </a:p>
+          <a:p>
+            <a:pPr marL="0" indent="0">
+              <a:buNone/>
+            </a:pPr>
+            <a:r>
+              <a:rPr lang="en-AU" sz="2000" dirty="0"/>
+              <a:t>        Initialize and train Models with rudimentary hyperparameter search             Next Steps</a:t>
+            </a:r>
+          </a:p>
+          <a:p>
+            <a:pPr lvl="1">
+              <a:buFontTx/>
+              <a:buChar char="-"/>
+            </a:pPr>
+            <a:endParaRPr lang="en-AU" sz="2000" dirty="0"/>
+          </a:p>
+          <a:p>
+            <a:pPr lvl="1">
+              <a:buFontTx/>
+              <a:buChar char="-"/>
+            </a:pPr>
+            <a:endParaRPr lang="en-AU" sz="2000" dirty="0"/>
+          </a:p>
+        </p:txBody>
+      </p:sp>
+      <p:sp>
+        <p:nvSpPr>
+          <p:cNvPr id="16" name="Pfeil: nach rechts 15">
+            <a:extLst>
+              <a:ext uri="{FF2B5EF4-FFF2-40B4-BE49-F238E27FC236}">
+                <a16:creationId xmlns:a16="http://schemas.microsoft.com/office/drawing/2014/main" id="{2A38A640-DD7F-4A07-81AD-BF9B9B850AAD}"/>
+              </a:ext>
+            </a:extLst>
+          </p:cNvPr>
+          <p:cNvSpPr/>
+          <p:nvPr/>
+        </p:nvSpPr>
+        <p:spPr>
+          <a:xfrm>
+            <a:off x="8610600" y="5867809"/>
+            <a:ext cx="492694" cy="216939"/>
+          </a:xfrm>
+          <a:prstGeom prst="rightArrow">
+            <a:avLst/>
+          </a:prstGeom>
+        </p:spPr>
+        <p:style>
+          <a:lnRef idx="2">
+            <a:schemeClr val="accent1">
+              <a:shade val="50000"/>
+            </a:schemeClr>
+          </a:lnRef>
+          <a:fillRef idx="1">
+            <a:schemeClr val="accent1"/>
+          </a:fillRef>
+          <a:effectRef idx="0">
+            <a:schemeClr val="accent1"/>
+          </a:effectRef>
+          <a:fontRef idx="minor">
+            <a:schemeClr val="lt1"/>
+          </a:fontRef>
+        </p:style>
+        <p:txBody>
+          <a:bodyPr rtlCol="0" anchor="ctr"/>
+          <a:lstStyle/>
+          <a:p>
+            <a:pPr algn="ctr"/>
             <a:endParaRPr lang="de-CH"/>
           </a:p>
         </p:txBody>
@@ -17205,7 +17709,7 @@
           <a:p>
             <a:pPr algn="ctr"/>
             <a:r>
-              <a:rPr lang="de-CH" sz="1100" dirty="0" err="1">
+              <a:rPr lang="en-AU" sz="1100" dirty="0" err="1">
                 <a:solidFill>
                   <a:schemeClr val="bg2">
                     <a:lumMod val="75000"/>
@@ -17216,7 +17720,7 @@
               </a:rPr>
               <a:t>Preprocessing</a:t>
             </a:r>
-            <a:endParaRPr lang="de-CH" sz="1100" dirty="0">
+            <a:endParaRPr lang="en-AU" sz="1100" dirty="0">
               <a:solidFill>
                 <a:schemeClr val="bg2">
                   <a:lumMod val="75000"/>
@@ -17408,9 +17912,9 @@
           <a:bodyPr/>
           <a:lstStyle/>
           <a:p>
-            <a:fld id="{3E0D62B3-D024-40DB-B196-B83DB830D8AF}" type="datetime1">
+            <a:fld id="{3DFBE1F1-02DC-4221-83F2-5E9972B6332E}" type="datetime1">
               <a:rPr lang="en-GB" smtClean="0"/>
-              <a:t>17/05/2021</a:t>
+              <a:t>02/06/2021</a:t>
             </a:fld>
             <a:endParaRPr lang="de-CH"/>
           </a:p>
@@ -17493,14 +17997,14 @@
           <p:nvPr>
             <p:extLst>
               <p:ext uri="{D42A27DB-BD31-4B8C-83A1-F6EECF244321}">
-                <p14:modId xmlns:p14="http://schemas.microsoft.com/office/powerpoint/2010/main" val="2201595832"/>
+                <p14:modId xmlns:p14="http://schemas.microsoft.com/office/powerpoint/2010/main" val="2756575893"/>
               </p:ext>
             </p:extLst>
           </p:nvPr>
         </p:nvGraphicFramePr>
         <p:xfrm>
           <a:off x="3190327" y="1975966"/>
-          <a:ext cx="5586859" cy="2974852"/>
+          <a:ext cx="5616810" cy="2689306"/>
         </p:xfrm>
         <a:graphic>
           <a:graphicData uri="http://schemas.openxmlformats.org/drawingml/2006/table">
@@ -17516,45 +18020,59 @@
                     </a:ext>
                   </a:extLst>
                 </a:gridCol>
-                <a:gridCol w="742950">
+                <a:gridCol w="668338">
                   <a:extLst>
                     <a:ext uri="{9D8B030D-6E8A-4147-A177-3AD203B41FA5}">
                       <a16:colId xmlns:a16="http://schemas.microsoft.com/office/drawing/2014/main" val="2737737873"/>
                     </a:ext>
                   </a:extLst>
                 </a:gridCol>
-                <a:gridCol w="828675">
+                <a:gridCol w="798513">
                   <a:extLst>
                     <a:ext uri="{9D8B030D-6E8A-4147-A177-3AD203B41FA5}">
                       <a16:colId xmlns:a16="http://schemas.microsoft.com/office/drawing/2014/main" val="4254226468"/>
                     </a:ext>
                   </a:extLst>
                 </a:gridCol>
-                <a:gridCol w="885825">
+                <a:gridCol w="892175">
                   <a:extLst>
                     <a:ext uri="{9D8B030D-6E8A-4147-A177-3AD203B41FA5}">
                       <a16:colId xmlns:a16="http://schemas.microsoft.com/office/drawing/2014/main" val="461530403"/>
                     </a:ext>
                   </a:extLst>
                 </a:gridCol>
-                <a:gridCol w="574647">
+                <a:gridCol w="285750">
                   <a:extLst>
                     <a:ext uri="{9D8B030D-6E8A-4147-A177-3AD203B41FA5}">
                       <a16:colId xmlns:a16="http://schemas.microsoft.com/office/drawing/2014/main" val="2458375099"/>
                     </a:ext>
                   </a:extLst>
                 </a:gridCol>
-                <a:gridCol w="608022">
+                <a:gridCol w="293688">
                   <a:extLst>
                     <a:ext uri="{9D8B030D-6E8A-4147-A177-3AD203B41FA5}">
                       <a16:colId xmlns:a16="http://schemas.microsoft.com/office/drawing/2014/main" val="397925382"/>
                     </a:ext>
                   </a:extLst>
                 </a:gridCol>
-                <a:gridCol w="718015">
+                <a:gridCol w="515938">
+                  <a:extLst>
+                    <a:ext uri="{9D8B030D-6E8A-4147-A177-3AD203B41FA5}">
+                      <a16:colId xmlns:a16="http://schemas.microsoft.com/office/drawing/2014/main" val="965078730"/>
+                    </a:ext>
+                  </a:extLst>
+                </a:gridCol>
+                <a:gridCol w="574675">
                   <a:extLst>
                     <a:ext uri="{9D8B030D-6E8A-4147-A177-3AD203B41FA5}">
                       <a16:colId xmlns:a16="http://schemas.microsoft.com/office/drawing/2014/main" val="4010150799"/>
+                    </a:ext>
+                  </a:extLst>
+                </a:gridCol>
+                <a:gridCol w="359008">
+                  <a:extLst>
+                    <a:ext uri="{9D8B030D-6E8A-4147-A177-3AD203B41FA5}">
+                      <a16:colId xmlns:a16="http://schemas.microsoft.com/office/drawing/2014/main" val="2397025832"/>
                     </a:ext>
                   </a:extLst>
                 </a:gridCol>
@@ -17972,7 +18490,7 @@
                     </a:solidFill>
                   </a:tcPr>
                 </a:tc>
-                <a:tc>
+                <a:tc gridSpan="2">
                   <a:txBody>
                     <a:bodyPr/>
                     <a:lstStyle/>
@@ -18052,7 +18570,17 @@
                     </a:solidFill>
                   </a:tcPr>
                 </a:tc>
-                <a:tc>
+                <a:tc hMerge="1">
+                  <a:txBody>
+                    <a:bodyPr/>
+                    <a:lstStyle/>
+                    <a:p>
+                      <a:endParaRPr lang="de-CH"/>
+                    </a:p>
+                  </a:txBody>
+                  <a:tcPr/>
+                </a:tc>
+                <a:tc gridSpan="2">
                   <a:txBody>
                     <a:bodyPr/>
                     <a:lstStyle/>
@@ -18132,13 +18660,23 @@
                     </a:solidFill>
                   </a:tcPr>
                 </a:tc>
+                <a:tc hMerge="1">
+                  <a:txBody>
+                    <a:bodyPr/>
+                    <a:lstStyle/>
+                    <a:p>
+                      <a:endParaRPr lang="de-CH"/>
+                    </a:p>
+                  </a:txBody>
+                  <a:tcPr/>
+                </a:tc>
                 <a:extLst>
                   <a:ext uri="{0D108BD9-81ED-4DB2-BD59-A6C34878D82A}">
                     <a16:rowId xmlns:a16="http://schemas.microsoft.com/office/drawing/2014/main" val="2958793149"/>
                   </a:ext>
                 </a:extLst>
               </a:tr>
-              <a:tr h="348378">
+              <a:tr h="214139">
                 <a:tc>
                   <a:txBody>
                     <a:bodyPr/>
@@ -18146,12 +18684,12 @@
                     <a:p>
                       <a:pPr algn="l" fontAlgn="b"/>
                       <a:r>
-                        <a:rPr lang="en-AU" sz="1100" u="none" strike="noStrike" noProof="0">
+                        <a:rPr lang="en-AU" sz="1100" u="none" strike="noStrike" noProof="0" dirty="0">
                           <a:effectLst/>
                         </a:rPr>
                         <a:t> </a:t>
                       </a:r>
-                      <a:endParaRPr lang="en-AU" sz="1100" b="0" i="0" u="none" strike="noStrike" noProof="0">
+                      <a:endParaRPr lang="en-AU" sz="1100" b="0" i="0" u="none" strike="noStrike" noProof="0" dirty="0">
                         <a:solidFill>
                           <a:srgbClr val="000000"/>
                         </a:solidFill>
@@ -18386,12 +18924,12 @@
                     <a:p>
                       <a:pPr algn="l" fontAlgn="b"/>
                       <a:r>
-                        <a:rPr lang="en-AU" sz="1100" u="none" strike="noStrike" noProof="0">
+                        <a:rPr lang="en-AU" sz="1100" u="none" strike="noStrike" noProof="0" dirty="0">
                           <a:effectLst/>
                         </a:rPr>
                         <a:t>Random Forest</a:t>
                       </a:r>
-                      <a:endParaRPr lang="en-AU" sz="1100" b="0" i="0" u="none" strike="noStrike" noProof="0">
+                      <a:endParaRPr lang="en-AU" sz="1100" b="0" i="0" u="none" strike="noStrike" noProof="0" dirty="0">
                         <a:solidFill>
                           <a:srgbClr val="000000"/>
                         </a:solidFill>
@@ -18546,12 +19084,12 @@
                     <a:p>
                       <a:pPr algn="l" fontAlgn="b"/>
                       <a:r>
-                        <a:rPr lang="en-AU" sz="1100" u="none" strike="noStrike" noProof="0">
+                        <a:rPr lang="en-AU" sz="1100" u="none" strike="noStrike" noProof="0" dirty="0">
                           <a:effectLst/>
                         </a:rPr>
                         <a:t>SVM</a:t>
                       </a:r>
-                      <a:endParaRPr lang="en-AU" sz="1100" b="0" i="0" u="none" strike="noStrike" noProof="0">
+                      <a:endParaRPr lang="en-AU" sz="1100" b="0" i="0" u="none" strike="noStrike" noProof="0" dirty="0">
                         <a:solidFill>
                           <a:srgbClr val="000000"/>
                         </a:solidFill>
@@ -18626,12 +19164,173 @@
                     <a:p>
                       <a:pPr algn="l" fontAlgn="b"/>
                       <a:r>
-                        <a:rPr lang="en-AU" sz="1100" u="none" strike="noStrike" noProof="0">
+                        <a:rPr lang="en-AU" sz="1100" b="0" i="0" u="none" strike="noStrike" noProof="0" dirty="0" err="1">
+                          <a:solidFill>
+                            <a:srgbClr val="000000"/>
+                          </a:solidFill>
+                          <a:effectLst/>
+                          <a:latin typeface="Calibri" panose="020F0502020204030204" pitchFamily="34" charset="0"/>
+                        </a:rPr>
+                        <a:t>XGBoost</a:t>
+                      </a:r>
+                      <a:endParaRPr lang="en-AU" sz="1100" b="0" i="0" u="none" strike="noStrike" noProof="0" dirty="0">
+                        <a:solidFill>
+                          <a:srgbClr val="000000"/>
+                        </a:solidFill>
+                        <a:effectLst/>
+                        <a:latin typeface="Calibri" panose="020F0502020204030204" pitchFamily="34" charset="0"/>
+                      </a:endParaRPr>
+                    </a:p>
+                  </a:txBody>
+                  <a:tcPr marL="0" marR="0" marT="0" marB="0" anchor="b">
+                    <a:lnL w="12700" cap="flat" cmpd="sng" algn="ctr">
+                      <a:solidFill>
+                        <a:schemeClr val="accent1">
+                          <a:lumMod val="40000"/>
+                          <a:lumOff val="60000"/>
+                        </a:schemeClr>
+                      </a:solidFill>
+                      <a:prstDash val="solid"/>
+                      <a:round/>
+                      <a:headEnd type="none" w="med" len="med"/>
+                      <a:tailEnd type="none" w="med" len="med"/>
+                    </a:lnL>
+                    <a:lnR w="12700" cap="flat" cmpd="sng" algn="ctr">
+                      <a:solidFill>
+                        <a:schemeClr val="accent1">
+                          <a:lumMod val="40000"/>
+                          <a:lumOff val="60000"/>
+                        </a:schemeClr>
+                      </a:solidFill>
+                      <a:prstDash val="solid"/>
+                      <a:round/>
+                      <a:headEnd type="none" w="med" len="med"/>
+                      <a:tailEnd type="none" w="med" len="med"/>
+                    </a:lnR>
+                    <a:lnT w="12700" cap="flat" cmpd="sng" algn="ctr">
+                      <a:solidFill>
+                        <a:schemeClr val="accent1">
+                          <a:lumMod val="40000"/>
+                          <a:lumOff val="60000"/>
+                        </a:schemeClr>
+                      </a:solidFill>
+                      <a:prstDash val="solid"/>
+                      <a:round/>
+                      <a:headEnd type="none" w="med" len="med"/>
+                      <a:tailEnd type="none" w="med" len="med"/>
+                    </a:lnT>
+                    <a:lnB w="12700" cap="flat" cmpd="sng" algn="ctr">
+                      <a:solidFill>
+                        <a:schemeClr val="accent1">
+                          <a:lumMod val="40000"/>
+                          <a:lumOff val="60000"/>
+                        </a:schemeClr>
+                      </a:solidFill>
+                      <a:prstDash val="solid"/>
+                      <a:round/>
+                      <a:headEnd type="none" w="med" len="med"/>
+                      <a:tailEnd type="none" w="med" len="med"/>
+                    </a:lnB>
+                    <a:lnTlToBr w="12700" cmpd="sng">
+                      <a:noFill/>
+                      <a:prstDash val="solid"/>
+                    </a:lnTlToBr>
+                    <a:lnBlToTr w="12700" cmpd="sng">
+                      <a:noFill/>
+                      <a:prstDash val="solid"/>
+                    </a:lnBlToTr>
+                  </a:tcPr>
+                </a:tc>
+                <a:tc>
+                  <a:txBody>
+                    <a:bodyPr/>
+                    <a:lstStyle/>
+                    <a:p>
+                      <a:pPr algn="l" fontAlgn="b"/>
+                      <a:r>
+                        <a:rPr lang="en-AU" sz="1100" b="0" i="0" u="none" strike="noStrike" noProof="0" dirty="0">
+                          <a:solidFill>
+                            <a:srgbClr val="000000"/>
+                          </a:solidFill>
+                          <a:effectLst/>
+                          <a:latin typeface="Calibri" panose="020F0502020204030204" pitchFamily="34" charset="0"/>
+                        </a:rPr>
+                        <a:t>AdaBoost</a:t>
+                      </a:r>
+                    </a:p>
+                  </a:txBody>
+                  <a:tcPr marL="0" marR="0" marT="0" marB="0" anchor="b">
+                    <a:lnL w="12700" cap="flat" cmpd="sng" algn="ctr">
+                      <a:solidFill>
+                        <a:schemeClr val="accent1">
+                          <a:lumMod val="40000"/>
+                          <a:lumOff val="60000"/>
+                        </a:schemeClr>
+                      </a:solidFill>
+                      <a:prstDash val="solid"/>
+                      <a:round/>
+                      <a:headEnd type="none" w="med" len="med"/>
+                      <a:tailEnd type="none" w="med" len="med"/>
+                    </a:lnL>
+                    <a:lnR w="12700" cap="flat" cmpd="sng" algn="ctr">
+                      <a:solidFill>
+                        <a:schemeClr val="accent1">
+                          <a:lumMod val="40000"/>
+                          <a:lumOff val="60000"/>
+                        </a:schemeClr>
+                      </a:solidFill>
+                      <a:prstDash val="solid"/>
+                      <a:round/>
+                      <a:headEnd type="none" w="med" len="med"/>
+                      <a:tailEnd type="none" w="med" len="med"/>
+                    </a:lnR>
+                    <a:lnT w="12700" cap="flat" cmpd="sng" algn="ctr">
+                      <a:solidFill>
+                        <a:schemeClr val="accent1">
+                          <a:lumMod val="40000"/>
+                          <a:lumOff val="60000"/>
+                        </a:schemeClr>
+                      </a:solidFill>
+                      <a:prstDash val="solid"/>
+                      <a:round/>
+                      <a:headEnd type="none" w="med" len="med"/>
+                      <a:tailEnd type="none" w="med" len="med"/>
+                    </a:lnT>
+                    <a:lnB w="12700" cap="flat" cmpd="sng" algn="ctr">
+                      <a:solidFill>
+                        <a:schemeClr val="accent1">
+                          <a:lumMod val="40000"/>
+                          <a:lumOff val="60000"/>
+                        </a:schemeClr>
+                      </a:solidFill>
+                      <a:prstDash val="solid"/>
+                      <a:round/>
+                      <a:headEnd type="none" w="med" len="med"/>
+                      <a:tailEnd type="none" w="med" len="med"/>
+                    </a:lnB>
+                    <a:lnTlToBr w="12700" cmpd="sng">
+                      <a:noFill/>
+                      <a:prstDash val="solid"/>
+                    </a:lnTlToBr>
+                    <a:lnBlToTr w="12700" cmpd="sng">
+                      <a:noFill/>
+                      <a:prstDash val="solid"/>
+                    </a:lnBlToTr>
+                  </a:tcPr>
+                </a:tc>
+                <a:tc>
+                  <a:txBody>
+                    <a:bodyPr/>
+                    <a:lstStyle/>
+                    <a:p>
+                      <a:pPr algn="l" fontAlgn="b"/>
+                      <a:r>
+                        <a:rPr lang="en-AU" sz="1100" u="none" strike="noStrike" noProof="0" dirty="0">
                           <a:effectLst/>
                         </a:rPr>
                         <a:t>MLP</a:t>
                       </a:r>
-                      <a:endParaRPr lang="en-AU" sz="1100" b="0" i="0" u="none" strike="noStrike" noProof="0">
+                      <a:endParaRPr lang="en-AU" sz="1100" b="0" i="0" u="none" strike="noStrike" noProof="0" dirty="0">
                         <a:solidFill>
                           <a:srgbClr val="000000"/>
                         </a:solidFill>
@@ -19113,12 +19812,12 @@
                     <a:p>
                       <a:pPr algn="r" fontAlgn="b"/>
                       <a:r>
-                        <a:rPr lang="en-AU" sz="1100" u="none" strike="noStrike" noProof="0">
+                        <a:rPr lang="en-AU" sz="1100" u="none" strike="noStrike" noProof="0" dirty="0">
                           <a:effectLst/>
                         </a:rPr>
                         <a:t>0.21</a:t>
                       </a:r>
-                      <a:endParaRPr lang="en-AU" sz="1100" b="0" i="0" u="none" strike="noStrike" noProof="0">
+                      <a:endParaRPr lang="en-AU" sz="1100" b="0" i="0" u="none" strike="noStrike" noProof="0" dirty="0">
                         <a:solidFill>
                           <a:srgbClr val="000000"/>
                         </a:solidFill>
@@ -19193,12 +19892,172 @@
                     <a:p>
                       <a:pPr algn="r" fontAlgn="b"/>
                       <a:r>
-                        <a:rPr lang="en-AU" sz="1100" u="none" strike="noStrike" noProof="0">
+                        <a:rPr lang="de-CH" sz="1100" b="0" i="0" u="none" strike="noStrike">
+                          <a:solidFill>
+                            <a:srgbClr val="000000"/>
+                          </a:solidFill>
+                          <a:effectLst/>
+                          <a:latin typeface="Calibri" panose="020F0502020204030204" pitchFamily="34" charset="0"/>
+                        </a:rPr>
+                        <a:t>0.31</a:t>
+                      </a:r>
+                    </a:p>
+                  </a:txBody>
+                  <a:tcPr marL="0" marR="0" marT="0" marB="0" anchor="b">
+                    <a:lnL w="12700" cap="flat" cmpd="sng" algn="ctr">
+                      <a:solidFill>
+                        <a:schemeClr val="accent1">
+                          <a:lumMod val="40000"/>
+                          <a:lumOff val="60000"/>
+                        </a:schemeClr>
+                      </a:solidFill>
+                      <a:prstDash val="solid"/>
+                      <a:round/>
+                      <a:headEnd type="none" w="med" len="med"/>
+                      <a:tailEnd type="none" w="med" len="med"/>
+                    </a:lnL>
+                    <a:lnR w="12700" cap="flat" cmpd="sng" algn="ctr">
+                      <a:solidFill>
+                        <a:schemeClr val="accent1">
+                          <a:lumMod val="40000"/>
+                          <a:lumOff val="60000"/>
+                        </a:schemeClr>
+                      </a:solidFill>
+                      <a:prstDash val="solid"/>
+                      <a:round/>
+                      <a:headEnd type="none" w="med" len="med"/>
+                      <a:tailEnd type="none" w="med" len="med"/>
+                    </a:lnR>
+                    <a:lnT w="12700" cap="flat" cmpd="sng" algn="ctr">
+                      <a:solidFill>
+                        <a:schemeClr val="accent1">
+                          <a:lumMod val="40000"/>
+                          <a:lumOff val="60000"/>
+                        </a:schemeClr>
+                      </a:solidFill>
+                      <a:prstDash val="solid"/>
+                      <a:round/>
+                      <a:headEnd type="none" w="med" len="med"/>
+                      <a:tailEnd type="none" w="med" len="med"/>
+                    </a:lnT>
+                    <a:lnB w="12700" cap="flat" cmpd="sng" algn="ctr">
+                      <a:solidFill>
+                        <a:schemeClr val="accent1">
+                          <a:lumMod val="40000"/>
+                          <a:lumOff val="60000"/>
+                        </a:schemeClr>
+                      </a:solidFill>
+                      <a:prstDash val="solid"/>
+                      <a:round/>
+                      <a:headEnd type="none" w="med" len="med"/>
+                      <a:tailEnd type="none" w="med" len="med"/>
+                    </a:lnB>
+                    <a:lnTlToBr w="12700" cmpd="sng">
+                      <a:noFill/>
+                      <a:prstDash val="solid"/>
+                    </a:lnTlToBr>
+                    <a:lnBlToTr w="12700" cmpd="sng">
+                      <a:noFill/>
+                      <a:prstDash val="solid"/>
+                    </a:lnBlToTr>
+                  </a:tcPr>
+                </a:tc>
+                <a:tc>
+                  <a:txBody>
+                    <a:bodyPr/>
+                    <a:lstStyle/>
+                    <a:p>
+                      <a:pPr algn="r" fontAlgn="b"/>
+                      <a:r>
+                        <a:rPr lang="de-CH" sz="1100" b="0" i="0" u="none" strike="noStrike">
+                          <a:solidFill>
+                            <a:srgbClr val="000000"/>
+                          </a:solidFill>
+                          <a:effectLst/>
+                          <a:latin typeface="Calibri" panose="020F0502020204030204" pitchFamily="34" charset="0"/>
+                        </a:rPr>
+                        <a:t>0.22</a:t>
+                      </a:r>
+                    </a:p>
+                  </a:txBody>
+                  <a:tcPr marL="0" marR="0" marT="0" marB="0" anchor="b">
+                    <a:lnL w="12700" cap="flat" cmpd="sng" algn="ctr">
+                      <a:solidFill>
+                        <a:schemeClr val="accent1">
+                          <a:lumMod val="40000"/>
+                          <a:lumOff val="60000"/>
+                        </a:schemeClr>
+                      </a:solidFill>
+                      <a:prstDash val="solid"/>
+                      <a:round/>
+                      <a:headEnd type="none" w="med" len="med"/>
+                      <a:tailEnd type="none" w="med" len="med"/>
+                    </a:lnL>
+                    <a:lnR w="12700" cap="flat" cmpd="sng" algn="ctr">
+                      <a:solidFill>
+                        <a:schemeClr val="accent1">
+                          <a:lumMod val="40000"/>
+                          <a:lumOff val="60000"/>
+                        </a:schemeClr>
+                      </a:solidFill>
+                      <a:prstDash val="solid"/>
+                      <a:round/>
+                      <a:headEnd type="none" w="med" len="med"/>
+                      <a:tailEnd type="none" w="med" len="med"/>
+                    </a:lnR>
+                    <a:lnT w="12700" cap="flat" cmpd="sng" algn="ctr">
+                      <a:solidFill>
+                        <a:schemeClr val="accent1">
+                          <a:lumMod val="40000"/>
+                          <a:lumOff val="60000"/>
+                        </a:schemeClr>
+                      </a:solidFill>
+                      <a:prstDash val="solid"/>
+                      <a:round/>
+                      <a:headEnd type="none" w="med" len="med"/>
+                      <a:tailEnd type="none" w="med" len="med"/>
+                    </a:lnT>
+                    <a:lnB w="12700" cap="flat" cmpd="sng" algn="ctr">
+                      <a:solidFill>
+                        <a:schemeClr val="accent1">
+                          <a:lumMod val="40000"/>
+                          <a:lumOff val="60000"/>
+                        </a:schemeClr>
+                      </a:solidFill>
+                      <a:prstDash val="solid"/>
+                      <a:round/>
+                      <a:headEnd type="none" w="med" len="med"/>
+                      <a:tailEnd type="none" w="med" len="med"/>
+                    </a:lnB>
+                    <a:lnTlToBr w="12700" cmpd="sng">
+                      <a:noFill/>
+                      <a:prstDash val="solid"/>
+                    </a:lnTlToBr>
+                    <a:lnBlToTr w="12700" cmpd="sng">
+                      <a:noFill/>
+                      <a:prstDash val="solid"/>
+                    </a:lnBlToTr>
+                    <a:solidFill>
+                      <a:schemeClr val="accent6">
+                        <a:lumMod val="60000"/>
+                        <a:lumOff val="40000"/>
+                      </a:schemeClr>
+                    </a:solidFill>
+                  </a:tcPr>
+                </a:tc>
+                <a:tc>
+                  <a:txBody>
+                    <a:bodyPr/>
+                    <a:lstStyle/>
+                    <a:p>
+                      <a:pPr algn="r" fontAlgn="b"/>
+                      <a:r>
+                        <a:rPr lang="en-AU" sz="1100" u="none" strike="noStrike" noProof="0" dirty="0">
                           <a:effectLst/>
                         </a:rPr>
                         <a:t>0.32</a:t>
                       </a:r>
-                      <a:endParaRPr lang="en-AU" sz="1100" b="0" i="0" u="none" strike="noStrike" noProof="0">
+                      <a:endParaRPr lang="en-AU" sz="1100" b="0" i="0" u="none" strike="noStrike" noProof="0" dirty="0">
                         <a:solidFill>
                           <a:srgbClr val="000000"/>
                         </a:solidFill>
@@ -19686,12 +20545,12 @@
                     <a:p>
                       <a:pPr algn="r" fontAlgn="b"/>
                       <a:r>
-                        <a:rPr lang="en-AU" sz="1100" u="none" strike="noStrike" noProof="0">
+                        <a:rPr lang="en-AU" sz="1100" u="none" strike="noStrike" noProof="0" dirty="0">
                           <a:effectLst/>
                         </a:rPr>
                         <a:t>0.27</a:t>
                       </a:r>
-                      <a:endParaRPr lang="en-AU" sz="1100" b="0" i="0" u="none" strike="noStrike" noProof="0">
+                      <a:endParaRPr lang="en-AU" sz="1100" b="0" i="0" u="none" strike="noStrike" noProof="0" dirty="0">
                         <a:solidFill>
                           <a:srgbClr val="000000"/>
                         </a:solidFill>
@@ -19766,12 +20625,172 @@
                     <a:p>
                       <a:pPr algn="r" fontAlgn="b"/>
                       <a:r>
-                        <a:rPr lang="en-AU" sz="1100" u="none" strike="noStrike" noProof="0">
+                        <a:rPr lang="de-CH" sz="1100" b="0" i="0" u="none" strike="noStrike">
+                          <a:solidFill>
+                            <a:srgbClr val="000000"/>
+                          </a:solidFill>
+                          <a:effectLst/>
+                          <a:latin typeface="Calibri" panose="020F0502020204030204" pitchFamily="34" charset="0"/>
+                        </a:rPr>
+                        <a:t>0.26</a:t>
+                      </a:r>
+                    </a:p>
+                  </a:txBody>
+                  <a:tcPr marL="0" marR="0" marT="0" marB="0" anchor="b">
+                    <a:lnL w="12700" cap="flat" cmpd="sng" algn="ctr">
+                      <a:solidFill>
+                        <a:schemeClr val="accent1">
+                          <a:lumMod val="40000"/>
+                          <a:lumOff val="60000"/>
+                        </a:schemeClr>
+                      </a:solidFill>
+                      <a:prstDash val="solid"/>
+                      <a:round/>
+                      <a:headEnd type="none" w="med" len="med"/>
+                      <a:tailEnd type="none" w="med" len="med"/>
+                    </a:lnL>
+                    <a:lnR w="12700" cap="flat" cmpd="sng" algn="ctr">
+                      <a:solidFill>
+                        <a:schemeClr val="accent1">
+                          <a:lumMod val="40000"/>
+                          <a:lumOff val="60000"/>
+                        </a:schemeClr>
+                      </a:solidFill>
+                      <a:prstDash val="solid"/>
+                      <a:round/>
+                      <a:headEnd type="none" w="med" len="med"/>
+                      <a:tailEnd type="none" w="med" len="med"/>
+                    </a:lnR>
+                    <a:lnT w="12700" cap="flat" cmpd="sng" algn="ctr">
+                      <a:solidFill>
+                        <a:schemeClr val="accent1">
+                          <a:lumMod val="40000"/>
+                          <a:lumOff val="60000"/>
+                        </a:schemeClr>
+                      </a:solidFill>
+                      <a:prstDash val="solid"/>
+                      <a:round/>
+                      <a:headEnd type="none" w="med" len="med"/>
+                      <a:tailEnd type="none" w="med" len="med"/>
+                    </a:lnT>
+                    <a:lnB w="12700" cap="flat" cmpd="sng" algn="ctr">
+                      <a:solidFill>
+                        <a:schemeClr val="accent1">
+                          <a:lumMod val="40000"/>
+                          <a:lumOff val="60000"/>
+                        </a:schemeClr>
+                      </a:solidFill>
+                      <a:prstDash val="solid"/>
+                      <a:round/>
+                      <a:headEnd type="none" w="med" len="med"/>
+                      <a:tailEnd type="none" w="med" len="med"/>
+                    </a:lnB>
+                    <a:lnTlToBr w="12700" cmpd="sng">
+                      <a:noFill/>
+                      <a:prstDash val="solid"/>
+                    </a:lnTlToBr>
+                    <a:lnBlToTr w="12700" cmpd="sng">
+                      <a:noFill/>
+                      <a:prstDash val="solid"/>
+                    </a:lnBlToTr>
+                  </a:tcPr>
+                </a:tc>
+                <a:tc>
+                  <a:txBody>
+                    <a:bodyPr/>
+                    <a:lstStyle/>
+                    <a:p>
+                      <a:pPr algn="r" fontAlgn="b"/>
+                      <a:r>
+                        <a:rPr lang="de-CH" sz="1100" b="0" i="0" u="none" strike="noStrike">
+                          <a:solidFill>
+                            <a:srgbClr val="000000"/>
+                          </a:solidFill>
+                          <a:effectLst/>
+                          <a:latin typeface="Calibri" panose="020F0502020204030204" pitchFamily="34" charset="0"/>
+                        </a:rPr>
+                        <a:t>0.29</a:t>
+                      </a:r>
+                    </a:p>
+                  </a:txBody>
+                  <a:tcPr marL="0" marR="0" marT="0" marB="0" anchor="b">
+                    <a:lnL w="12700" cap="flat" cmpd="sng" algn="ctr">
+                      <a:solidFill>
+                        <a:schemeClr val="accent1">
+                          <a:lumMod val="40000"/>
+                          <a:lumOff val="60000"/>
+                        </a:schemeClr>
+                      </a:solidFill>
+                      <a:prstDash val="solid"/>
+                      <a:round/>
+                      <a:headEnd type="none" w="med" len="med"/>
+                      <a:tailEnd type="none" w="med" len="med"/>
+                    </a:lnL>
+                    <a:lnR w="12700" cap="flat" cmpd="sng" algn="ctr">
+                      <a:solidFill>
+                        <a:schemeClr val="accent1">
+                          <a:lumMod val="40000"/>
+                          <a:lumOff val="60000"/>
+                        </a:schemeClr>
+                      </a:solidFill>
+                      <a:prstDash val="solid"/>
+                      <a:round/>
+                      <a:headEnd type="none" w="med" len="med"/>
+                      <a:tailEnd type="none" w="med" len="med"/>
+                    </a:lnR>
+                    <a:lnT w="12700" cap="flat" cmpd="sng" algn="ctr">
+                      <a:solidFill>
+                        <a:schemeClr val="accent1">
+                          <a:lumMod val="40000"/>
+                          <a:lumOff val="60000"/>
+                        </a:schemeClr>
+                      </a:solidFill>
+                      <a:prstDash val="solid"/>
+                      <a:round/>
+                      <a:headEnd type="none" w="med" len="med"/>
+                      <a:tailEnd type="none" w="med" len="med"/>
+                    </a:lnT>
+                    <a:lnB w="12700" cap="flat" cmpd="sng" algn="ctr">
+                      <a:solidFill>
+                        <a:schemeClr val="accent1">
+                          <a:lumMod val="40000"/>
+                          <a:lumOff val="60000"/>
+                        </a:schemeClr>
+                      </a:solidFill>
+                      <a:prstDash val="solid"/>
+                      <a:round/>
+                      <a:headEnd type="none" w="med" len="med"/>
+                      <a:tailEnd type="none" w="med" len="med"/>
+                    </a:lnB>
+                    <a:lnTlToBr w="12700" cmpd="sng">
+                      <a:noFill/>
+                      <a:prstDash val="solid"/>
+                    </a:lnTlToBr>
+                    <a:lnBlToTr w="12700" cmpd="sng">
+                      <a:noFill/>
+                      <a:prstDash val="solid"/>
+                    </a:lnBlToTr>
+                    <a:solidFill>
+                      <a:schemeClr val="accent4">
+                        <a:lumMod val="40000"/>
+                        <a:lumOff val="60000"/>
+                      </a:schemeClr>
+                    </a:solidFill>
+                  </a:tcPr>
+                </a:tc>
+                <a:tc>
+                  <a:txBody>
+                    <a:bodyPr/>
+                    <a:lstStyle/>
+                    <a:p>
+                      <a:pPr algn="r" fontAlgn="b"/>
+                      <a:r>
+                        <a:rPr lang="en-AU" sz="1100" u="none" strike="noStrike" noProof="0" dirty="0">
                           <a:effectLst/>
                         </a:rPr>
                         <a:t>0.3</a:t>
                       </a:r>
-                      <a:endParaRPr lang="en-AU" sz="1100" b="0" i="0" u="none" strike="noStrike" noProof="0">
+                      <a:endParaRPr lang="en-AU" sz="1100" b="0" i="0" u="none" strike="noStrike" noProof="0" dirty="0">
                         <a:solidFill>
                           <a:srgbClr val="000000"/>
                         </a:solidFill>
@@ -20345,6 +21364,160 @@
                     <a:p>
                       <a:pPr algn="r" fontAlgn="b"/>
                       <a:r>
+                        <a:rPr lang="de-CH" sz="1100" b="0" i="0" u="none" strike="noStrike">
+                          <a:solidFill>
+                            <a:srgbClr val="000000"/>
+                          </a:solidFill>
+                          <a:effectLst/>
+                          <a:latin typeface="Calibri" panose="020F0502020204030204" pitchFamily="34" charset="0"/>
+                        </a:rPr>
+                        <a:t>0.24</a:t>
+                      </a:r>
+                    </a:p>
+                  </a:txBody>
+                  <a:tcPr marL="0" marR="0" marT="0" marB="0" anchor="b">
+                    <a:lnL w="12700" cap="flat" cmpd="sng" algn="ctr">
+                      <a:solidFill>
+                        <a:schemeClr val="accent1">
+                          <a:lumMod val="40000"/>
+                          <a:lumOff val="60000"/>
+                        </a:schemeClr>
+                      </a:solidFill>
+                      <a:prstDash val="solid"/>
+                      <a:round/>
+                      <a:headEnd type="none" w="med" len="med"/>
+                      <a:tailEnd type="none" w="med" len="med"/>
+                    </a:lnL>
+                    <a:lnR w="12700" cap="flat" cmpd="sng" algn="ctr">
+                      <a:solidFill>
+                        <a:schemeClr val="accent1">
+                          <a:lumMod val="40000"/>
+                          <a:lumOff val="60000"/>
+                        </a:schemeClr>
+                      </a:solidFill>
+                      <a:prstDash val="solid"/>
+                      <a:round/>
+                      <a:headEnd type="none" w="med" len="med"/>
+                      <a:tailEnd type="none" w="med" len="med"/>
+                    </a:lnR>
+                    <a:lnT w="12700" cap="flat" cmpd="sng" algn="ctr">
+                      <a:solidFill>
+                        <a:schemeClr val="accent1">
+                          <a:lumMod val="40000"/>
+                          <a:lumOff val="60000"/>
+                        </a:schemeClr>
+                      </a:solidFill>
+                      <a:prstDash val="solid"/>
+                      <a:round/>
+                      <a:headEnd type="none" w="med" len="med"/>
+                      <a:tailEnd type="none" w="med" len="med"/>
+                    </a:lnT>
+                    <a:lnB w="12700" cap="flat" cmpd="sng" algn="ctr">
+                      <a:solidFill>
+                        <a:schemeClr val="accent1">
+                          <a:lumMod val="40000"/>
+                          <a:lumOff val="60000"/>
+                        </a:schemeClr>
+                      </a:solidFill>
+                      <a:prstDash val="solid"/>
+                      <a:round/>
+                      <a:headEnd type="none" w="med" len="med"/>
+                      <a:tailEnd type="none" w="med" len="med"/>
+                    </a:lnB>
+                    <a:lnTlToBr w="12700" cmpd="sng">
+                      <a:noFill/>
+                      <a:prstDash val="solid"/>
+                    </a:lnTlToBr>
+                    <a:lnBlToTr w="12700" cmpd="sng">
+                      <a:noFill/>
+                      <a:prstDash val="solid"/>
+                    </a:lnBlToTr>
+                  </a:tcPr>
+                </a:tc>
+                <a:tc>
+                  <a:txBody>
+                    <a:bodyPr/>
+                    <a:lstStyle/>
+                    <a:p>
+                      <a:pPr algn="r" fontAlgn="b"/>
+                      <a:r>
+                        <a:rPr lang="de-CH" sz="1100" b="0" i="0" u="none" strike="noStrike" dirty="0">
+                          <a:solidFill>
+                            <a:srgbClr val="000000"/>
+                          </a:solidFill>
+                          <a:effectLst/>
+                          <a:latin typeface="Calibri" panose="020F0502020204030204" pitchFamily="34" charset="0"/>
+                        </a:rPr>
+                        <a:t>0.28</a:t>
+                      </a:r>
+                    </a:p>
+                  </a:txBody>
+                  <a:tcPr marL="0" marR="0" marT="0" marB="0" anchor="b">
+                    <a:lnL w="12700" cap="flat" cmpd="sng" algn="ctr">
+                      <a:solidFill>
+                        <a:schemeClr val="accent1">
+                          <a:lumMod val="40000"/>
+                          <a:lumOff val="60000"/>
+                        </a:schemeClr>
+                      </a:solidFill>
+                      <a:prstDash val="solid"/>
+                      <a:round/>
+                      <a:headEnd type="none" w="med" len="med"/>
+                      <a:tailEnd type="none" w="med" len="med"/>
+                    </a:lnL>
+                    <a:lnR w="12700" cap="flat" cmpd="sng" algn="ctr">
+                      <a:solidFill>
+                        <a:schemeClr val="accent1">
+                          <a:lumMod val="40000"/>
+                          <a:lumOff val="60000"/>
+                        </a:schemeClr>
+                      </a:solidFill>
+                      <a:prstDash val="solid"/>
+                      <a:round/>
+                      <a:headEnd type="none" w="med" len="med"/>
+                      <a:tailEnd type="none" w="med" len="med"/>
+                    </a:lnR>
+                    <a:lnT w="12700" cap="flat" cmpd="sng" algn="ctr">
+                      <a:solidFill>
+                        <a:schemeClr val="accent1">
+                          <a:lumMod val="40000"/>
+                          <a:lumOff val="60000"/>
+                        </a:schemeClr>
+                      </a:solidFill>
+                      <a:prstDash val="solid"/>
+                      <a:round/>
+                      <a:headEnd type="none" w="med" len="med"/>
+                      <a:tailEnd type="none" w="med" len="med"/>
+                    </a:lnT>
+                    <a:lnB w="12700" cap="flat" cmpd="sng" algn="ctr">
+                      <a:solidFill>
+                        <a:schemeClr val="accent1">
+                          <a:lumMod val="40000"/>
+                          <a:lumOff val="60000"/>
+                        </a:schemeClr>
+                      </a:solidFill>
+                      <a:prstDash val="solid"/>
+                      <a:round/>
+                      <a:headEnd type="none" w="med" len="med"/>
+                      <a:tailEnd type="none" w="med" len="med"/>
+                    </a:lnB>
+                    <a:lnTlToBr w="12700" cmpd="sng">
+                      <a:noFill/>
+                      <a:prstDash val="solid"/>
+                    </a:lnTlToBr>
+                    <a:lnBlToTr w="12700" cmpd="sng">
+                      <a:noFill/>
+                      <a:prstDash val="solid"/>
+                    </a:lnBlToTr>
+                  </a:tcPr>
+                </a:tc>
+                <a:tc>
+                  <a:txBody>
+                    <a:bodyPr/>
+                    <a:lstStyle/>
+                    <a:p>
+                      <a:pPr algn="r" fontAlgn="b"/>
+                      <a:r>
                         <a:rPr lang="en-AU" sz="1100" u="none" strike="noStrike" noProof="0" dirty="0">
                           <a:effectLst/>
                         </a:rPr>
@@ -20707,7 +21880,7 @@
                     </a:lnBlToTr>
                   </a:tcPr>
                 </a:tc>
-                <a:tc>
+                <a:tc gridSpan="2">
                   <a:txBody>
                     <a:bodyPr/>
                     <a:lstStyle/>
@@ -20763,7 +21936,17 @@
                     </a:lnBlToTr>
                   </a:tcPr>
                 </a:tc>
-                <a:tc>
+                <a:tc hMerge="1">
+                  <a:txBody>
+                    <a:bodyPr/>
+                    <a:lstStyle/>
+                    <a:p>
+                      <a:endParaRPr lang="de-CH"/>
+                    </a:p>
+                  </a:txBody>
+                  <a:tcPr/>
+                </a:tc>
+                <a:tc gridSpan="2">
                   <a:txBody>
                     <a:bodyPr/>
                     <a:lstStyle/>
@@ -20820,6 +22003,16 @@
                       <a:prstDash val="solid"/>
                     </a:lnBlToTr>
                   </a:tcPr>
+                </a:tc>
+                <a:tc hMerge="1">
+                  <a:txBody>
+                    <a:bodyPr/>
+                    <a:lstStyle/>
+                    <a:p>
+                      <a:endParaRPr lang="de-CH"/>
+                    </a:p>
+                  </a:txBody>
+                  <a:tcPr/>
                 </a:tc>
                 <a:extLst>
                   <a:ext uri="{0D108BD9-81ED-4DB2-BD59-A6C34878D82A}">
@@ -21240,7 +22433,7 @@
                     </a:solidFill>
                   </a:tcPr>
                 </a:tc>
-                <a:tc>
+                <a:tc gridSpan="2">
                   <a:txBody>
                     <a:bodyPr/>
                     <a:lstStyle/>
@@ -21320,7 +22513,17 @@
                     </a:solidFill>
                   </a:tcPr>
                 </a:tc>
-                <a:tc>
+                <a:tc hMerge="1">
+                  <a:txBody>
+                    <a:bodyPr/>
+                    <a:lstStyle/>
+                    <a:p>
+                      <a:endParaRPr lang="de-CH"/>
+                    </a:p>
+                  </a:txBody>
+                  <a:tcPr/>
+                </a:tc>
+                <a:tc gridSpan="2">
                   <a:txBody>
                     <a:bodyPr/>
                     <a:lstStyle/>
@@ -21400,13 +22603,23 @@
                     </a:solidFill>
                   </a:tcPr>
                 </a:tc>
+                <a:tc hMerge="1">
+                  <a:txBody>
+                    <a:bodyPr/>
+                    <a:lstStyle/>
+                    <a:p>
+                      <a:endParaRPr lang="de-CH"/>
+                    </a:p>
+                  </a:txBody>
+                  <a:tcPr/>
+                </a:tc>
                 <a:extLst>
                   <a:ext uri="{0D108BD9-81ED-4DB2-BD59-A6C34878D82A}">
                     <a16:rowId xmlns:a16="http://schemas.microsoft.com/office/drawing/2014/main" val="1649321936"/>
                   </a:ext>
                 </a:extLst>
               </a:tr>
-              <a:tr h="348378">
+              <a:tr h="197071">
                 <a:tc>
                   <a:txBody>
                     <a:bodyPr/>
@@ -21814,12 +23027,12 @@
                     <a:p>
                       <a:pPr algn="l" fontAlgn="b"/>
                       <a:r>
-                        <a:rPr lang="en-AU" sz="1100" u="none" strike="noStrike" noProof="0">
+                        <a:rPr lang="en-AU" sz="1100" u="none" strike="noStrike" noProof="0" dirty="0">
                           <a:effectLst/>
                         </a:rPr>
                         <a:t>SVM</a:t>
                       </a:r>
-                      <a:endParaRPr lang="en-AU" sz="1100" b="0" i="0" u="none" strike="noStrike" noProof="0">
+                      <a:endParaRPr lang="en-AU" sz="1100" b="0" i="0" u="none" strike="noStrike" noProof="0" dirty="0">
                         <a:solidFill>
                           <a:srgbClr val="000000"/>
                         </a:solidFill>
@@ -21894,12 +23107,173 @@
                     <a:p>
                       <a:pPr algn="l" fontAlgn="b"/>
                       <a:r>
-                        <a:rPr lang="en-AU" sz="1100" u="none" strike="noStrike" noProof="0">
+                        <a:rPr lang="en-AU" sz="1100" b="0" i="0" u="none" strike="noStrike" noProof="0" dirty="0" err="1">
+                          <a:solidFill>
+                            <a:srgbClr val="000000"/>
+                          </a:solidFill>
+                          <a:effectLst/>
+                          <a:latin typeface="Calibri" panose="020F0502020204030204" pitchFamily="34" charset="0"/>
+                        </a:rPr>
+                        <a:t>XGBoost</a:t>
+                      </a:r>
+                      <a:endParaRPr lang="en-AU" sz="1100" b="0" i="0" u="none" strike="noStrike" noProof="0" dirty="0">
+                        <a:solidFill>
+                          <a:srgbClr val="000000"/>
+                        </a:solidFill>
+                        <a:effectLst/>
+                        <a:latin typeface="Calibri" panose="020F0502020204030204" pitchFamily="34" charset="0"/>
+                      </a:endParaRPr>
+                    </a:p>
+                  </a:txBody>
+                  <a:tcPr marL="0" marR="0" marT="0" marB="0" anchor="b">
+                    <a:lnL w="12700" cap="flat" cmpd="sng" algn="ctr">
+                      <a:solidFill>
+                        <a:schemeClr val="accent1">
+                          <a:lumMod val="40000"/>
+                          <a:lumOff val="60000"/>
+                        </a:schemeClr>
+                      </a:solidFill>
+                      <a:prstDash val="solid"/>
+                      <a:round/>
+                      <a:headEnd type="none" w="med" len="med"/>
+                      <a:tailEnd type="none" w="med" len="med"/>
+                    </a:lnL>
+                    <a:lnR w="12700" cap="flat" cmpd="sng" algn="ctr">
+                      <a:solidFill>
+                        <a:schemeClr val="accent1">
+                          <a:lumMod val="40000"/>
+                          <a:lumOff val="60000"/>
+                        </a:schemeClr>
+                      </a:solidFill>
+                      <a:prstDash val="solid"/>
+                      <a:round/>
+                      <a:headEnd type="none" w="med" len="med"/>
+                      <a:tailEnd type="none" w="med" len="med"/>
+                    </a:lnR>
+                    <a:lnT w="12700" cap="flat" cmpd="sng" algn="ctr">
+                      <a:solidFill>
+                        <a:schemeClr val="accent1">
+                          <a:lumMod val="40000"/>
+                          <a:lumOff val="60000"/>
+                        </a:schemeClr>
+                      </a:solidFill>
+                      <a:prstDash val="solid"/>
+                      <a:round/>
+                      <a:headEnd type="none" w="med" len="med"/>
+                      <a:tailEnd type="none" w="med" len="med"/>
+                    </a:lnT>
+                    <a:lnB w="12700" cap="flat" cmpd="sng" algn="ctr">
+                      <a:solidFill>
+                        <a:schemeClr val="accent1">
+                          <a:lumMod val="40000"/>
+                          <a:lumOff val="60000"/>
+                        </a:schemeClr>
+                      </a:solidFill>
+                      <a:prstDash val="solid"/>
+                      <a:round/>
+                      <a:headEnd type="none" w="med" len="med"/>
+                      <a:tailEnd type="none" w="med" len="med"/>
+                    </a:lnB>
+                    <a:lnTlToBr w="12700" cmpd="sng">
+                      <a:noFill/>
+                      <a:prstDash val="solid"/>
+                    </a:lnTlToBr>
+                    <a:lnBlToTr w="12700" cmpd="sng">
+                      <a:noFill/>
+                      <a:prstDash val="solid"/>
+                    </a:lnBlToTr>
+                  </a:tcPr>
+                </a:tc>
+                <a:tc>
+                  <a:txBody>
+                    <a:bodyPr/>
+                    <a:lstStyle/>
+                    <a:p>
+                      <a:pPr algn="l" fontAlgn="b"/>
+                      <a:r>
+                        <a:rPr lang="en-AU" sz="1100" b="0" i="0" u="none" strike="noStrike" noProof="0" dirty="0">
+                          <a:solidFill>
+                            <a:srgbClr val="000000"/>
+                          </a:solidFill>
+                          <a:effectLst/>
+                          <a:latin typeface="Calibri" panose="020F0502020204030204" pitchFamily="34" charset="0"/>
+                        </a:rPr>
+                        <a:t>AdaBoost</a:t>
+                      </a:r>
+                    </a:p>
+                  </a:txBody>
+                  <a:tcPr marL="0" marR="0" marT="0" marB="0" anchor="b">
+                    <a:lnL w="12700" cap="flat" cmpd="sng" algn="ctr">
+                      <a:solidFill>
+                        <a:schemeClr val="accent1">
+                          <a:lumMod val="40000"/>
+                          <a:lumOff val="60000"/>
+                        </a:schemeClr>
+                      </a:solidFill>
+                      <a:prstDash val="solid"/>
+                      <a:round/>
+                      <a:headEnd type="none" w="med" len="med"/>
+                      <a:tailEnd type="none" w="med" len="med"/>
+                    </a:lnL>
+                    <a:lnR w="12700" cap="flat" cmpd="sng" algn="ctr">
+                      <a:solidFill>
+                        <a:schemeClr val="accent1">
+                          <a:lumMod val="40000"/>
+                          <a:lumOff val="60000"/>
+                        </a:schemeClr>
+                      </a:solidFill>
+                      <a:prstDash val="solid"/>
+                      <a:round/>
+                      <a:headEnd type="none" w="med" len="med"/>
+                      <a:tailEnd type="none" w="med" len="med"/>
+                    </a:lnR>
+                    <a:lnT w="12700" cap="flat" cmpd="sng" algn="ctr">
+                      <a:solidFill>
+                        <a:schemeClr val="accent1">
+                          <a:lumMod val="40000"/>
+                          <a:lumOff val="60000"/>
+                        </a:schemeClr>
+                      </a:solidFill>
+                      <a:prstDash val="solid"/>
+                      <a:round/>
+                      <a:headEnd type="none" w="med" len="med"/>
+                      <a:tailEnd type="none" w="med" len="med"/>
+                    </a:lnT>
+                    <a:lnB w="12700" cap="flat" cmpd="sng" algn="ctr">
+                      <a:solidFill>
+                        <a:schemeClr val="accent1">
+                          <a:lumMod val="40000"/>
+                          <a:lumOff val="60000"/>
+                        </a:schemeClr>
+                      </a:solidFill>
+                      <a:prstDash val="solid"/>
+                      <a:round/>
+                      <a:headEnd type="none" w="med" len="med"/>
+                      <a:tailEnd type="none" w="med" len="med"/>
+                    </a:lnB>
+                    <a:lnTlToBr w="12700" cmpd="sng">
+                      <a:noFill/>
+                      <a:prstDash val="solid"/>
+                    </a:lnTlToBr>
+                    <a:lnBlToTr w="12700" cmpd="sng">
+                      <a:noFill/>
+                      <a:prstDash val="solid"/>
+                    </a:lnBlToTr>
+                  </a:tcPr>
+                </a:tc>
+                <a:tc>
+                  <a:txBody>
+                    <a:bodyPr/>
+                    <a:lstStyle/>
+                    <a:p>
+                      <a:pPr algn="l" fontAlgn="b"/>
+                      <a:r>
+                        <a:rPr lang="en-AU" sz="1100" u="none" strike="noStrike" noProof="0" dirty="0">
                           <a:effectLst/>
                         </a:rPr>
                         <a:t>MLP</a:t>
                       </a:r>
-                      <a:endParaRPr lang="en-AU" sz="1100" b="0" i="0" u="none" strike="noStrike" noProof="0">
+                      <a:endParaRPr lang="en-AU" sz="1100" b="0" i="0" u="none" strike="noStrike" noProof="0" dirty="0">
                         <a:solidFill>
                           <a:srgbClr val="000000"/>
                         </a:solidFill>
@@ -22387,12 +23761,12 @@
                     <a:p>
                       <a:pPr algn="r" fontAlgn="b"/>
                       <a:r>
-                        <a:rPr lang="en-AU" sz="1100" u="none" strike="noStrike" noProof="0">
+                        <a:rPr lang="en-AU" sz="1100" u="none" strike="noStrike" noProof="0" dirty="0">
                           <a:effectLst/>
                         </a:rPr>
                         <a:t>0.49</a:t>
                       </a:r>
-                      <a:endParaRPr lang="en-AU" sz="1100" b="0" i="0" u="none" strike="noStrike" noProof="0">
+                      <a:endParaRPr lang="en-AU" sz="1100" b="0" i="0" u="none" strike="noStrike" noProof="0" dirty="0">
                         <a:solidFill>
                           <a:srgbClr val="000000"/>
                         </a:solidFill>
@@ -22467,12 +23841,166 @@
                     <a:p>
                       <a:pPr algn="r" fontAlgn="b"/>
                       <a:r>
-                        <a:rPr lang="en-AU" sz="1100" u="none" strike="noStrike" noProof="0">
+                        <a:rPr lang="de-CH" sz="1100" b="0" i="0" u="none" strike="noStrike">
+                          <a:solidFill>
+                            <a:srgbClr val="000000"/>
+                          </a:solidFill>
+                          <a:effectLst/>
+                          <a:latin typeface="Calibri" panose="020F0502020204030204" pitchFamily="34" charset="0"/>
+                        </a:rPr>
+                        <a:t>0.49</a:t>
+                      </a:r>
+                    </a:p>
+                  </a:txBody>
+                  <a:tcPr marL="0" marR="0" marT="0" marB="0" anchor="b">
+                    <a:lnL w="12700" cap="flat" cmpd="sng" algn="ctr">
+                      <a:solidFill>
+                        <a:schemeClr val="accent1">
+                          <a:lumMod val="40000"/>
+                          <a:lumOff val="60000"/>
+                        </a:schemeClr>
+                      </a:solidFill>
+                      <a:prstDash val="solid"/>
+                      <a:round/>
+                      <a:headEnd type="none" w="med" len="med"/>
+                      <a:tailEnd type="none" w="med" len="med"/>
+                    </a:lnL>
+                    <a:lnR w="12700" cap="flat" cmpd="sng" algn="ctr">
+                      <a:solidFill>
+                        <a:schemeClr val="accent1">
+                          <a:lumMod val="40000"/>
+                          <a:lumOff val="60000"/>
+                        </a:schemeClr>
+                      </a:solidFill>
+                      <a:prstDash val="solid"/>
+                      <a:round/>
+                      <a:headEnd type="none" w="med" len="med"/>
+                      <a:tailEnd type="none" w="med" len="med"/>
+                    </a:lnR>
+                    <a:lnT w="12700" cap="flat" cmpd="sng" algn="ctr">
+                      <a:solidFill>
+                        <a:schemeClr val="accent1">
+                          <a:lumMod val="40000"/>
+                          <a:lumOff val="60000"/>
+                        </a:schemeClr>
+                      </a:solidFill>
+                      <a:prstDash val="solid"/>
+                      <a:round/>
+                      <a:headEnd type="none" w="med" len="med"/>
+                      <a:tailEnd type="none" w="med" len="med"/>
+                    </a:lnT>
+                    <a:lnB w="12700" cap="flat" cmpd="sng" algn="ctr">
+                      <a:solidFill>
+                        <a:schemeClr val="accent1">
+                          <a:lumMod val="40000"/>
+                          <a:lumOff val="60000"/>
+                        </a:schemeClr>
+                      </a:solidFill>
+                      <a:prstDash val="solid"/>
+                      <a:round/>
+                      <a:headEnd type="none" w="med" len="med"/>
+                      <a:tailEnd type="none" w="med" len="med"/>
+                    </a:lnB>
+                    <a:lnTlToBr w="12700" cmpd="sng">
+                      <a:noFill/>
+                      <a:prstDash val="solid"/>
+                    </a:lnTlToBr>
+                    <a:lnBlToTr w="12700" cmpd="sng">
+                      <a:noFill/>
+                      <a:prstDash val="solid"/>
+                    </a:lnBlToTr>
+                  </a:tcPr>
+                </a:tc>
+                <a:tc>
+                  <a:txBody>
+                    <a:bodyPr/>
+                    <a:lstStyle/>
+                    <a:p>
+                      <a:pPr algn="r" fontAlgn="b"/>
+                      <a:r>
+                        <a:rPr lang="de-CH" sz="1100" b="0" i="0" u="none" strike="noStrike">
+                          <a:solidFill>
+                            <a:srgbClr val="000000"/>
+                          </a:solidFill>
+                          <a:effectLst/>
+                          <a:latin typeface="Calibri" panose="020F0502020204030204" pitchFamily="34" charset="0"/>
+                        </a:rPr>
+                        <a:t>0.51</a:t>
+                      </a:r>
+                    </a:p>
+                  </a:txBody>
+                  <a:tcPr marL="0" marR="0" marT="0" marB="0" anchor="b">
+                    <a:lnL w="12700" cap="flat" cmpd="sng" algn="ctr">
+                      <a:solidFill>
+                        <a:schemeClr val="accent1">
+                          <a:lumMod val="40000"/>
+                          <a:lumOff val="60000"/>
+                        </a:schemeClr>
+                      </a:solidFill>
+                      <a:prstDash val="solid"/>
+                      <a:round/>
+                      <a:headEnd type="none" w="med" len="med"/>
+                      <a:tailEnd type="none" w="med" len="med"/>
+                    </a:lnL>
+                    <a:lnR w="12700" cap="flat" cmpd="sng" algn="ctr">
+                      <a:solidFill>
+                        <a:schemeClr val="accent1">
+                          <a:lumMod val="40000"/>
+                          <a:lumOff val="60000"/>
+                        </a:schemeClr>
+                      </a:solidFill>
+                      <a:prstDash val="solid"/>
+                      <a:round/>
+                      <a:headEnd type="none" w="med" len="med"/>
+                      <a:tailEnd type="none" w="med" len="med"/>
+                    </a:lnR>
+                    <a:lnT w="12700" cap="flat" cmpd="sng" algn="ctr">
+                      <a:solidFill>
+                        <a:schemeClr val="accent1">
+                          <a:lumMod val="40000"/>
+                          <a:lumOff val="60000"/>
+                        </a:schemeClr>
+                      </a:solidFill>
+                      <a:prstDash val="solid"/>
+                      <a:round/>
+                      <a:headEnd type="none" w="med" len="med"/>
+                      <a:tailEnd type="none" w="med" len="med"/>
+                    </a:lnT>
+                    <a:lnB w="12700" cap="flat" cmpd="sng" algn="ctr">
+                      <a:solidFill>
+                        <a:schemeClr val="accent1">
+                          <a:lumMod val="40000"/>
+                          <a:lumOff val="60000"/>
+                        </a:schemeClr>
+                      </a:solidFill>
+                      <a:prstDash val="solid"/>
+                      <a:round/>
+                      <a:headEnd type="none" w="med" len="med"/>
+                      <a:tailEnd type="none" w="med" len="med"/>
+                    </a:lnB>
+                    <a:lnTlToBr w="12700" cmpd="sng">
+                      <a:noFill/>
+                      <a:prstDash val="solid"/>
+                    </a:lnTlToBr>
+                    <a:lnBlToTr w="12700" cmpd="sng">
+                      <a:noFill/>
+                      <a:prstDash val="solid"/>
+                    </a:lnBlToTr>
+                  </a:tcPr>
+                </a:tc>
+                <a:tc>
+                  <a:txBody>
+                    <a:bodyPr/>
+                    <a:lstStyle/>
+                    <a:p>
+                      <a:pPr algn="r" fontAlgn="b"/>
+                      <a:r>
+                        <a:rPr lang="en-AU" sz="1100" u="none" strike="noStrike" noProof="0" dirty="0">
                           <a:effectLst/>
                         </a:rPr>
                         <a:t>0.49</a:t>
                       </a:r>
-                      <a:endParaRPr lang="en-AU" sz="1100" b="0" i="0" u="none" strike="noStrike" noProof="0">
+                      <a:endParaRPr lang="en-AU" sz="1100" b="0" i="0" u="none" strike="noStrike" noProof="0" dirty="0">
                         <a:solidFill>
                           <a:srgbClr val="000000"/>
                         </a:solidFill>
@@ -23025,6 +24553,166 @@
                       <a:noFill/>
                       <a:prstDash val="solid"/>
                     </a:lnBlToTr>
+                  </a:tcPr>
+                </a:tc>
+                <a:tc>
+                  <a:txBody>
+                    <a:bodyPr/>
+                    <a:lstStyle/>
+                    <a:p>
+                      <a:pPr algn="r" fontAlgn="b"/>
+                      <a:r>
+                        <a:rPr lang="de-CH" sz="1100" b="0" i="0" u="none" strike="noStrike">
+                          <a:solidFill>
+                            <a:srgbClr val="000000"/>
+                          </a:solidFill>
+                          <a:effectLst/>
+                          <a:latin typeface="Calibri" panose="020F0502020204030204" pitchFamily="34" charset="0"/>
+                        </a:rPr>
+                        <a:t>0.53</a:t>
+                      </a:r>
+                    </a:p>
+                  </a:txBody>
+                  <a:tcPr marL="0" marR="0" marT="0" marB="0" anchor="b">
+                    <a:lnL w="12700" cap="flat" cmpd="sng" algn="ctr">
+                      <a:solidFill>
+                        <a:schemeClr val="accent1">
+                          <a:lumMod val="40000"/>
+                          <a:lumOff val="60000"/>
+                        </a:schemeClr>
+                      </a:solidFill>
+                      <a:prstDash val="solid"/>
+                      <a:round/>
+                      <a:headEnd type="none" w="med" len="med"/>
+                      <a:tailEnd type="none" w="med" len="med"/>
+                    </a:lnL>
+                    <a:lnR w="12700" cap="flat" cmpd="sng" algn="ctr">
+                      <a:solidFill>
+                        <a:schemeClr val="accent1">
+                          <a:lumMod val="40000"/>
+                          <a:lumOff val="60000"/>
+                        </a:schemeClr>
+                      </a:solidFill>
+                      <a:prstDash val="solid"/>
+                      <a:round/>
+                      <a:headEnd type="none" w="med" len="med"/>
+                      <a:tailEnd type="none" w="med" len="med"/>
+                    </a:lnR>
+                    <a:lnT w="12700" cap="flat" cmpd="sng" algn="ctr">
+                      <a:solidFill>
+                        <a:schemeClr val="accent1">
+                          <a:lumMod val="40000"/>
+                          <a:lumOff val="60000"/>
+                        </a:schemeClr>
+                      </a:solidFill>
+                      <a:prstDash val="solid"/>
+                      <a:round/>
+                      <a:headEnd type="none" w="med" len="med"/>
+                      <a:tailEnd type="none" w="med" len="med"/>
+                    </a:lnT>
+                    <a:lnB w="12700" cap="flat" cmpd="sng" algn="ctr">
+                      <a:solidFill>
+                        <a:schemeClr val="accent1">
+                          <a:lumMod val="40000"/>
+                          <a:lumOff val="60000"/>
+                        </a:schemeClr>
+                      </a:solidFill>
+                      <a:prstDash val="solid"/>
+                      <a:round/>
+                      <a:headEnd type="none" w="med" len="med"/>
+                      <a:tailEnd type="none" w="med" len="med"/>
+                    </a:lnB>
+                    <a:lnTlToBr w="12700" cmpd="sng">
+                      <a:noFill/>
+                      <a:prstDash val="solid"/>
+                    </a:lnTlToBr>
+                    <a:lnBlToTr w="12700" cmpd="sng">
+                      <a:noFill/>
+                      <a:prstDash val="solid"/>
+                    </a:lnBlToTr>
+                  </a:tcPr>
+                </a:tc>
+                <a:tc>
+                  <a:txBody>
+                    <a:bodyPr/>
+                    <a:lstStyle/>
+                    <a:p>
+                      <a:pPr algn="r" fontAlgn="b"/>
+                      <a:r>
+                        <a:rPr lang="de-CH" sz="1100" b="0" i="0" u="none" strike="noStrike">
+                          <a:solidFill>
+                            <a:srgbClr val="000000"/>
+                          </a:solidFill>
+                          <a:effectLst/>
+                          <a:latin typeface="Calibri" panose="020F0502020204030204" pitchFamily="34" charset="0"/>
+                        </a:rPr>
+                        <a:t>0.57</a:t>
+                      </a:r>
+                    </a:p>
+                  </a:txBody>
+                  <a:tcPr marL="0" marR="0" marT="0" marB="0" anchor="b">
+                    <a:lnL w="12700" cap="flat" cmpd="sng" algn="ctr">
+                      <a:solidFill>
+                        <a:schemeClr val="accent1">
+                          <a:lumMod val="40000"/>
+                          <a:lumOff val="60000"/>
+                        </a:schemeClr>
+                      </a:solidFill>
+                      <a:prstDash val="solid"/>
+                      <a:round/>
+                      <a:headEnd type="none" w="med" len="med"/>
+                      <a:tailEnd type="none" w="med" len="med"/>
+                    </a:lnL>
+                    <a:lnR w="12700" cap="flat" cmpd="sng" algn="ctr">
+                      <a:solidFill>
+                        <a:schemeClr val="accent1">
+                          <a:lumMod val="40000"/>
+                          <a:lumOff val="60000"/>
+                        </a:schemeClr>
+                      </a:solidFill>
+                      <a:prstDash val="solid"/>
+                      <a:round/>
+                      <a:headEnd type="none" w="med" len="med"/>
+                      <a:tailEnd type="none" w="med" len="med"/>
+                    </a:lnR>
+                    <a:lnT w="12700" cap="flat" cmpd="sng" algn="ctr">
+                      <a:solidFill>
+                        <a:schemeClr val="accent1">
+                          <a:lumMod val="40000"/>
+                          <a:lumOff val="60000"/>
+                        </a:schemeClr>
+                      </a:solidFill>
+                      <a:prstDash val="solid"/>
+                      <a:round/>
+                      <a:headEnd type="none" w="med" len="med"/>
+                      <a:tailEnd type="none" w="med" len="med"/>
+                    </a:lnT>
+                    <a:lnB w="12700" cap="flat" cmpd="sng" algn="ctr">
+                      <a:solidFill>
+                        <a:schemeClr val="accent1">
+                          <a:lumMod val="40000"/>
+                          <a:lumOff val="60000"/>
+                        </a:schemeClr>
+                      </a:solidFill>
+                      <a:prstDash val="solid"/>
+                      <a:round/>
+                      <a:headEnd type="none" w="med" len="med"/>
+                      <a:tailEnd type="none" w="med" len="med"/>
+                    </a:lnB>
+                    <a:lnTlToBr w="12700" cmpd="sng">
+                      <a:noFill/>
+                      <a:prstDash val="solid"/>
+                    </a:lnTlToBr>
+                    <a:lnBlToTr w="12700" cmpd="sng">
+                      <a:noFill/>
+                      <a:prstDash val="solid"/>
+                    </a:lnBlToTr>
+                    <a:solidFill>
+                      <a:schemeClr val="accent6">
+                        <a:lumMod val="60000"/>
+                        <a:lumOff val="40000"/>
+                      </a:schemeClr>
+                    </a:solidFill>
                   </a:tcPr>
                 </a:tc>
                 <a:tc>
@@ -23598,6 +25286,166 @@
                       <a:noFill/>
                       <a:prstDash val="solid"/>
                     </a:lnBlToTr>
+                  </a:tcPr>
+                </a:tc>
+                <a:tc>
+                  <a:txBody>
+                    <a:bodyPr/>
+                    <a:lstStyle/>
+                    <a:p>
+                      <a:pPr algn="r" fontAlgn="b"/>
+                      <a:r>
+                        <a:rPr lang="de-CH" sz="1100" b="0" i="0" u="none" strike="noStrike">
+                          <a:solidFill>
+                            <a:srgbClr val="000000"/>
+                          </a:solidFill>
+                          <a:effectLst/>
+                          <a:latin typeface="Calibri" panose="020F0502020204030204" pitchFamily="34" charset="0"/>
+                        </a:rPr>
+                        <a:t>0.53</a:t>
+                      </a:r>
+                    </a:p>
+                  </a:txBody>
+                  <a:tcPr marL="0" marR="0" marT="0" marB="0" anchor="b">
+                    <a:lnL w="12700" cap="flat" cmpd="sng" algn="ctr">
+                      <a:solidFill>
+                        <a:schemeClr val="accent1">
+                          <a:lumMod val="40000"/>
+                          <a:lumOff val="60000"/>
+                        </a:schemeClr>
+                      </a:solidFill>
+                      <a:prstDash val="solid"/>
+                      <a:round/>
+                      <a:headEnd type="none" w="med" len="med"/>
+                      <a:tailEnd type="none" w="med" len="med"/>
+                    </a:lnL>
+                    <a:lnR w="12700" cap="flat" cmpd="sng" algn="ctr">
+                      <a:solidFill>
+                        <a:schemeClr val="accent1">
+                          <a:lumMod val="40000"/>
+                          <a:lumOff val="60000"/>
+                        </a:schemeClr>
+                      </a:solidFill>
+                      <a:prstDash val="solid"/>
+                      <a:round/>
+                      <a:headEnd type="none" w="med" len="med"/>
+                      <a:tailEnd type="none" w="med" len="med"/>
+                    </a:lnR>
+                    <a:lnT w="12700" cap="flat" cmpd="sng" algn="ctr">
+                      <a:solidFill>
+                        <a:schemeClr val="accent1">
+                          <a:lumMod val="40000"/>
+                          <a:lumOff val="60000"/>
+                        </a:schemeClr>
+                      </a:solidFill>
+                      <a:prstDash val="solid"/>
+                      <a:round/>
+                      <a:headEnd type="none" w="med" len="med"/>
+                      <a:tailEnd type="none" w="med" len="med"/>
+                    </a:lnT>
+                    <a:lnB w="12700" cap="flat" cmpd="sng" algn="ctr">
+                      <a:solidFill>
+                        <a:schemeClr val="accent1">
+                          <a:lumMod val="40000"/>
+                          <a:lumOff val="60000"/>
+                        </a:schemeClr>
+                      </a:solidFill>
+                      <a:prstDash val="solid"/>
+                      <a:round/>
+                      <a:headEnd type="none" w="med" len="med"/>
+                      <a:tailEnd type="none" w="med" len="med"/>
+                    </a:lnB>
+                    <a:lnTlToBr w="12700" cmpd="sng">
+                      <a:noFill/>
+                      <a:prstDash val="solid"/>
+                    </a:lnTlToBr>
+                    <a:lnBlToTr w="12700" cmpd="sng">
+                      <a:noFill/>
+                      <a:prstDash val="solid"/>
+                    </a:lnBlToTr>
+                  </a:tcPr>
+                </a:tc>
+                <a:tc>
+                  <a:txBody>
+                    <a:bodyPr/>
+                    <a:lstStyle/>
+                    <a:p>
+                      <a:pPr algn="r" fontAlgn="b"/>
+                      <a:r>
+                        <a:rPr lang="de-CH" sz="1100" b="0" i="0" u="none" strike="noStrike" dirty="0">
+                          <a:solidFill>
+                            <a:srgbClr val="000000"/>
+                          </a:solidFill>
+                          <a:effectLst/>
+                          <a:latin typeface="Calibri" panose="020F0502020204030204" pitchFamily="34" charset="0"/>
+                        </a:rPr>
+                        <a:t>0.56</a:t>
+                      </a:r>
+                    </a:p>
+                  </a:txBody>
+                  <a:tcPr marL="0" marR="0" marT="0" marB="0" anchor="b">
+                    <a:lnL w="12700" cap="flat" cmpd="sng" algn="ctr">
+                      <a:solidFill>
+                        <a:schemeClr val="accent1">
+                          <a:lumMod val="40000"/>
+                          <a:lumOff val="60000"/>
+                        </a:schemeClr>
+                      </a:solidFill>
+                      <a:prstDash val="solid"/>
+                      <a:round/>
+                      <a:headEnd type="none" w="med" len="med"/>
+                      <a:tailEnd type="none" w="med" len="med"/>
+                    </a:lnL>
+                    <a:lnR w="12700" cap="flat" cmpd="sng" algn="ctr">
+                      <a:solidFill>
+                        <a:schemeClr val="accent1">
+                          <a:lumMod val="40000"/>
+                          <a:lumOff val="60000"/>
+                        </a:schemeClr>
+                      </a:solidFill>
+                      <a:prstDash val="solid"/>
+                      <a:round/>
+                      <a:headEnd type="none" w="med" len="med"/>
+                      <a:tailEnd type="none" w="med" len="med"/>
+                    </a:lnR>
+                    <a:lnT w="12700" cap="flat" cmpd="sng" algn="ctr">
+                      <a:solidFill>
+                        <a:schemeClr val="accent1">
+                          <a:lumMod val="40000"/>
+                          <a:lumOff val="60000"/>
+                        </a:schemeClr>
+                      </a:solidFill>
+                      <a:prstDash val="solid"/>
+                      <a:round/>
+                      <a:headEnd type="none" w="med" len="med"/>
+                      <a:tailEnd type="none" w="med" len="med"/>
+                    </a:lnT>
+                    <a:lnB w="12700" cap="flat" cmpd="sng" algn="ctr">
+                      <a:solidFill>
+                        <a:schemeClr val="accent1">
+                          <a:lumMod val="40000"/>
+                          <a:lumOff val="60000"/>
+                        </a:schemeClr>
+                      </a:solidFill>
+                      <a:prstDash val="solid"/>
+                      <a:round/>
+                      <a:headEnd type="none" w="med" len="med"/>
+                      <a:tailEnd type="none" w="med" len="med"/>
+                    </a:lnB>
+                    <a:lnTlToBr w="12700" cmpd="sng">
+                      <a:noFill/>
+                      <a:prstDash val="solid"/>
+                    </a:lnTlToBr>
+                    <a:lnBlToTr w="12700" cmpd="sng">
+                      <a:noFill/>
+                      <a:prstDash val="solid"/>
+                    </a:lnBlToTr>
+                    <a:solidFill>
+                      <a:schemeClr val="accent6">
+                        <a:lumMod val="60000"/>
+                        <a:lumOff val="40000"/>
+                      </a:schemeClr>
+                    </a:solidFill>
                   </a:tcPr>
                 </a:tc>
                 <a:tc>
@@ -23862,8 +25710,8 @@
         </p:nvCxnSpPr>
         <p:spPr>
           <a:xfrm flipV="1">
-            <a:off x="7510942" y="4214100"/>
-            <a:ext cx="1988318" cy="1"/>
+            <a:off x="7067372" y="3948157"/>
+            <a:ext cx="2432843" cy="61395"/>
           </a:xfrm>
           <a:prstGeom prst="straightConnector1">
             <a:avLst/>
@@ -23904,8 +25752,8 @@
         </p:nvCxnSpPr>
         <p:spPr>
           <a:xfrm>
-            <a:off x="8800831" y="4520043"/>
-            <a:ext cx="1396859" cy="1114100"/>
+            <a:off x="8829394" y="4266043"/>
+            <a:ext cx="1368296" cy="1368100"/>
           </a:xfrm>
           <a:prstGeom prst="straightConnector1">
             <a:avLst/>
@@ -23946,8 +25794,8 @@
         </p:nvCxnSpPr>
         <p:spPr>
           <a:xfrm>
-            <a:off x="8796435" y="4812296"/>
-            <a:ext cx="401786" cy="731913"/>
+            <a:off x="8824500" y="4665272"/>
+            <a:ext cx="373721" cy="878937"/>
           </a:xfrm>
           <a:prstGeom prst="straightConnector1">
             <a:avLst/>
@@ -24077,8 +25925,8 @@
         </p:nvCxnSpPr>
         <p:spPr>
           <a:xfrm flipV="1">
-            <a:off x="7510942" y="3084570"/>
-            <a:ext cx="1687278" cy="138486"/>
+            <a:off x="7067372" y="3003574"/>
+            <a:ext cx="2219503" cy="21639"/>
           </a:xfrm>
           <a:prstGeom prst="straightConnector1">
             <a:avLst/>
@@ -24119,8 +25967,8 @@
         </p:nvCxnSpPr>
         <p:spPr>
           <a:xfrm flipV="1">
-            <a:off x="8805008" y="1974199"/>
-            <a:ext cx="1707162" cy="1012508"/>
+            <a:off x="8829394" y="1974199"/>
+            <a:ext cx="1682776" cy="843612"/>
           </a:xfrm>
           <a:prstGeom prst="straightConnector1">
             <a:avLst/>
@@ -24160,8 +26008,8 @@
         </p:nvCxnSpPr>
         <p:spPr>
           <a:xfrm flipV="1">
-            <a:off x="8805008" y="1995845"/>
-            <a:ext cx="481867" cy="743258"/>
+            <a:off x="8796435" y="1995845"/>
+            <a:ext cx="490440" cy="618996"/>
           </a:xfrm>
           <a:prstGeom prst="straightConnector1">
             <a:avLst/>
@@ -24199,7 +26047,7 @@
         </p:nvSpPr>
         <p:spPr>
           <a:xfrm>
-            <a:off x="4008902" y="1103586"/>
+            <a:off x="4007318" y="1120965"/>
             <a:ext cx="3952875" cy="523220"/>
           </a:xfrm>
           <a:prstGeom prst="rect">
@@ -24215,7 +26063,7 @@
           <a:p>
             <a:pPr algn="ctr"/>
             <a:r>
-              <a:rPr lang="de-CH" sz="2800" dirty="0">
+              <a:rPr lang="en-AU" sz="2800" dirty="0">
                 <a:gradFill>
                   <a:gsLst>
                     <a:gs pos="2917">
@@ -24233,11 +26081,11 @@
               <a:t>Predicting</a:t>
             </a:r>
             <a:r>
-              <a:rPr lang="de-CH" sz="1100" dirty="0"/>
+              <a:rPr lang="en-AU" sz="1100" dirty="0"/>
               <a:t> </a:t>
             </a:r>
             <a:r>
-              <a:rPr lang="de-CH" sz="2800" dirty="0">
+              <a:rPr lang="en-AU" sz="2800" dirty="0">
                 <a:gradFill>
                   <a:gsLst>
                     <a:gs pos="2917">
@@ -24254,6 +26102,82 @@
               </a:rPr>
               <a:t>Location</a:t>
             </a:r>
+            <a:r>
+              <a:rPr lang="en-AU" sz="2800" baseline="30000" dirty="0">
+                <a:gradFill>
+                  <a:gsLst>
+                    <a:gs pos="2917">
+                      <a:srgbClr val="353535"/>
+                    </a:gs>
+                    <a:gs pos="30000">
+                      <a:srgbClr val="353535"/>
+                    </a:gs>
+                  </a:gsLst>
+                  <a:lin ang="5400000" scaled="0"/>
+                </a:gradFill>
+                <a:latin typeface="Roboto Medium" panose="02000000000000000000" pitchFamily="2" charset="0"/>
+                <a:ea typeface="Roboto Medium" panose="02000000000000000000" pitchFamily="2" charset="0"/>
+              </a:rPr>
+              <a:t>1</a:t>
+            </a:r>
+          </a:p>
+        </p:txBody>
+      </p:sp>
+      <p:sp>
+        <p:nvSpPr>
+          <p:cNvPr id="16" name="Textfeld 15">
+            <a:extLst>
+              <a:ext uri="{FF2B5EF4-FFF2-40B4-BE49-F238E27FC236}">
+                <a16:creationId xmlns:a16="http://schemas.microsoft.com/office/drawing/2014/main" id="{2220F7FF-8797-4693-A304-923A830BF96F}"/>
+              </a:ext>
+            </a:extLst>
+          </p:cNvPr>
+          <p:cNvSpPr txBox="1"/>
+          <p:nvPr/>
+        </p:nvSpPr>
+        <p:spPr>
+          <a:xfrm>
+            <a:off x="726090" y="6082357"/>
+            <a:ext cx="4928473" cy="276999"/>
+          </a:xfrm>
+          <a:prstGeom prst="rect">
+            <a:avLst/>
+          </a:prstGeom>
+          <a:noFill/>
+        </p:spPr>
+        <p:txBody>
+          <a:bodyPr wrap="square" rtlCol="0">
+            <a:spAutoFit/>
+          </a:bodyPr>
+          <a:lstStyle/>
+          <a:p>
+            <a:r>
+              <a:rPr lang="en-AU" baseline="30000" dirty="0">
+                <a:solidFill>
+                  <a:schemeClr val="bg1">
+                    <a:lumMod val="75000"/>
+                  </a:schemeClr>
+                </a:solidFill>
+              </a:rPr>
+              <a:t>1 </a:t>
+            </a:r>
+            <a:r>
+              <a:rPr lang="en-AU" sz="1200" dirty="0">
+                <a:solidFill>
+                  <a:schemeClr val="bg1">
+                    <a:lumMod val="75000"/>
+                  </a:schemeClr>
+                </a:solidFill>
+              </a:rPr>
+              <a:t>Based on a rudimentary parameter search, numbers are not final</a:t>
+            </a:r>
+            <a:endParaRPr lang="en-AU" dirty="0">
+              <a:solidFill>
+                <a:schemeClr val="bg1">
+                  <a:lumMod val="75000"/>
+                </a:schemeClr>
+              </a:solidFill>
+            </a:endParaRPr>
           </a:p>
         </p:txBody>
       </p:sp>
@@ -24267,131 +26191,6 @@
   <p:clrMapOvr>
     <a:masterClrMapping/>
   </p:clrMapOvr>
-  <p:timing>
-    <p:tnLst>
-      <p:par>
-        <p:cTn id="1" dur="indefinite" restart="never" nodeType="tmRoot">
-          <p:childTnLst>
-            <p:seq concurrent="1" nextAc="seek">
-              <p:cTn id="2" dur="indefinite" nodeType="mainSeq">
-                <p:childTnLst>
-                  <p:par>
-                    <p:cTn id="3" fill="hold">
-                      <p:stCondLst>
-                        <p:cond delay="indefinite"/>
-                        <p:cond evt="onBegin" delay="0">
-                          <p:tn val="2"/>
-                        </p:cond>
-                      </p:stCondLst>
-                      <p:childTnLst>
-                        <p:par>
-                          <p:cTn id="4" fill="hold">
-                            <p:stCondLst>
-                              <p:cond delay="0"/>
-                            </p:stCondLst>
-                            <p:childTnLst>
-                              <p:par>
-                                <p:cTn id="5" presetID="22" presetClass="entr" presetSubtype="8" fill="hold" nodeType="withEffect">
-                                  <p:stCondLst>
-                                    <p:cond delay="0"/>
-                                  </p:stCondLst>
-                                  <p:childTnLst>
-                                    <p:set>
-                                      <p:cBhvr>
-                                        <p:cTn id="6" dur="1" fill="hold">
-                                          <p:stCondLst>
-                                            <p:cond delay="0"/>
-                                          </p:stCondLst>
-                                        </p:cTn>
-                                        <p:tgtEl>
-                                          <p:spTgt spid="21"/>
-                                        </p:tgtEl>
-                                        <p:attrNameLst>
-                                          <p:attrName>style.visibility</p:attrName>
-                                        </p:attrNameLst>
-                                      </p:cBhvr>
-                                      <p:to>
-                                        <p:strVal val="visible"/>
-                                      </p:to>
-                                    </p:set>
-                                    <p:animEffect transition="in" filter="wipe(left)">
-                                      <p:cBhvr>
-                                        <p:cTn id="7" dur="500"/>
-                                        <p:tgtEl>
-                                          <p:spTgt spid="21"/>
-                                        </p:tgtEl>
-                                      </p:cBhvr>
-                                    </p:animEffect>
-                                  </p:childTnLst>
-                                </p:cTn>
-                              </p:par>
-                            </p:childTnLst>
-                          </p:cTn>
-                        </p:par>
-                        <p:par>
-                          <p:cTn id="8" fill="hold">
-                            <p:stCondLst>
-                              <p:cond delay="500"/>
-                            </p:stCondLst>
-                            <p:childTnLst>
-                              <p:par>
-                                <p:cTn id="9" presetID="1" presetClass="entr" presetSubtype="0" fill="hold" grpId="0" nodeType="afterEffect">
-                                  <p:stCondLst>
-                                    <p:cond delay="0"/>
-                                  </p:stCondLst>
-                                  <p:childTnLst>
-                                    <p:set>
-                                      <p:cBhvr>
-                                        <p:cTn id="10" dur="1" fill="hold">
-                                          <p:stCondLst>
-                                            <p:cond delay="0"/>
-                                          </p:stCondLst>
-                                        </p:cTn>
-                                        <p:tgtEl>
-                                          <p:spTgt spid="22"/>
-                                        </p:tgtEl>
-                                        <p:attrNameLst>
-                                          <p:attrName>style.visibility</p:attrName>
-                                        </p:attrNameLst>
-                                      </p:cBhvr>
-                                      <p:to>
-                                        <p:strVal val="visible"/>
-                                      </p:to>
-                                    </p:set>
-                                  </p:childTnLst>
-                                </p:cTn>
-                              </p:par>
-                            </p:childTnLst>
-                          </p:cTn>
-                        </p:par>
-                      </p:childTnLst>
-                    </p:cTn>
-                  </p:par>
-                </p:childTnLst>
-              </p:cTn>
-              <p:prevCondLst>
-                <p:cond evt="onPrev" delay="0">
-                  <p:tgtEl>
-                    <p:sldTgt/>
-                  </p:tgtEl>
-                </p:cond>
-              </p:prevCondLst>
-              <p:nextCondLst>
-                <p:cond evt="onNext" delay="0">
-                  <p:tgtEl>
-                    <p:sldTgt/>
-                  </p:tgtEl>
-                </p:cond>
-              </p:nextCondLst>
-            </p:seq>
-          </p:childTnLst>
-        </p:cTn>
-      </p:par>
-    </p:tnLst>
-    <p:bldLst>
-      <p:bldP spid="22" grpId="0" animBg="1"/>
-    </p:bldLst>
-  </p:timing>
 </p:sld>
 </file>
 
@@ -26941,7 +28740,7 @@
           <a:p>
             <a:pPr algn="ctr"/>
             <a:r>
-              <a:rPr lang="de-CH" sz="1100" dirty="0" err="1">
+              <a:rPr lang="de-CH" sz="1100" dirty="0">
                 <a:solidFill>
                   <a:schemeClr val="bg2">
                     <a:lumMod val="75000"/>
@@ -26952,15 +28751,6 @@
               </a:rPr>
               <a:t>Preprocessing</a:t>
             </a:r>
-            <a:endParaRPr lang="de-CH" sz="1100" dirty="0">
-              <a:solidFill>
-                <a:schemeClr val="bg2">
-                  <a:lumMod val="75000"/>
-                </a:schemeClr>
-              </a:solidFill>
-              <a:latin typeface="Helvetica Neue Light" panose="02000403000000020004" pitchFamily="2" charset="0"/>
-              <a:ea typeface="Helvetica Neue Light" panose="02000403000000020004" pitchFamily="2" charset="0"/>
-            </a:endParaRPr>
           </a:p>
         </p:txBody>
       </p:sp>
@@ -27302,9 +29092,9 @@
           <a:bodyPr/>
           <a:lstStyle/>
           <a:p>
-            <a:fld id="{EA2410D9-03F3-46A5-B16F-C95B865057EB}" type="datetime1">
+            <a:fld id="{2CC03D73-1F34-48E0-AFF1-4F1F8EBA1283}" type="datetime1">
               <a:rPr lang="en-GB" smtClean="0"/>
-              <a:t>17/05/2021</a:t>
+              <a:t>02/06/2021</a:t>
             </a:fld>
             <a:endParaRPr lang="de-CH"/>
           </a:p>
@@ -27502,704 +29292,6 @@
       <p:bldP spid="22" grpId="0" animBg="1"/>
     </p:bldLst>
   </p:timing>
-</p:sld>
-</file>
-
-<file path=ppt/slides/slide8.xml><?xml version="1.0" encoding="utf-8"?>
-<p:sld xmlns:a="http://schemas.openxmlformats.org/drawingml/2006/main" xmlns:r="http://schemas.openxmlformats.org/officeDocument/2006/relationships" xmlns:p="http://schemas.openxmlformats.org/presentationml/2006/main">
-  <p:cSld>
-    <p:spTree>
-      <p:nvGrpSpPr>
-        <p:cNvPr id="1" name=""/>
-        <p:cNvGrpSpPr/>
-        <p:nvPr/>
-      </p:nvGrpSpPr>
-      <p:grpSpPr>
-        <a:xfrm>
-          <a:off x="0" y="0"/>
-          <a:ext cx="0" cy="0"/>
-          <a:chOff x="0" y="0"/>
-          <a:chExt cx="0" cy="0"/>
-        </a:xfrm>
-      </p:grpSpPr>
-      <p:pic>
-        <p:nvPicPr>
-          <p:cNvPr id="1026" name="Picture 2" descr="http://complit.ucla.edu/wp-content/uploads/2015/06/4495439099001_5325814226001_5305238414001-vs-300x169.jpg"/>
-          <p:cNvPicPr>
-            <a:picLocks noChangeAspect="1" noChangeArrowheads="1"/>
-          </p:cNvPicPr>
-          <p:nvPr/>
-        </p:nvPicPr>
-        <p:blipFill>
-          <a:blip r:embed="rId3">
-            <a:duotone>
-              <a:schemeClr val="bg2">
-                <a:shade val="45000"/>
-                <a:satMod val="135000"/>
-              </a:schemeClr>
-              <a:prstClr val="white"/>
-            </a:duotone>
-            <a:extLst>
-              <a:ext uri="{28A0092B-C50C-407E-A947-70E740481C1C}">
-                <a14:useLocalDpi xmlns:a14="http://schemas.microsoft.com/office/drawing/2010/main" val="0"/>
-              </a:ext>
-            </a:extLst>
-          </a:blip>
-          <a:srcRect/>
-          <a:stretch>
-            <a:fillRect/>
-          </a:stretch>
-        </p:blipFill>
-        <p:spPr bwMode="auto">
-          <a:xfrm>
-            <a:off x="-2726661" y="-14017"/>
-            <a:ext cx="12223719" cy="6886033"/>
-          </a:xfrm>
-          <a:prstGeom prst="rect">
-            <a:avLst/>
-          </a:prstGeom>
-          <a:noFill/>
-          <a:extLst>
-            <a:ext uri="{909E8E84-426E-40DD-AFC4-6F175D3DCCD1}">
-              <a14:hiddenFill xmlns:a14="http://schemas.microsoft.com/office/drawing/2010/main">
-                <a:solidFill>
-                  <a:srgbClr val="FFFFFF"/>
-                </a:solidFill>
-              </a14:hiddenFill>
-            </a:ext>
-          </a:extLst>
-        </p:spPr>
-      </p:pic>
-      <p:sp>
-        <p:nvSpPr>
-          <p:cNvPr id="2" name="Rechteck 1"/>
-          <p:cNvSpPr/>
-          <p:nvPr/>
-        </p:nvSpPr>
-        <p:spPr>
-          <a:xfrm>
-            <a:off x="7697337" y="-208547"/>
-            <a:ext cx="5151615" cy="7234989"/>
-          </a:xfrm>
-          <a:prstGeom prst="rect">
-            <a:avLst/>
-          </a:prstGeom>
-          <a:solidFill>
-            <a:schemeClr val="bg1">
-              <a:lumMod val="95000"/>
-            </a:schemeClr>
-          </a:solidFill>
-          <a:ln>
-            <a:noFill/>
-          </a:ln>
-        </p:spPr>
-        <p:style>
-          <a:lnRef idx="2">
-            <a:schemeClr val="accent1">
-              <a:shade val="50000"/>
-            </a:schemeClr>
-          </a:lnRef>
-          <a:fillRef idx="1">
-            <a:schemeClr val="accent1"/>
-          </a:fillRef>
-          <a:effectRef idx="0">
-            <a:schemeClr val="accent1"/>
-          </a:effectRef>
-          <a:fontRef idx="minor">
-            <a:schemeClr val="lt1"/>
-          </a:fontRef>
-        </p:style>
-        <p:txBody>
-          <a:bodyPr rtlCol="0" anchor="ctr"/>
-          <a:lstStyle/>
-          <a:p>
-            <a:pPr algn="ctr"/>
-            <a:endParaRPr lang="de-CH"/>
-          </a:p>
-        </p:txBody>
-      </p:sp>
-      <p:sp>
-        <p:nvSpPr>
-          <p:cNvPr id="6" name="Rectangle 42">
-            <a:extLst>
-              <a:ext uri="{FF2B5EF4-FFF2-40B4-BE49-F238E27FC236}">
-                <a16:creationId xmlns:a16="http://schemas.microsoft.com/office/drawing/2014/main" id="{08695C16-B752-430A-AB57-B217F0B6CDC2}"/>
-              </a:ext>
-            </a:extLst>
-          </p:cNvPr>
-          <p:cNvSpPr/>
-          <p:nvPr/>
-        </p:nvSpPr>
-        <p:spPr>
-          <a:xfrm>
-            <a:off x="547444" y="3030382"/>
-            <a:ext cx="6655253" cy="757130"/>
-          </a:xfrm>
-          <a:prstGeom prst="rect">
-            <a:avLst/>
-          </a:prstGeom>
-        </p:spPr>
-        <p:txBody>
-          <a:bodyPr wrap="square">
-            <a:spAutoFit/>
-          </a:bodyPr>
-          <a:lstStyle/>
-          <a:p>
-            <a:pPr defTabSz="914192" fontAlgn="base">
-              <a:lnSpc>
-                <a:spcPct val="90000"/>
-              </a:lnSpc>
-              <a:spcBef>
-                <a:spcPct val="0"/>
-              </a:spcBef>
-              <a:tabLst>
-                <a:tab pos="1232294" algn="l"/>
-              </a:tabLst>
-              <a:defRPr/>
-            </a:pPr>
-            <a:r>
-              <a:rPr lang="en-US" sz="2400" dirty="0">
-                <a:gradFill>
-                  <a:gsLst>
-                    <a:gs pos="2917">
-                      <a:srgbClr val="353535"/>
-                    </a:gs>
-                    <a:gs pos="30000">
-                      <a:srgbClr val="353535"/>
-                    </a:gs>
-                  </a:gsLst>
-                  <a:lin ang="5400000" scaled="0"/>
-                </a:gradFill>
-                <a:latin typeface="Roboto Medium" panose="02000000000000000000" pitchFamily="2" charset="0"/>
-                <a:ea typeface="Roboto Medium" panose="02000000000000000000" pitchFamily="2" charset="0"/>
-                <a:cs typeface="Helvetica Neue" panose="02000503000000020004" pitchFamily="2" charset="0"/>
-              </a:rPr>
-              <a:t> </a:t>
-            </a:r>
-            <a:r>
-              <a:rPr lang="de-DE" sz="2400" dirty="0">
-                <a:gradFill>
-                  <a:gsLst>
-                    <a:gs pos="2917">
-                      <a:srgbClr val="353535"/>
-                    </a:gs>
-                    <a:gs pos="30000">
-                      <a:srgbClr val="353535"/>
-                    </a:gs>
-                  </a:gsLst>
-                  <a:lin ang="5400000" scaled="0"/>
-                </a:gradFill>
-                <a:latin typeface="Roboto Medium" panose="02000000000000000000" pitchFamily="2" charset="0"/>
-                <a:ea typeface="Roboto Medium" panose="02000000000000000000" pitchFamily="2" charset="0"/>
-                <a:cs typeface="Helvetica Neue" panose="02000503000000020004" pitchFamily="2" charset="0"/>
-              </a:rPr>
-              <a:t>Nächst der Wahrnehmung ist das Gedächtnis für ein denkendes Wesen das notwendigste</a:t>
-            </a:r>
-            <a:endParaRPr lang="en-US" sz="2400" dirty="0">
-              <a:gradFill>
-                <a:gsLst>
-                  <a:gs pos="2917">
-                    <a:srgbClr val="353535"/>
-                  </a:gs>
-                  <a:gs pos="30000">
-                    <a:srgbClr val="353535"/>
-                  </a:gs>
-                </a:gsLst>
-                <a:lin ang="5400000" scaled="0"/>
-              </a:gradFill>
-              <a:latin typeface="Roboto Medium" panose="02000000000000000000" pitchFamily="2" charset="0"/>
-              <a:ea typeface="Roboto Medium" panose="02000000000000000000" pitchFamily="2" charset="0"/>
-              <a:cs typeface="Helvetica Neue" panose="02000503000000020004" pitchFamily="2" charset="0"/>
-            </a:endParaRPr>
-          </a:p>
-        </p:txBody>
-      </p:sp>
-      <p:sp>
-        <p:nvSpPr>
-          <p:cNvPr id="7" name="Rectangle 47">
-            <a:extLst>
-              <a:ext uri="{FF2B5EF4-FFF2-40B4-BE49-F238E27FC236}">
-                <a16:creationId xmlns:a16="http://schemas.microsoft.com/office/drawing/2014/main" id="{FC65C6C5-7AA5-4CB6-ACA9-73ACEE645A2B}"/>
-              </a:ext>
-            </a:extLst>
-          </p:cNvPr>
-          <p:cNvSpPr/>
-          <p:nvPr/>
-        </p:nvSpPr>
-        <p:spPr>
-          <a:xfrm>
-            <a:off x="561870" y="2787315"/>
-            <a:ext cx="6655252" cy="338554"/>
-          </a:xfrm>
-          <a:prstGeom prst="rect">
-            <a:avLst/>
-          </a:prstGeom>
-        </p:spPr>
-        <p:txBody>
-          <a:bodyPr wrap="square">
-            <a:spAutoFit/>
-          </a:bodyPr>
-          <a:lstStyle/>
-          <a:p>
-            <a:pPr algn="r" defTabSz="914049">
-              <a:spcBef>
-                <a:spcPts val="1765"/>
-              </a:spcBef>
-              <a:defRPr/>
-            </a:pPr>
-            <a:r>
-              <a:rPr lang="de-CH" sz="1600" dirty="0">
-                <a:solidFill>
-                  <a:schemeClr val="bg2">
-                    <a:lumMod val="50000"/>
-                  </a:schemeClr>
-                </a:solidFill>
-                <a:latin typeface="Roboto Thin" panose="02000000000000000000" pitchFamily="2" charset="0"/>
-                <a:ea typeface="Roboto Thin" panose="02000000000000000000" pitchFamily="2" charset="0"/>
-                <a:cs typeface="Segoe UI Semibold" panose="020B0702040204020203" pitchFamily="34" charset="0"/>
-              </a:rPr>
-              <a:t>- John Locke</a:t>
-            </a:r>
-            <a:endParaRPr lang="en-US" sz="1400" kern="0" dirty="0">
-              <a:solidFill>
-                <a:srgbClr val="525252"/>
-              </a:solidFill>
-              <a:latin typeface="Segoe UI Light"/>
-              <a:cs typeface="Segoe UI Semibold" panose="020B0702040204020203" pitchFamily="34" charset="0"/>
-            </a:endParaRPr>
-          </a:p>
-        </p:txBody>
-      </p:sp>
-      <p:sp>
-        <p:nvSpPr>
-          <p:cNvPr id="8" name="Identity Text">
-            <a:extLst>
-              <a:ext uri="{FF2B5EF4-FFF2-40B4-BE49-F238E27FC236}">
-                <a16:creationId xmlns:a16="http://schemas.microsoft.com/office/drawing/2014/main" id="{6E1D7DD4-15E1-4D99-8422-68C29359A72B}"/>
-              </a:ext>
-            </a:extLst>
-          </p:cNvPr>
-          <p:cNvSpPr/>
-          <p:nvPr/>
-        </p:nvSpPr>
-        <p:spPr>
-          <a:xfrm>
-            <a:off x="7617127" y="160520"/>
-            <a:ext cx="4719253" cy="2184444"/>
-          </a:xfrm>
-          <a:prstGeom prst="rect">
-            <a:avLst/>
-          </a:prstGeom>
-        </p:spPr>
-        <p:txBody>
-          <a:bodyPr wrap="square" lIns="179285">
-            <a:spAutoFit/>
-          </a:bodyPr>
-          <a:lstStyle/>
-          <a:p>
-            <a:pPr defTabSz="896094" fontAlgn="base">
-              <a:lnSpc>
-                <a:spcPct val="90000"/>
-              </a:lnSpc>
-              <a:spcBef>
-                <a:spcPct val="0"/>
-              </a:spcBef>
-              <a:spcAft>
-                <a:spcPct val="0"/>
-              </a:spcAft>
-              <a:defRPr/>
-            </a:pPr>
-            <a:r>
-              <a:rPr lang="de-CH" sz="1372" kern="0" dirty="0">
-                <a:gradFill>
-                  <a:gsLst>
-                    <a:gs pos="0">
-                      <a:srgbClr val="4B4B4B"/>
-                    </a:gs>
-                    <a:gs pos="100000">
-                      <a:srgbClr val="4B4B4B"/>
-                    </a:gs>
-                  </a:gsLst>
-                  <a:lin ang="5400000" scaled="0"/>
-                </a:gradFill>
-                <a:latin typeface="Segoe UI Semibold" panose="020B0702040204020203" pitchFamily="34" charset="0"/>
-                <a:cs typeface="Segoe UI Semibold" panose="020B0702040204020203" pitchFamily="34" charset="0"/>
-              </a:rPr>
-              <a:t>Zitate</a:t>
-            </a:r>
-          </a:p>
-          <a:p>
-            <a:pPr defTabSz="896094" fontAlgn="base">
-              <a:lnSpc>
-                <a:spcPct val="90000"/>
-              </a:lnSpc>
-              <a:spcBef>
-                <a:spcPct val="0"/>
-              </a:spcBef>
-              <a:spcAft>
-                <a:spcPct val="0"/>
-              </a:spcAft>
-              <a:defRPr/>
-            </a:pPr>
-            <a:endParaRPr lang="de-CH" sz="1372" kern="0" dirty="0">
-              <a:gradFill>
-                <a:gsLst>
-                  <a:gs pos="0">
-                    <a:srgbClr val="4B4B4B"/>
-                  </a:gs>
-                  <a:gs pos="100000">
-                    <a:srgbClr val="4B4B4B"/>
-                  </a:gs>
-                </a:gsLst>
-                <a:lin ang="5400000" scaled="0"/>
-              </a:gradFill>
-              <a:latin typeface="Segoe UI Semibold" panose="020B0702040204020203" pitchFamily="34" charset="0"/>
-              <a:cs typeface="Segoe UI Semibold" panose="020B0702040204020203" pitchFamily="34" charset="0"/>
-            </a:endParaRPr>
-          </a:p>
-          <a:p>
-            <a:pPr defTabSz="896094" fontAlgn="base">
-              <a:lnSpc>
-                <a:spcPct val="90000"/>
-              </a:lnSpc>
-              <a:spcBef>
-                <a:spcPct val="0"/>
-              </a:spcBef>
-              <a:spcAft>
-                <a:spcPct val="0"/>
-              </a:spcAft>
-              <a:defRPr/>
-            </a:pPr>
-            <a:r>
-              <a:rPr lang="de-CH" sz="1372" kern="0" dirty="0">
-                <a:gradFill>
-                  <a:gsLst>
-                    <a:gs pos="0">
-                      <a:srgbClr val="4B4B4B"/>
-                    </a:gs>
-                    <a:gs pos="100000">
-                      <a:srgbClr val="4B4B4B"/>
-                    </a:gs>
-                  </a:gsLst>
-                  <a:lin ang="5400000" scaled="0"/>
-                </a:gradFill>
-                <a:latin typeface="Segoe UI Semibold" panose="020B0702040204020203" pitchFamily="34" charset="0"/>
-                <a:cs typeface="Segoe UI Semibold" panose="020B0702040204020203" pitchFamily="34" charset="0"/>
-              </a:rPr>
-              <a:t>Literarische/Web-Quellen</a:t>
-            </a:r>
-          </a:p>
-          <a:p>
-            <a:pPr defTabSz="896094" fontAlgn="base">
-              <a:lnSpc>
-                <a:spcPct val="90000"/>
-              </a:lnSpc>
-              <a:spcBef>
-                <a:spcPct val="0"/>
-              </a:spcBef>
-              <a:spcAft>
-                <a:spcPct val="0"/>
-              </a:spcAft>
-              <a:defRPr/>
-            </a:pPr>
-            <a:r>
-              <a:rPr lang="de-CH" sz="1100" kern="0" spc="98" dirty="0">
-                <a:gradFill>
-                  <a:gsLst>
-                    <a:gs pos="0">
-                      <a:srgbClr val="4B4B4B"/>
-                    </a:gs>
-                    <a:gs pos="100000">
-                      <a:srgbClr val="4B4B4B"/>
-                    </a:gs>
-                  </a:gsLst>
-                  <a:lin ang="5400000" scaled="1"/>
-                </a:gradFill>
-                <a:latin typeface="Segoe UI"/>
-                <a:ea typeface="Segoe UI Black" panose="020B0A02040204020203" pitchFamily="34" charset="0"/>
-                <a:cs typeface="Segoe UI Semibold" panose="020B0702040204020203" pitchFamily="34" charset="0"/>
-              </a:rPr>
-              <a:t>- Prof. Dr. Matthias Mahlmann, «John Locke», Webseite, 28.05.2015, Erkenntnistheorie, http://www.rwi.uzh.ch/elt-lst-mahlmann/rechtstheorie, 04.09.2018</a:t>
-            </a:r>
-            <a:endParaRPr lang="en-US" sz="1100" kern="0" spc="98" dirty="0">
-              <a:gradFill>
-                <a:gsLst>
-                  <a:gs pos="0">
-                    <a:srgbClr val="4B4B4B"/>
-                  </a:gs>
-                  <a:gs pos="100000">
-                    <a:srgbClr val="4B4B4B"/>
-                  </a:gs>
-                </a:gsLst>
-                <a:lin ang="5400000" scaled="1"/>
-              </a:gradFill>
-              <a:latin typeface="Segoe UI"/>
-              <a:ea typeface="Segoe UI Black" panose="020B0A02040204020203" pitchFamily="34" charset="0"/>
-              <a:cs typeface="Segoe UI Semibold" panose="020B0702040204020203" pitchFamily="34" charset="0"/>
-            </a:endParaRPr>
-          </a:p>
-          <a:p>
-            <a:pPr defTabSz="896094" fontAlgn="base">
-              <a:lnSpc>
-                <a:spcPct val="90000"/>
-              </a:lnSpc>
-              <a:spcBef>
-                <a:spcPct val="0"/>
-              </a:spcBef>
-              <a:spcAft>
-                <a:spcPct val="0"/>
-              </a:spcAft>
-              <a:defRPr/>
-            </a:pPr>
-            <a:endParaRPr lang="de-CH" sz="1372" kern="0" dirty="0">
-              <a:gradFill>
-                <a:gsLst>
-                  <a:gs pos="0">
-                    <a:srgbClr val="4B4B4B"/>
-                  </a:gs>
-                  <a:gs pos="100000">
-                    <a:srgbClr val="4B4B4B"/>
-                  </a:gs>
-                </a:gsLst>
-                <a:lin ang="5400000" scaled="0"/>
-              </a:gradFill>
-              <a:latin typeface="Segoe UI Semibold" panose="020B0702040204020203" pitchFamily="34" charset="0"/>
-              <a:cs typeface="Segoe UI Semibold" panose="020B0702040204020203" pitchFamily="34" charset="0"/>
-            </a:endParaRPr>
-          </a:p>
-          <a:p>
-            <a:pPr defTabSz="896094" fontAlgn="base">
-              <a:lnSpc>
-                <a:spcPct val="90000"/>
-              </a:lnSpc>
-              <a:spcBef>
-                <a:spcPct val="0"/>
-              </a:spcBef>
-              <a:spcAft>
-                <a:spcPct val="0"/>
-              </a:spcAft>
-              <a:defRPr/>
-            </a:pPr>
-            <a:r>
-              <a:rPr lang="de-CH" sz="1372" kern="0" dirty="0">
-                <a:gradFill>
-                  <a:gsLst>
-                    <a:gs pos="0">
-                      <a:srgbClr val="4B4B4B"/>
-                    </a:gs>
-                    <a:gs pos="100000">
-                      <a:srgbClr val="4B4B4B"/>
-                    </a:gs>
-                  </a:gsLst>
-                  <a:lin ang="5400000" scaled="0"/>
-                </a:gradFill>
-                <a:latin typeface="Segoe UI Semibold" panose="020B0702040204020203" pitchFamily="34" charset="0"/>
-                <a:cs typeface="Segoe UI Semibold" panose="020B0702040204020203" pitchFamily="34" charset="0"/>
-              </a:rPr>
-              <a:t>Wissenschaftliche Quellen</a:t>
-            </a:r>
-          </a:p>
-          <a:p>
-            <a:pPr defTabSz="896094" fontAlgn="base">
-              <a:lnSpc>
-                <a:spcPct val="90000"/>
-              </a:lnSpc>
-              <a:spcBef>
-                <a:spcPct val="0"/>
-              </a:spcBef>
-              <a:spcAft>
-                <a:spcPct val="0"/>
-              </a:spcAft>
-              <a:defRPr/>
-            </a:pPr>
-            <a:endParaRPr lang="de-CH" sz="1372" kern="0" dirty="0">
-              <a:gradFill>
-                <a:gsLst>
-                  <a:gs pos="0">
-                    <a:srgbClr val="4B4B4B"/>
-                  </a:gs>
-                  <a:gs pos="100000">
-                    <a:srgbClr val="4B4B4B"/>
-                  </a:gs>
-                </a:gsLst>
-                <a:lin ang="5400000" scaled="0"/>
-              </a:gradFill>
-              <a:latin typeface="Segoe UI Semibold" panose="020B0702040204020203" pitchFamily="34" charset="0"/>
-              <a:cs typeface="Segoe UI Semibold" panose="020B0702040204020203" pitchFamily="34" charset="0"/>
-            </a:endParaRPr>
-          </a:p>
-          <a:p>
-            <a:pPr defTabSz="896094" fontAlgn="base">
-              <a:lnSpc>
-                <a:spcPct val="90000"/>
-              </a:lnSpc>
-              <a:spcBef>
-                <a:spcPct val="0"/>
-              </a:spcBef>
-              <a:spcAft>
-                <a:spcPct val="0"/>
-              </a:spcAft>
-              <a:defRPr/>
-            </a:pPr>
-            <a:r>
-              <a:rPr lang="de-CH" sz="1372" kern="0" dirty="0">
-                <a:gradFill>
-                  <a:gsLst>
-                    <a:gs pos="0">
-                      <a:srgbClr val="4B4B4B"/>
-                    </a:gs>
-                    <a:gs pos="100000">
-                      <a:srgbClr val="4B4B4B"/>
-                    </a:gs>
-                  </a:gsLst>
-                  <a:lin ang="5400000" scaled="0"/>
-                </a:gradFill>
-                <a:latin typeface="Segoe UI Semibold" panose="020B0702040204020203" pitchFamily="34" charset="0"/>
-                <a:cs typeface="Segoe UI Semibold" panose="020B0702040204020203" pitchFamily="34" charset="0"/>
-              </a:rPr>
-              <a:t>Bildquellen</a:t>
-            </a:r>
-          </a:p>
-          <a:p>
-            <a:pPr defTabSz="896094" fontAlgn="base">
-              <a:lnSpc>
-                <a:spcPct val="90000"/>
-              </a:lnSpc>
-              <a:spcBef>
-                <a:spcPct val="0"/>
-              </a:spcBef>
-              <a:spcAft>
-                <a:spcPct val="0"/>
-              </a:spcAft>
-              <a:defRPr/>
-            </a:pPr>
-            <a:r>
-              <a:rPr lang="de-CH" sz="1100" kern="0" spc="98" dirty="0">
-                <a:gradFill>
-                  <a:gsLst>
-                    <a:gs pos="0">
-                      <a:srgbClr val="4B4B4B"/>
-                    </a:gs>
-                    <a:gs pos="100000">
-                      <a:srgbClr val="4B4B4B"/>
-                    </a:gs>
-                  </a:gsLst>
-                  <a:lin ang="5400000" scaled="1"/>
-                </a:gradFill>
-                <a:latin typeface="Segoe UI"/>
-                <a:ea typeface="Segoe UI Black" panose="020B0A02040204020203" pitchFamily="34" charset="0"/>
-                <a:cs typeface="Segoe UI Semibold" panose="020B0702040204020203" pitchFamily="34" charset="0"/>
-              </a:rPr>
-              <a:t>- Abb. 1 (S.01): Godfrey Kneller, Porträt John Locke, 1697, Öl auf Leinwand, www.arthermitage.org, 04.09.2018 </a:t>
-            </a:r>
-          </a:p>
-        </p:txBody>
-      </p:sp>
-      <p:sp>
-        <p:nvSpPr>
-          <p:cNvPr id="3" name="Textfeld 2"/>
-          <p:cNvSpPr txBox="1"/>
-          <p:nvPr/>
-        </p:nvSpPr>
-        <p:spPr>
-          <a:xfrm>
-            <a:off x="225883" y="2644169"/>
-            <a:ext cx="908222" cy="1569660"/>
-          </a:xfrm>
-          <a:prstGeom prst="rect">
-            <a:avLst/>
-          </a:prstGeom>
-          <a:noFill/>
-        </p:spPr>
-        <p:txBody>
-          <a:bodyPr wrap="square" rtlCol="0">
-            <a:spAutoFit/>
-          </a:bodyPr>
-          <a:lstStyle/>
-          <a:p>
-            <a:r>
-              <a:rPr lang="en-US" sz="9600" dirty="0">
-                <a:solidFill>
-                  <a:schemeClr val="accent1">
-                    <a:lumMod val="75000"/>
-                  </a:schemeClr>
-                </a:solidFill>
-                <a:latin typeface="Roboto Medium" panose="02000000000000000000" pitchFamily="2" charset="0"/>
-                <a:ea typeface="Roboto Medium" panose="02000000000000000000" pitchFamily="2" charset="0"/>
-                <a:cs typeface="Helvetica Neue" panose="02000503000000020004" pitchFamily="2" charset="0"/>
-              </a:rPr>
-              <a:t>“</a:t>
-            </a:r>
-            <a:endParaRPr lang="de-CH" sz="8800" dirty="0">
-              <a:solidFill>
-                <a:schemeClr val="accent1">
-                  <a:lumMod val="75000"/>
-                </a:schemeClr>
-              </a:solidFill>
-            </a:endParaRPr>
-          </a:p>
-        </p:txBody>
-      </p:sp>
-      <p:sp>
-        <p:nvSpPr>
-          <p:cNvPr id="9" name="Textfeld 8"/>
-          <p:cNvSpPr txBox="1"/>
-          <p:nvPr/>
-        </p:nvSpPr>
-        <p:spPr>
-          <a:xfrm>
-            <a:off x="6439528" y="3221587"/>
-            <a:ext cx="908222" cy="3046988"/>
-          </a:xfrm>
-          <a:prstGeom prst="rect">
-            <a:avLst/>
-          </a:prstGeom>
-          <a:noFill/>
-        </p:spPr>
-        <p:txBody>
-          <a:bodyPr wrap="square" rtlCol="0">
-            <a:spAutoFit/>
-          </a:bodyPr>
-          <a:lstStyle/>
-          <a:p>
-            <a:r>
-              <a:rPr lang="en-US" sz="9600" dirty="0">
-                <a:solidFill>
-                  <a:schemeClr val="accent1">
-                    <a:lumMod val="75000"/>
-                  </a:schemeClr>
-                </a:solidFill>
-                <a:latin typeface="Roboto Medium" panose="02000000000000000000" pitchFamily="2" charset="0"/>
-                <a:ea typeface="Roboto Medium" panose="02000000000000000000" pitchFamily="2" charset="0"/>
-                <a:cs typeface="Helvetica Neue" panose="02000503000000020004" pitchFamily="2" charset="0"/>
-              </a:rPr>
-              <a:t>”</a:t>
-            </a:r>
-          </a:p>
-          <a:p>
-            <a:endParaRPr lang="de-CH" sz="9600" dirty="0">
-              <a:solidFill>
-                <a:schemeClr val="accent1">
-                  <a:lumMod val="75000"/>
-                </a:schemeClr>
-              </a:solidFill>
-            </a:endParaRPr>
-          </a:p>
-        </p:txBody>
-      </p:sp>
-    </p:spTree>
-    <p:extLst>
-      <p:ext uri="{BB962C8B-B14F-4D97-AF65-F5344CB8AC3E}">
-        <p14:creationId xmlns:p14="http://schemas.microsoft.com/office/powerpoint/2010/main" val="2839857066"/>
-      </p:ext>
-    </p:extLst>
-  </p:cSld>
-  <p:clrMapOvr>
-    <a:masterClrMapping/>
-  </p:clrMapOvr>
-  <p:transition spd="slow">
-    <p:push dir="u"/>
-  </p:transition>
 </p:sld>
 </file>
 
@@ -28791,4 +29883,299 @@
     </a:ext>
   </a:extLst>
 </a:theme>
+</file>
+
+<file path=ppt/theme/theme3.xml><?xml version="1.0" encoding="utf-8"?>
+<a:theme xmlns:a="http://schemas.openxmlformats.org/drawingml/2006/main" name="Office">
+  <a:themeElements>
+    <a:clrScheme name="Office">
+      <a:dk1>
+        <a:sysClr val="windowText" lastClr="000000"/>
+      </a:dk1>
+      <a:lt1>
+        <a:sysClr val="window" lastClr="FFFFFF"/>
+      </a:lt1>
+      <a:dk2>
+        <a:srgbClr val="44546A"/>
+      </a:dk2>
+      <a:lt2>
+        <a:srgbClr val="E7E6E6"/>
+      </a:lt2>
+      <a:accent1>
+        <a:srgbClr val="4472C4"/>
+      </a:accent1>
+      <a:accent2>
+        <a:srgbClr val="ED7D31"/>
+      </a:accent2>
+      <a:accent3>
+        <a:srgbClr val="A5A5A5"/>
+      </a:accent3>
+      <a:accent4>
+        <a:srgbClr val="FFC000"/>
+      </a:accent4>
+      <a:accent5>
+        <a:srgbClr val="5B9BD5"/>
+      </a:accent5>
+      <a:accent6>
+        <a:srgbClr val="70AD47"/>
+      </a:accent6>
+      <a:hlink>
+        <a:srgbClr val="0563C1"/>
+      </a:hlink>
+      <a:folHlink>
+        <a:srgbClr val="954F72"/>
+      </a:folHlink>
+    </a:clrScheme>
+    <a:fontScheme name="Office">
+      <a:majorFont>
+        <a:latin typeface="Calibri Light" panose="020F0302020204030204"/>
+        <a:ea typeface=""/>
+        <a:cs typeface=""/>
+        <a:font script="Jpan" typeface="游ゴシック Light"/>
+        <a:font script="Hang" typeface="맑은 고딕"/>
+        <a:font script="Hans" typeface="等线 Light"/>
+        <a:font script="Hant" typeface="新細明體"/>
+        <a:font script="Arab" typeface="Times New Roman"/>
+        <a:font script="Hebr" typeface="Times New Roman"/>
+        <a:font script="Thai" typeface="Angsana New"/>
+        <a:font script="Ethi" typeface="Nyala"/>
+        <a:font script="Beng" typeface="Vrinda"/>
+        <a:font script="Gujr" typeface="Shruti"/>
+        <a:font script="Khmr" typeface="MoolBoran"/>
+        <a:font script="Knda" typeface="Tunga"/>
+        <a:font script="Guru" typeface="Raavi"/>
+        <a:font script="Cans" typeface="Euphemia"/>
+        <a:font script="Cher" typeface="Plantagenet Cherokee"/>
+        <a:font script="Yiii" typeface="Microsoft Yi Baiti"/>
+        <a:font script="Tibt" typeface="Microsoft Himalaya"/>
+        <a:font script="Thaa" typeface="MV Boli"/>
+        <a:font script="Deva" typeface="Mangal"/>
+        <a:font script="Telu" typeface="Gautami"/>
+        <a:font script="Taml" typeface="Latha"/>
+        <a:font script="Syrc" typeface="Estrangelo Edessa"/>
+        <a:font script="Orya" typeface="Kalinga"/>
+        <a:font script="Mlym" typeface="Kartika"/>
+        <a:font script="Laoo" typeface="DokChampa"/>
+        <a:font script="Sinh" typeface="Iskoola Pota"/>
+        <a:font script="Mong" typeface="Mongolian Baiti"/>
+        <a:font script="Viet" typeface="Times New Roman"/>
+        <a:font script="Uigh" typeface="Microsoft Uighur"/>
+        <a:font script="Geor" typeface="Sylfaen"/>
+        <a:font script="Armn" typeface="Arial"/>
+        <a:font script="Bugi" typeface="Leelawadee UI"/>
+        <a:font script="Bopo" typeface="Microsoft JhengHei"/>
+        <a:font script="Java" typeface="Javanese Text"/>
+        <a:font script="Lisu" typeface="Segoe UI"/>
+        <a:font script="Mymr" typeface="Myanmar Text"/>
+        <a:font script="Nkoo" typeface="Ebrima"/>
+        <a:font script="Olck" typeface="Nirmala UI"/>
+        <a:font script="Osma" typeface="Ebrima"/>
+        <a:font script="Phag" typeface="Phagspa"/>
+        <a:font script="Syrn" typeface="Estrangelo Edessa"/>
+        <a:font script="Syrj" typeface="Estrangelo Edessa"/>
+        <a:font script="Syre" typeface="Estrangelo Edessa"/>
+        <a:font script="Sora" typeface="Nirmala UI"/>
+        <a:font script="Tale" typeface="Microsoft Tai Le"/>
+        <a:font script="Talu" typeface="Microsoft New Tai Lue"/>
+        <a:font script="Tfng" typeface="Ebrima"/>
+      </a:majorFont>
+      <a:minorFont>
+        <a:latin typeface="Calibri" panose="020F0502020204030204"/>
+        <a:ea typeface=""/>
+        <a:cs typeface=""/>
+        <a:font script="Jpan" typeface="游ゴシック"/>
+        <a:font script="Hang" typeface="맑은 고딕"/>
+        <a:font script="Hans" typeface="等线"/>
+        <a:font script="Hant" typeface="新細明體"/>
+        <a:font script="Arab" typeface="Arial"/>
+        <a:font script="Hebr" typeface="Arial"/>
+        <a:font script="Thai" typeface="Cordia New"/>
+        <a:font script="Ethi" typeface="Nyala"/>
+        <a:font script="Beng" typeface="Vrinda"/>
+        <a:font script="Gujr" typeface="Shruti"/>
+        <a:font script="Khmr" typeface="DaunPenh"/>
+        <a:font script="Knda" typeface="Tunga"/>
+        <a:font script="Guru" typeface="Raavi"/>
+        <a:font script="Cans" typeface="Euphemia"/>
+        <a:font script="Cher" typeface="Plantagenet Cherokee"/>
+        <a:font script="Yiii" typeface="Microsoft Yi Baiti"/>
+        <a:font script="Tibt" typeface="Microsoft Himalaya"/>
+        <a:font script="Thaa" typeface="MV Boli"/>
+        <a:font script="Deva" typeface="Mangal"/>
+        <a:font script="Telu" typeface="Gautami"/>
+        <a:font script="Taml" typeface="Latha"/>
+        <a:font script="Syrc" typeface="Estrangelo Edessa"/>
+        <a:font script="Orya" typeface="Kalinga"/>
+        <a:font script="Mlym" typeface="Kartika"/>
+        <a:font script="Laoo" typeface="DokChampa"/>
+        <a:font script="Sinh" typeface="Iskoola Pota"/>
+        <a:font script="Mong" typeface="Mongolian Baiti"/>
+        <a:font script="Viet" typeface="Arial"/>
+        <a:font script="Uigh" typeface="Microsoft Uighur"/>
+        <a:font script="Geor" typeface="Sylfaen"/>
+        <a:font script="Armn" typeface="Arial"/>
+        <a:font script="Bugi" typeface="Leelawadee UI"/>
+        <a:font script="Bopo" typeface="Microsoft JhengHei"/>
+        <a:font script="Java" typeface="Javanese Text"/>
+        <a:font script="Lisu" typeface="Segoe UI"/>
+        <a:font script="Mymr" typeface="Myanmar Text"/>
+        <a:font script="Nkoo" typeface="Ebrima"/>
+        <a:font script="Olck" typeface="Nirmala UI"/>
+        <a:font script="Osma" typeface="Ebrima"/>
+        <a:font script="Phag" typeface="Phagspa"/>
+        <a:font script="Syrn" typeface="Estrangelo Edessa"/>
+        <a:font script="Syrj" typeface="Estrangelo Edessa"/>
+        <a:font script="Syre" typeface="Estrangelo Edessa"/>
+        <a:font script="Sora" typeface="Nirmala UI"/>
+        <a:font script="Tale" typeface="Microsoft Tai Le"/>
+        <a:font script="Talu" typeface="Microsoft New Tai Lue"/>
+        <a:font script="Tfng" typeface="Ebrima"/>
+      </a:minorFont>
+    </a:fontScheme>
+    <a:fmtScheme name="Office">
+      <a:fillStyleLst>
+        <a:solidFill>
+          <a:schemeClr val="phClr"/>
+        </a:solidFill>
+        <a:gradFill rotWithShape="1">
+          <a:gsLst>
+            <a:gs pos="0">
+              <a:schemeClr val="phClr">
+                <a:lumMod val="110000"/>
+                <a:satMod val="105000"/>
+                <a:tint val="67000"/>
+              </a:schemeClr>
+            </a:gs>
+            <a:gs pos="50000">
+              <a:schemeClr val="phClr">
+                <a:lumMod val="105000"/>
+                <a:satMod val="103000"/>
+                <a:tint val="73000"/>
+              </a:schemeClr>
+            </a:gs>
+            <a:gs pos="100000">
+              <a:schemeClr val="phClr">
+                <a:lumMod val="105000"/>
+                <a:satMod val="109000"/>
+                <a:tint val="81000"/>
+              </a:schemeClr>
+            </a:gs>
+          </a:gsLst>
+          <a:lin ang="5400000" scaled="0"/>
+        </a:gradFill>
+        <a:gradFill rotWithShape="1">
+          <a:gsLst>
+            <a:gs pos="0">
+              <a:schemeClr val="phClr">
+                <a:satMod val="103000"/>
+                <a:lumMod val="102000"/>
+                <a:tint val="94000"/>
+              </a:schemeClr>
+            </a:gs>
+            <a:gs pos="50000">
+              <a:schemeClr val="phClr">
+                <a:satMod val="110000"/>
+                <a:lumMod val="100000"/>
+                <a:shade val="100000"/>
+              </a:schemeClr>
+            </a:gs>
+            <a:gs pos="100000">
+              <a:schemeClr val="phClr">
+                <a:lumMod val="99000"/>
+                <a:satMod val="120000"/>
+                <a:shade val="78000"/>
+              </a:schemeClr>
+            </a:gs>
+          </a:gsLst>
+          <a:lin ang="5400000" scaled="0"/>
+        </a:gradFill>
+      </a:fillStyleLst>
+      <a:lnStyleLst>
+        <a:ln w="6350" cap="flat" cmpd="sng" algn="ctr">
+          <a:solidFill>
+            <a:schemeClr val="phClr"/>
+          </a:solidFill>
+          <a:prstDash val="solid"/>
+          <a:miter lim="800000"/>
+        </a:ln>
+        <a:ln w="12700" cap="flat" cmpd="sng" algn="ctr">
+          <a:solidFill>
+            <a:schemeClr val="phClr"/>
+          </a:solidFill>
+          <a:prstDash val="solid"/>
+          <a:miter lim="800000"/>
+        </a:ln>
+        <a:ln w="19050" cap="flat" cmpd="sng" algn="ctr">
+          <a:solidFill>
+            <a:schemeClr val="phClr"/>
+          </a:solidFill>
+          <a:prstDash val="solid"/>
+          <a:miter lim="800000"/>
+        </a:ln>
+      </a:lnStyleLst>
+      <a:effectStyleLst>
+        <a:effectStyle>
+          <a:effectLst/>
+        </a:effectStyle>
+        <a:effectStyle>
+          <a:effectLst/>
+        </a:effectStyle>
+        <a:effectStyle>
+          <a:effectLst>
+            <a:outerShdw blurRad="57150" dist="19050" dir="5400000" algn="ctr" rotWithShape="0">
+              <a:srgbClr val="000000">
+                <a:alpha val="63000"/>
+              </a:srgbClr>
+            </a:outerShdw>
+          </a:effectLst>
+        </a:effectStyle>
+      </a:effectStyleLst>
+      <a:bgFillStyleLst>
+        <a:solidFill>
+          <a:schemeClr val="phClr"/>
+        </a:solidFill>
+        <a:solidFill>
+          <a:schemeClr val="phClr">
+            <a:tint val="95000"/>
+            <a:satMod val="170000"/>
+          </a:schemeClr>
+        </a:solidFill>
+        <a:gradFill rotWithShape="1">
+          <a:gsLst>
+            <a:gs pos="0">
+              <a:schemeClr val="phClr">
+                <a:tint val="93000"/>
+                <a:satMod val="150000"/>
+                <a:shade val="98000"/>
+                <a:lumMod val="102000"/>
+              </a:schemeClr>
+            </a:gs>
+            <a:gs pos="50000">
+              <a:schemeClr val="phClr">
+                <a:tint val="98000"/>
+                <a:satMod val="130000"/>
+                <a:shade val="90000"/>
+                <a:lumMod val="103000"/>
+              </a:schemeClr>
+            </a:gs>
+            <a:gs pos="100000">
+              <a:schemeClr val="phClr">
+                <a:shade val="63000"/>
+                <a:satMod val="120000"/>
+              </a:schemeClr>
+            </a:gs>
+          </a:gsLst>
+          <a:lin ang="5400000" scaled="0"/>
+        </a:gradFill>
+      </a:bgFillStyleLst>
+    </a:fmtScheme>
+  </a:themeElements>
+  <a:objectDefaults/>
+  <a:extraClrSchemeLst/>
+  <a:extLst>
+    <a:ext uri="{05A4C25C-085E-4340-85A3-A5531E510DB2}">
+      <thm15:themeFamily xmlns:thm15="http://schemas.microsoft.com/office/thememl/2012/main" name="Office Theme" id="{62F939B6-93AF-4DB8-9C6B-D6C7DFDC589F}" vid="{4A3C46E8-61CC-4603-A589-7422A47A8E4A}"/>
+    </a:ext>
+  </a:extLst>
+</a:theme>
 </file>
--- a/presentation/Milestone_Presentation.pptx
+++ b/presentation/Milestone_Presentation.pptx
@@ -15236,15 +15236,7 @@
             </a:pPr>
             <a:r>
               <a:rPr lang="en-AU" sz="2000" dirty="0"/>
-              <a:t>Mostly Tree Based Algorithms, KNN, SVM, Boosted Models (</a:t>
-            </a:r>
-            <a:r>
-              <a:rPr lang="en-AU" sz="2000" dirty="0" err="1"/>
-              <a:t>XGBoost</a:t>
-            </a:r>
-            <a:r>
-              <a:rPr lang="en-AU" sz="2000" dirty="0"/>
-              <a:t>, AdaBoost), MLP</a:t>
+              <a:t>Mostly Tree Based Algorithms, KNN, SVM, Boosted Models (XGBoost, AdaBoost), MLP</a:t>
             </a:r>
           </a:p>
           <a:p>
@@ -19164,7 +19156,7 @@
                     <a:p>
                       <a:pPr algn="l" fontAlgn="b"/>
                       <a:r>
-                        <a:rPr lang="en-AU" sz="1100" b="0" i="0" u="none" strike="noStrike" noProof="0" dirty="0" err="1">
+                        <a:rPr lang="en-AU" sz="1100" b="0" i="0" u="none" strike="noStrike" noProof="0" dirty="0">
                           <a:solidFill>
                             <a:srgbClr val="000000"/>
                           </a:solidFill>
@@ -19173,13 +19165,6 @@
                         </a:rPr>
                         <a:t>XGBoost</a:t>
                       </a:r>
-                      <a:endParaRPr lang="en-AU" sz="1100" b="0" i="0" u="none" strike="noStrike" noProof="0" dirty="0">
-                        <a:solidFill>
-                          <a:srgbClr val="000000"/>
-                        </a:solidFill>
-                        <a:effectLst/>
-                        <a:latin typeface="Calibri" panose="020F0502020204030204" pitchFamily="34" charset="0"/>
-                      </a:endParaRPr>
                     </a:p>
                   </a:txBody>
                   <a:tcPr marL="0" marR="0" marT="0" marB="0" anchor="b">
@@ -23107,7 +23092,7 @@
                     <a:p>
                       <a:pPr algn="l" fontAlgn="b"/>
                       <a:r>
-                        <a:rPr lang="en-AU" sz="1100" b="0" i="0" u="none" strike="noStrike" noProof="0" dirty="0" err="1">
+                        <a:rPr lang="en-AU" sz="1100" b="0" i="0" u="none" strike="noStrike" noProof="0" dirty="0">
                           <a:solidFill>
                             <a:srgbClr val="000000"/>
                           </a:solidFill>
@@ -23116,13 +23101,6 @@
                         </a:rPr>
                         <a:t>XGBoost</a:t>
                       </a:r>
-                      <a:endParaRPr lang="en-AU" sz="1100" b="0" i="0" u="none" strike="noStrike" noProof="0" dirty="0">
-                        <a:solidFill>
-                          <a:srgbClr val="000000"/>
-                        </a:solidFill>
-                        <a:effectLst/>
-                        <a:latin typeface="Calibri" panose="020F0502020204030204" pitchFamily="34" charset="0"/>
-                      </a:endParaRPr>
                     </a:p>
                   </a:txBody>
                   <a:tcPr marL="0" marR="0" marT="0" marB="0" anchor="b">

--- a/presentation/Milestone_Presentation.pptx
+++ b/presentation/Milestone_Presentation.pptx
@@ -24000,6 +24000,177 @@
                       </p:childTnLst>
                     </p:cTn>
                   </p:par>
+                  <p:par>
+                    <p:cTn id="51" fill="hold">
+                      <p:stCondLst>
+                        <p:cond delay="indefinite"/>
+                      </p:stCondLst>
+                      <p:childTnLst>
+                        <p:par>
+                          <p:cTn id="52" fill="hold">
+                            <p:stCondLst>
+                              <p:cond delay="0"/>
+                            </p:stCondLst>
+                            <p:childTnLst>
+                              <p:par>
+                                <p:cTn id="53" presetID="1" presetClass="entr" presetSubtype="0" fill="hold" nodeType="clickEffect">
+                                  <p:stCondLst>
+                                    <p:cond delay="0"/>
+                                  </p:stCondLst>
+                                  <p:childTnLst>
+                                    <p:set>
+                                      <p:cBhvr>
+                                        <p:cTn id="54" dur="1" fill="hold">
+                                          <p:stCondLst>
+                                            <p:cond delay="0"/>
+                                          </p:stCondLst>
+                                        </p:cTn>
+                                        <p:tgtEl>
+                                          <p:spTgt spid="33"/>
+                                        </p:tgtEl>
+                                        <p:attrNameLst>
+                                          <p:attrName>style.visibility</p:attrName>
+                                        </p:attrNameLst>
+                                      </p:cBhvr>
+                                      <p:to>
+                                        <p:strVal val="visible"/>
+                                      </p:to>
+                                    </p:set>
+                                  </p:childTnLst>
+                                </p:cTn>
+                              </p:par>
+                              <p:par>
+                                <p:cTn id="55" presetID="1" presetClass="entr" presetSubtype="0" fill="hold" nodeType="withEffect">
+                                  <p:stCondLst>
+                                    <p:cond delay="0"/>
+                                  </p:stCondLst>
+                                  <p:childTnLst>
+                                    <p:set>
+                                      <p:cBhvr>
+                                        <p:cTn id="56" dur="1" fill="hold">
+                                          <p:stCondLst>
+                                            <p:cond delay="0"/>
+                                          </p:stCondLst>
+                                        </p:cTn>
+                                        <p:tgtEl>
+                                          <p:spTgt spid="29"/>
+                                        </p:tgtEl>
+                                        <p:attrNameLst>
+                                          <p:attrName>style.visibility</p:attrName>
+                                        </p:attrNameLst>
+                                      </p:cBhvr>
+                                      <p:to>
+                                        <p:strVal val="visible"/>
+                                      </p:to>
+                                    </p:set>
+                                  </p:childTnLst>
+                                </p:cTn>
+                              </p:par>
+                              <p:par>
+                                <p:cTn id="57" presetID="1" presetClass="entr" presetSubtype="0" fill="hold" nodeType="withEffect">
+                                  <p:stCondLst>
+                                    <p:cond delay="0"/>
+                                  </p:stCondLst>
+                                  <p:childTnLst>
+                                    <p:set>
+                                      <p:cBhvr>
+                                        <p:cTn id="58" dur="1" fill="hold">
+                                          <p:stCondLst>
+                                            <p:cond delay="0"/>
+                                          </p:stCondLst>
+                                        </p:cTn>
+                                        <p:tgtEl>
+                                          <p:spTgt spid="26"/>
+                                        </p:tgtEl>
+                                        <p:attrNameLst>
+                                          <p:attrName>style.visibility</p:attrName>
+                                        </p:attrNameLst>
+                                      </p:cBhvr>
+                                      <p:to>
+                                        <p:strVal val="visible"/>
+                                      </p:to>
+                                    </p:set>
+                                  </p:childTnLst>
+                                </p:cTn>
+                              </p:par>
+                              <p:par>
+                                <p:cTn id="59" presetID="1" presetClass="entr" presetSubtype="0" fill="hold" nodeType="withEffect">
+                                  <p:stCondLst>
+                                    <p:cond delay="0"/>
+                                  </p:stCondLst>
+                                  <p:childTnLst>
+                                    <p:set>
+                                      <p:cBhvr>
+                                        <p:cTn id="60" dur="1" fill="hold">
+                                          <p:stCondLst>
+                                            <p:cond delay="0"/>
+                                          </p:stCondLst>
+                                        </p:cTn>
+                                        <p:tgtEl>
+                                          <p:spTgt spid="23"/>
+                                        </p:tgtEl>
+                                        <p:attrNameLst>
+                                          <p:attrName>style.visibility</p:attrName>
+                                        </p:attrNameLst>
+                                      </p:cBhvr>
+                                      <p:to>
+                                        <p:strVal val="visible"/>
+                                      </p:to>
+                                    </p:set>
+                                  </p:childTnLst>
+                                </p:cTn>
+                              </p:par>
+                            </p:childTnLst>
+                          </p:cTn>
+                        </p:par>
+                      </p:childTnLst>
+                    </p:cTn>
+                  </p:par>
+                  <p:par>
+                    <p:cTn id="61" fill="hold">
+                      <p:stCondLst>
+                        <p:cond delay="indefinite"/>
+                      </p:stCondLst>
+                      <p:childTnLst>
+                        <p:par>
+                          <p:cTn id="62" fill="hold">
+                            <p:stCondLst>
+                              <p:cond delay="0"/>
+                            </p:stCondLst>
+                            <p:childTnLst>
+                              <p:par>
+                                <p:cTn id="63" presetID="1" presetClass="entr" presetSubtype="0" fill="hold" nodeType="clickEffect">
+                                  <p:stCondLst>
+                                    <p:cond delay="0"/>
+                                  </p:stCondLst>
+                                  <p:childTnLst>
+                                    <p:set>
+                                      <p:cBhvr>
+                                        <p:cTn id="64" dur="1" fill="hold">
+                                          <p:stCondLst>
+                                            <p:cond delay="0"/>
+                                          </p:stCondLst>
+                                        </p:cTn>
+                                        <p:tgtEl>
+                                          <p:spTgt spid="48"/>
+                                        </p:tgtEl>
+                                        <p:attrNameLst>
+                                          <p:attrName>style.visibility</p:attrName>
+                                        </p:attrNameLst>
+                                      </p:cBhvr>
+                                      <p:to>
+                                        <p:strVal val="visible"/>
+                                      </p:to>
+                                    </p:set>
+                                  </p:childTnLst>
+                                </p:cTn>
+                              </p:par>
+                            </p:childTnLst>
+                          </p:cTn>
+                        </p:par>
+                      </p:childTnLst>
+                    </p:cTn>
+                  </p:par>
                 </p:childTnLst>
               </p:cTn>
               <p:prevCondLst>

--- a/presentation/Milestone_Presentation.pptx
+++ b/presentation/Milestone_Presentation.pptx
@@ -297,7 +297,7 @@
           <a:p>
             <a:fld id="{78F261B1-FCA4-4A7D-A3FD-17D05513D3D0}" type="slidenum">
               <a:rPr lang="de-CH" smtClean="0"/>
-              <a:t>‹#›</a:t>
+              <a:t>‹Nr.›</a:t>
             </a:fld>
             <a:endParaRPr lang="de-CH"/>
           </a:p>
@@ -556,7 +556,7 @@
           <a:p>
             <a:fld id="{CF8F3001-8820-440F-AE2B-9E23CEB8CE24}" type="slidenum">
               <a:rPr lang="de-CH" smtClean="0"/>
-              <a:t>‹#›</a:t>
+              <a:t>‹Nr.›</a:t>
             </a:fld>
             <a:endParaRPr lang="de-CH"/>
           </a:p>
@@ -2248,7 +2248,7 @@
           <a:p>
             <a:fld id="{2FD792E3-E401-4E03-A367-A0CE4F17704C}" type="slidenum">
               <a:rPr lang="de-CH" smtClean="0"/>
-              <a:t>‹#›</a:t>
+              <a:t>‹Nr.›</a:t>
             </a:fld>
             <a:endParaRPr lang="de-CH"/>
           </a:p>
@@ -2451,7 +2451,7 @@
           <a:p>
             <a:fld id="{2FD792E3-E401-4E03-A367-A0CE4F17704C}" type="slidenum">
               <a:rPr lang="de-CH" smtClean="0"/>
-              <a:t>‹#›</a:t>
+              <a:t>‹Nr.›</a:t>
             </a:fld>
             <a:endParaRPr lang="de-CH"/>
           </a:p>
@@ -2664,7 +2664,7 @@
           <a:p>
             <a:fld id="{2FD792E3-E401-4E03-A367-A0CE4F17704C}" type="slidenum">
               <a:rPr lang="de-CH" smtClean="0"/>
-              <a:t>‹#›</a:t>
+              <a:t>‹Nr.›</a:t>
             </a:fld>
             <a:endParaRPr lang="de-CH"/>
           </a:p>
@@ -2867,7 +2867,7 @@
           <a:p>
             <a:fld id="{2FD792E3-E401-4E03-A367-A0CE4F17704C}" type="slidenum">
               <a:rPr lang="de-CH" smtClean="0"/>
-              <a:t>‹#›</a:t>
+              <a:t>‹Nr.›</a:t>
             </a:fld>
             <a:endParaRPr lang="de-CH"/>
           </a:p>
@@ -3146,7 +3146,7 @@
           <a:p>
             <a:fld id="{2FD792E3-E401-4E03-A367-A0CE4F17704C}" type="slidenum">
               <a:rPr lang="de-CH" smtClean="0"/>
-              <a:t>‹#›</a:t>
+              <a:t>‹Nr.›</a:t>
             </a:fld>
             <a:endParaRPr lang="de-CH"/>
           </a:p>
@@ -3417,7 +3417,7 @@
           <a:p>
             <a:fld id="{2FD792E3-E401-4E03-A367-A0CE4F17704C}" type="slidenum">
               <a:rPr lang="de-CH" smtClean="0"/>
-              <a:t>‹#›</a:t>
+              <a:t>‹Nr.›</a:t>
             </a:fld>
             <a:endParaRPr lang="de-CH"/>
           </a:p>
@@ -3835,7 +3835,7 @@
           <a:p>
             <a:fld id="{2FD792E3-E401-4E03-A367-A0CE4F17704C}" type="slidenum">
               <a:rPr lang="de-CH" smtClean="0"/>
-              <a:t>‹#›</a:t>
+              <a:t>‹Nr.›</a:t>
             </a:fld>
             <a:endParaRPr lang="de-CH"/>
           </a:p>
@@ -3980,7 +3980,7 @@
           <a:p>
             <a:fld id="{2FD792E3-E401-4E03-A367-A0CE4F17704C}" type="slidenum">
               <a:rPr lang="de-CH" smtClean="0"/>
-              <a:t>‹#›</a:t>
+              <a:t>‹Nr.›</a:t>
             </a:fld>
             <a:endParaRPr lang="de-CH"/>
           </a:p>
@@ -4096,7 +4096,7 @@
           <a:p>
             <a:fld id="{2FD792E3-E401-4E03-A367-A0CE4F17704C}" type="slidenum">
               <a:rPr lang="de-CH" smtClean="0"/>
-              <a:t>‹#›</a:t>
+              <a:t>‹Nr.›</a:t>
             </a:fld>
             <a:endParaRPr lang="de-CH"/>
           </a:p>
@@ -4412,7 +4412,7 @@
           <a:p>
             <a:fld id="{2FD792E3-E401-4E03-A367-A0CE4F17704C}" type="slidenum">
               <a:rPr lang="de-CH" smtClean="0"/>
-              <a:t>‹#›</a:t>
+              <a:t>‹Nr.›</a:t>
             </a:fld>
             <a:endParaRPr lang="de-CH"/>
           </a:p>
@@ -4704,7 +4704,7 @@
           <a:p>
             <a:fld id="{2FD792E3-E401-4E03-A367-A0CE4F17704C}" type="slidenum">
               <a:rPr lang="de-CH" smtClean="0"/>
-              <a:t>‹#›</a:t>
+              <a:t>‹Nr.›</a:t>
             </a:fld>
             <a:endParaRPr lang="de-CH"/>
           </a:p>
@@ -4986,7 +4986,7 @@
           <a:p>
             <a:fld id="{2FD792E3-E401-4E03-A367-A0CE4F17704C}" type="slidenum">
               <a:rPr lang="de-CH" smtClean="0"/>
-              <a:t>‹#›</a:t>
+              <a:t>‹Nr.›</a:t>
             </a:fld>
             <a:endParaRPr lang="de-CH"/>
           </a:p>
@@ -18089,1130 +18089,6 @@
   <p:clrMapOvr>
     <a:masterClrMapping/>
   </p:clrMapOvr>
-  <p:transition spd="slow">
-    <p:push/>
-  </p:transition>
-  <p:timing>
-    <p:tnLst>
-      <p:par>
-        <p:cTn id="1" dur="indefinite" restart="never" nodeType="tmRoot">
-          <p:childTnLst>
-            <p:seq concurrent="1" nextAc="seek">
-              <p:cTn id="2" dur="indefinite" nodeType="mainSeq">
-                <p:childTnLst>
-                  <p:par>
-                    <p:cTn id="3" fill="hold">
-                      <p:stCondLst>
-                        <p:cond delay="indefinite"/>
-                        <p:cond evt="onBegin" delay="0">
-                          <p:tn val="2"/>
-                        </p:cond>
-                      </p:stCondLst>
-                      <p:childTnLst>
-                        <p:par>
-                          <p:cTn id="4" fill="hold">
-                            <p:stCondLst>
-                              <p:cond delay="0"/>
-                            </p:stCondLst>
-                            <p:childTnLst>
-                              <p:par>
-                                <p:cTn id="5" presetID="22" presetClass="entr" presetSubtype="8" fill="hold" nodeType="withEffect">
-                                  <p:stCondLst>
-                                    <p:cond delay="0"/>
-                                  </p:stCondLst>
-                                  <p:childTnLst>
-                                    <p:set>
-                                      <p:cBhvr>
-                                        <p:cTn id="6" dur="1" fill="hold">
-                                          <p:stCondLst>
-                                            <p:cond delay="0"/>
-                                          </p:stCondLst>
-                                        </p:cTn>
-                                        <p:tgtEl>
-                                          <p:spTgt spid="24"/>
-                                        </p:tgtEl>
-                                        <p:attrNameLst>
-                                          <p:attrName>style.visibility</p:attrName>
-                                        </p:attrNameLst>
-                                      </p:cBhvr>
-                                      <p:to>
-                                        <p:strVal val="visible"/>
-                                      </p:to>
-                                    </p:set>
-                                    <p:animEffect transition="in" filter="wipe(left)">
-                                      <p:cBhvr>
-                                        <p:cTn id="7" dur="500"/>
-                                        <p:tgtEl>
-                                          <p:spTgt spid="24"/>
-                                        </p:tgtEl>
-                                      </p:cBhvr>
-                                    </p:animEffect>
-                                  </p:childTnLst>
-                                </p:cTn>
-                              </p:par>
-                            </p:childTnLst>
-                          </p:cTn>
-                        </p:par>
-                        <p:par>
-                          <p:cTn id="8" fill="hold">
-                            <p:stCondLst>
-                              <p:cond delay="500"/>
-                            </p:stCondLst>
-                            <p:childTnLst>
-                              <p:par>
-                                <p:cTn id="9" presetID="1" presetClass="entr" presetSubtype="0" fill="hold" grpId="0" nodeType="afterEffect">
-                                  <p:stCondLst>
-                                    <p:cond delay="0"/>
-                                  </p:stCondLst>
-                                  <p:childTnLst>
-                                    <p:set>
-                                      <p:cBhvr>
-                                        <p:cTn id="10" dur="1" fill="hold">
-                                          <p:stCondLst>
-                                            <p:cond delay="0"/>
-                                          </p:stCondLst>
-                                        </p:cTn>
-                                        <p:tgtEl>
-                                          <p:spTgt spid="6"/>
-                                        </p:tgtEl>
-                                        <p:attrNameLst>
-                                          <p:attrName>style.visibility</p:attrName>
-                                        </p:attrNameLst>
-                                      </p:cBhvr>
-                                      <p:to>
-                                        <p:strVal val="visible"/>
-                                      </p:to>
-                                    </p:set>
-                                  </p:childTnLst>
-                                </p:cTn>
-                              </p:par>
-                              <p:par>
-                                <p:cTn id="11" presetID="1" presetClass="entr" presetSubtype="0" fill="hold" grpId="0" nodeType="withEffect">
-                                  <p:stCondLst>
-                                    <p:cond delay="0"/>
-                                  </p:stCondLst>
-                                  <p:childTnLst>
-                                    <p:set>
-                                      <p:cBhvr>
-                                        <p:cTn id="12" dur="1" fill="hold">
-                                          <p:stCondLst>
-                                            <p:cond delay="0"/>
-                                          </p:stCondLst>
-                                        </p:cTn>
-                                        <p:tgtEl>
-                                          <p:spTgt spid="29"/>
-                                        </p:tgtEl>
-                                        <p:attrNameLst>
-                                          <p:attrName>style.visibility</p:attrName>
-                                        </p:attrNameLst>
-                                      </p:cBhvr>
-                                      <p:to>
-                                        <p:strVal val="visible"/>
-                                      </p:to>
-                                    </p:set>
-                                  </p:childTnLst>
-                                </p:cTn>
-                              </p:par>
-                              <p:par>
-                                <p:cTn id="13" presetID="22" presetClass="entr" presetSubtype="8" fill="hold" nodeType="withEffect">
-                                  <p:stCondLst>
-                                    <p:cond delay="0"/>
-                                  </p:stCondLst>
-                                  <p:childTnLst>
-                                    <p:set>
-                                      <p:cBhvr>
-                                        <p:cTn id="14" dur="1" fill="hold">
-                                          <p:stCondLst>
-                                            <p:cond delay="0"/>
-                                          </p:stCondLst>
-                                        </p:cTn>
-                                        <p:tgtEl>
-                                          <p:spTgt spid="12"/>
-                                        </p:tgtEl>
-                                        <p:attrNameLst>
-                                          <p:attrName>style.visibility</p:attrName>
-                                        </p:attrNameLst>
-                                      </p:cBhvr>
-                                      <p:to>
-                                        <p:strVal val="visible"/>
-                                      </p:to>
-                                    </p:set>
-                                    <p:animEffect transition="in" filter="wipe(left)">
-                                      <p:cBhvr>
-                                        <p:cTn id="15" dur="500"/>
-                                        <p:tgtEl>
-                                          <p:spTgt spid="12"/>
-                                        </p:tgtEl>
-                                      </p:cBhvr>
-                                    </p:animEffect>
-                                  </p:childTnLst>
-                                </p:cTn>
-                              </p:par>
-                            </p:childTnLst>
-                          </p:cTn>
-                        </p:par>
-                        <p:par>
-                          <p:cTn id="16" fill="hold">
-                            <p:stCondLst>
-                              <p:cond delay="1000"/>
-                            </p:stCondLst>
-                            <p:childTnLst>
-                              <p:par>
-                                <p:cTn id="17" presetID="1" presetClass="entr" presetSubtype="0" fill="hold" grpId="0" nodeType="afterEffect">
-                                  <p:stCondLst>
-                                    <p:cond delay="0"/>
-                                  </p:stCondLst>
-                                  <p:childTnLst>
-                                    <p:set>
-                                      <p:cBhvr>
-                                        <p:cTn id="18" dur="1" fill="hold">
-                                          <p:stCondLst>
-                                            <p:cond delay="0"/>
-                                          </p:stCondLst>
-                                        </p:cTn>
-                                        <p:tgtEl>
-                                          <p:spTgt spid="8"/>
-                                        </p:tgtEl>
-                                        <p:attrNameLst>
-                                          <p:attrName>style.visibility</p:attrName>
-                                        </p:attrNameLst>
-                                      </p:cBhvr>
-                                      <p:to>
-                                        <p:strVal val="visible"/>
-                                      </p:to>
-                                    </p:set>
-                                  </p:childTnLst>
-                                </p:cTn>
-                              </p:par>
-                              <p:par>
-                                <p:cTn id="19" presetID="1" presetClass="entr" presetSubtype="0" fill="hold" grpId="0" nodeType="withEffect">
-                                  <p:stCondLst>
-                                    <p:cond delay="0"/>
-                                  </p:stCondLst>
-                                  <p:childTnLst>
-                                    <p:set>
-                                      <p:cBhvr>
-                                        <p:cTn id="20" dur="1" fill="hold">
-                                          <p:stCondLst>
-                                            <p:cond delay="0"/>
-                                          </p:stCondLst>
-                                        </p:cTn>
-                                        <p:tgtEl>
-                                          <p:spTgt spid="30"/>
-                                        </p:tgtEl>
-                                        <p:attrNameLst>
-                                          <p:attrName>style.visibility</p:attrName>
-                                        </p:attrNameLst>
-                                      </p:cBhvr>
-                                      <p:to>
-                                        <p:strVal val="visible"/>
-                                      </p:to>
-                                    </p:set>
-                                  </p:childTnLst>
-                                </p:cTn>
-                              </p:par>
-                              <p:par>
-                                <p:cTn id="21" presetID="22" presetClass="entr" presetSubtype="8" fill="hold" nodeType="withEffect">
-                                  <p:stCondLst>
-                                    <p:cond delay="0"/>
-                                  </p:stCondLst>
-                                  <p:childTnLst>
-                                    <p:set>
-                                      <p:cBhvr>
-                                        <p:cTn id="22" dur="1" fill="hold">
-                                          <p:stCondLst>
-                                            <p:cond delay="0"/>
-                                          </p:stCondLst>
-                                        </p:cTn>
-                                        <p:tgtEl>
-                                          <p:spTgt spid="21"/>
-                                        </p:tgtEl>
-                                        <p:attrNameLst>
-                                          <p:attrName>style.visibility</p:attrName>
-                                        </p:attrNameLst>
-                                      </p:cBhvr>
-                                      <p:to>
-                                        <p:strVal val="visible"/>
-                                      </p:to>
-                                    </p:set>
-                                    <p:animEffect transition="in" filter="wipe(left)">
-                                      <p:cBhvr>
-                                        <p:cTn id="23" dur="500"/>
-                                        <p:tgtEl>
-                                          <p:spTgt spid="21"/>
-                                        </p:tgtEl>
-                                      </p:cBhvr>
-                                    </p:animEffect>
-                                  </p:childTnLst>
-                                </p:cTn>
-                              </p:par>
-                            </p:childTnLst>
-                          </p:cTn>
-                        </p:par>
-                        <p:par>
-                          <p:cTn id="24" fill="hold">
-                            <p:stCondLst>
-                              <p:cond delay="1500"/>
-                            </p:stCondLst>
-                            <p:childTnLst>
-                              <p:par>
-                                <p:cTn id="25" presetID="1" presetClass="entr" presetSubtype="0" fill="hold" grpId="0" nodeType="afterEffect">
-                                  <p:stCondLst>
-                                    <p:cond delay="0"/>
-                                  </p:stCondLst>
-                                  <p:childTnLst>
-                                    <p:set>
-                                      <p:cBhvr>
-                                        <p:cTn id="26" dur="1" fill="hold">
-                                          <p:stCondLst>
-                                            <p:cond delay="0"/>
-                                          </p:stCondLst>
-                                        </p:cTn>
-                                        <p:tgtEl>
-                                          <p:spTgt spid="9"/>
-                                        </p:tgtEl>
-                                        <p:attrNameLst>
-                                          <p:attrName>style.visibility</p:attrName>
-                                        </p:attrNameLst>
-                                      </p:cBhvr>
-                                      <p:to>
-                                        <p:strVal val="visible"/>
-                                      </p:to>
-                                    </p:set>
-                                  </p:childTnLst>
-                                </p:cTn>
-                              </p:par>
-                              <p:par>
-                                <p:cTn id="27" presetID="1" presetClass="entr" presetSubtype="0" fill="hold" grpId="0" nodeType="withEffect">
-                                  <p:stCondLst>
-                                    <p:cond delay="0"/>
-                                  </p:stCondLst>
-                                  <p:childTnLst>
-                                    <p:set>
-                                      <p:cBhvr>
-                                        <p:cTn id="28" dur="1" fill="hold">
-                                          <p:stCondLst>
-                                            <p:cond delay="0"/>
-                                          </p:stCondLst>
-                                        </p:cTn>
-                                        <p:tgtEl>
-                                          <p:spTgt spid="31"/>
-                                        </p:tgtEl>
-                                        <p:attrNameLst>
-                                          <p:attrName>style.visibility</p:attrName>
-                                        </p:attrNameLst>
-                                      </p:cBhvr>
-                                      <p:to>
-                                        <p:strVal val="visible"/>
-                                      </p:to>
-                                    </p:set>
-                                  </p:childTnLst>
-                                </p:cTn>
-                              </p:par>
-                              <p:par>
-                                <p:cTn id="29" presetID="22" presetClass="entr" presetSubtype="8" fill="hold" nodeType="withEffect">
-                                  <p:stCondLst>
-                                    <p:cond delay="0"/>
-                                  </p:stCondLst>
-                                  <p:childTnLst>
-                                    <p:set>
-                                      <p:cBhvr>
-                                        <p:cTn id="30" dur="1" fill="hold">
-                                          <p:stCondLst>
-                                            <p:cond delay="0"/>
-                                          </p:stCondLst>
-                                        </p:cTn>
-                                        <p:tgtEl>
-                                          <p:spTgt spid="22"/>
-                                        </p:tgtEl>
-                                        <p:attrNameLst>
-                                          <p:attrName>style.visibility</p:attrName>
-                                        </p:attrNameLst>
-                                      </p:cBhvr>
-                                      <p:to>
-                                        <p:strVal val="visible"/>
-                                      </p:to>
-                                    </p:set>
-                                    <p:animEffect transition="in" filter="wipe(left)">
-                                      <p:cBhvr>
-                                        <p:cTn id="31" dur="500"/>
-                                        <p:tgtEl>
-                                          <p:spTgt spid="22"/>
-                                        </p:tgtEl>
-                                      </p:cBhvr>
-                                    </p:animEffect>
-                                  </p:childTnLst>
-                                </p:cTn>
-                              </p:par>
-                            </p:childTnLst>
-                          </p:cTn>
-                        </p:par>
-                        <p:par>
-                          <p:cTn id="32" fill="hold">
-                            <p:stCondLst>
-                              <p:cond delay="2000"/>
-                            </p:stCondLst>
-                            <p:childTnLst>
-                              <p:par>
-                                <p:cTn id="33" presetID="1" presetClass="entr" presetSubtype="0" fill="hold" grpId="0" nodeType="afterEffect">
-                                  <p:stCondLst>
-                                    <p:cond delay="0"/>
-                                  </p:stCondLst>
-                                  <p:childTnLst>
-                                    <p:set>
-                                      <p:cBhvr>
-                                        <p:cTn id="34" dur="1" fill="hold">
-                                          <p:stCondLst>
-                                            <p:cond delay="0"/>
-                                          </p:stCondLst>
-                                        </p:cTn>
-                                        <p:tgtEl>
-                                          <p:spTgt spid="10"/>
-                                        </p:tgtEl>
-                                        <p:attrNameLst>
-                                          <p:attrName>style.visibility</p:attrName>
-                                        </p:attrNameLst>
-                                      </p:cBhvr>
-                                      <p:to>
-                                        <p:strVal val="visible"/>
-                                      </p:to>
-                                    </p:set>
-                                  </p:childTnLst>
-                                </p:cTn>
-                              </p:par>
-                              <p:par>
-                                <p:cTn id="35" presetID="1" presetClass="entr" presetSubtype="0" fill="hold" grpId="0" nodeType="withEffect">
-                                  <p:stCondLst>
-                                    <p:cond delay="0"/>
-                                  </p:stCondLst>
-                                  <p:childTnLst>
-                                    <p:set>
-                                      <p:cBhvr>
-                                        <p:cTn id="36" dur="1" fill="hold">
-                                          <p:stCondLst>
-                                            <p:cond delay="0"/>
-                                          </p:stCondLst>
-                                        </p:cTn>
-                                        <p:tgtEl>
-                                          <p:spTgt spid="32"/>
-                                        </p:tgtEl>
-                                        <p:attrNameLst>
-                                          <p:attrName>style.visibility</p:attrName>
-                                        </p:attrNameLst>
-                                      </p:cBhvr>
-                                      <p:to>
-                                        <p:strVal val="visible"/>
-                                      </p:to>
-                                    </p:set>
-                                  </p:childTnLst>
-                                </p:cTn>
-                              </p:par>
-                              <p:par>
-                                <p:cTn id="37" presetID="22" presetClass="entr" presetSubtype="8" fill="hold" nodeType="withEffect">
-                                  <p:stCondLst>
-                                    <p:cond delay="0"/>
-                                  </p:stCondLst>
-                                  <p:childTnLst>
-                                    <p:set>
-                                      <p:cBhvr>
-                                        <p:cTn id="38" dur="1" fill="hold">
-                                          <p:stCondLst>
-                                            <p:cond delay="0"/>
-                                          </p:stCondLst>
-                                        </p:cTn>
-                                        <p:tgtEl>
-                                          <p:spTgt spid="23"/>
-                                        </p:tgtEl>
-                                        <p:attrNameLst>
-                                          <p:attrName>style.visibility</p:attrName>
-                                        </p:attrNameLst>
-                                      </p:cBhvr>
-                                      <p:to>
-                                        <p:strVal val="visible"/>
-                                      </p:to>
-                                    </p:set>
-                                    <p:animEffect transition="in" filter="wipe(left)">
-                                      <p:cBhvr>
-                                        <p:cTn id="39" dur="500"/>
-                                        <p:tgtEl>
-                                          <p:spTgt spid="23"/>
-                                        </p:tgtEl>
-                                      </p:cBhvr>
-                                    </p:animEffect>
-                                  </p:childTnLst>
-                                </p:cTn>
-                              </p:par>
-                              <p:par>
-                                <p:cTn id="40" presetID="22" presetClass="entr" presetSubtype="8" fill="hold" nodeType="withEffect">
-                                  <p:stCondLst>
-                                    <p:cond delay="0"/>
-                                  </p:stCondLst>
-                                  <p:childTnLst>
-                                    <p:set>
-                                      <p:cBhvr>
-                                        <p:cTn id="41" dur="1" fill="hold">
-                                          <p:stCondLst>
-                                            <p:cond delay="0"/>
-                                          </p:stCondLst>
-                                        </p:cTn>
-                                        <p:tgtEl>
-                                          <p:spTgt spid="26"/>
-                                        </p:tgtEl>
-                                        <p:attrNameLst>
-                                          <p:attrName>style.visibility</p:attrName>
-                                        </p:attrNameLst>
-                                      </p:cBhvr>
-                                      <p:to>
-                                        <p:strVal val="visible"/>
-                                      </p:to>
-                                    </p:set>
-                                    <p:animEffect transition="in" filter="wipe(left)">
-                                      <p:cBhvr>
-                                        <p:cTn id="42" dur="750"/>
-                                        <p:tgtEl>
-                                          <p:spTgt spid="26"/>
-                                        </p:tgtEl>
-                                      </p:cBhvr>
-                                    </p:animEffect>
-                                  </p:childTnLst>
-                                </p:cTn>
-                              </p:par>
-                            </p:childTnLst>
-                          </p:cTn>
-                        </p:par>
-                        <p:par>
-                          <p:cTn id="43" fill="hold">
-                            <p:stCondLst>
-                              <p:cond delay="2750"/>
-                            </p:stCondLst>
-                            <p:childTnLst>
-                              <p:par>
-                                <p:cTn id="44" presetID="1" presetClass="entr" presetSubtype="0" fill="hold" grpId="0" nodeType="afterEffect">
-                                  <p:stCondLst>
-                                    <p:cond delay="0"/>
-                                  </p:stCondLst>
-                                  <p:childTnLst>
-                                    <p:set>
-                                      <p:cBhvr>
-                                        <p:cTn id="45" dur="1" fill="hold">
-                                          <p:stCondLst>
-                                            <p:cond delay="0"/>
-                                          </p:stCondLst>
-                                        </p:cTn>
-                                        <p:tgtEl>
-                                          <p:spTgt spid="28"/>
-                                        </p:tgtEl>
-                                        <p:attrNameLst>
-                                          <p:attrName>style.visibility</p:attrName>
-                                        </p:attrNameLst>
-                                      </p:cBhvr>
-                                      <p:to>
-                                        <p:strVal val="visible"/>
-                                      </p:to>
-                                    </p:set>
-                                  </p:childTnLst>
-                                </p:cTn>
-                              </p:par>
-                              <p:par>
-                                <p:cTn id="46" presetID="22" presetClass="entr" presetSubtype="8" fill="hold" nodeType="withEffect">
-                                  <p:stCondLst>
-                                    <p:cond delay="0"/>
-                                  </p:stCondLst>
-                                  <p:childTnLst>
-                                    <p:set>
-                                      <p:cBhvr>
-                                        <p:cTn id="47" dur="1" fill="hold">
-                                          <p:stCondLst>
-                                            <p:cond delay="0"/>
-                                          </p:stCondLst>
-                                        </p:cTn>
-                                        <p:tgtEl>
-                                          <p:spTgt spid="40"/>
-                                        </p:tgtEl>
-                                        <p:attrNameLst>
-                                          <p:attrName>style.visibility</p:attrName>
-                                        </p:attrNameLst>
-                                      </p:cBhvr>
-                                      <p:to>
-                                        <p:strVal val="visible"/>
-                                      </p:to>
-                                    </p:set>
-                                    <p:animEffect transition="in" filter="wipe(left)">
-                                      <p:cBhvr>
-                                        <p:cTn id="48" dur="500"/>
-                                        <p:tgtEl>
-                                          <p:spTgt spid="40"/>
-                                        </p:tgtEl>
-                                      </p:cBhvr>
-                                    </p:animEffect>
-                                  </p:childTnLst>
-                                </p:cTn>
-                              </p:par>
-                            </p:childTnLst>
-                          </p:cTn>
-                        </p:par>
-                        <p:par>
-                          <p:cTn id="49" fill="hold">
-                            <p:stCondLst>
-                              <p:cond delay="3250"/>
-                            </p:stCondLst>
-                            <p:childTnLst>
-                              <p:par>
-                                <p:cTn id="50" presetID="1" presetClass="entr" presetSubtype="0" fill="hold" grpId="0" nodeType="afterEffect">
-                                  <p:stCondLst>
-                                    <p:cond delay="0"/>
-                                  </p:stCondLst>
-                                  <p:childTnLst>
-                                    <p:set>
-                                      <p:cBhvr>
-                                        <p:cTn id="51" dur="1" fill="hold">
-                                          <p:stCondLst>
-                                            <p:cond delay="0"/>
-                                          </p:stCondLst>
-                                        </p:cTn>
-                                        <p:tgtEl>
-                                          <p:spTgt spid="25"/>
-                                        </p:tgtEl>
-                                        <p:attrNameLst>
-                                          <p:attrName>style.visibility</p:attrName>
-                                        </p:attrNameLst>
-                                      </p:cBhvr>
-                                      <p:to>
-                                        <p:strVal val="visible"/>
-                                      </p:to>
-                                    </p:set>
-                                  </p:childTnLst>
-                                </p:cTn>
-                              </p:par>
-                              <p:par>
-                                <p:cTn id="52" presetID="1" presetClass="entr" presetSubtype="0" fill="hold" grpId="0" nodeType="withEffect">
-                                  <p:stCondLst>
-                                    <p:cond delay="0"/>
-                                  </p:stCondLst>
-                                  <p:childTnLst>
-                                    <p:set>
-                                      <p:cBhvr>
-                                        <p:cTn id="53" dur="1" fill="hold">
-                                          <p:stCondLst>
-                                            <p:cond delay="0"/>
-                                          </p:stCondLst>
-                                        </p:cTn>
-                                        <p:tgtEl>
-                                          <p:spTgt spid="43"/>
-                                        </p:tgtEl>
-                                        <p:attrNameLst>
-                                          <p:attrName>style.visibility</p:attrName>
-                                        </p:attrNameLst>
-                                      </p:cBhvr>
-                                      <p:to>
-                                        <p:strVal val="visible"/>
-                                      </p:to>
-                                    </p:set>
-                                  </p:childTnLst>
-                                </p:cTn>
-                              </p:par>
-                              <p:par>
-                                <p:cTn id="54" presetID="22" presetClass="entr" presetSubtype="8" fill="hold" nodeType="withEffect">
-                                  <p:stCondLst>
-                                    <p:cond delay="0"/>
-                                  </p:stCondLst>
-                                  <p:childTnLst>
-                                    <p:set>
-                                      <p:cBhvr>
-                                        <p:cTn id="55" dur="1" fill="hold">
-                                          <p:stCondLst>
-                                            <p:cond delay="0"/>
-                                          </p:stCondLst>
-                                        </p:cTn>
-                                        <p:tgtEl>
-                                          <p:spTgt spid="36"/>
-                                        </p:tgtEl>
-                                        <p:attrNameLst>
-                                          <p:attrName>style.visibility</p:attrName>
-                                        </p:attrNameLst>
-                                      </p:cBhvr>
-                                      <p:to>
-                                        <p:strVal val="visible"/>
-                                      </p:to>
-                                    </p:set>
-                                    <p:animEffect transition="in" filter="wipe(left)">
-                                      <p:cBhvr>
-                                        <p:cTn id="56" dur="500"/>
-                                        <p:tgtEl>
-                                          <p:spTgt spid="36"/>
-                                        </p:tgtEl>
-                                      </p:cBhvr>
-                                    </p:animEffect>
-                                  </p:childTnLst>
-                                </p:cTn>
-                              </p:par>
-                            </p:childTnLst>
-                          </p:cTn>
-                        </p:par>
-                        <p:par>
-                          <p:cTn id="57" fill="hold">
-                            <p:stCondLst>
-                              <p:cond delay="3750"/>
-                            </p:stCondLst>
-                            <p:childTnLst>
-                              <p:par>
-                                <p:cTn id="58" presetID="1" presetClass="entr" presetSubtype="0" fill="hold" grpId="0" nodeType="afterEffect">
-                                  <p:stCondLst>
-                                    <p:cond delay="0"/>
-                                  </p:stCondLst>
-                                  <p:childTnLst>
-                                    <p:set>
-                                      <p:cBhvr>
-                                        <p:cTn id="59" dur="1" fill="hold">
-                                          <p:stCondLst>
-                                            <p:cond delay="0"/>
-                                          </p:stCondLst>
-                                        </p:cTn>
-                                        <p:tgtEl>
-                                          <p:spTgt spid="27"/>
-                                        </p:tgtEl>
-                                        <p:attrNameLst>
-                                          <p:attrName>style.visibility</p:attrName>
-                                        </p:attrNameLst>
-                                      </p:cBhvr>
-                                      <p:to>
-                                        <p:strVal val="visible"/>
-                                      </p:to>
-                                    </p:set>
-                                  </p:childTnLst>
-                                </p:cTn>
-                              </p:par>
-                              <p:par>
-                                <p:cTn id="60" presetID="1" presetClass="entr" presetSubtype="0" fill="hold" grpId="0" nodeType="withEffect">
-                                  <p:stCondLst>
-                                    <p:cond delay="0"/>
-                                  </p:stCondLst>
-                                  <p:childTnLst>
-                                    <p:set>
-                                      <p:cBhvr>
-                                        <p:cTn id="61" dur="1" fill="hold">
-                                          <p:stCondLst>
-                                            <p:cond delay="0"/>
-                                          </p:stCondLst>
-                                        </p:cTn>
-                                        <p:tgtEl>
-                                          <p:spTgt spid="44"/>
-                                        </p:tgtEl>
-                                        <p:attrNameLst>
-                                          <p:attrName>style.visibility</p:attrName>
-                                        </p:attrNameLst>
-                                      </p:cBhvr>
-                                      <p:to>
-                                        <p:strVal val="visible"/>
-                                      </p:to>
-                                    </p:set>
-                                  </p:childTnLst>
-                                </p:cTn>
-                              </p:par>
-                              <p:par>
-                                <p:cTn id="62" presetID="22" presetClass="entr" presetSubtype="8" fill="hold" nodeType="withEffect">
-                                  <p:stCondLst>
-                                    <p:cond delay="0"/>
-                                  </p:stCondLst>
-                                  <p:childTnLst>
-                                    <p:set>
-                                      <p:cBhvr>
-                                        <p:cTn id="63" dur="1" fill="hold">
-                                          <p:stCondLst>
-                                            <p:cond delay="0"/>
-                                          </p:stCondLst>
-                                        </p:cTn>
-                                        <p:tgtEl>
-                                          <p:spTgt spid="37"/>
-                                        </p:tgtEl>
-                                        <p:attrNameLst>
-                                          <p:attrName>style.visibility</p:attrName>
-                                        </p:attrNameLst>
-                                      </p:cBhvr>
-                                      <p:to>
-                                        <p:strVal val="visible"/>
-                                      </p:to>
-                                    </p:set>
-                                    <p:animEffect transition="in" filter="wipe(left)">
-                                      <p:cBhvr>
-                                        <p:cTn id="64" dur="500"/>
-                                        <p:tgtEl>
-                                          <p:spTgt spid="37"/>
-                                        </p:tgtEl>
-                                      </p:cBhvr>
-                                    </p:animEffect>
-                                  </p:childTnLst>
-                                </p:cTn>
-                              </p:par>
-                            </p:childTnLst>
-                          </p:cTn>
-                        </p:par>
-                        <p:par>
-                          <p:cTn id="65" fill="hold">
-                            <p:stCondLst>
-                              <p:cond delay="4250"/>
-                            </p:stCondLst>
-                            <p:childTnLst>
-                              <p:par>
-                                <p:cTn id="66" presetID="1" presetClass="entr" presetSubtype="0" fill="hold" grpId="0" nodeType="afterEffect">
-                                  <p:stCondLst>
-                                    <p:cond delay="0"/>
-                                  </p:stCondLst>
-                                  <p:childTnLst>
-                                    <p:set>
-                                      <p:cBhvr>
-                                        <p:cTn id="67" dur="1" fill="hold">
-                                          <p:stCondLst>
-                                            <p:cond delay="0"/>
-                                          </p:stCondLst>
-                                        </p:cTn>
-                                        <p:tgtEl>
-                                          <p:spTgt spid="33"/>
-                                        </p:tgtEl>
-                                        <p:attrNameLst>
-                                          <p:attrName>style.visibility</p:attrName>
-                                        </p:attrNameLst>
-                                      </p:cBhvr>
-                                      <p:to>
-                                        <p:strVal val="visible"/>
-                                      </p:to>
-                                    </p:set>
-                                  </p:childTnLst>
-                                </p:cTn>
-                              </p:par>
-                              <p:par>
-                                <p:cTn id="68" presetID="1" presetClass="entr" presetSubtype="0" fill="hold" grpId="0" nodeType="withEffect">
-                                  <p:stCondLst>
-                                    <p:cond delay="0"/>
-                                  </p:stCondLst>
-                                  <p:childTnLst>
-                                    <p:set>
-                                      <p:cBhvr>
-                                        <p:cTn id="69" dur="1" fill="hold">
-                                          <p:stCondLst>
-                                            <p:cond delay="0"/>
-                                          </p:stCondLst>
-                                        </p:cTn>
-                                        <p:tgtEl>
-                                          <p:spTgt spid="45"/>
-                                        </p:tgtEl>
-                                        <p:attrNameLst>
-                                          <p:attrName>style.visibility</p:attrName>
-                                        </p:attrNameLst>
-                                      </p:cBhvr>
-                                      <p:to>
-                                        <p:strVal val="visible"/>
-                                      </p:to>
-                                    </p:set>
-                                  </p:childTnLst>
-                                </p:cTn>
-                              </p:par>
-                              <p:par>
-                                <p:cTn id="70" presetID="22" presetClass="entr" presetSubtype="8" fill="hold" nodeType="withEffect">
-                                  <p:stCondLst>
-                                    <p:cond delay="0"/>
-                                  </p:stCondLst>
-                                  <p:childTnLst>
-                                    <p:set>
-                                      <p:cBhvr>
-                                        <p:cTn id="71" dur="1" fill="hold">
-                                          <p:stCondLst>
-                                            <p:cond delay="0"/>
-                                          </p:stCondLst>
-                                        </p:cTn>
-                                        <p:tgtEl>
-                                          <p:spTgt spid="38"/>
-                                        </p:tgtEl>
-                                        <p:attrNameLst>
-                                          <p:attrName>style.visibility</p:attrName>
-                                        </p:attrNameLst>
-                                      </p:cBhvr>
-                                      <p:to>
-                                        <p:strVal val="visible"/>
-                                      </p:to>
-                                    </p:set>
-                                    <p:animEffect transition="in" filter="wipe(left)">
-                                      <p:cBhvr>
-                                        <p:cTn id="72" dur="500"/>
-                                        <p:tgtEl>
-                                          <p:spTgt spid="38"/>
-                                        </p:tgtEl>
-                                      </p:cBhvr>
-                                    </p:animEffect>
-                                  </p:childTnLst>
-                                </p:cTn>
-                              </p:par>
-                            </p:childTnLst>
-                          </p:cTn>
-                        </p:par>
-                        <p:par>
-                          <p:cTn id="73" fill="hold">
-                            <p:stCondLst>
-                              <p:cond delay="4750"/>
-                            </p:stCondLst>
-                            <p:childTnLst>
-                              <p:par>
-                                <p:cTn id="74" presetID="1" presetClass="entr" presetSubtype="0" fill="hold" grpId="0" nodeType="afterEffect">
-                                  <p:stCondLst>
-                                    <p:cond delay="0"/>
-                                  </p:stCondLst>
-                                  <p:childTnLst>
-                                    <p:set>
-                                      <p:cBhvr>
-                                        <p:cTn id="75" dur="1" fill="hold">
-                                          <p:stCondLst>
-                                            <p:cond delay="0"/>
-                                          </p:stCondLst>
-                                        </p:cTn>
-                                        <p:tgtEl>
-                                          <p:spTgt spid="35"/>
-                                        </p:tgtEl>
-                                        <p:attrNameLst>
-                                          <p:attrName>style.visibility</p:attrName>
-                                        </p:attrNameLst>
-                                      </p:cBhvr>
-                                      <p:to>
-                                        <p:strVal val="visible"/>
-                                      </p:to>
-                                    </p:set>
-                                  </p:childTnLst>
-                                </p:cTn>
-                              </p:par>
-                              <p:par>
-                                <p:cTn id="76" presetID="1" presetClass="entr" presetSubtype="0" fill="hold" grpId="0" nodeType="withEffect">
-                                  <p:stCondLst>
-                                    <p:cond delay="0"/>
-                                  </p:stCondLst>
-                                  <p:childTnLst>
-                                    <p:set>
-                                      <p:cBhvr>
-                                        <p:cTn id="77" dur="1" fill="hold">
-                                          <p:stCondLst>
-                                            <p:cond delay="0"/>
-                                          </p:stCondLst>
-                                        </p:cTn>
-                                        <p:tgtEl>
-                                          <p:spTgt spid="46"/>
-                                        </p:tgtEl>
-                                        <p:attrNameLst>
-                                          <p:attrName>style.visibility</p:attrName>
-                                        </p:attrNameLst>
-                                      </p:cBhvr>
-                                      <p:to>
-                                        <p:strVal val="visible"/>
-                                      </p:to>
-                                    </p:set>
-                                  </p:childTnLst>
-                                </p:cTn>
-                              </p:par>
-                              <p:par>
-                                <p:cTn id="78" presetID="22" presetClass="entr" presetSubtype="8" fill="hold" nodeType="withEffect">
-                                  <p:stCondLst>
-                                    <p:cond delay="0"/>
-                                  </p:stCondLst>
-                                  <p:childTnLst>
-                                    <p:set>
-                                      <p:cBhvr>
-                                        <p:cTn id="79" dur="1" fill="hold">
-                                          <p:stCondLst>
-                                            <p:cond delay="0"/>
-                                          </p:stCondLst>
-                                        </p:cTn>
-                                        <p:tgtEl>
-                                          <p:spTgt spid="39"/>
-                                        </p:tgtEl>
-                                        <p:attrNameLst>
-                                          <p:attrName>style.visibility</p:attrName>
-                                        </p:attrNameLst>
-                                      </p:cBhvr>
-                                      <p:to>
-                                        <p:strVal val="visible"/>
-                                      </p:to>
-                                    </p:set>
-                                    <p:animEffect transition="in" filter="wipe(left)">
-                                      <p:cBhvr>
-                                        <p:cTn id="80" dur="500"/>
-                                        <p:tgtEl>
-                                          <p:spTgt spid="39"/>
-                                        </p:tgtEl>
-                                      </p:cBhvr>
-                                    </p:animEffect>
-                                  </p:childTnLst>
-                                </p:cTn>
-                              </p:par>
-                              <p:par>
-                                <p:cTn id="81" presetID="22" presetClass="entr" presetSubtype="8" fill="hold" nodeType="withEffect">
-                                  <p:stCondLst>
-                                    <p:cond delay="0"/>
-                                  </p:stCondLst>
-                                  <p:childTnLst>
-                                    <p:set>
-                                      <p:cBhvr>
-                                        <p:cTn id="82" dur="1" fill="hold">
-                                          <p:stCondLst>
-                                            <p:cond delay="0"/>
-                                          </p:stCondLst>
-                                        </p:cTn>
-                                        <p:tgtEl>
-                                          <p:spTgt spid="41"/>
-                                        </p:tgtEl>
-                                        <p:attrNameLst>
-                                          <p:attrName>style.visibility</p:attrName>
-                                        </p:attrNameLst>
-                                      </p:cBhvr>
-                                      <p:to>
-                                        <p:strVal val="visible"/>
-                                      </p:to>
-                                    </p:set>
-                                    <p:animEffect transition="in" filter="wipe(left)">
-                                      <p:cBhvr>
-                                        <p:cTn id="83" dur="750"/>
-                                        <p:tgtEl>
-                                          <p:spTgt spid="41"/>
-                                        </p:tgtEl>
-                                      </p:cBhvr>
-                                    </p:animEffect>
-                                  </p:childTnLst>
-                                </p:cTn>
-                              </p:par>
-                            </p:childTnLst>
-                          </p:cTn>
-                        </p:par>
-                        <p:par>
-                          <p:cTn id="84" fill="hold">
-                            <p:stCondLst>
-                              <p:cond delay="5500"/>
-                            </p:stCondLst>
-                            <p:childTnLst>
-                              <p:par>
-                                <p:cTn id="85" presetID="1" presetClass="entr" presetSubtype="0" fill="hold" grpId="0" nodeType="afterEffect">
-                                  <p:stCondLst>
-                                    <p:cond delay="0"/>
-                                  </p:stCondLst>
-                                  <p:childTnLst>
-                                    <p:set>
-                                      <p:cBhvr>
-                                        <p:cTn id="86" dur="1" fill="hold">
-                                          <p:stCondLst>
-                                            <p:cond delay="0"/>
-                                          </p:stCondLst>
-                                        </p:cTn>
-                                        <p:tgtEl>
-                                          <p:spTgt spid="42"/>
-                                        </p:tgtEl>
-                                        <p:attrNameLst>
-                                          <p:attrName>style.visibility</p:attrName>
-                                        </p:attrNameLst>
-                                      </p:cBhvr>
-                                      <p:to>
-                                        <p:strVal val="visible"/>
-                                      </p:to>
-                                    </p:set>
-                                  </p:childTnLst>
-                                </p:cTn>
-                              </p:par>
-                            </p:childTnLst>
-                          </p:cTn>
-                        </p:par>
-                      </p:childTnLst>
-                    </p:cTn>
-                  </p:par>
-                  <p:par>
-                    <p:cTn id="87" fill="hold">
-                      <p:stCondLst>
-                        <p:cond delay="indefinite"/>
-                      </p:stCondLst>
-                      <p:childTnLst>
-                        <p:par>
-                          <p:cTn id="88" fill="hold">
-                            <p:stCondLst>
-                              <p:cond delay="0"/>
-                            </p:stCondLst>
-                            <p:childTnLst>
-                              <p:par>
-                                <p:cTn id="89" presetID="10" presetClass="exit" presetSubtype="0" fill="hold" grpId="0" nodeType="clickEffect">
-                                  <p:stCondLst>
-                                    <p:cond delay="0"/>
-                                  </p:stCondLst>
-                                  <p:childTnLst>
-                                    <p:animEffect transition="out" filter="fade">
-                                      <p:cBhvr>
-                                        <p:cTn id="90" dur="500"/>
-                                        <p:tgtEl>
-                                          <p:spTgt spid="50"/>
-                                        </p:tgtEl>
-                                      </p:cBhvr>
-                                    </p:animEffect>
-                                    <p:set>
-                                      <p:cBhvr>
-                                        <p:cTn id="91" dur="1" fill="hold">
-                                          <p:stCondLst>
-                                            <p:cond delay="499"/>
-                                          </p:stCondLst>
-                                        </p:cTn>
-                                        <p:tgtEl>
-                                          <p:spTgt spid="50"/>
-                                        </p:tgtEl>
-                                        <p:attrNameLst>
-                                          <p:attrName>style.visibility</p:attrName>
-                                        </p:attrNameLst>
-                                      </p:cBhvr>
-                                      <p:to>
-                                        <p:strVal val="hidden"/>
-                                      </p:to>
-                                    </p:set>
-                                  </p:childTnLst>
-                                </p:cTn>
-                              </p:par>
-                            </p:childTnLst>
-                          </p:cTn>
-                        </p:par>
-                      </p:childTnLst>
-                    </p:cTn>
-                  </p:par>
-                </p:childTnLst>
-              </p:cTn>
-              <p:prevCondLst>
-                <p:cond evt="onPrev" delay="0">
-                  <p:tgtEl>
-                    <p:sldTgt/>
-                  </p:tgtEl>
-                </p:cond>
-              </p:prevCondLst>
-              <p:nextCondLst>
-                <p:cond evt="onNext" delay="0">
-                  <p:tgtEl>
-                    <p:sldTgt/>
-                  </p:tgtEl>
-                </p:cond>
-              </p:nextCondLst>
-            </p:seq>
-          </p:childTnLst>
-        </p:cTn>
-      </p:par>
-    </p:tnLst>
-    <p:bldLst>
-      <p:bldP spid="6" grpId="0" animBg="1"/>
-      <p:bldP spid="8" grpId="0" animBg="1"/>
-      <p:bldP spid="9" grpId="0" animBg="1"/>
-      <p:bldP spid="10" grpId="0" animBg="1"/>
-      <p:bldP spid="28" grpId="0" animBg="1"/>
-      <p:bldP spid="29" grpId="0"/>
-      <p:bldP spid="30" grpId="0"/>
-      <p:bldP spid="31" grpId="0"/>
-      <p:bldP spid="32" grpId="0"/>
-      <p:bldP spid="25" grpId="0" animBg="1"/>
-      <p:bldP spid="27" grpId="0" animBg="1"/>
-      <p:bldP spid="33" grpId="0" animBg="1"/>
-      <p:bldP spid="35" grpId="0" animBg="1"/>
-      <p:bldP spid="42" grpId="0" animBg="1"/>
-      <p:bldP spid="43" grpId="0"/>
-      <p:bldP spid="44" grpId="0"/>
-      <p:bldP spid="45" grpId="0"/>
-      <p:bldP spid="46" grpId="0"/>
-      <p:bldP spid="50" grpId="0" animBg="1"/>
-    </p:bldLst>
-  </p:timing>
 </p:sld>
 </file>
 
